--- a/Presentation.pptx
+++ b/Presentation.pptx
@@ -10,10 +10,12 @@
     <p:sldId id="258" r:id="rId4"/>
     <p:sldId id="259" r:id="rId5"/>
     <p:sldId id="260" r:id="rId6"/>
-    <p:sldId id="261" r:id="rId7"/>
-    <p:sldId id="262" r:id="rId8"/>
-    <p:sldId id="263" r:id="rId9"/>
-    <p:sldId id="264" r:id="rId10"/>
+    <p:sldId id="265" r:id="rId7"/>
+    <p:sldId id="266" r:id="rId8"/>
+    <p:sldId id="261" r:id="rId9"/>
+    <p:sldId id="262" r:id="rId10"/>
+    <p:sldId id="263" r:id="rId11"/>
+    <p:sldId id="264" r:id="rId12"/>
   </p:sldIdLst>
   <p:sldSz cx="12192000" cy="6858000"/>
   <p:notesSz cx="6858000" cy="9144000"/>
@@ -3484,2411 +3486,7 @@
 </p:sld>
 </file>
 
-<file path=ppt/slides/slide2.xml><?xml version="1.0" encoding="utf-8"?>
-<p:sld xmlns:a="http://schemas.openxmlformats.org/drawingml/2006/main" xmlns:r="http://schemas.openxmlformats.org/officeDocument/2006/relationships" xmlns:p="http://schemas.openxmlformats.org/presentationml/2006/main">
-  <p:cSld>
-    <p:spTree>
-      <p:nvGrpSpPr>
-        <p:cNvPr id="1" name=""/>
-        <p:cNvGrpSpPr/>
-        <p:nvPr/>
-      </p:nvGrpSpPr>
-      <p:grpSpPr>
-        <a:xfrm>
-          <a:off x="0" y="0"/>
-          <a:ext cx="0" cy="0"/>
-          <a:chOff x="0" y="0"/>
-          <a:chExt cx="0" cy="0"/>
-        </a:xfrm>
-      </p:grpSpPr>
-      <p:sp>
-        <p:nvSpPr>
-          <p:cNvPr id="3" name="Content Placeholder 2">
-            <a:extLst>
-              <a:ext uri="{FF2B5EF4-FFF2-40B4-BE49-F238E27FC236}">
-                <a16:creationId xmlns:a16="http://schemas.microsoft.com/office/drawing/2014/main" id="{0DF1B108-604F-8046-A5E4-DFB37D9A6943}"/>
-              </a:ext>
-            </a:extLst>
-          </p:cNvPr>
-          <p:cNvSpPr>
-            <a:spLocks noGrp="1"/>
-          </p:cNvSpPr>
-          <p:nvPr>
-            <p:ph idx="1"/>
-          </p:nvPr>
-        </p:nvSpPr>
-        <p:spPr>
-          <a:xfrm>
-            <a:off x="838200" y="1034256"/>
-            <a:ext cx="10515600" cy="5142707"/>
-          </a:xfrm>
-        </p:spPr>
-        <p:txBody>
-          <a:bodyPr/>
-          <a:lstStyle/>
-          <a:p>
-            <a:r>
-              <a:rPr lang="en-US" sz="3200" dirty="0"/>
-              <a:t>First operand replacement</a:t>
-            </a:r>
-          </a:p>
-          <a:p>
-            <a:pPr marL="0" indent="0">
-              <a:buNone/>
-            </a:pPr>
-            <a:r>
-              <a:rPr lang="en-US" dirty="0"/>
-              <a:t> - remove the first parameter from the stack of JVM which is associated with the second operand in the expression</a:t>
-            </a:r>
-          </a:p>
-          <a:p>
-            <a:pPr marL="0" indent="0">
-              <a:buNone/>
-            </a:pPr>
-            <a:r>
-              <a:rPr lang="en-US" dirty="0"/>
-              <a:t> - </a:t>
-            </a:r>
-            <a:r>
-              <a:rPr lang="en-US" i="1" dirty="0" err="1"/>
-              <a:t>int</a:t>
-            </a:r>
-            <a:r>
-              <a:rPr lang="en-US" dirty="0"/>
-              <a:t>, </a:t>
-            </a:r>
-            <a:r>
-              <a:rPr lang="en-US" i="1" dirty="0"/>
-              <a:t>float</a:t>
-            </a:r>
-            <a:r>
-              <a:rPr lang="en-US" dirty="0"/>
-              <a:t>  stored in 1 stack slot : </a:t>
-            </a:r>
-            <a:r>
-              <a:rPr lang="en-US" b="1" dirty="0"/>
-              <a:t>POP</a:t>
-            </a:r>
-          </a:p>
-          <a:p>
-            <a:pPr marL="0" indent="0">
-              <a:buNone/>
-            </a:pPr>
-            <a:r>
-              <a:rPr lang="vi-VN" dirty="0"/>
-              <a:t> </a:t>
-            </a:r>
-            <a:r>
-              <a:rPr lang="en-US" dirty="0"/>
-              <a:t>- </a:t>
-            </a:r>
-            <a:r>
-              <a:rPr lang="en-US" i="1" dirty="0"/>
-              <a:t>double</a:t>
-            </a:r>
-            <a:r>
-              <a:rPr lang="en-US" dirty="0"/>
-              <a:t>, </a:t>
-            </a:r>
-            <a:r>
-              <a:rPr lang="en-US" i="1" dirty="0"/>
-              <a:t>long</a:t>
-            </a:r>
-            <a:r>
-              <a:rPr lang="en-US" dirty="0"/>
-              <a:t> stored in 2 stack slots: </a:t>
-            </a:r>
-            <a:r>
-              <a:rPr lang="en-US" b="1" dirty="0"/>
-              <a:t>POP2</a:t>
-            </a:r>
-            <a:endParaRPr lang="ru-RU" b="1" dirty="0"/>
-          </a:p>
-        </p:txBody>
-      </p:sp>
-      <p:sp>
-        <p:nvSpPr>
-          <p:cNvPr id="6" name="Title 1">
-            <a:extLst>
-              <a:ext uri="{FF2B5EF4-FFF2-40B4-BE49-F238E27FC236}">
-                <a16:creationId xmlns:a16="http://schemas.microsoft.com/office/drawing/2014/main" id="{704DE971-1443-0F4B-95AB-FA971475C320}"/>
-              </a:ext>
-            </a:extLst>
-          </p:cNvPr>
-          <p:cNvSpPr txBox="1">
-            <a:spLocks/>
-          </p:cNvSpPr>
-          <p:nvPr/>
-        </p:nvSpPr>
-        <p:spPr>
-          <a:xfrm>
-            <a:off x="1157288" y="177006"/>
-            <a:ext cx="9510712" cy="857250"/>
-          </a:xfrm>
-          <a:prstGeom prst="rect">
-            <a:avLst/>
-          </a:prstGeom>
-        </p:spPr>
-        <p:txBody>
-          <a:bodyPr vert="horz" lIns="91440" tIns="45720" rIns="91440" bIns="45720" rtlCol="0" anchor="ctr">
-            <a:normAutofit/>
-          </a:bodyPr>
-          <a:lstStyle>
-            <a:lvl1pPr algn="l" defTabSz="914400" rtl="0" eaLnBrk="1" latinLnBrk="0" hangingPunct="1">
-              <a:lnSpc>
-                <a:spcPct val="90000"/>
-              </a:lnSpc>
-              <a:spcBef>
-                <a:spcPct val="0"/>
-              </a:spcBef>
-              <a:buNone/>
-              <a:defRPr sz="4400" kern="1200">
-                <a:solidFill>
-                  <a:schemeClr val="tx1"/>
-                </a:solidFill>
-                <a:latin typeface="+mj-lt"/>
-                <a:ea typeface="+mj-ea"/>
-                <a:cs typeface="+mj-cs"/>
-              </a:defRPr>
-            </a:lvl1pPr>
-          </a:lstStyle>
-          <a:p>
-            <a:pPr algn="ctr"/>
-            <a:r>
-              <a:rPr lang="en-US" sz="4000" b="1" dirty="0"/>
-              <a:t>AOD implementation</a:t>
-            </a:r>
-            <a:endParaRPr lang="ru-RU" sz="4000" b="1" dirty="0"/>
-          </a:p>
-        </p:txBody>
-      </p:sp>
-    </p:spTree>
-    <p:extLst>
-      <p:ext uri="{BB962C8B-B14F-4D97-AF65-F5344CB8AC3E}">
-        <p14:creationId xmlns:p14="http://schemas.microsoft.com/office/powerpoint/2010/main" val="4138694109"/>
-      </p:ext>
-    </p:extLst>
-  </p:cSld>
-  <p:clrMapOvr>
-    <a:masterClrMapping/>
-  </p:clrMapOvr>
-</p:sld>
-</file>
-
-<file path=ppt/slides/slide3.xml><?xml version="1.0" encoding="utf-8"?>
-<p:sld xmlns:a="http://schemas.openxmlformats.org/drawingml/2006/main" xmlns:r="http://schemas.openxmlformats.org/officeDocument/2006/relationships" xmlns:p="http://schemas.openxmlformats.org/presentationml/2006/main">
-  <p:cSld>
-    <p:spTree>
-      <p:nvGrpSpPr>
-        <p:cNvPr id="1" name=""/>
-        <p:cNvGrpSpPr/>
-        <p:nvPr/>
-      </p:nvGrpSpPr>
-      <p:grpSpPr>
-        <a:xfrm>
-          <a:off x="0" y="0"/>
-          <a:ext cx="0" cy="0"/>
-          <a:chOff x="0" y="0"/>
-          <a:chExt cx="0" cy="0"/>
-        </a:xfrm>
-      </p:grpSpPr>
-      <p:sp>
-        <p:nvSpPr>
-          <p:cNvPr id="3" name="Content Placeholder 2">
-            <a:extLst>
-              <a:ext uri="{FF2B5EF4-FFF2-40B4-BE49-F238E27FC236}">
-                <a16:creationId xmlns:a16="http://schemas.microsoft.com/office/drawing/2014/main" id="{057B635D-FB8B-0E4D-B6B4-614463EF4373}"/>
-              </a:ext>
-            </a:extLst>
-          </p:cNvPr>
-          <p:cNvSpPr>
-            <a:spLocks noGrp="1"/>
-          </p:cNvSpPr>
-          <p:nvPr>
-            <p:ph idx="1"/>
-          </p:nvPr>
-        </p:nvSpPr>
-        <p:spPr>
-          <a:xfrm>
-            <a:off x="838200" y="1157288"/>
-            <a:ext cx="10515600" cy="5019675"/>
-          </a:xfrm>
-        </p:spPr>
-        <p:txBody>
-          <a:bodyPr>
-            <a:normAutofit/>
-          </a:bodyPr>
-          <a:lstStyle/>
-          <a:p>
-            <a:r>
-              <a:rPr lang="en-US" sz="3200" dirty="0"/>
-              <a:t>Second operand replacement</a:t>
-            </a:r>
-          </a:p>
-          <a:p>
-            <a:pPr marL="0" indent="0">
-              <a:buNone/>
-            </a:pPr>
-            <a:r>
-              <a:rPr lang="en-US" sz="3200" dirty="0"/>
-              <a:t> - </a:t>
-            </a:r>
-            <a:r>
-              <a:rPr lang="en-US" sz="3200" i="1" dirty="0" err="1"/>
-              <a:t>int</a:t>
-            </a:r>
-            <a:r>
-              <a:rPr lang="en-US" sz="3200" dirty="0"/>
-              <a:t>, </a:t>
-            </a:r>
-            <a:r>
-              <a:rPr lang="en-US" sz="3200" i="1" dirty="0"/>
-              <a:t>float</a:t>
-            </a:r>
-            <a:r>
-              <a:rPr lang="en-US" sz="3200" dirty="0"/>
-              <a:t>: </a:t>
-            </a:r>
-          </a:p>
-          <a:p>
-            <a:pPr marL="0" indent="0">
-              <a:buNone/>
-            </a:pPr>
-            <a:r>
-              <a:rPr lang="en-US" sz="3200" dirty="0"/>
-              <a:t>     + using </a:t>
-            </a:r>
-            <a:r>
-              <a:rPr lang="en-US" sz="3200" b="1" dirty="0"/>
-              <a:t>SWAP</a:t>
-            </a:r>
-          </a:p>
-          <a:p>
-            <a:pPr marL="0" indent="0">
-              <a:buNone/>
-            </a:pPr>
-            <a:r>
-              <a:rPr lang="en-US" sz="3200" i="1" dirty="0"/>
-              <a:t>     </a:t>
-            </a:r>
-            <a:r>
-              <a:rPr lang="en-US" sz="3200" dirty="0"/>
-              <a:t>+ becomes the first operand replacement</a:t>
-            </a:r>
-          </a:p>
-          <a:p>
-            <a:pPr marL="0" indent="0">
-              <a:buNone/>
-            </a:pPr>
-            <a:endParaRPr lang="ru-RU" sz="3200" dirty="0"/>
-          </a:p>
-        </p:txBody>
-      </p:sp>
-      <p:sp>
-        <p:nvSpPr>
-          <p:cNvPr id="4" name="Title 1">
-            <a:extLst>
-              <a:ext uri="{FF2B5EF4-FFF2-40B4-BE49-F238E27FC236}">
-                <a16:creationId xmlns:a16="http://schemas.microsoft.com/office/drawing/2014/main" id="{D033EA36-D555-6E4D-B4C7-BA2B58724684}"/>
-              </a:ext>
-            </a:extLst>
-          </p:cNvPr>
-          <p:cNvSpPr txBox="1">
-            <a:spLocks/>
-          </p:cNvSpPr>
-          <p:nvPr/>
-        </p:nvSpPr>
-        <p:spPr>
-          <a:xfrm>
-            <a:off x="1157288" y="177006"/>
-            <a:ext cx="9510712" cy="857250"/>
-          </a:xfrm>
-          <a:prstGeom prst="rect">
-            <a:avLst/>
-          </a:prstGeom>
-        </p:spPr>
-        <p:txBody>
-          <a:bodyPr vert="horz" lIns="91440" tIns="45720" rIns="91440" bIns="45720" rtlCol="0" anchor="ctr">
-            <a:normAutofit/>
-          </a:bodyPr>
-          <a:lstStyle>
-            <a:lvl1pPr algn="l" defTabSz="914400" rtl="0" eaLnBrk="1" latinLnBrk="0" hangingPunct="1">
-              <a:lnSpc>
-                <a:spcPct val="90000"/>
-              </a:lnSpc>
-              <a:spcBef>
-                <a:spcPct val="0"/>
-              </a:spcBef>
-              <a:buNone/>
-              <a:defRPr sz="4400" kern="1200">
-                <a:solidFill>
-                  <a:schemeClr val="tx1"/>
-                </a:solidFill>
-                <a:latin typeface="+mj-lt"/>
-                <a:ea typeface="+mj-ea"/>
-                <a:cs typeface="+mj-cs"/>
-              </a:defRPr>
-            </a:lvl1pPr>
-          </a:lstStyle>
-          <a:p>
-            <a:pPr algn="ctr"/>
-            <a:r>
-              <a:rPr lang="en-US" sz="4000" b="1" dirty="0"/>
-              <a:t>AOD implementation</a:t>
-            </a:r>
-            <a:endParaRPr lang="ru-RU" sz="4000" b="1" dirty="0"/>
-          </a:p>
-        </p:txBody>
-      </p:sp>
-    </p:spTree>
-    <p:extLst>
-      <p:ext uri="{BB962C8B-B14F-4D97-AF65-F5344CB8AC3E}">
-        <p14:creationId xmlns:p14="http://schemas.microsoft.com/office/powerpoint/2010/main" val="3124990749"/>
-      </p:ext>
-    </p:extLst>
-  </p:cSld>
-  <p:clrMapOvr>
-    <a:masterClrMapping/>
-  </p:clrMapOvr>
-</p:sld>
-</file>
-
-<file path=ppt/slides/slide4.xml><?xml version="1.0" encoding="utf-8"?>
-<p:sld xmlns:a="http://schemas.openxmlformats.org/drawingml/2006/main" xmlns:r="http://schemas.openxmlformats.org/officeDocument/2006/relationships" xmlns:p="http://schemas.openxmlformats.org/presentationml/2006/main">
-  <p:cSld>
-    <p:spTree>
-      <p:nvGrpSpPr>
-        <p:cNvPr id="1" name=""/>
-        <p:cNvGrpSpPr/>
-        <p:nvPr/>
-      </p:nvGrpSpPr>
-      <p:grpSpPr>
-        <a:xfrm>
-          <a:off x="0" y="0"/>
-          <a:ext cx="0" cy="0"/>
-          <a:chOff x="0" y="0"/>
-          <a:chExt cx="0" cy="0"/>
-        </a:xfrm>
-      </p:grpSpPr>
-      <p:sp>
-        <p:nvSpPr>
-          <p:cNvPr id="2" name="Title 1">
-            <a:extLst>
-              <a:ext uri="{FF2B5EF4-FFF2-40B4-BE49-F238E27FC236}">
-                <a16:creationId xmlns:a16="http://schemas.microsoft.com/office/drawing/2014/main" id="{02FEB278-FF8F-3B4A-84EB-7DD41861BB6D}"/>
-              </a:ext>
-            </a:extLst>
-          </p:cNvPr>
-          <p:cNvSpPr>
-            <a:spLocks noGrp="1"/>
-          </p:cNvSpPr>
-          <p:nvPr>
-            <p:ph type="title"/>
-          </p:nvPr>
-        </p:nvSpPr>
-        <p:spPr>
-          <a:xfrm>
-            <a:off x="838200" y="479426"/>
-            <a:ext cx="10515600" cy="635000"/>
-          </a:xfrm>
-        </p:spPr>
-        <p:txBody>
-          <a:bodyPr>
-            <a:normAutofit fontScale="90000"/>
-          </a:bodyPr>
-          <a:lstStyle/>
-          <a:p>
-            <a:pPr algn="ctr"/>
-            <a:r>
-              <a:rPr lang="en-US" b="1" dirty="0"/>
-              <a:t>AOD implementation</a:t>
-            </a:r>
-            <a:br>
-              <a:rPr lang="ru-RU" b="1" dirty="0"/>
-            </a:br>
-            <a:endParaRPr lang="ru-RU" dirty="0"/>
-          </a:p>
-        </p:txBody>
-      </p:sp>
-      <p:sp>
-        <p:nvSpPr>
-          <p:cNvPr id="3" name="Content Placeholder 2">
-            <a:extLst>
-              <a:ext uri="{FF2B5EF4-FFF2-40B4-BE49-F238E27FC236}">
-                <a16:creationId xmlns:a16="http://schemas.microsoft.com/office/drawing/2014/main" id="{7A95BC14-0E82-FA4B-9F9B-A1ECB27DE88D}"/>
-              </a:ext>
-            </a:extLst>
-          </p:cNvPr>
-          <p:cNvSpPr>
-            <a:spLocks noGrp="1"/>
-          </p:cNvSpPr>
-          <p:nvPr>
-            <p:ph idx="1"/>
-          </p:nvPr>
-        </p:nvSpPr>
-        <p:spPr>
-          <a:xfrm>
-            <a:off x="838200" y="1114426"/>
-            <a:ext cx="10515600" cy="5062537"/>
-          </a:xfrm>
-        </p:spPr>
-        <p:txBody>
-          <a:bodyPr/>
-          <a:lstStyle/>
-          <a:p>
-            <a:r>
-              <a:rPr lang="en-US" dirty="0"/>
-              <a:t>Second operand replacement</a:t>
-            </a:r>
-            <a:endParaRPr lang="vi-VN" dirty="0"/>
-          </a:p>
-          <a:p>
-            <a:pPr marL="0" indent="0">
-              <a:buNone/>
-            </a:pPr>
-            <a:r>
-              <a:rPr lang="en-US" dirty="0"/>
-              <a:t>-  </a:t>
-            </a:r>
-            <a:r>
-              <a:rPr lang="en-US" i="1" dirty="0"/>
-              <a:t>double</a:t>
-            </a:r>
-            <a:r>
-              <a:rPr lang="en-US" dirty="0"/>
-              <a:t>, </a:t>
-            </a:r>
-            <a:r>
-              <a:rPr lang="en-US" i="1" dirty="0"/>
-              <a:t>long: </a:t>
-            </a:r>
-          </a:p>
-          <a:p>
-            <a:pPr marL="0" indent="0">
-              <a:buNone/>
-            </a:pPr>
-            <a:r>
-              <a:rPr lang="en-US" i="1" dirty="0"/>
-              <a:t>   </a:t>
-            </a:r>
-            <a:r>
-              <a:rPr lang="en-US" dirty="0"/>
-              <a:t>+ </a:t>
-            </a:r>
-            <a:r>
-              <a:rPr lang="en-US" b="1" dirty="0"/>
-              <a:t>SWAP2</a:t>
-            </a:r>
-            <a:r>
-              <a:rPr lang="en-US" dirty="0"/>
-              <a:t> doesn’t exist</a:t>
-            </a:r>
-          </a:p>
-          <a:p>
-            <a:pPr marL="0" indent="0">
-              <a:buNone/>
-            </a:pPr>
-            <a:r>
-              <a:rPr lang="en-US" i="1" dirty="0"/>
-              <a:t>   </a:t>
-            </a:r>
-            <a:r>
-              <a:rPr lang="en-US" dirty="0"/>
-              <a:t>+ Alternative: </a:t>
-            </a:r>
-            <a:endParaRPr lang="vi-VN" dirty="0"/>
-          </a:p>
-          <a:p>
-            <a:pPr marL="0" indent="0">
-              <a:buNone/>
-            </a:pPr>
-            <a:r>
-              <a:rPr lang="vi-VN" dirty="0"/>
-              <a:t>	</a:t>
-            </a:r>
-            <a:r>
-              <a:rPr lang="en-US" b="1" i="1" dirty="0">
-                <a:latin typeface="Calibri" panose="020F0502020204030204" pitchFamily="34" charset="0"/>
-                <a:cs typeface="Calibri" panose="020F0502020204030204" pitchFamily="34" charset="0"/>
-              </a:rPr>
-              <a:t>DUP2_X2</a:t>
-            </a:r>
-            <a:endParaRPr lang="vi-VN" b="1" i="1" dirty="0">
-              <a:latin typeface="Calibri" panose="020F0502020204030204" pitchFamily="34" charset="0"/>
-              <a:cs typeface="Calibri" panose="020F0502020204030204" pitchFamily="34" charset="0"/>
-            </a:endParaRPr>
-          </a:p>
-          <a:p>
-            <a:pPr marL="0" indent="0">
-              <a:buNone/>
-            </a:pPr>
-            <a:r>
-              <a:rPr lang="vi-VN" i="1" dirty="0">
-                <a:latin typeface="Calibri" panose="020F0502020204030204" pitchFamily="34" charset="0"/>
-                <a:cs typeface="Calibri" panose="020F0502020204030204" pitchFamily="34" charset="0"/>
-              </a:rPr>
-              <a:t>	</a:t>
-            </a:r>
-            <a:r>
-              <a:rPr lang="vi-VN" b="1" i="1" dirty="0">
-                <a:latin typeface="Calibri" panose="020F0502020204030204" pitchFamily="34" charset="0"/>
-                <a:cs typeface="Calibri" panose="020F0502020204030204" pitchFamily="34" charset="0"/>
-              </a:rPr>
-              <a:t>POP2</a:t>
-            </a:r>
-          </a:p>
-          <a:p>
-            <a:pPr marL="0" indent="0">
-              <a:buNone/>
-            </a:pPr>
-            <a:r>
-              <a:rPr lang="vi-VN" b="1" i="1" dirty="0">
-                <a:latin typeface="Calibri" panose="020F0502020204030204" pitchFamily="34" charset="0"/>
-                <a:cs typeface="Calibri" panose="020F0502020204030204" pitchFamily="34" charset="0"/>
-              </a:rPr>
-              <a:t>	POP2</a:t>
-            </a:r>
-            <a:endParaRPr lang="ru-RU" b="1" i="1" dirty="0">
-              <a:latin typeface="Calibri" panose="020F0502020204030204" pitchFamily="34" charset="0"/>
-              <a:cs typeface="Calibri" panose="020F0502020204030204" pitchFamily="34" charset="0"/>
-            </a:endParaRPr>
-          </a:p>
-        </p:txBody>
-      </p:sp>
-    </p:spTree>
-    <p:extLst>
-      <p:ext uri="{BB962C8B-B14F-4D97-AF65-F5344CB8AC3E}">
-        <p14:creationId xmlns:p14="http://schemas.microsoft.com/office/powerpoint/2010/main" val="896854810"/>
-      </p:ext>
-    </p:extLst>
-  </p:cSld>
-  <p:clrMapOvr>
-    <a:masterClrMapping/>
-  </p:clrMapOvr>
-</p:sld>
-</file>
-
-<file path=ppt/slides/slide5.xml><?xml version="1.0" encoding="utf-8"?>
-<p:sld xmlns:a="http://schemas.openxmlformats.org/drawingml/2006/main" xmlns:r="http://schemas.openxmlformats.org/officeDocument/2006/relationships" xmlns:p="http://schemas.openxmlformats.org/presentationml/2006/main">
-  <p:cSld>
-    <p:spTree>
-      <p:nvGrpSpPr>
-        <p:cNvPr id="1" name=""/>
-        <p:cNvGrpSpPr/>
-        <p:nvPr/>
-      </p:nvGrpSpPr>
-      <p:grpSpPr>
-        <a:xfrm>
-          <a:off x="0" y="0"/>
-          <a:ext cx="0" cy="0"/>
-          <a:chOff x="0" y="0"/>
-          <a:chExt cx="0" cy="0"/>
-        </a:xfrm>
-      </p:grpSpPr>
-      <p:sp>
-        <p:nvSpPr>
-          <p:cNvPr id="2" name="Title 1">
-            <a:extLst>
-              <a:ext uri="{FF2B5EF4-FFF2-40B4-BE49-F238E27FC236}">
-                <a16:creationId xmlns:a16="http://schemas.microsoft.com/office/drawing/2014/main" id="{F6C908D6-F568-8147-89C1-620BD05E3F72}"/>
-              </a:ext>
-            </a:extLst>
-          </p:cNvPr>
-          <p:cNvSpPr>
-            <a:spLocks noGrp="1"/>
-          </p:cNvSpPr>
-          <p:nvPr>
-            <p:ph type="title"/>
-          </p:nvPr>
-        </p:nvSpPr>
-        <p:spPr>
-          <a:xfrm>
-            <a:off x="795338" y="179388"/>
-            <a:ext cx="10515600" cy="1106488"/>
-          </a:xfrm>
-        </p:spPr>
-        <p:txBody>
-          <a:bodyPr/>
-          <a:lstStyle/>
-          <a:p>
-            <a:pPr algn="ctr"/>
-            <a:r>
-              <a:rPr lang="en-US" b="1" dirty="0"/>
-              <a:t>Example</a:t>
-            </a:r>
-            <a:endParaRPr lang="ru-RU" b="1" dirty="0"/>
-          </a:p>
-        </p:txBody>
-      </p:sp>
-      <p:pic>
-        <p:nvPicPr>
-          <p:cNvPr id="4" name="Content Placeholder 3">
-            <a:extLst>
-              <a:ext uri="{FF2B5EF4-FFF2-40B4-BE49-F238E27FC236}">
-                <a16:creationId xmlns:a16="http://schemas.microsoft.com/office/drawing/2014/main" id="{165F00F2-C654-5A4D-9B5B-2A3E49024DA7}"/>
-              </a:ext>
-            </a:extLst>
-          </p:cNvPr>
-          <p:cNvPicPr>
-            <a:picLocks noGrp="1"/>
-          </p:cNvPicPr>
-          <p:nvPr>
-            <p:ph idx="1"/>
-          </p:nvPr>
-        </p:nvPicPr>
-        <p:blipFill>
-          <a:blip r:embed="rId2" cstate="print">
-            <a:extLst>
-              <a:ext uri="{28A0092B-C50C-407E-A947-70E740481C1C}">
-                <a14:useLocalDpi xmlns:a14="http://schemas.microsoft.com/office/drawing/2010/main" val="0"/>
-              </a:ext>
-            </a:extLst>
-          </a:blip>
-          <a:stretch>
-            <a:fillRect/>
-          </a:stretch>
-        </p:blipFill>
-        <p:spPr>
-          <a:xfrm>
-            <a:off x="1014414" y="1285877"/>
-            <a:ext cx="10129836" cy="5343524"/>
-          </a:xfrm>
-          <a:prstGeom prst="rect">
-            <a:avLst/>
-          </a:prstGeom>
-        </p:spPr>
-      </p:pic>
-    </p:spTree>
-    <p:extLst>
-      <p:ext uri="{BB962C8B-B14F-4D97-AF65-F5344CB8AC3E}">
-        <p14:creationId xmlns:p14="http://schemas.microsoft.com/office/powerpoint/2010/main" val="1872125982"/>
-      </p:ext>
-    </p:extLst>
-  </p:cSld>
-  <p:clrMapOvr>
-    <a:masterClrMapping/>
-  </p:clrMapOvr>
-</p:sld>
-</file>
-
-<file path=ppt/slides/slide6.xml><?xml version="1.0" encoding="utf-8"?>
-<p:sld xmlns:a="http://schemas.openxmlformats.org/drawingml/2006/main" xmlns:r="http://schemas.openxmlformats.org/officeDocument/2006/relationships" xmlns:p="http://schemas.openxmlformats.org/presentationml/2006/main">
-  <p:cSld>
-    <p:spTree>
-      <p:nvGrpSpPr>
-        <p:cNvPr id="1" name=""/>
-        <p:cNvGrpSpPr/>
-        <p:nvPr/>
-      </p:nvGrpSpPr>
-      <p:grpSpPr>
-        <a:xfrm>
-          <a:off x="0" y="0"/>
-          <a:ext cx="0" cy="0"/>
-          <a:chOff x="0" y="0"/>
-          <a:chExt cx="0" cy="0"/>
-        </a:xfrm>
-      </p:grpSpPr>
-      <p:sp>
-        <p:nvSpPr>
-          <p:cNvPr id="2" name="Title 1"/>
-          <p:cNvSpPr>
-            <a:spLocks noGrp="1"/>
-          </p:cNvSpPr>
-          <p:nvPr>
-            <p:ph type="title"/>
-          </p:nvPr>
-        </p:nvSpPr>
-        <p:spPr>
-          <a:xfrm>
-            <a:off x="838200" y="328179"/>
-            <a:ext cx="10515600" cy="1325563"/>
-          </a:xfrm>
-        </p:spPr>
-        <p:txBody>
-          <a:bodyPr/>
-          <a:lstStyle/>
-          <a:p>
-            <a:pPr algn="ctr"/>
-            <a:r>
-              <a:rPr lang="en-US" dirty="0"/>
-              <a:t>ROR Implementation</a:t>
-            </a:r>
-          </a:p>
-        </p:txBody>
-      </p:sp>
-      <p:sp>
-        <p:nvSpPr>
-          <p:cNvPr id="4" name="Rectangle 3"/>
-          <p:cNvSpPr/>
-          <p:nvPr/>
-        </p:nvSpPr>
-        <p:spPr>
-          <a:xfrm>
-            <a:off x="1357745" y="1551709"/>
-            <a:ext cx="9522691" cy="4156364"/>
-          </a:xfrm>
-          <a:prstGeom prst="rect">
-            <a:avLst/>
-          </a:prstGeom>
-          <a:noFill/>
-          <a:ln>
-            <a:noFill/>
-          </a:ln>
-        </p:spPr>
-        <p:style>
-          <a:lnRef idx="2">
-            <a:schemeClr val="accent1">
-              <a:shade val="50000"/>
-            </a:schemeClr>
-          </a:lnRef>
-          <a:fillRef idx="1">
-            <a:schemeClr val="accent1"/>
-          </a:fillRef>
-          <a:effectRef idx="0">
-            <a:schemeClr val="accent1"/>
-          </a:effectRef>
-          <a:fontRef idx="minor">
-            <a:schemeClr val="lt1"/>
-          </a:fontRef>
-        </p:style>
-        <p:txBody>
-          <a:bodyPr rtlCol="0" anchor="ctr"/>
-          <a:lstStyle/>
-          <a:p>
-            <a:pPr algn="ctr"/>
-            <a:endParaRPr lang="en-US"/>
-          </a:p>
-        </p:txBody>
-      </p:sp>
-      <p:sp>
-        <p:nvSpPr>
-          <p:cNvPr id="5" name="Rectangle 4"/>
-          <p:cNvSpPr/>
-          <p:nvPr/>
-        </p:nvSpPr>
-        <p:spPr>
-          <a:xfrm>
-            <a:off x="304799" y="1690687"/>
-            <a:ext cx="11647055" cy="1186585"/>
-          </a:xfrm>
-          <a:prstGeom prst="rect">
-            <a:avLst/>
-          </a:prstGeom>
-          <a:noFill/>
-          <a:ln>
-            <a:noFill/>
-          </a:ln>
-        </p:spPr>
-        <p:style>
-          <a:lnRef idx="2">
-            <a:schemeClr val="accent1">
-              <a:shade val="50000"/>
-            </a:schemeClr>
-          </a:lnRef>
-          <a:fillRef idx="1">
-            <a:schemeClr val="accent1"/>
-          </a:fillRef>
-          <a:effectRef idx="0">
-            <a:schemeClr val="accent1"/>
-          </a:effectRef>
-          <a:fontRef idx="minor">
-            <a:schemeClr val="lt1"/>
-          </a:fontRef>
-        </p:style>
-        <p:txBody>
-          <a:bodyPr rtlCol="0" anchor="ctr"/>
-          <a:lstStyle/>
-          <a:p>
-            <a:r>
-              <a:rPr lang="en-IN" dirty="0">
-                <a:solidFill>
-                  <a:schemeClr val="tx1"/>
-                </a:solidFill>
-              </a:rPr>
-              <a:t>The implementation of the relational operator replacement required for each relational operator to be replaced by every other one. </a:t>
-            </a:r>
-            <a:endParaRPr lang="en-US" dirty="0">
-              <a:solidFill>
-                <a:schemeClr val="tx1"/>
-              </a:solidFill>
-            </a:endParaRPr>
-          </a:p>
-        </p:txBody>
-      </p:sp>
-      <p:graphicFrame>
-        <p:nvGraphicFramePr>
-          <p:cNvPr id="6" name="Table 5"/>
-          <p:cNvGraphicFramePr>
-            <a:graphicFrameLocks noGrp="1"/>
-          </p:cNvGraphicFramePr>
-          <p:nvPr>
-            <p:extLst>
-              <p:ext uri="{D42A27DB-BD31-4B8C-83A1-F6EECF244321}">
-                <p14:modId xmlns:p14="http://schemas.microsoft.com/office/powerpoint/2010/main" val="1814194402"/>
-              </p:ext>
-            </p:extLst>
-          </p:nvPr>
-        </p:nvGraphicFramePr>
-        <p:xfrm>
-          <a:off x="602297" y="2714697"/>
-          <a:ext cx="5840176" cy="3665785"/>
-        </p:xfrm>
-        <a:graphic>
-          <a:graphicData uri="http://schemas.openxmlformats.org/drawingml/2006/table">
-            <a:tbl>
-              <a:tblPr firstRow="1" firstCol="1" bandRow="1">
-                <a:tableStyleId>{5C22544A-7EE6-4342-B048-85BDC9FD1C3A}</a:tableStyleId>
-              </a:tblPr>
-              <a:tblGrid>
-                <a:gridCol w="905751">
-                  <a:extLst>
-                    <a:ext uri="{9D8B030D-6E8A-4147-A177-3AD203B41FA5}">
-                      <a16:colId xmlns:a16="http://schemas.microsoft.com/office/drawing/2014/main" val="177858951"/>
-                    </a:ext>
-                  </a:extLst>
-                </a:gridCol>
-                <a:gridCol w="986885">
-                  <a:extLst>
-                    <a:ext uri="{9D8B030D-6E8A-4147-A177-3AD203B41FA5}">
-                      <a16:colId xmlns:a16="http://schemas.microsoft.com/office/drawing/2014/main" val="2734022107"/>
-                    </a:ext>
-                  </a:extLst>
-                </a:gridCol>
-                <a:gridCol w="986885">
-                  <a:extLst>
-                    <a:ext uri="{9D8B030D-6E8A-4147-A177-3AD203B41FA5}">
-                      <a16:colId xmlns:a16="http://schemas.microsoft.com/office/drawing/2014/main" val="1717685089"/>
-                    </a:ext>
-                  </a:extLst>
-                </a:gridCol>
-                <a:gridCol w="986885">
-                  <a:extLst>
-                    <a:ext uri="{9D8B030D-6E8A-4147-A177-3AD203B41FA5}">
-                      <a16:colId xmlns:a16="http://schemas.microsoft.com/office/drawing/2014/main" val="136178863"/>
-                    </a:ext>
-                  </a:extLst>
-                </a:gridCol>
-                <a:gridCol w="986885">
-                  <a:extLst>
-                    <a:ext uri="{9D8B030D-6E8A-4147-A177-3AD203B41FA5}">
-                      <a16:colId xmlns:a16="http://schemas.microsoft.com/office/drawing/2014/main" val="1526659126"/>
-                    </a:ext>
-                  </a:extLst>
-                </a:gridCol>
-                <a:gridCol w="986885">
-                  <a:extLst>
-                    <a:ext uri="{9D8B030D-6E8A-4147-A177-3AD203B41FA5}">
-                      <a16:colId xmlns:a16="http://schemas.microsoft.com/office/drawing/2014/main" val="4181345801"/>
-                    </a:ext>
-                  </a:extLst>
-                </a:gridCol>
-              </a:tblGrid>
-              <a:tr h="606293">
-                <a:tc>
-                  <a:txBody>
-                    <a:bodyPr/>
-                    <a:lstStyle/>
-                    <a:p>
-                      <a:pPr marL="0" marR="0" algn="ctr">
-                        <a:spcBef>
-                          <a:spcPts val="0"/>
-                        </a:spcBef>
-                        <a:spcAft>
-                          <a:spcPts val="0"/>
-                        </a:spcAft>
-                      </a:pPr>
-                      <a:r>
-                        <a:rPr lang="en-IN" sz="2800" dirty="0">
-                          <a:effectLst/>
-                        </a:rPr>
-                        <a:t>==</a:t>
-                      </a:r>
-                      <a:endParaRPr lang="en-US" sz="2600" dirty="0">
-                        <a:effectLst/>
-                        <a:latin typeface="Calibri" panose="020F0502020204030204" pitchFamily="34" charset="0"/>
-                        <a:ea typeface="Calibri" panose="020F0502020204030204" pitchFamily="34" charset="0"/>
-                        <a:cs typeface="Times New Roman" panose="02020603050405020304" pitchFamily="18" charset="0"/>
-                      </a:endParaRPr>
-                    </a:p>
-                  </a:txBody>
-                  <a:tcPr marL="159318" marR="159318" marT="0" marB="0"/>
-                </a:tc>
-                <a:tc>
-                  <a:txBody>
-                    <a:bodyPr/>
-                    <a:lstStyle/>
-                    <a:p>
-                      <a:pPr marL="0" marR="0" algn="ctr">
-                        <a:spcBef>
-                          <a:spcPts val="0"/>
-                        </a:spcBef>
-                        <a:spcAft>
-                          <a:spcPts val="0"/>
-                        </a:spcAft>
-                      </a:pPr>
-                      <a:r>
-                        <a:rPr lang="en-IN" sz="2800">
-                          <a:effectLst/>
-                        </a:rPr>
-                        <a:t>!=</a:t>
-                      </a:r>
-                      <a:endParaRPr lang="en-US" sz="2600">
-                        <a:effectLst/>
-                        <a:latin typeface="Calibri" panose="020F0502020204030204" pitchFamily="34" charset="0"/>
-                        <a:ea typeface="Calibri" panose="020F0502020204030204" pitchFamily="34" charset="0"/>
-                        <a:cs typeface="Times New Roman" panose="02020603050405020304" pitchFamily="18" charset="0"/>
-                      </a:endParaRPr>
-                    </a:p>
-                  </a:txBody>
-                  <a:tcPr marL="159318" marR="159318" marT="0" marB="0"/>
-                </a:tc>
-                <a:tc>
-                  <a:txBody>
-                    <a:bodyPr/>
-                    <a:lstStyle/>
-                    <a:p>
-                      <a:pPr marL="0" marR="0" algn="ctr">
-                        <a:spcBef>
-                          <a:spcPts val="0"/>
-                        </a:spcBef>
-                        <a:spcAft>
-                          <a:spcPts val="0"/>
-                        </a:spcAft>
-                      </a:pPr>
-                      <a:r>
-                        <a:rPr lang="en-IN" sz="2800">
-                          <a:effectLst/>
-                        </a:rPr>
-                        <a:t>&gt;=</a:t>
-                      </a:r>
-                      <a:endParaRPr lang="en-US" sz="2600">
-                        <a:effectLst/>
-                        <a:latin typeface="Calibri" panose="020F0502020204030204" pitchFamily="34" charset="0"/>
-                        <a:ea typeface="Calibri" panose="020F0502020204030204" pitchFamily="34" charset="0"/>
-                        <a:cs typeface="Times New Roman" panose="02020603050405020304" pitchFamily="18" charset="0"/>
-                      </a:endParaRPr>
-                    </a:p>
-                  </a:txBody>
-                  <a:tcPr marL="159318" marR="159318" marT="0" marB="0"/>
-                </a:tc>
-                <a:tc>
-                  <a:txBody>
-                    <a:bodyPr/>
-                    <a:lstStyle/>
-                    <a:p>
-                      <a:pPr marL="0" marR="0" algn="ctr">
-                        <a:spcBef>
-                          <a:spcPts val="0"/>
-                        </a:spcBef>
-                        <a:spcAft>
-                          <a:spcPts val="0"/>
-                        </a:spcAft>
-                      </a:pPr>
-                      <a:r>
-                        <a:rPr lang="en-IN" sz="2800">
-                          <a:effectLst/>
-                        </a:rPr>
-                        <a:t>&gt; </a:t>
-                      </a:r>
-                      <a:endParaRPr lang="en-US" sz="2600">
-                        <a:effectLst/>
-                        <a:latin typeface="Calibri" panose="020F0502020204030204" pitchFamily="34" charset="0"/>
-                        <a:ea typeface="Calibri" panose="020F0502020204030204" pitchFamily="34" charset="0"/>
-                        <a:cs typeface="Times New Roman" panose="02020603050405020304" pitchFamily="18" charset="0"/>
-                      </a:endParaRPr>
-                    </a:p>
-                  </a:txBody>
-                  <a:tcPr marL="159318" marR="159318" marT="0" marB="0"/>
-                </a:tc>
-                <a:tc>
-                  <a:txBody>
-                    <a:bodyPr/>
-                    <a:lstStyle/>
-                    <a:p>
-                      <a:pPr marL="0" marR="0" algn="ctr">
-                        <a:spcBef>
-                          <a:spcPts val="0"/>
-                        </a:spcBef>
-                        <a:spcAft>
-                          <a:spcPts val="0"/>
-                        </a:spcAft>
-                      </a:pPr>
-                      <a:r>
-                        <a:rPr lang="en-IN" sz="2800">
-                          <a:effectLst/>
-                        </a:rPr>
-                        <a:t>&lt;=</a:t>
-                      </a:r>
-                      <a:endParaRPr lang="en-US" sz="2600">
-                        <a:effectLst/>
-                        <a:latin typeface="Calibri" panose="020F0502020204030204" pitchFamily="34" charset="0"/>
-                        <a:ea typeface="Calibri" panose="020F0502020204030204" pitchFamily="34" charset="0"/>
-                        <a:cs typeface="Times New Roman" panose="02020603050405020304" pitchFamily="18" charset="0"/>
-                      </a:endParaRPr>
-                    </a:p>
-                  </a:txBody>
-                  <a:tcPr marL="159318" marR="159318" marT="0" marB="0"/>
-                </a:tc>
-                <a:tc>
-                  <a:txBody>
-                    <a:bodyPr/>
-                    <a:lstStyle/>
-                    <a:p>
-                      <a:pPr marL="0" marR="0" algn="ctr">
-                        <a:spcBef>
-                          <a:spcPts val="0"/>
-                        </a:spcBef>
-                        <a:spcAft>
-                          <a:spcPts val="0"/>
-                        </a:spcAft>
-                      </a:pPr>
-                      <a:r>
-                        <a:rPr lang="en-IN" sz="2800">
-                          <a:effectLst/>
-                        </a:rPr>
-                        <a:t>&lt; </a:t>
-                      </a:r>
-                      <a:endParaRPr lang="en-US" sz="2600">
-                        <a:effectLst/>
-                        <a:latin typeface="Calibri" panose="020F0502020204030204" pitchFamily="34" charset="0"/>
-                        <a:ea typeface="Calibri" panose="020F0502020204030204" pitchFamily="34" charset="0"/>
-                        <a:cs typeface="Times New Roman" panose="02020603050405020304" pitchFamily="18" charset="0"/>
-                      </a:endParaRPr>
-                    </a:p>
-                  </a:txBody>
-                  <a:tcPr marL="159318" marR="159318" marT="0" marB="0"/>
-                </a:tc>
-                <a:extLst>
-                  <a:ext uri="{0D108BD9-81ED-4DB2-BD59-A6C34878D82A}">
-                    <a16:rowId xmlns:a16="http://schemas.microsoft.com/office/drawing/2014/main" val="227357228"/>
-                  </a:ext>
-                </a:extLst>
-              </a:tr>
-              <a:tr h="606293">
-                <a:tc>
-                  <a:txBody>
-                    <a:bodyPr/>
-                    <a:lstStyle/>
-                    <a:p>
-                      <a:pPr marL="0" marR="0" algn="ctr">
-                        <a:spcBef>
-                          <a:spcPts val="0"/>
-                        </a:spcBef>
-                        <a:spcAft>
-                          <a:spcPts val="0"/>
-                        </a:spcAft>
-                      </a:pPr>
-                      <a:r>
-                        <a:rPr lang="en-IN" sz="2800">
-                          <a:effectLst/>
-                        </a:rPr>
-                        <a:t>!=</a:t>
-                      </a:r>
-                      <a:endParaRPr lang="en-US" sz="2600">
-                        <a:effectLst/>
-                        <a:latin typeface="Calibri" panose="020F0502020204030204" pitchFamily="34" charset="0"/>
-                        <a:ea typeface="Calibri" panose="020F0502020204030204" pitchFamily="34" charset="0"/>
-                        <a:cs typeface="Times New Roman" panose="02020603050405020304" pitchFamily="18" charset="0"/>
-                      </a:endParaRPr>
-                    </a:p>
-                  </a:txBody>
-                  <a:tcPr marL="159318" marR="159318" marT="0" marB="0"/>
-                </a:tc>
-                <a:tc>
-                  <a:txBody>
-                    <a:bodyPr/>
-                    <a:lstStyle/>
-                    <a:p>
-                      <a:pPr marL="0" marR="0" algn="ctr">
-                        <a:spcBef>
-                          <a:spcPts val="0"/>
-                        </a:spcBef>
-                        <a:spcAft>
-                          <a:spcPts val="0"/>
-                        </a:spcAft>
-                      </a:pPr>
-                      <a:r>
-                        <a:rPr lang="en-IN" sz="2800">
-                          <a:effectLst/>
-                        </a:rPr>
-                        <a:t>&gt;=</a:t>
-                      </a:r>
-                      <a:endParaRPr lang="en-US" sz="2600">
-                        <a:effectLst/>
-                        <a:latin typeface="Calibri" panose="020F0502020204030204" pitchFamily="34" charset="0"/>
-                        <a:ea typeface="Calibri" panose="020F0502020204030204" pitchFamily="34" charset="0"/>
-                        <a:cs typeface="Times New Roman" panose="02020603050405020304" pitchFamily="18" charset="0"/>
-                      </a:endParaRPr>
-                    </a:p>
-                  </a:txBody>
-                  <a:tcPr marL="159318" marR="159318" marT="0" marB="0"/>
-                </a:tc>
-                <a:tc>
-                  <a:txBody>
-                    <a:bodyPr/>
-                    <a:lstStyle/>
-                    <a:p>
-                      <a:pPr marL="0" marR="0" algn="ctr">
-                        <a:spcBef>
-                          <a:spcPts val="0"/>
-                        </a:spcBef>
-                        <a:spcAft>
-                          <a:spcPts val="0"/>
-                        </a:spcAft>
-                      </a:pPr>
-                      <a:r>
-                        <a:rPr lang="en-IN" sz="2800">
-                          <a:effectLst/>
-                        </a:rPr>
-                        <a:t>&gt; </a:t>
-                      </a:r>
-                      <a:endParaRPr lang="en-US" sz="2600">
-                        <a:effectLst/>
-                        <a:latin typeface="Calibri" panose="020F0502020204030204" pitchFamily="34" charset="0"/>
-                        <a:ea typeface="Calibri" panose="020F0502020204030204" pitchFamily="34" charset="0"/>
-                        <a:cs typeface="Times New Roman" panose="02020603050405020304" pitchFamily="18" charset="0"/>
-                      </a:endParaRPr>
-                    </a:p>
-                  </a:txBody>
-                  <a:tcPr marL="159318" marR="159318" marT="0" marB="0"/>
-                </a:tc>
-                <a:tc>
-                  <a:txBody>
-                    <a:bodyPr/>
-                    <a:lstStyle/>
-                    <a:p>
-                      <a:pPr marL="0" marR="0" algn="ctr">
-                        <a:spcBef>
-                          <a:spcPts val="0"/>
-                        </a:spcBef>
-                        <a:spcAft>
-                          <a:spcPts val="0"/>
-                        </a:spcAft>
-                      </a:pPr>
-                      <a:r>
-                        <a:rPr lang="en-IN" sz="2800">
-                          <a:effectLst/>
-                        </a:rPr>
-                        <a:t>&lt;=</a:t>
-                      </a:r>
-                      <a:endParaRPr lang="en-US" sz="2600">
-                        <a:effectLst/>
-                        <a:latin typeface="Calibri" panose="020F0502020204030204" pitchFamily="34" charset="0"/>
-                        <a:ea typeface="Calibri" panose="020F0502020204030204" pitchFamily="34" charset="0"/>
-                        <a:cs typeface="Times New Roman" panose="02020603050405020304" pitchFamily="18" charset="0"/>
-                      </a:endParaRPr>
-                    </a:p>
-                  </a:txBody>
-                  <a:tcPr marL="159318" marR="159318" marT="0" marB="0"/>
-                </a:tc>
-                <a:tc>
-                  <a:txBody>
-                    <a:bodyPr/>
-                    <a:lstStyle/>
-                    <a:p>
-                      <a:pPr marL="0" marR="0" algn="ctr">
-                        <a:spcBef>
-                          <a:spcPts val="0"/>
-                        </a:spcBef>
-                        <a:spcAft>
-                          <a:spcPts val="0"/>
-                        </a:spcAft>
-                      </a:pPr>
-                      <a:r>
-                        <a:rPr lang="en-IN" sz="2800">
-                          <a:effectLst/>
-                        </a:rPr>
-                        <a:t>&lt; </a:t>
-                      </a:r>
-                      <a:endParaRPr lang="en-US" sz="2600">
-                        <a:effectLst/>
-                        <a:latin typeface="Calibri" panose="020F0502020204030204" pitchFamily="34" charset="0"/>
-                        <a:ea typeface="Calibri" panose="020F0502020204030204" pitchFamily="34" charset="0"/>
-                        <a:cs typeface="Times New Roman" panose="02020603050405020304" pitchFamily="18" charset="0"/>
-                      </a:endParaRPr>
-                    </a:p>
-                  </a:txBody>
-                  <a:tcPr marL="159318" marR="159318" marT="0" marB="0"/>
-                </a:tc>
-                <a:tc>
-                  <a:txBody>
-                    <a:bodyPr/>
-                    <a:lstStyle/>
-                    <a:p>
-                      <a:pPr marL="0" marR="0" algn="ctr">
-                        <a:spcBef>
-                          <a:spcPts val="0"/>
-                        </a:spcBef>
-                        <a:spcAft>
-                          <a:spcPts val="0"/>
-                        </a:spcAft>
-                      </a:pPr>
-                      <a:r>
-                        <a:rPr lang="en-IN" sz="2800">
-                          <a:effectLst/>
-                        </a:rPr>
-                        <a:t>==</a:t>
-                      </a:r>
-                      <a:endParaRPr lang="en-US" sz="2600">
-                        <a:effectLst/>
-                        <a:latin typeface="Calibri" panose="020F0502020204030204" pitchFamily="34" charset="0"/>
-                        <a:ea typeface="Calibri" panose="020F0502020204030204" pitchFamily="34" charset="0"/>
-                        <a:cs typeface="Times New Roman" panose="02020603050405020304" pitchFamily="18" charset="0"/>
-                      </a:endParaRPr>
-                    </a:p>
-                  </a:txBody>
-                  <a:tcPr marL="159318" marR="159318" marT="0" marB="0"/>
-                </a:tc>
-                <a:extLst>
-                  <a:ext uri="{0D108BD9-81ED-4DB2-BD59-A6C34878D82A}">
-                    <a16:rowId xmlns:a16="http://schemas.microsoft.com/office/drawing/2014/main" val="2678164184"/>
-                  </a:ext>
-                </a:extLst>
-              </a:tr>
-              <a:tr h="634320">
-                <a:tc>
-                  <a:txBody>
-                    <a:bodyPr/>
-                    <a:lstStyle/>
-                    <a:p>
-                      <a:pPr marL="0" marR="0" algn="ctr">
-                        <a:spcBef>
-                          <a:spcPts val="0"/>
-                        </a:spcBef>
-                        <a:spcAft>
-                          <a:spcPts val="0"/>
-                        </a:spcAft>
-                      </a:pPr>
-                      <a:r>
-                        <a:rPr lang="en-IN" sz="2800">
-                          <a:effectLst/>
-                        </a:rPr>
-                        <a:t>&gt;=</a:t>
-                      </a:r>
-                      <a:endParaRPr lang="en-US" sz="2600">
-                        <a:effectLst/>
-                        <a:latin typeface="Calibri" panose="020F0502020204030204" pitchFamily="34" charset="0"/>
-                        <a:ea typeface="Calibri" panose="020F0502020204030204" pitchFamily="34" charset="0"/>
-                        <a:cs typeface="Times New Roman" panose="02020603050405020304" pitchFamily="18" charset="0"/>
-                      </a:endParaRPr>
-                    </a:p>
-                  </a:txBody>
-                  <a:tcPr marL="159318" marR="159318" marT="0" marB="0"/>
-                </a:tc>
-                <a:tc>
-                  <a:txBody>
-                    <a:bodyPr/>
-                    <a:lstStyle/>
-                    <a:p>
-                      <a:pPr marL="0" marR="0" algn="ctr">
-                        <a:spcBef>
-                          <a:spcPts val="0"/>
-                        </a:spcBef>
-                        <a:spcAft>
-                          <a:spcPts val="0"/>
-                        </a:spcAft>
-                      </a:pPr>
-                      <a:r>
-                        <a:rPr lang="en-IN" sz="2800">
-                          <a:effectLst/>
-                        </a:rPr>
-                        <a:t>&gt; </a:t>
-                      </a:r>
-                      <a:endParaRPr lang="en-US" sz="2600">
-                        <a:effectLst/>
-                        <a:latin typeface="Calibri" panose="020F0502020204030204" pitchFamily="34" charset="0"/>
-                        <a:ea typeface="Calibri" panose="020F0502020204030204" pitchFamily="34" charset="0"/>
-                        <a:cs typeface="Times New Roman" panose="02020603050405020304" pitchFamily="18" charset="0"/>
-                      </a:endParaRPr>
-                    </a:p>
-                  </a:txBody>
-                  <a:tcPr marL="159318" marR="159318" marT="0" marB="0"/>
-                </a:tc>
-                <a:tc>
-                  <a:txBody>
-                    <a:bodyPr/>
-                    <a:lstStyle/>
-                    <a:p>
-                      <a:pPr marL="0" marR="0" algn="ctr">
-                        <a:spcBef>
-                          <a:spcPts val="0"/>
-                        </a:spcBef>
-                        <a:spcAft>
-                          <a:spcPts val="0"/>
-                        </a:spcAft>
-                      </a:pPr>
-                      <a:r>
-                        <a:rPr lang="en-IN" sz="2800">
-                          <a:effectLst/>
-                        </a:rPr>
-                        <a:t>&lt;=</a:t>
-                      </a:r>
-                      <a:endParaRPr lang="en-US" sz="2600">
-                        <a:effectLst/>
-                        <a:latin typeface="Calibri" panose="020F0502020204030204" pitchFamily="34" charset="0"/>
-                        <a:ea typeface="Calibri" panose="020F0502020204030204" pitchFamily="34" charset="0"/>
-                        <a:cs typeface="Times New Roman" panose="02020603050405020304" pitchFamily="18" charset="0"/>
-                      </a:endParaRPr>
-                    </a:p>
-                  </a:txBody>
-                  <a:tcPr marL="159318" marR="159318" marT="0" marB="0"/>
-                </a:tc>
-                <a:tc>
-                  <a:txBody>
-                    <a:bodyPr/>
-                    <a:lstStyle/>
-                    <a:p>
-                      <a:pPr marL="0" marR="0" algn="ctr">
-                        <a:spcBef>
-                          <a:spcPts val="0"/>
-                        </a:spcBef>
-                        <a:spcAft>
-                          <a:spcPts val="0"/>
-                        </a:spcAft>
-                      </a:pPr>
-                      <a:r>
-                        <a:rPr lang="en-IN" sz="2800">
-                          <a:effectLst/>
-                        </a:rPr>
-                        <a:t>&lt; </a:t>
-                      </a:r>
-                      <a:endParaRPr lang="en-US" sz="2600">
-                        <a:effectLst/>
-                        <a:latin typeface="Calibri" panose="020F0502020204030204" pitchFamily="34" charset="0"/>
-                        <a:ea typeface="Calibri" panose="020F0502020204030204" pitchFamily="34" charset="0"/>
-                        <a:cs typeface="Times New Roman" panose="02020603050405020304" pitchFamily="18" charset="0"/>
-                      </a:endParaRPr>
-                    </a:p>
-                  </a:txBody>
-                  <a:tcPr marL="159318" marR="159318" marT="0" marB="0"/>
-                </a:tc>
-                <a:tc>
-                  <a:txBody>
-                    <a:bodyPr/>
-                    <a:lstStyle/>
-                    <a:p>
-                      <a:pPr marL="0" marR="0" algn="ctr">
-                        <a:spcBef>
-                          <a:spcPts val="0"/>
-                        </a:spcBef>
-                        <a:spcAft>
-                          <a:spcPts val="0"/>
-                        </a:spcAft>
-                      </a:pPr>
-                      <a:r>
-                        <a:rPr lang="en-IN" sz="2800">
-                          <a:effectLst/>
-                        </a:rPr>
-                        <a:t>==</a:t>
-                      </a:r>
-                      <a:endParaRPr lang="en-US" sz="2600">
-                        <a:effectLst/>
-                        <a:latin typeface="Calibri" panose="020F0502020204030204" pitchFamily="34" charset="0"/>
-                        <a:ea typeface="Calibri" panose="020F0502020204030204" pitchFamily="34" charset="0"/>
-                        <a:cs typeface="Times New Roman" panose="02020603050405020304" pitchFamily="18" charset="0"/>
-                      </a:endParaRPr>
-                    </a:p>
-                  </a:txBody>
-                  <a:tcPr marL="159318" marR="159318" marT="0" marB="0"/>
-                </a:tc>
-                <a:tc>
-                  <a:txBody>
-                    <a:bodyPr/>
-                    <a:lstStyle/>
-                    <a:p>
-                      <a:pPr marL="0" marR="0" algn="ctr">
-                        <a:spcBef>
-                          <a:spcPts val="0"/>
-                        </a:spcBef>
-                        <a:spcAft>
-                          <a:spcPts val="0"/>
-                        </a:spcAft>
-                      </a:pPr>
-                      <a:r>
-                        <a:rPr lang="en-IN" sz="2800">
-                          <a:effectLst/>
-                        </a:rPr>
-                        <a:t>!=</a:t>
-                      </a:r>
-                      <a:endParaRPr lang="en-US" sz="2600">
-                        <a:effectLst/>
-                        <a:latin typeface="Calibri" panose="020F0502020204030204" pitchFamily="34" charset="0"/>
-                        <a:ea typeface="Calibri" panose="020F0502020204030204" pitchFamily="34" charset="0"/>
-                        <a:cs typeface="Times New Roman" panose="02020603050405020304" pitchFamily="18" charset="0"/>
-                      </a:endParaRPr>
-                    </a:p>
-                  </a:txBody>
-                  <a:tcPr marL="159318" marR="159318" marT="0" marB="0"/>
-                </a:tc>
-                <a:extLst>
-                  <a:ext uri="{0D108BD9-81ED-4DB2-BD59-A6C34878D82A}">
-                    <a16:rowId xmlns:a16="http://schemas.microsoft.com/office/drawing/2014/main" val="1460930711"/>
-                  </a:ext>
-                </a:extLst>
-              </a:tr>
-              <a:tr h="606293">
-                <a:tc>
-                  <a:txBody>
-                    <a:bodyPr/>
-                    <a:lstStyle/>
-                    <a:p>
-                      <a:pPr marL="0" marR="0" algn="ctr">
-                        <a:spcBef>
-                          <a:spcPts val="0"/>
-                        </a:spcBef>
-                        <a:spcAft>
-                          <a:spcPts val="0"/>
-                        </a:spcAft>
-                      </a:pPr>
-                      <a:r>
-                        <a:rPr lang="en-IN" sz="2800">
-                          <a:effectLst/>
-                        </a:rPr>
-                        <a:t>&gt; </a:t>
-                      </a:r>
-                      <a:endParaRPr lang="en-US" sz="2600">
-                        <a:effectLst/>
-                        <a:latin typeface="Calibri" panose="020F0502020204030204" pitchFamily="34" charset="0"/>
-                        <a:ea typeface="Calibri" panose="020F0502020204030204" pitchFamily="34" charset="0"/>
-                        <a:cs typeface="Times New Roman" panose="02020603050405020304" pitchFamily="18" charset="0"/>
-                      </a:endParaRPr>
-                    </a:p>
-                  </a:txBody>
-                  <a:tcPr marL="159318" marR="159318" marT="0" marB="0"/>
-                </a:tc>
-                <a:tc>
-                  <a:txBody>
-                    <a:bodyPr/>
-                    <a:lstStyle/>
-                    <a:p>
-                      <a:pPr marL="0" marR="0" algn="ctr">
-                        <a:spcBef>
-                          <a:spcPts val="0"/>
-                        </a:spcBef>
-                        <a:spcAft>
-                          <a:spcPts val="0"/>
-                        </a:spcAft>
-                      </a:pPr>
-                      <a:r>
-                        <a:rPr lang="en-IN" sz="2800">
-                          <a:effectLst/>
-                        </a:rPr>
-                        <a:t>&lt;=</a:t>
-                      </a:r>
-                      <a:endParaRPr lang="en-US" sz="2600">
-                        <a:effectLst/>
-                        <a:latin typeface="Calibri" panose="020F0502020204030204" pitchFamily="34" charset="0"/>
-                        <a:ea typeface="Calibri" panose="020F0502020204030204" pitchFamily="34" charset="0"/>
-                        <a:cs typeface="Times New Roman" panose="02020603050405020304" pitchFamily="18" charset="0"/>
-                      </a:endParaRPr>
-                    </a:p>
-                  </a:txBody>
-                  <a:tcPr marL="159318" marR="159318" marT="0" marB="0"/>
-                </a:tc>
-                <a:tc>
-                  <a:txBody>
-                    <a:bodyPr/>
-                    <a:lstStyle/>
-                    <a:p>
-                      <a:pPr marL="0" marR="0" algn="ctr">
-                        <a:spcBef>
-                          <a:spcPts val="0"/>
-                        </a:spcBef>
-                        <a:spcAft>
-                          <a:spcPts val="0"/>
-                        </a:spcAft>
-                      </a:pPr>
-                      <a:r>
-                        <a:rPr lang="en-IN" sz="2800">
-                          <a:effectLst/>
-                        </a:rPr>
-                        <a:t>&lt; </a:t>
-                      </a:r>
-                      <a:endParaRPr lang="en-US" sz="2600">
-                        <a:effectLst/>
-                        <a:latin typeface="Calibri" panose="020F0502020204030204" pitchFamily="34" charset="0"/>
-                        <a:ea typeface="Calibri" panose="020F0502020204030204" pitchFamily="34" charset="0"/>
-                        <a:cs typeface="Times New Roman" panose="02020603050405020304" pitchFamily="18" charset="0"/>
-                      </a:endParaRPr>
-                    </a:p>
-                  </a:txBody>
-                  <a:tcPr marL="159318" marR="159318" marT="0" marB="0"/>
-                </a:tc>
-                <a:tc>
-                  <a:txBody>
-                    <a:bodyPr/>
-                    <a:lstStyle/>
-                    <a:p>
-                      <a:pPr marL="0" marR="0" algn="ctr">
-                        <a:spcBef>
-                          <a:spcPts val="0"/>
-                        </a:spcBef>
-                        <a:spcAft>
-                          <a:spcPts val="0"/>
-                        </a:spcAft>
-                      </a:pPr>
-                      <a:r>
-                        <a:rPr lang="en-IN" sz="2800">
-                          <a:effectLst/>
-                        </a:rPr>
-                        <a:t>==</a:t>
-                      </a:r>
-                      <a:endParaRPr lang="en-US" sz="2600">
-                        <a:effectLst/>
-                        <a:latin typeface="Calibri" panose="020F0502020204030204" pitchFamily="34" charset="0"/>
-                        <a:ea typeface="Calibri" panose="020F0502020204030204" pitchFamily="34" charset="0"/>
-                        <a:cs typeface="Times New Roman" panose="02020603050405020304" pitchFamily="18" charset="0"/>
-                      </a:endParaRPr>
-                    </a:p>
-                  </a:txBody>
-                  <a:tcPr marL="159318" marR="159318" marT="0" marB="0"/>
-                </a:tc>
-                <a:tc>
-                  <a:txBody>
-                    <a:bodyPr/>
-                    <a:lstStyle/>
-                    <a:p>
-                      <a:pPr marL="0" marR="0" algn="ctr">
-                        <a:spcBef>
-                          <a:spcPts val="0"/>
-                        </a:spcBef>
-                        <a:spcAft>
-                          <a:spcPts val="0"/>
-                        </a:spcAft>
-                      </a:pPr>
-                      <a:r>
-                        <a:rPr lang="en-IN" sz="2800">
-                          <a:effectLst/>
-                        </a:rPr>
-                        <a:t>!=</a:t>
-                      </a:r>
-                      <a:endParaRPr lang="en-US" sz="2600">
-                        <a:effectLst/>
-                        <a:latin typeface="Calibri" panose="020F0502020204030204" pitchFamily="34" charset="0"/>
-                        <a:ea typeface="Calibri" panose="020F0502020204030204" pitchFamily="34" charset="0"/>
-                        <a:cs typeface="Times New Roman" panose="02020603050405020304" pitchFamily="18" charset="0"/>
-                      </a:endParaRPr>
-                    </a:p>
-                  </a:txBody>
-                  <a:tcPr marL="159318" marR="159318" marT="0" marB="0"/>
-                </a:tc>
-                <a:tc>
-                  <a:txBody>
-                    <a:bodyPr/>
-                    <a:lstStyle/>
-                    <a:p>
-                      <a:pPr marL="0" marR="0" algn="ctr">
-                        <a:spcBef>
-                          <a:spcPts val="0"/>
-                        </a:spcBef>
-                        <a:spcAft>
-                          <a:spcPts val="0"/>
-                        </a:spcAft>
-                      </a:pPr>
-                      <a:r>
-                        <a:rPr lang="en-IN" sz="2800">
-                          <a:effectLst/>
-                        </a:rPr>
-                        <a:t>&gt;=</a:t>
-                      </a:r>
-                      <a:endParaRPr lang="en-US" sz="2600">
-                        <a:effectLst/>
-                        <a:latin typeface="Calibri" panose="020F0502020204030204" pitchFamily="34" charset="0"/>
-                        <a:ea typeface="Calibri" panose="020F0502020204030204" pitchFamily="34" charset="0"/>
-                        <a:cs typeface="Times New Roman" panose="02020603050405020304" pitchFamily="18" charset="0"/>
-                      </a:endParaRPr>
-                    </a:p>
-                  </a:txBody>
-                  <a:tcPr marL="159318" marR="159318" marT="0" marB="0"/>
-                </a:tc>
-                <a:extLst>
-                  <a:ext uri="{0D108BD9-81ED-4DB2-BD59-A6C34878D82A}">
-                    <a16:rowId xmlns:a16="http://schemas.microsoft.com/office/drawing/2014/main" val="1017929766"/>
-                  </a:ext>
-                </a:extLst>
-              </a:tr>
-              <a:tr h="606293">
-                <a:tc>
-                  <a:txBody>
-                    <a:bodyPr/>
-                    <a:lstStyle/>
-                    <a:p>
-                      <a:pPr marL="0" marR="0" algn="ctr">
-                        <a:spcBef>
-                          <a:spcPts val="0"/>
-                        </a:spcBef>
-                        <a:spcAft>
-                          <a:spcPts val="0"/>
-                        </a:spcAft>
-                      </a:pPr>
-                      <a:r>
-                        <a:rPr lang="en-IN" sz="2800">
-                          <a:effectLst/>
-                        </a:rPr>
-                        <a:t>&lt;=</a:t>
-                      </a:r>
-                      <a:endParaRPr lang="en-US" sz="2600">
-                        <a:effectLst/>
-                        <a:latin typeface="Calibri" panose="020F0502020204030204" pitchFamily="34" charset="0"/>
-                        <a:ea typeface="Calibri" panose="020F0502020204030204" pitchFamily="34" charset="0"/>
-                        <a:cs typeface="Times New Roman" panose="02020603050405020304" pitchFamily="18" charset="0"/>
-                      </a:endParaRPr>
-                    </a:p>
-                  </a:txBody>
-                  <a:tcPr marL="159318" marR="159318" marT="0" marB="0"/>
-                </a:tc>
-                <a:tc>
-                  <a:txBody>
-                    <a:bodyPr/>
-                    <a:lstStyle/>
-                    <a:p>
-                      <a:pPr marL="0" marR="0" algn="ctr">
-                        <a:spcBef>
-                          <a:spcPts val="0"/>
-                        </a:spcBef>
-                        <a:spcAft>
-                          <a:spcPts val="0"/>
-                        </a:spcAft>
-                      </a:pPr>
-                      <a:r>
-                        <a:rPr lang="en-IN" sz="2800">
-                          <a:effectLst/>
-                        </a:rPr>
-                        <a:t>&lt; </a:t>
-                      </a:r>
-                      <a:endParaRPr lang="en-US" sz="2600">
-                        <a:effectLst/>
-                        <a:latin typeface="Calibri" panose="020F0502020204030204" pitchFamily="34" charset="0"/>
-                        <a:ea typeface="Calibri" panose="020F0502020204030204" pitchFamily="34" charset="0"/>
-                        <a:cs typeface="Times New Roman" panose="02020603050405020304" pitchFamily="18" charset="0"/>
-                      </a:endParaRPr>
-                    </a:p>
-                  </a:txBody>
-                  <a:tcPr marL="159318" marR="159318" marT="0" marB="0"/>
-                </a:tc>
-                <a:tc>
-                  <a:txBody>
-                    <a:bodyPr/>
-                    <a:lstStyle/>
-                    <a:p>
-                      <a:pPr marL="0" marR="0" algn="ctr">
-                        <a:spcBef>
-                          <a:spcPts val="0"/>
-                        </a:spcBef>
-                        <a:spcAft>
-                          <a:spcPts val="0"/>
-                        </a:spcAft>
-                      </a:pPr>
-                      <a:r>
-                        <a:rPr lang="en-IN" sz="2800">
-                          <a:effectLst/>
-                        </a:rPr>
-                        <a:t>==</a:t>
-                      </a:r>
-                      <a:endParaRPr lang="en-US" sz="2600">
-                        <a:effectLst/>
-                        <a:latin typeface="Calibri" panose="020F0502020204030204" pitchFamily="34" charset="0"/>
-                        <a:ea typeface="Calibri" panose="020F0502020204030204" pitchFamily="34" charset="0"/>
-                        <a:cs typeface="Times New Roman" panose="02020603050405020304" pitchFamily="18" charset="0"/>
-                      </a:endParaRPr>
-                    </a:p>
-                  </a:txBody>
-                  <a:tcPr marL="159318" marR="159318" marT="0" marB="0"/>
-                </a:tc>
-                <a:tc>
-                  <a:txBody>
-                    <a:bodyPr/>
-                    <a:lstStyle/>
-                    <a:p>
-                      <a:pPr marL="0" marR="0" algn="ctr">
-                        <a:spcBef>
-                          <a:spcPts val="0"/>
-                        </a:spcBef>
-                        <a:spcAft>
-                          <a:spcPts val="0"/>
-                        </a:spcAft>
-                      </a:pPr>
-                      <a:r>
-                        <a:rPr lang="en-IN" sz="2800">
-                          <a:effectLst/>
-                        </a:rPr>
-                        <a:t>!=</a:t>
-                      </a:r>
-                      <a:endParaRPr lang="en-US" sz="2600">
-                        <a:effectLst/>
-                        <a:latin typeface="Calibri" panose="020F0502020204030204" pitchFamily="34" charset="0"/>
-                        <a:ea typeface="Calibri" panose="020F0502020204030204" pitchFamily="34" charset="0"/>
-                        <a:cs typeface="Times New Roman" panose="02020603050405020304" pitchFamily="18" charset="0"/>
-                      </a:endParaRPr>
-                    </a:p>
-                  </a:txBody>
-                  <a:tcPr marL="159318" marR="159318" marT="0" marB="0"/>
-                </a:tc>
-                <a:tc>
-                  <a:txBody>
-                    <a:bodyPr/>
-                    <a:lstStyle/>
-                    <a:p>
-                      <a:pPr marL="0" marR="0" algn="ctr">
-                        <a:spcBef>
-                          <a:spcPts val="0"/>
-                        </a:spcBef>
-                        <a:spcAft>
-                          <a:spcPts val="0"/>
-                        </a:spcAft>
-                      </a:pPr>
-                      <a:r>
-                        <a:rPr lang="en-IN" sz="2800">
-                          <a:effectLst/>
-                        </a:rPr>
-                        <a:t>&gt;=</a:t>
-                      </a:r>
-                      <a:endParaRPr lang="en-US" sz="2600">
-                        <a:effectLst/>
-                        <a:latin typeface="Calibri" panose="020F0502020204030204" pitchFamily="34" charset="0"/>
-                        <a:ea typeface="Calibri" panose="020F0502020204030204" pitchFamily="34" charset="0"/>
-                        <a:cs typeface="Times New Roman" panose="02020603050405020304" pitchFamily="18" charset="0"/>
-                      </a:endParaRPr>
-                    </a:p>
-                  </a:txBody>
-                  <a:tcPr marL="159318" marR="159318" marT="0" marB="0"/>
-                </a:tc>
-                <a:tc>
-                  <a:txBody>
-                    <a:bodyPr/>
-                    <a:lstStyle/>
-                    <a:p>
-                      <a:pPr marL="0" marR="0" algn="ctr">
-                        <a:spcBef>
-                          <a:spcPts val="0"/>
-                        </a:spcBef>
-                        <a:spcAft>
-                          <a:spcPts val="0"/>
-                        </a:spcAft>
-                      </a:pPr>
-                      <a:r>
-                        <a:rPr lang="en-IN" sz="2800">
-                          <a:effectLst/>
-                        </a:rPr>
-                        <a:t>&gt; </a:t>
-                      </a:r>
-                      <a:endParaRPr lang="en-US" sz="2600">
-                        <a:effectLst/>
-                        <a:latin typeface="Calibri" panose="020F0502020204030204" pitchFamily="34" charset="0"/>
-                        <a:ea typeface="Calibri" panose="020F0502020204030204" pitchFamily="34" charset="0"/>
-                        <a:cs typeface="Times New Roman" panose="02020603050405020304" pitchFamily="18" charset="0"/>
-                      </a:endParaRPr>
-                    </a:p>
-                  </a:txBody>
-                  <a:tcPr marL="159318" marR="159318" marT="0" marB="0"/>
-                </a:tc>
-                <a:extLst>
-                  <a:ext uri="{0D108BD9-81ED-4DB2-BD59-A6C34878D82A}">
-                    <a16:rowId xmlns:a16="http://schemas.microsoft.com/office/drawing/2014/main" val="4255675044"/>
-                  </a:ext>
-                </a:extLst>
-              </a:tr>
-              <a:tr h="606293">
-                <a:tc>
-                  <a:txBody>
-                    <a:bodyPr/>
-                    <a:lstStyle/>
-                    <a:p>
-                      <a:pPr marL="0" marR="0" algn="ctr">
-                        <a:spcBef>
-                          <a:spcPts val="0"/>
-                        </a:spcBef>
-                        <a:spcAft>
-                          <a:spcPts val="0"/>
-                        </a:spcAft>
-                      </a:pPr>
-                      <a:r>
-                        <a:rPr lang="en-IN" sz="2800">
-                          <a:effectLst/>
-                        </a:rPr>
-                        <a:t>&lt; </a:t>
-                      </a:r>
-                      <a:endParaRPr lang="en-US" sz="2600">
-                        <a:effectLst/>
-                        <a:latin typeface="Calibri" panose="020F0502020204030204" pitchFamily="34" charset="0"/>
-                        <a:ea typeface="Calibri" panose="020F0502020204030204" pitchFamily="34" charset="0"/>
-                        <a:cs typeface="Times New Roman" panose="02020603050405020304" pitchFamily="18" charset="0"/>
-                      </a:endParaRPr>
-                    </a:p>
-                  </a:txBody>
-                  <a:tcPr marL="159318" marR="159318" marT="0" marB="0"/>
-                </a:tc>
-                <a:tc>
-                  <a:txBody>
-                    <a:bodyPr/>
-                    <a:lstStyle/>
-                    <a:p>
-                      <a:pPr marL="0" marR="0" algn="ctr">
-                        <a:spcBef>
-                          <a:spcPts val="0"/>
-                        </a:spcBef>
-                        <a:spcAft>
-                          <a:spcPts val="0"/>
-                        </a:spcAft>
-                      </a:pPr>
-                      <a:r>
-                        <a:rPr lang="en-IN" sz="2800">
-                          <a:effectLst/>
-                        </a:rPr>
-                        <a:t>==</a:t>
-                      </a:r>
-                      <a:endParaRPr lang="en-US" sz="2600">
-                        <a:effectLst/>
-                        <a:latin typeface="Calibri" panose="020F0502020204030204" pitchFamily="34" charset="0"/>
-                        <a:ea typeface="Calibri" panose="020F0502020204030204" pitchFamily="34" charset="0"/>
-                        <a:cs typeface="Times New Roman" panose="02020603050405020304" pitchFamily="18" charset="0"/>
-                      </a:endParaRPr>
-                    </a:p>
-                  </a:txBody>
-                  <a:tcPr marL="159318" marR="159318" marT="0" marB="0"/>
-                </a:tc>
-                <a:tc>
-                  <a:txBody>
-                    <a:bodyPr/>
-                    <a:lstStyle/>
-                    <a:p>
-                      <a:pPr marL="0" marR="0" algn="ctr">
-                        <a:spcBef>
-                          <a:spcPts val="0"/>
-                        </a:spcBef>
-                        <a:spcAft>
-                          <a:spcPts val="0"/>
-                        </a:spcAft>
-                      </a:pPr>
-                      <a:r>
-                        <a:rPr lang="en-IN" sz="2800">
-                          <a:effectLst/>
-                        </a:rPr>
-                        <a:t>!=</a:t>
-                      </a:r>
-                      <a:endParaRPr lang="en-US" sz="2600">
-                        <a:effectLst/>
-                        <a:latin typeface="Calibri" panose="020F0502020204030204" pitchFamily="34" charset="0"/>
-                        <a:ea typeface="Calibri" panose="020F0502020204030204" pitchFamily="34" charset="0"/>
-                        <a:cs typeface="Times New Roman" panose="02020603050405020304" pitchFamily="18" charset="0"/>
-                      </a:endParaRPr>
-                    </a:p>
-                  </a:txBody>
-                  <a:tcPr marL="159318" marR="159318" marT="0" marB="0"/>
-                </a:tc>
-                <a:tc>
-                  <a:txBody>
-                    <a:bodyPr/>
-                    <a:lstStyle/>
-                    <a:p>
-                      <a:pPr marL="0" marR="0" algn="ctr">
-                        <a:spcBef>
-                          <a:spcPts val="0"/>
-                        </a:spcBef>
-                        <a:spcAft>
-                          <a:spcPts val="0"/>
-                        </a:spcAft>
-                      </a:pPr>
-                      <a:r>
-                        <a:rPr lang="en-IN" sz="2800">
-                          <a:effectLst/>
-                        </a:rPr>
-                        <a:t>&gt;=</a:t>
-                      </a:r>
-                      <a:endParaRPr lang="en-US" sz="2600">
-                        <a:effectLst/>
-                        <a:latin typeface="Calibri" panose="020F0502020204030204" pitchFamily="34" charset="0"/>
-                        <a:ea typeface="Calibri" panose="020F0502020204030204" pitchFamily="34" charset="0"/>
-                        <a:cs typeface="Times New Roman" panose="02020603050405020304" pitchFamily="18" charset="0"/>
-                      </a:endParaRPr>
-                    </a:p>
-                  </a:txBody>
-                  <a:tcPr marL="159318" marR="159318" marT="0" marB="0"/>
-                </a:tc>
-                <a:tc>
-                  <a:txBody>
-                    <a:bodyPr/>
-                    <a:lstStyle/>
-                    <a:p>
-                      <a:pPr marL="0" marR="0" algn="ctr">
-                        <a:spcBef>
-                          <a:spcPts val="0"/>
-                        </a:spcBef>
-                        <a:spcAft>
-                          <a:spcPts val="0"/>
-                        </a:spcAft>
-                      </a:pPr>
-                      <a:r>
-                        <a:rPr lang="en-IN" sz="2800">
-                          <a:effectLst/>
-                        </a:rPr>
-                        <a:t>&gt; </a:t>
-                      </a:r>
-                      <a:endParaRPr lang="en-US" sz="2600">
-                        <a:effectLst/>
-                        <a:latin typeface="Calibri" panose="020F0502020204030204" pitchFamily="34" charset="0"/>
-                        <a:ea typeface="Calibri" panose="020F0502020204030204" pitchFamily="34" charset="0"/>
-                        <a:cs typeface="Times New Roman" panose="02020603050405020304" pitchFamily="18" charset="0"/>
-                      </a:endParaRPr>
-                    </a:p>
-                  </a:txBody>
-                  <a:tcPr marL="159318" marR="159318" marT="0" marB="0"/>
-                </a:tc>
-                <a:tc>
-                  <a:txBody>
-                    <a:bodyPr/>
-                    <a:lstStyle/>
-                    <a:p>
-                      <a:pPr marL="0" marR="0" algn="ctr">
-                        <a:spcBef>
-                          <a:spcPts val="0"/>
-                        </a:spcBef>
-                        <a:spcAft>
-                          <a:spcPts val="0"/>
-                        </a:spcAft>
-                      </a:pPr>
-                      <a:r>
-                        <a:rPr lang="en-IN" sz="2800" dirty="0">
-                          <a:effectLst/>
-                        </a:rPr>
-                        <a:t>&lt;=</a:t>
-                      </a:r>
-                      <a:endParaRPr lang="en-US" sz="2600" dirty="0">
-                        <a:effectLst/>
-                        <a:latin typeface="Calibri" panose="020F0502020204030204" pitchFamily="34" charset="0"/>
-                        <a:ea typeface="Calibri" panose="020F0502020204030204" pitchFamily="34" charset="0"/>
-                        <a:cs typeface="Times New Roman" panose="02020603050405020304" pitchFamily="18" charset="0"/>
-                      </a:endParaRPr>
-                    </a:p>
-                  </a:txBody>
-                  <a:tcPr marL="159318" marR="159318" marT="0" marB="0"/>
-                </a:tc>
-                <a:extLst>
-                  <a:ext uri="{0D108BD9-81ED-4DB2-BD59-A6C34878D82A}">
-                    <a16:rowId xmlns:a16="http://schemas.microsoft.com/office/drawing/2014/main" val="798441980"/>
-                  </a:ext>
-                </a:extLst>
-              </a:tr>
-            </a:tbl>
-          </a:graphicData>
-        </a:graphic>
-      </p:graphicFrame>
-      <p:sp>
-        <p:nvSpPr>
-          <p:cNvPr id="7" name="Rectangle 6"/>
-          <p:cNvSpPr/>
-          <p:nvPr/>
-        </p:nvSpPr>
-        <p:spPr>
-          <a:xfrm>
-            <a:off x="6662299" y="2741611"/>
-            <a:ext cx="5401315" cy="3638871"/>
-          </a:xfrm>
-          <a:prstGeom prst="rect">
-            <a:avLst/>
-          </a:prstGeom>
-          <a:noFill/>
-          <a:ln>
-            <a:noFill/>
-          </a:ln>
-        </p:spPr>
-        <p:style>
-          <a:lnRef idx="2">
-            <a:schemeClr val="accent1">
-              <a:shade val="50000"/>
-            </a:schemeClr>
-          </a:lnRef>
-          <a:fillRef idx="1">
-            <a:schemeClr val="accent1"/>
-          </a:fillRef>
-          <a:effectRef idx="0">
-            <a:schemeClr val="accent1"/>
-          </a:effectRef>
-          <a:fontRef idx="minor">
-            <a:schemeClr val="lt1"/>
-          </a:fontRef>
-        </p:style>
-        <p:txBody>
-          <a:bodyPr rtlCol="0" anchor="ctr"/>
-          <a:lstStyle/>
-          <a:p>
-            <a:r>
-              <a:rPr lang="en-IN" dirty="0">
-                <a:solidFill>
-                  <a:schemeClr val="tx1"/>
-                </a:solidFill>
-              </a:rPr>
-              <a:t>We used the same approach as the </a:t>
-            </a:r>
-            <a:r>
-              <a:rPr lang="en-IN" dirty="0" err="1">
-                <a:solidFill>
-                  <a:schemeClr val="tx1"/>
-                </a:solidFill>
-              </a:rPr>
-              <a:t>mutators</a:t>
-            </a:r>
-            <a:r>
-              <a:rPr lang="en-IN" dirty="0">
-                <a:solidFill>
-                  <a:schemeClr val="tx1"/>
-                </a:solidFill>
-              </a:rPr>
-              <a:t> dealing with relational operators such as Conditional Boundary </a:t>
-            </a:r>
-            <a:r>
-              <a:rPr lang="en-IN" dirty="0" err="1">
-                <a:solidFill>
-                  <a:schemeClr val="tx1"/>
-                </a:solidFill>
-              </a:rPr>
-              <a:t>Mutator</a:t>
-            </a:r>
-            <a:r>
-              <a:rPr lang="en-IN" dirty="0">
-                <a:solidFill>
-                  <a:schemeClr val="tx1"/>
-                </a:solidFill>
-              </a:rPr>
-              <a:t>.</a:t>
-            </a:r>
-          </a:p>
-          <a:p>
-            <a:endParaRPr lang="en-US" dirty="0">
-              <a:solidFill>
-                <a:schemeClr val="tx1"/>
-              </a:solidFill>
-            </a:endParaRPr>
-          </a:p>
-        </p:txBody>
-      </p:sp>
-    </p:spTree>
-    <p:extLst>
-      <p:ext uri="{BB962C8B-B14F-4D97-AF65-F5344CB8AC3E}">
-        <p14:creationId xmlns:p14="http://schemas.microsoft.com/office/powerpoint/2010/main" val="834307621"/>
-      </p:ext>
-    </p:extLst>
-  </p:cSld>
-  <p:clrMapOvr>
-    <a:masterClrMapping/>
-  </p:clrMapOvr>
-</p:sld>
-</file>
-
-<file path=ppt/slides/slide7.xml><?xml version="1.0" encoding="utf-8"?>
-<p:sld xmlns:a="http://schemas.openxmlformats.org/drawingml/2006/main" xmlns:r="http://schemas.openxmlformats.org/officeDocument/2006/relationships" xmlns:p="http://schemas.openxmlformats.org/presentationml/2006/main">
-  <p:cSld>
-    <p:spTree>
-      <p:nvGrpSpPr>
-        <p:cNvPr id="1" name=""/>
-        <p:cNvGrpSpPr/>
-        <p:nvPr/>
-      </p:nvGrpSpPr>
-      <p:grpSpPr>
-        <a:xfrm>
-          <a:off x="0" y="0"/>
-          <a:ext cx="0" cy="0"/>
-          <a:chOff x="0" y="0"/>
-          <a:chExt cx="0" cy="0"/>
-        </a:xfrm>
-      </p:grpSpPr>
-      <p:sp>
-        <p:nvSpPr>
-          <p:cNvPr id="2" name="Title 1"/>
-          <p:cNvSpPr>
-            <a:spLocks noGrp="1"/>
-          </p:cNvSpPr>
-          <p:nvPr>
-            <p:ph type="title"/>
-          </p:nvPr>
-        </p:nvSpPr>
-        <p:spPr>
-          <a:xfrm>
-            <a:off x="838200" y="328179"/>
-            <a:ext cx="10515600" cy="1325563"/>
-          </a:xfrm>
-        </p:spPr>
-        <p:txBody>
-          <a:bodyPr/>
-          <a:lstStyle/>
-          <a:p>
-            <a:pPr algn="ctr"/>
-            <a:r>
-              <a:rPr lang="en-US" dirty="0"/>
-              <a:t>ROR Implementation</a:t>
-            </a:r>
-          </a:p>
-        </p:txBody>
-      </p:sp>
-      <p:sp>
-        <p:nvSpPr>
-          <p:cNvPr id="5" name="Rectangle 4"/>
-          <p:cNvSpPr/>
-          <p:nvPr/>
-        </p:nvSpPr>
-        <p:spPr>
-          <a:xfrm>
-            <a:off x="304799" y="1690687"/>
-            <a:ext cx="11647055" cy="1699058"/>
-          </a:xfrm>
-          <a:prstGeom prst="rect">
-            <a:avLst/>
-          </a:prstGeom>
-          <a:noFill/>
-          <a:ln>
-            <a:noFill/>
-          </a:ln>
-        </p:spPr>
-        <p:style>
-          <a:lnRef idx="2">
-            <a:schemeClr val="accent1">
-              <a:shade val="50000"/>
-            </a:schemeClr>
-          </a:lnRef>
-          <a:fillRef idx="1">
-            <a:schemeClr val="accent1"/>
-          </a:fillRef>
-          <a:effectRef idx="0">
-            <a:schemeClr val="accent1"/>
-          </a:effectRef>
-          <a:fontRef idx="minor">
-            <a:schemeClr val="lt1"/>
-          </a:fontRef>
-        </p:style>
-        <p:txBody>
-          <a:bodyPr rtlCol="0" anchor="ctr"/>
-          <a:lstStyle/>
-          <a:p>
-            <a:pPr marL="285750" indent="-285750">
-              <a:buFont typeface="Arial" panose="020B0604020202020204" pitchFamily="34" charset="0"/>
-              <a:buChar char="•"/>
-            </a:pPr>
-            <a:r>
-              <a:rPr lang="en-IN" dirty="0">
-                <a:solidFill>
-                  <a:schemeClr val="tx1"/>
-                </a:solidFill>
-              </a:rPr>
-              <a:t>Created a class containing six </a:t>
-            </a:r>
-            <a:r>
-              <a:rPr lang="en-IN" dirty="0" err="1">
-                <a:solidFill>
-                  <a:schemeClr val="tx1"/>
-                </a:solidFill>
-              </a:rPr>
-              <a:t>enum</a:t>
-            </a:r>
-            <a:r>
-              <a:rPr lang="en-IN" dirty="0">
-                <a:solidFill>
-                  <a:schemeClr val="tx1"/>
-                </a:solidFill>
-              </a:rPr>
-              <a:t> types, each implementing the </a:t>
-            </a:r>
-            <a:r>
-              <a:rPr lang="en-IN" dirty="0" err="1">
-                <a:solidFill>
-                  <a:schemeClr val="tx1"/>
-                </a:solidFill>
-              </a:rPr>
-              <a:t>MethodMutatorFactory</a:t>
-            </a:r>
-            <a:r>
-              <a:rPr lang="en-IN" dirty="0">
-                <a:solidFill>
-                  <a:schemeClr val="tx1"/>
-                </a:solidFill>
-              </a:rPr>
-              <a:t>.</a:t>
-            </a:r>
-          </a:p>
-          <a:p>
-            <a:pPr marL="285750" indent="-285750">
-              <a:buFont typeface="Arial" panose="020B0604020202020204" pitchFamily="34" charset="0"/>
-              <a:buChar char="•"/>
-            </a:pPr>
-            <a:r>
-              <a:rPr lang="en-IN" dirty="0">
-                <a:solidFill>
-                  <a:schemeClr val="tx1"/>
-                </a:solidFill>
-              </a:rPr>
-              <a:t>Each </a:t>
-            </a:r>
-            <a:r>
-              <a:rPr lang="en-IN" dirty="0" err="1">
-                <a:solidFill>
-                  <a:schemeClr val="tx1"/>
-                </a:solidFill>
-              </a:rPr>
-              <a:t>enum</a:t>
-            </a:r>
-            <a:r>
-              <a:rPr lang="en-IN" dirty="0">
-                <a:solidFill>
-                  <a:schemeClr val="tx1"/>
-                </a:solidFill>
-              </a:rPr>
-              <a:t> created a </a:t>
-            </a:r>
-            <a:r>
-              <a:rPr lang="en-IN" dirty="0" err="1">
-                <a:solidFill>
-                  <a:schemeClr val="tx1"/>
-                </a:solidFill>
-              </a:rPr>
-              <a:t>MethodVisitor</a:t>
-            </a:r>
-            <a:r>
-              <a:rPr lang="en-IN" dirty="0">
-                <a:solidFill>
-                  <a:schemeClr val="tx1"/>
-                </a:solidFill>
-              </a:rPr>
-              <a:t> that handled a certain case.</a:t>
-            </a:r>
-          </a:p>
-          <a:p>
-            <a:pPr marL="285750" indent="-285750">
-              <a:buFont typeface="Arial" panose="020B0604020202020204" pitchFamily="34" charset="0"/>
-              <a:buChar char="•"/>
-            </a:pPr>
-            <a:r>
-              <a:rPr lang="en-IN" dirty="0">
-                <a:solidFill>
-                  <a:schemeClr val="tx1"/>
-                </a:solidFill>
-              </a:rPr>
-              <a:t>Each method visitor extended </a:t>
-            </a:r>
-            <a:r>
-              <a:rPr lang="en-IN" dirty="0" err="1">
-                <a:solidFill>
-                  <a:schemeClr val="tx1"/>
-                </a:solidFill>
-              </a:rPr>
-              <a:t>AbstractJumpMutator</a:t>
-            </a:r>
-            <a:r>
-              <a:rPr lang="en-IN" dirty="0">
-                <a:solidFill>
-                  <a:schemeClr val="tx1"/>
-                </a:solidFill>
-              </a:rPr>
-              <a:t> which contain the Substitution class used for replacement.</a:t>
-            </a:r>
-          </a:p>
-          <a:p>
-            <a:pPr marL="285750" indent="-285750">
-              <a:buFont typeface="Arial" panose="020B0604020202020204" pitchFamily="34" charset="0"/>
-              <a:buChar char="•"/>
-            </a:pPr>
-            <a:r>
-              <a:rPr lang="en-IN" dirty="0">
-                <a:solidFill>
-                  <a:schemeClr val="tx1"/>
-                </a:solidFill>
-              </a:rPr>
-              <a:t>Snippet of the method visitor that handled the replacement of operators to ‘&gt;‘.</a:t>
-            </a:r>
-          </a:p>
-          <a:p>
-            <a:pPr marL="285750" indent="-285750">
-              <a:buFont typeface="Arial" panose="020B0604020202020204" pitchFamily="34" charset="0"/>
-              <a:buChar char="•"/>
-            </a:pPr>
-            <a:r>
-              <a:rPr lang="en-IN" dirty="0">
-                <a:solidFill>
-                  <a:schemeClr val="tx1"/>
-                </a:solidFill>
-              </a:rPr>
-              <a:t>Note operators are flipped.</a:t>
-            </a:r>
-          </a:p>
-          <a:p>
-            <a:pPr marL="285750" indent="-285750">
-              <a:buFont typeface="Arial" panose="020B0604020202020204" pitchFamily="34" charset="0"/>
-              <a:buChar char="•"/>
-            </a:pPr>
-            <a:endParaRPr lang="en-US" dirty="0">
-              <a:solidFill>
-                <a:schemeClr val="tx1"/>
-              </a:solidFill>
-            </a:endParaRPr>
-          </a:p>
-        </p:txBody>
-      </p:sp>
-      <p:pic>
-        <p:nvPicPr>
-          <p:cNvPr id="6" name="Picture 5"/>
-          <p:cNvPicPr>
-            <a:picLocks noChangeAspect="1"/>
-          </p:cNvPicPr>
-          <p:nvPr/>
-        </p:nvPicPr>
-        <p:blipFill>
-          <a:blip r:embed="rId2"/>
-          <a:stretch>
-            <a:fillRect/>
-          </a:stretch>
-        </p:blipFill>
-        <p:spPr>
-          <a:xfrm>
-            <a:off x="1810402" y="3756333"/>
-            <a:ext cx="8312577" cy="2546481"/>
-          </a:xfrm>
-          <a:prstGeom prst="rect">
-            <a:avLst/>
-          </a:prstGeom>
-          <a:solidFill>
-            <a:srgbClr val="FFFFFF">
-              <a:shade val="85000"/>
-            </a:srgbClr>
-          </a:solidFill>
-          <a:ln w="88900" cap="sq">
-            <a:solidFill>
-              <a:srgbClr val="FFFFFF"/>
-            </a:solidFill>
-            <a:miter lim="800000"/>
-          </a:ln>
-          <a:effectLst>
-            <a:outerShdw blurRad="55000" dist="18000" dir="5400000" algn="tl" rotWithShape="0">
-              <a:srgbClr val="000000">
-                <a:alpha val="40000"/>
-              </a:srgbClr>
-            </a:outerShdw>
-          </a:effectLst>
-          <a:scene3d>
-            <a:camera prst="orthographicFront"/>
-            <a:lightRig rig="twoPt" dir="t">
-              <a:rot lat="0" lon="0" rev="7200000"/>
-            </a:lightRig>
-          </a:scene3d>
-          <a:sp3d>
-            <a:bevelT w="25400" h="19050"/>
-            <a:contourClr>
-              <a:srgbClr val="FFFFFF"/>
-            </a:contourClr>
-          </a:sp3d>
-        </p:spPr>
-      </p:pic>
-    </p:spTree>
-    <p:extLst>
-      <p:ext uri="{BB962C8B-B14F-4D97-AF65-F5344CB8AC3E}">
-        <p14:creationId xmlns:p14="http://schemas.microsoft.com/office/powerpoint/2010/main" val="307246228"/>
-      </p:ext>
-    </p:extLst>
-  </p:cSld>
-  <p:clrMapOvr>
-    <a:masterClrMapping/>
-  </p:clrMapOvr>
-</p:sld>
-</file>
-
-<file path=ppt/slides/slide8.xml><?xml version="1.0" encoding="utf-8"?>
+<file path=ppt/slides/slide10.xml><?xml version="1.0" encoding="utf-8"?>
 <p:sld xmlns:a="http://schemas.openxmlformats.org/drawingml/2006/main" xmlns:r="http://schemas.openxmlformats.org/officeDocument/2006/relationships" xmlns:p="http://schemas.openxmlformats.org/presentationml/2006/main">
   <p:cSld>
     <p:spTree>
@@ -6106,7 +3704,7 @@
 </p:sld>
 </file>
 
-<file path=ppt/slides/slide9.xml><?xml version="1.0" encoding="utf-8"?>
+<file path=ppt/slides/slide11.xml><?xml version="1.0" encoding="utf-8"?>
 <p:sld xmlns:a="http://schemas.openxmlformats.org/drawingml/2006/main" xmlns:r="http://schemas.openxmlformats.org/officeDocument/2006/relationships" xmlns:p="http://schemas.openxmlformats.org/presentationml/2006/main">
   <p:cSld>
     <p:spTree>
@@ -6230,6 +3828,2598 @@
     <p:extLst>
       <p:ext uri="{BB962C8B-B14F-4D97-AF65-F5344CB8AC3E}">
         <p14:creationId xmlns:p14="http://schemas.microsoft.com/office/powerpoint/2010/main" val="4088658420"/>
+      </p:ext>
+    </p:extLst>
+  </p:cSld>
+  <p:clrMapOvr>
+    <a:masterClrMapping/>
+  </p:clrMapOvr>
+</p:sld>
+</file>
+
+<file path=ppt/slides/slide2.xml><?xml version="1.0" encoding="utf-8"?>
+<p:sld xmlns:a="http://schemas.openxmlformats.org/drawingml/2006/main" xmlns:r="http://schemas.openxmlformats.org/officeDocument/2006/relationships" xmlns:p="http://schemas.openxmlformats.org/presentationml/2006/main">
+  <p:cSld>
+    <p:spTree>
+      <p:nvGrpSpPr>
+        <p:cNvPr id="1" name=""/>
+        <p:cNvGrpSpPr/>
+        <p:nvPr/>
+      </p:nvGrpSpPr>
+      <p:grpSpPr>
+        <a:xfrm>
+          <a:off x="0" y="0"/>
+          <a:ext cx="0" cy="0"/>
+          <a:chOff x="0" y="0"/>
+          <a:chExt cx="0" cy="0"/>
+        </a:xfrm>
+      </p:grpSpPr>
+      <p:sp>
+        <p:nvSpPr>
+          <p:cNvPr id="3" name="Content Placeholder 2">
+            <a:extLst>
+              <a:ext uri="{FF2B5EF4-FFF2-40B4-BE49-F238E27FC236}">
+                <a16:creationId xmlns:a16="http://schemas.microsoft.com/office/drawing/2014/main" id="{0DF1B108-604F-8046-A5E4-DFB37D9A6943}"/>
+              </a:ext>
+            </a:extLst>
+          </p:cNvPr>
+          <p:cNvSpPr>
+            <a:spLocks noGrp="1"/>
+          </p:cNvSpPr>
+          <p:nvPr>
+            <p:ph idx="1"/>
+          </p:nvPr>
+        </p:nvSpPr>
+        <p:spPr>
+          <a:xfrm>
+            <a:off x="838200" y="1034256"/>
+            <a:ext cx="10515600" cy="5142707"/>
+          </a:xfrm>
+        </p:spPr>
+        <p:txBody>
+          <a:bodyPr/>
+          <a:lstStyle/>
+          <a:p>
+            <a:r>
+              <a:rPr lang="en-US" sz="3200" dirty="0"/>
+              <a:t>First operand replacement</a:t>
+            </a:r>
+          </a:p>
+          <a:p>
+            <a:pPr marL="0" indent="0">
+              <a:buNone/>
+            </a:pPr>
+            <a:r>
+              <a:rPr lang="en-US" dirty="0"/>
+              <a:t> - remove the first parameter from the stack of JVM which is associated with the second operand in the expression</a:t>
+            </a:r>
+          </a:p>
+          <a:p>
+            <a:pPr marL="0" indent="0">
+              <a:buNone/>
+            </a:pPr>
+            <a:r>
+              <a:rPr lang="en-US" dirty="0"/>
+              <a:t> - </a:t>
+            </a:r>
+            <a:r>
+              <a:rPr lang="en-US" i="1" dirty="0" err="1"/>
+              <a:t>int</a:t>
+            </a:r>
+            <a:r>
+              <a:rPr lang="en-US" dirty="0"/>
+              <a:t>, </a:t>
+            </a:r>
+            <a:r>
+              <a:rPr lang="en-US" i="1" dirty="0"/>
+              <a:t>float</a:t>
+            </a:r>
+            <a:r>
+              <a:rPr lang="en-US" dirty="0"/>
+              <a:t>  stored in 1 stack slot : </a:t>
+            </a:r>
+            <a:r>
+              <a:rPr lang="en-US" b="1" dirty="0"/>
+              <a:t>POP</a:t>
+            </a:r>
+          </a:p>
+          <a:p>
+            <a:pPr marL="0" indent="0">
+              <a:buNone/>
+            </a:pPr>
+            <a:r>
+              <a:rPr lang="vi-VN" dirty="0"/>
+              <a:t> </a:t>
+            </a:r>
+            <a:r>
+              <a:rPr lang="en-US" dirty="0"/>
+              <a:t>- </a:t>
+            </a:r>
+            <a:r>
+              <a:rPr lang="en-US" i="1" dirty="0"/>
+              <a:t>double</a:t>
+            </a:r>
+            <a:r>
+              <a:rPr lang="en-US" dirty="0"/>
+              <a:t>, </a:t>
+            </a:r>
+            <a:r>
+              <a:rPr lang="en-US" i="1" dirty="0"/>
+              <a:t>long</a:t>
+            </a:r>
+            <a:r>
+              <a:rPr lang="en-US" dirty="0"/>
+              <a:t> stored in 2 stack slots: </a:t>
+            </a:r>
+            <a:r>
+              <a:rPr lang="en-US" b="1" dirty="0"/>
+              <a:t>POP2</a:t>
+            </a:r>
+            <a:endParaRPr lang="ru-RU" b="1" dirty="0"/>
+          </a:p>
+        </p:txBody>
+      </p:sp>
+      <p:sp>
+        <p:nvSpPr>
+          <p:cNvPr id="6" name="Title 1">
+            <a:extLst>
+              <a:ext uri="{FF2B5EF4-FFF2-40B4-BE49-F238E27FC236}">
+                <a16:creationId xmlns:a16="http://schemas.microsoft.com/office/drawing/2014/main" id="{704DE971-1443-0F4B-95AB-FA971475C320}"/>
+              </a:ext>
+            </a:extLst>
+          </p:cNvPr>
+          <p:cNvSpPr txBox="1">
+            <a:spLocks/>
+          </p:cNvSpPr>
+          <p:nvPr/>
+        </p:nvSpPr>
+        <p:spPr>
+          <a:xfrm>
+            <a:off x="1157288" y="177006"/>
+            <a:ext cx="9510712" cy="857250"/>
+          </a:xfrm>
+          <a:prstGeom prst="rect">
+            <a:avLst/>
+          </a:prstGeom>
+        </p:spPr>
+        <p:txBody>
+          <a:bodyPr vert="horz" lIns="91440" tIns="45720" rIns="91440" bIns="45720" rtlCol="0" anchor="ctr">
+            <a:normAutofit/>
+          </a:bodyPr>
+          <a:lstStyle>
+            <a:lvl1pPr algn="l" defTabSz="914400" rtl="0" eaLnBrk="1" latinLnBrk="0" hangingPunct="1">
+              <a:lnSpc>
+                <a:spcPct val="90000"/>
+              </a:lnSpc>
+              <a:spcBef>
+                <a:spcPct val="0"/>
+              </a:spcBef>
+              <a:buNone/>
+              <a:defRPr sz="4400" kern="1200">
+                <a:solidFill>
+                  <a:schemeClr val="tx1"/>
+                </a:solidFill>
+                <a:latin typeface="+mj-lt"/>
+                <a:ea typeface="+mj-ea"/>
+                <a:cs typeface="+mj-cs"/>
+              </a:defRPr>
+            </a:lvl1pPr>
+          </a:lstStyle>
+          <a:p>
+            <a:pPr algn="ctr"/>
+            <a:r>
+              <a:rPr lang="en-US" sz="4000" b="1" dirty="0"/>
+              <a:t>AOD implementation</a:t>
+            </a:r>
+            <a:endParaRPr lang="ru-RU" sz="4000" b="1" dirty="0"/>
+          </a:p>
+        </p:txBody>
+      </p:sp>
+    </p:spTree>
+    <p:extLst>
+      <p:ext uri="{BB962C8B-B14F-4D97-AF65-F5344CB8AC3E}">
+        <p14:creationId xmlns:p14="http://schemas.microsoft.com/office/powerpoint/2010/main" val="4138694109"/>
+      </p:ext>
+    </p:extLst>
+  </p:cSld>
+  <p:clrMapOvr>
+    <a:masterClrMapping/>
+  </p:clrMapOvr>
+</p:sld>
+</file>
+
+<file path=ppt/slides/slide3.xml><?xml version="1.0" encoding="utf-8"?>
+<p:sld xmlns:a="http://schemas.openxmlformats.org/drawingml/2006/main" xmlns:r="http://schemas.openxmlformats.org/officeDocument/2006/relationships" xmlns:p="http://schemas.openxmlformats.org/presentationml/2006/main">
+  <p:cSld>
+    <p:spTree>
+      <p:nvGrpSpPr>
+        <p:cNvPr id="1" name=""/>
+        <p:cNvGrpSpPr/>
+        <p:nvPr/>
+      </p:nvGrpSpPr>
+      <p:grpSpPr>
+        <a:xfrm>
+          <a:off x="0" y="0"/>
+          <a:ext cx="0" cy="0"/>
+          <a:chOff x="0" y="0"/>
+          <a:chExt cx="0" cy="0"/>
+        </a:xfrm>
+      </p:grpSpPr>
+      <p:sp>
+        <p:nvSpPr>
+          <p:cNvPr id="3" name="Content Placeholder 2">
+            <a:extLst>
+              <a:ext uri="{FF2B5EF4-FFF2-40B4-BE49-F238E27FC236}">
+                <a16:creationId xmlns:a16="http://schemas.microsoft.com/office/drawing/2014/main" id="{057B635D-FB8B-0E4D-B6B4-614463EF4373}"/>
+              </a:ext>
+            </a:extLst>
+          </p:cNvPr>
+          <p:cNvSpPr>
+            <a:spLocks noGrp="1"/>
+          </p:cNvSpPr>
+          <p:nvPr>
+            <p:ph idx="1"/>
+          </p:nvPr>
+        </p:nvSpPr>
+        <p:spPr>
+          <a:xfrm>
+            <a:off x="838200" y="1157288"/>
+            <a:ext cx="10515600" cy="5019675"/>
+          </a:xfrm>
+        </p:spPr>
+        <p:txBody>
+          <a:bodyPr>
+            <a:normAutofit/>
+          </a:bodyPr>
+          <a:lstStyle/>
+          <a:p>
+            <a:r>
+              <a:rPr lang="en-US" sz="3200" dirty="0"/>
+              <a:t>Second operand replacement</a:t>
+            </a:r>
+          </a:p>
+          <a:p>
+            <a:pPr marL="0" indent="0">
+              <a:buNone/>
+            </a:pPr>
+            <a:r>
+              <a:rPr lang="en-US" sz="3200" dirty="0"/>
+              <a:t> - </a:t>
+            </a:r>
+            <a:r>
+              <a:rPr lang="en-US" sz="3200" i="1" dirty="0" err="1"/>
+              <a:t>int</a:t>
+            </a:r>
+            <a:r>
+              <a:rPr lang="en-US" sz="3200" dirty="0"/>
+              <a:t>, </a:t>
+            </a:r>
+            <a:r>
+              <a:rPr lang="en-US" sz="3200" i="1" dirty="0"/>
+              <a:t>float</a:t>
+            </a:r>
+            <a:r>
+              <a:rPr lang="en-US" sz="3200" dirty="0"/>
+              <a:t>: </a:t>
+            </a:r>
+          </a:p>
+          <a:p>
+            <a:pPr marL="0" indent="0">
+              <a:buNone/>
+            </a:pPr>
+            <a:r>
+              <a:rPr lang="en-US" sz="3200" dirty="0"/>
+              <a:t>     + using </a:t>
+            </a:r>
+            <a:r>
+              <a:rPr lang="en-US" sz="3200" b="1" dirty="0"/>
+              <a:t>SWAP</a:t>
+            </a:r>
+          </a:p>
+          <a:p>
+            <a:pPr marL="0" indent="0">
+              <a:buNone/>
+            </a:pPr>
+            <a:r>
+              <a:rPr lang="en-US" sz="3200" i="1" dirty="0"/>
+              <a:t>     </a:t>
+            </a:r>
+            <a:r>
+              <a:rPr lang="en-US" sz="3200" dirty="0"/>
+              <a:t>+ becomes the first operand replacement</a:t>
+            </a:r>
+          </a:p>
+          <a:p>
+            <a:pPr marL="0" indent="0">
+              <a:buNone/>
+            </a:pPr>
+            <a:endParaRPr lang="ru-RU" sz="3200" dirty="0"/>
+          </a:p>
+        </p:txBody>
+      </p:sp>
+      <p:sp>
+        <p:nvSpPr>
+          <p:cNvPr id="4" name="Title 1">
+            <a:extLst>
+              <a:ext uri="{FF2B5EF4-FFF2-40B4-BE49-F238E27FC236}">
+                <a16:creationId xmlns:a16="http://schemas.microsoft.com/office/drawing/2014/main" id="{D033EA36-D555-6E4D-B4C7-BA2B58724684}"/>
+              </a:ext>
+            </a:extLst>
+          </p:cNvPr>
+          <p:cNvSpPr txBox="1">
+            <a:spLocks/>
+          </p:cNvSpPr>
+          <p:nvPr/>
+        </p:nvSpPr>
+        <p:spPr>
+          <a:xfrm>
+            <a:off x="1157288" y="177006"/>
+            <a:ext cx="9510712" cy="857250"/>
+          </a:xfrm>
+          <a:prstGeom prst="rect">
+            <a:avLst/>
+          </a:prstGeom>
+        </p:spPr>
+        <p:txBody>
+          <a:bodyPr vert="horz" lIns="91440" tIns="45720" rIns="91440" bIns="45720" rtlCol="0" anchor="ctr">
+            <a:normAutofit/>
+          </a:bodyPr>
+          <a:lstStyle>
+            <a:lvl1pPr algn="l" defTabSz="914400" rtl="0" eaLnBrk="1" latinLnBrk="0" hangingPunct="1">
+              <a:lnSpc>
+                <a:spcPct val="90000"/>
+              </a:lnSpc>
+              <a:spcBef>
+                <a:spcPct val="0"/>
+              </a:spcBef>
+              <a:buNone/>
+              <a:defRPr sz="4400" kern="1200">
+                <a:solidFill>
+                  <a:schemeClr val="tx1"/>
+                </a:solidFill>
+                <a:latin typeface="+mj-lt"/>
+                <a:ea typeface="+mj-ea"/>
+                <a:cs typeface="+mj-cs"/>
+              </a:defRPr>
+            </a:lvl1pPr>
+          </a:lstStyle>
+          <a:p>
+            <a:pPr algn="ctr"/>
+            <a:r>
+              <a:rPr lang="en-US" sz="4000" b="1" dirty="0"/>
+              <a:t>AOD implementation</a:t>
+            </a:r>
+            <a:endParaRPr lang="ru-RU" sz="4000" b="1" dirty="0"/>
+          </a:p>
+        </p:txBody>
+      </p:sp>
+    </p:spTree>
+    <p:extLst>
+      <p:ext uri="{BB962C8B-B14F-4D97-AF65-F5344CB8AC3E}">
+        <p14:creationId xmlns:p14="http://schemas.microsoft.com/office/powerpoint/2010/main" val="3124990749"/>
+      </p:ext>
+    </p:extLst>
+  </p:cSld>
+  <p:clrMapOvr>
+    <a:masterClrMapping/>
+  </p:clrMapOvr>
+</p:sld>
+</file>
+
+<file path=ppt/slides/slide4.xml><?xml version="1.0" encoding="utf-8"?>
+<p:sld xmlns:a="http://schemas.openxmlformats.org/drawingml/2006/main" xmlns:r="http://schemas.openxmlformats.org/officeDocument/2006/relationships" xmlns:p="http://schemas.openxmlformats.org/presentationml/2006/main">
+  <p:cSld>
+    <p:spTree>
+      <p:nvGrpSpPr>
+        <p:cNvPr id="1" name=""/>
+        <p:cNvGrpSpPr/>
+        <p:nvPr/>
+      </p:nvGrpSpPr>
+      <p:grpSpPr>
+        <a:xfrm>
+          <a:off x="0" y="0"/>
+          <a:ext cx="0" cy="0"/>
+          <a:chOff x="0" y="0"/>
+          <a:chExt cx="0" cy="0"/>
+        </a:xfrm>
+      </p:grpSpPr>
+      <p:sp>
+        <p:nvSpPr>
+          <p:cNvPr id="2" name="Title 1">
+            <a:extLst>
+              <a:ext uri="{FF2B5EF4-FFF2-40B4-BE49-F238E27FC236}">
+                <a16:creationId xmlns:a16="http://schemas.microsoft.com/office/drawing/2014/main" id="{02FEB278-FF8F-3B4A-84EB-7DD41861BB6D}"/>
+              </a:ext>
+            </a:extLst>
+          </p:cNvPr>
+          <p:cNvSpPr>
+            <a:spLocks noGrp="1"/>
+          </p:cNvSpPr>
+          <p:nvPr>
+            <p:ph type="title"/>
+          </p:nvPr>
+        </p:nvSpPr>
+        <p:spPr>
+          <a:xfrm>
+            <a:off x="838200" y="479426"/>
+            <a:ext cx="10515600" cy="635000"/>
+          </a:xfrm>
+        </p:spPr>
+        <p:txBody>
+          <a:bodyPr>
+            <a:normAutofit fontScale="90000"/>
+          </a:bodyPr>
+          <a:lstStyle/>
+          <a:p>
+            <a:pPr algn="ctr"/>
+            <a:r>
+              <a:rPr lang="en-US" b="1" dirty="0"/>
+              <a:t>AOD implementation</a:t>
+            </a:r>
+            <a:br>
+              <a:rPr lang="ru-RU" b="1" dirty="0"/>
+            </a:br>
+            <a:endParaRPr lang="ru-RU" dirty="0"/>
+          </a:p>
+        </p:txBody>
+      </p:sp>
+      <p:sp>
+        <p:nvSpPr>
+          <p:cNvPr id="3" name="Content Placeholder 2">
+            <a:extLst>
+              <a:ext uri="{FF2B5EF4-FFF2-40B4-BE49-F238E27FC236}">
+                <a16:creationId xmlns:a16="http://schemas.microsoft.com/office/drawing/2014/main" id="{7A95BC14-0E82-FA4B-9F9B-A1ECB27DE88D}"/>
+              </a:ext>
+            </a:extLst>
+          </p:cNvPr>
+          <p:cNvSpPr>
+            <a:spLocks noGrp="1"/>
+          </p:cNvSpPr>
+          <p:nvPr>
+            <p:ph idx="1"/>
+          </p:nvPr>
+        </p:nvSpPr>
+        <p:spPr>
+          <a:xfrm>
+            <a:off x="838200" y="1114426"/>
+            <a:ext cx="10515600" cy="5062537"/>
+          </a:xfrm>
+        </p:spPr>
+        <p:txBody>
+          <a:bodyPr/>
+          <a:lstStyle/>
+          <a:p>
+            <a:r>
+              <a:rPr lang="en-US" dirty="0"/>
+              <a:t>Second operand replacement</a:t>
+            </a:r>
+            <a:endParaRPr lang="vi-VN" dirty="0"/>
+          </a:p>
+          <a:p>
+            <a:pPr marL="0" indent="0">
+              <a:buNone/>
+            </a:pPr>
+            <a:r>
+              <a:rPr lang="en-US" dirty="0"/>
+              <a:t>-  </a:t>
+            </a:r>
+            <a:r>
+              <a:rPr lang="en-US" i="1" dirty="0"/>
+              <a:t>double</a:t>
+            </a:r>
+            <a:r>
+              <a:rPr lang="en-US" dirty="0"/>
+              <a:t>, </a:t>
+            </a:r>
+            <a:r>
+              <a:rPr lang="en-US" i="1" dirty="0"/>
+              <a:t>long: </a:t>
+            </a:r>
+          </a:p>
+          <a:p>
+            <a:pPr marL="0" indent="0">
+              <a:buNone/>
+            </a:pPr>
+            <a:r>
+              <a:rPr lang="en-US" i="1" dirty="0"/>
+              <a:t>   </a:t>
+            </a:r>
+            <a:r>
+              <a:rPr lang="en-US" dirty="0"/>
+              <a:t>+ </a:t>
+            </a:r>
+            <a:r>
+              <a:rPr lang="en-US" b="1" dirty="0"/>
+              <a:t>SWAP2</a:t>
+            </a:r>
+            <a:r>
+              <a:rPr lang="en-US" dirty="0"/>
+              <a:t> doesn’t exist</a:t>
+            </a:r>
+          </a:p>
+          <a:p>
+            <a:pPr marL="0" indent="0">
+              <a:buNone/>
+            </a:pPr>
+            <a:r>
+              <a:rPr lang="en-US" i="1" dirty="0"/>
+              <a:t>   </a:t>
+            </a:r>
+            <a:r>
+              <a:rPr lang="en-US" dirty="0"/>
+              <a:t>+ Alternative: </a:t>
+            </a:r>
+            <a:endParaRPr lang="vi-VN" dirty="0"/>
+          </a:p>
+          <a:p>
+            <a:pPr marL="0" indent="0">
+              <a:buNone/>
+            </a:pPr>
+            <a:r>
+              <a:rPr lang="vi-VN" dirty="0"/>
+              <a:t>	</a:t>
+            </a:r>
+            <a:r>
+              <a:rPr lang="en-US" b="1" i="1" dirty="0">
+                <a:latin typeface="Calibri" panose="020F0502020204030204" pitchFamily="34" charset="0"/>
+                <a:cs typeface="Calibri" panose="020F0502020204030204" pitchFamily="34" charset="0"/>
+              </a:rPr>
+              <a:t>DUP2_X2</a:t>
+            </a:r>
+            <a:endParaRPr lang="vi-VN" b="1" i="1" dirty="0">
+              <a:latin typeface="Calibri" panose="020F0502020204030204" pitchFamily="34" charset="0"/>
+              <a:cs typeface="Calibri" panose="020F0502020204030204" pitchFamily="34" charset="0"/>
+            </a:endParaRPr>
+          </a:p>
+          <a:p>
+            <a:pPr marL="0" indent="0">
+              <a:buNone/>
+            </a:pPr>
+            <a:r>
+              <a:rPr lang="vi-VN" i="1" dirty="0">
+                <a:latin typeface="Calibri" panose="020F0502020204030204" pitchFamily="34" charset="0"/>
+                <a:cs typeface="Calibri" panose="020F0502020204030204" pitchFamily="34" charset="0"/>
+              </a:rPr>
+              <a:t>	</a:t>
+            </a:r>
+            <a:r>
+              <a:rPr lang="vi-VN" b="1" i="1" dirty="0">
+                <a:latin typeface="Calibri" panose="020F0502020204030204" pitchFamily="34" charset="0"/>
+                <a:cs typeface="Calibri" panose="020F0502020204030204" pitchFamily="34" charset="0"/>
+              </a:rPr>
+              <a:t>POP2</a:t>
+            </a:r>
+          </a:p>
+          <a:p>
+            <a:pPr marL="0" indent="0">
+              <a:buNone/>
+            </a:pPr>
+            <a:r>
+              <a:rPr lang="vi-VN" b="1" i="1" dirty="0">
+                <a:latin typeface="Calibri" panose="020F0502020204030204" pitchFamily="34" charset="0"/>
+                <a:cs typeface="Calibri" panose="020F0502020204030204" pitchFamily="34" charset="0"/>
+              </a:rPr>
+              <a:t>	POP2</a:t>
+            </a:r>
+            <a:endParaRPr lang="ru-RU" b="1" i="1" dirty="0">
+              <a:latin typeface="Calibri" panose="020F0502020204030204" pitchFamily="34" charset="0"/>
+              <a:cs typeface="Calibri" panose="020F0502020204030204" pitchFamily="34" charset="0"/>
+            </a:endParaRPr>
+          </a:p>
+        </p:txBody>
+      </p:sp>
+    </p:spTree>
+    <p:extLst>
+      <p:ext uri="{BB962C8B-B14F-4D97-AF65-F5344CB8AC3E}">
+        <p14:creationId xmlns:p14="http://schemas.microsoft.com/office/powerpoint/2010/main" val="896854810"/>
+      </p:ext>
+    </p:extLst>
+  </p:cSld>
+  <p:clrMapOvr>
+    <a:masterClrMapping/>
+  </p:clrMapOvr>
+</p:sld>
+</file>
+
+<file path=ppt/slides/slide5.xml><?xml version="1.0" encoding="utf-8"?>
+<p:sld xmlns:a="http://schemas.openxmlformats.org/drawingml/2006/main" xmlns:r="http://schemas.openxmlformats.org/officeDocument/2006/relationships" xmlns:p="http://schemas.openxmlformats.org/presentationml/2006/main">
+  <p:cSld>
+    <p:spTree>
+      <p:nvGrpSpPr>
+        <p:cNvPr id="1" name=""/>
+        <p:cNvGrpSpPr/>
+        <p:nvPr/>
+      </p:nvGrpSpPr>
+      <p:grpSpPr>
+        <a:xfrm>
+          <a:off x="0" y="0"/>
+          <a:ext cx="0" cy="0"/>
+          <a:chOff x="0" y="0"/>
+          <a:chExt cx="0" cy="0"/>
+        </a:xfrm>
+      </p:grpSpPr>
+      <p:sp>
+        <p:nvSpPr>
+          <p:cNvPr id="2" name="Title 1">
+            <a:extLst>
+              <a:ext uri="{FF2B5EF4-FFF2-40B4-BE49-F238E27FC236}">
+                <a16:creationId xmlns:a16="http://schemas.microsoft.com/office/drawing/2014/main" id="{F6C908D6-F568-8147-89C1-620BD05E3F72}"/>
+              </a:ext>
+            </a:extLst>
+          </p:cNvPr>
+          <p:cNvSpPr>
+            <a:spLocks noGrp="1"/>
+          </p:cNvSpPr>
+          <p:nvPr>
+            <p:ph type="title"/>
+          </p:nvPr>
+        </p:nvSpPr>
+        <p:spPr>
+          <a:xfrm>
+            <a:off x="795338" y="179388"/>
+            <a:ext cx="10515600" cy="1106488"/>
+          </a:xfrm>
+        </p:spPr>
+        <p:txBody>
+          <a:bodyPr/>
+          <a:lstStyle/>
+          <a:p>
+            <a:pPr algn="ctr"/>
+            <a:r>
+              <a:rPr lang="en-US" b="1" dirty="0"/>
+              <a:t>Example</a:t>
+            </a:r>
+            <a:endParaRPr lang="ru-RU" b="1" dirty="0"/>
+          </a:p>
+        </p:txBody>
+      </p:sp>
+      <p:pic>
+        <p:nvPicPr>
+          <p:cNvPr id="4" name="Content Placeholder 3">
+            <a:extLst>
+              <a:ext uri="{FF2B5EF4-FFF2-40B4-BE49-F238E27FC236}">
+                <a16:creationId xmlns:a16="http://schemas.microsoft.com/office/drawing/2014/main" id="{165F00F2-C654-5A4D-9B5B-2A3E49024DA7}"/>
+              </a:ext>
+            </a:extLst>
+          </p:cNvPr>
+          <p:cNvPicPr>
+            <a:picLocks noGrp="1"/>
+          </p:cNvPicPr>
+          <p:nvPr>
+            <p:ph idx="1"/>
+          </p:nvPr>
+        </p:nvPicPr>
+        <p:blipFill>
+          <a:blip r:embed="rId2" cstate="print">
+            <a:extLst>
+              <a:ext uri="{28A0092B-C50C-407E-A947-70E740481C1C}">
+                <a14:useLocalDpi xmlns:a14="http://schemas.microsoft.com/office/drawing/2010/main" val="0"/>
+              </a:ext>
+            </a:extLst>
+          </a:blip>
+          <a:stretch>
+            <a:fillRect/>
+          </a:stretch>
+        </p:blipFill>
+        <p:spPr>
+          <a:xfrm>
+            <a:off x="1014414" y="1285877"/>
+            <a:ext cx="10129836" cy="5343524"/>
+          </a:xfrm>
+          <a:prstGeom prst="rect">
+            <a:avLst/>
+          </a:prstGeom>
+        </p:spPr>
+      </p:pic>
+    </p:spTree>
+    <p:extLst>
+      <p:ext uri="{BB962C8B-B14F-4D97-AF65-F5344CB8AC3E}">
+        <p14:creationId xmlns:p14="http://schemas.microsoft.com/office/powerpoint/2010/main" val="1872125982"/>
+      </p:ext>
+    </p:extLst>
+  </p:cSld>
+  <p:clrMapOvr>
+    <a:masterClrMapping/>
+  </p:clrMapOvr>
+</p:sld>
+</file>
+
+<file path=ppt/slides/slide6.xml><?xml version="1.0" encoding="utf-8"?>
+<p:sld xmlns:a="http://schemas.openxmlformats.org/drawingml/2006/main" xmlns:r="http://schemas.openxmlformats.org/officeDocument/2006/relationships" xmlns:p="http://schemas.openxmlformats.org/presentationml/2006/main">
+  <p:cSld>
+    <p:spTree>
+      <p:nvGrpSpPr>
+        <p:cNvPr id="1" name=""/>
+        <p:cNvGrpSpPr/>
+        <p:nvPr/>
+      </p:nvGrpSpPr>
+      <p:grpSpPr>
+        <a:xfrm>
+          <a:off x="0" y="0"/>
+          <a:ext cx="0" cy="0"/>
+          <a:chOff x="0" y="0"/>
+          <a:chExt cx="0" cy="0"/>
+        </a:xfrm>
+      </p:grpSpPr>
+      <p:sp>
+        <p:nvSpPr>
+          <p:cNvPr id="2" name="Title 1">
+            <a:extLst>
+              <a:ext uri="{FF2B5EF4-FFF2-40B4-BE49-F238E27FC236}">
+                <a16:creationId xmlns:a16="http://schemas.microsoft.com/office/drawing/2014/main" id="{02FEB278-FF8F-3B4A-84EB-7DD41861BB6D}"/>
+              </a:ext>
+            </a:extLst>
+          </p:cNvPr>
+          <p:cNvSpPr>
+            <a:spLocks noGrp="1"/>
+          </p:cNvSpPr>
+          <p:nvPr>
+            <p:ph type="title"/>
+          </p:nvPr>
+        </p:nvSpPr>
+        <p:spPr>
+          <a:xfrm>
+            <a:off x="838200" y="479426"/>
+            <a:ext cx="10515600" cy="635000"/>
+          </a:xfrm>
+        </p:spPr>
+        <p:txBody>
+          <a:bodyPr>
+            <a:normAutofit fontScale="90000"/>
+          </a:bodyPr>
+          <a:lstStyle/>
+          <a:p>
+            <a:pPr algn="ctr"/>
+            <a:r>
+              <a:rPr lang="en-US" b="1" dirty="0"/>
+              <a:t>AOR implementation</a:t>
+            </a:r>
+            <a:br>
+              <a:rPr lang="ru-RU" b="1" dirty="0"/>
+            </a:br>
+            <a:endParaRPr lang="ru-RU" dirty="0"/>
+          </a:p>
+        </p:txBody>
+      </p:sp>
+      <p:pic>
+        <p:nvPicPr>
+          <p:cNvPr id="5" name="Picture 4"/>
+          <p:cNvPicPr>
+            <a:picLocks noChangeAspect="1"/>
+          </p:cNvPicPr>
+          <p:nvPr/>
+        </p:nvPicPr>
+        <p:blipFill>
+          <a:blip r:embed="rId2"/>
+          <a:stretch>
+            <a:fillRect/>
+          </a:stretch>
+        </p:blipFill>
+        <p:spPr>
+          <a:xfrm>
+            <a:off x="2749378" y="1304926"/>
+            <a:ext cx="6693244" cy="4572235"/>
+          </a:xfrm>
+          <a:prstGeom prst="rect">
+            <a:avLst/>
+          </a:prstGeom>
+        </p:spPr>
+      </p:pic>
+    </p:spTree>
+    <p:extLst>
+      <p:ext uri="{BB962C8B-B14F-4D97-AF65-F5344CB8AC3E}">
+        <p14:creationId xmlns:p14="http://schemas.microsoft.com/office/powerpoint/2010/main" val="1884738146"/>
+      </p:ext>
+    </p:extLst>
+  </p:cSld>
+  <p:clrMapOvr>
+    <a:masterClrMapping/>
+  </p:clrMapOvr>
+</p:sld>
+</file>
+
+<file path=ppt/slides/slide7.xml><?xml version="1.0" encoding="utf-8"?>
+<p:sld xmlns:a="http://schemas.openxmlformats.org/drawingml/2006/main" xmlns:r="http://schemas.openxmlformats.org/officeDocument/2006/relationships" xmlns:p="http://schemas.openxmlformats.org/presentationml/2006/main">
+  <p:cSld>
+    <p:spTree>
+      <p:nvGrpSpPr>
+        <p:cNvPr id="1" name=""/>
+        <p:cNvGrpSpPr/>
+        <p:nvPr/>
+      </p:nvGrpSpPr>
+      <p:grpSpPr>
+        <a:xfrm>
+          <a:off x="0" y="0"/>
+          <a:ext cx="0" cy="0"/>
+          <a:chOff x="0" y="0"/>
+          <a:chExt cx="0" cy="0"/>
+        </a:xfrm>
+      </p:grpSpPr>
+      <p:sp>
+        <p:nvSpPr>
+          <p:cNvPr id="2" name="Title 1">
+            <a:extLst>
+              <a:ext uri="{FF2B5EF4-FFF2-40B4-BE49-F238E27FC236}">
+                <a16:creationId xmlns:a16="http://schemas.microsoft.com/office/drawing/2014/main" id="{02FEB278-FF8F-3B4A-84EB-7DD41861BB6D}"/>
+              </a:ext>
+            </a:extLst>
+          </p:cNvPr>
+          <p:cNvSpPr>
+            <a:spLocks noGrp="1"/>
+          </p:cNvSpPr>
+          <p:nvPr>
+            <p:ph type="title"/>
+          </p:nvPr>
+        </p:nvSpPr>
+        <p:spPr>
+          <a:xfrm>
+            <a:off x="838200" y="479426"/>
+            <a:ext cx="10515600" cy="635000"/>
+          </a:xfrm>
+        </p:spPr>
+        <p:txBody>
+          <a:bodyPr>
+            <a:normAutofit fontScale="90000"/>
+          </a:bodyPr>
+          <a:lstStyle/>
+          <a:p>
+            <a:pPr algn="ctr"/>
+            <a:r>
+              <a:rPr lang="en-US" b="1" dirty="0"/>
+              <a:t>AOR implementation</a:t>
+            </a:r>
+            <a:br>
+              <a:rPr lang="ru-RU" b="1" dirty="0"/>
+            </a:br>
+            <a:endParaRPr lang="ru-RU" dirty="0"/>
+          </a:p>
+        </p:txBody>
+      </p:sp>
+      <p:pic>
+        <p:nvPicPr>
+          <p:cNvPr id="3" name="Picture 2"/>
+          <p:cNvPicPr>
+            <a:picLocks noChangeAspect="1"/>
+          </p:cNvPicPr>
+          <p:nvPr/>
+        </p:nvPicPr>
+        <p:blipFill>
+          <a:blip r:embed="rId2"/>
+          <a:stretch>
+            <a:fillRect/>
+          </a:stretch>
+        </p:blipFill>
+        <p:spPr>
+          <a:xfrm>
+            <a:off x="2911311" y="1857294"/>
+            <a:ext cx="6369377" cy="3143412"/>
+          </a:xfrm>
+          <a:prstGeom prst="rect">
+            <a:avLst/>
+          </a:prstGeom>
+        </p:spPr>
+      </p:pic>
+    </p:spTree>
+    <p:extLst>
+      <p:ext uri="{BB962C8B-B14F-4D97-AF65-F5344CB8AC3E}">
+        <p14:creationId xmlns:p14="http://schemas.microsoft.com/office/powerpoint/2010/main" val="1596063443"/>
+      </p:ext>
+    </p:extLst>
+  </p:cSld>
+  <p:clrMapOvr>
+    <a:masterClrMapping/>
+  </p:clrMapOvr>
+</p:sld>
+</file>
+
+<file path=ppt/slides/slide8.xml><?xml version="1.0" encoding="utf-8"?>
+<p:sld xmlns:a="http://schemas.openxmlformats.org/drawingml/2006/main" xmlns:r="http://schemas.openxmlformats.org/officeDocument/2006/relationships" xmlns:p="http://schemas.openxmlformats.org/presentationml/2006/main">
+  <p:cSld>
+    <p:spTree>
+      <p:nvGrpSpPr>
+        <p:cNvPr id="1" name=""/>
+        <p:cNvGrpSpPr/>
+        <p:nvPr/>
+      </p:nvGrpSpPr>
+      <p:grpSpPr>
+        <a:xfrm>
+          <a:off x="0" y="0"/>
+          <a:ext cx="0" cy="0"/>
+          <a:chOff x="0" y="0"/>
+          <a:chExt cx="0" cy="0"/>
+        </a:xfrm>
+      </p:grpSpPr>
+      <p:sp>
+        <p:nvSpPr>
+          <p:cNvPr id="2" name="Title 1"/>
+          <p:cNvSpPr>
+            <a:spLocks noGrp="1"/>
+          </p:cNvSpPr>
+          <p:nvPr>
+            <p:ph type="title"/>
+          </p:nvPr>
+        </p:nvSpPr>
+        <p:spPr>
+          <a:xfrm>
+            <a:off x="838200" y="328179"/>
+            <a:ext cx="10515600" cy="1325563"/>
+          </a:xfrm>
+        </p:spPr>
+        <p:txBody>
+          <a:bodyPr/>
+          <a:lstStyle/>
+          <a:p>
+            <a:pPr algn="ctr"/>
+            <a:r>
+              <a:rPr lang="en-US" dirty="0"/>
+              <a:t>ROR Implementation</a:t>
+            </a:r>
+          </a:p>
+        </p:txBody>
+      </p:sp>
+      <p:sp>
+        <p:nvSpPr>
+          <p:cNvPr id="4" name="Rectangle 3"/>
+          <p:cNvSpPr/>
+          <p:nvPr/>
+        </p:nvSpPr>
+        <p:spPr>
+          <a:xfrm>
+            <a:off x="1357745" y="1551709"/>
+            <a:ext cx="9522691" cy="4156364"/>
+          </a:xfrm>
+          <a:prstGeom prst="rect">
+            <a:avLst/>
+          </a:prstGeom>
+          <a:noFill/>
+          <a:ln>
+            <a:noFill/>
+          </a:ln>
+        </p:spPr>
+        <p:style>
+          <a:lnRef idx="2">
+            <a:schemeClr val="accent1">
+              <a:shade val="50000"/>
+            </a:schemeClr>
+          </a:lnRef>
+          <a:fillRef idx="1">
+            <a:schemeClr val="accent1"/>
+          </a:fillRef>
+          <a:effectRef idx="0">
+            <a:schemeClr val="accent1"/>
+          </a:effectRef>
+          <a:fontRef idx="minor">
+            <a:schemeClr val="lt1"/>
+          </a:fontRef>
+        </p:style>
+        <p:txBody>
+          <a:bodyPr rtlCol="0" anchor="ctr"/>
+          <a:lstStyle/>
+          <a:p>
+            <a:pPr algn="ctr"/>
+            <a:endParaRPr lang="en-US"/>
+          </a:p>
+        </p:txBody>
+      </p:sp>
+      <p:sp>
+        <p:nvSpPr>
+          <p:cNvPr id="5" name="Rectangle 4"/>
+          <p:cNvSpPr/>
+          <p:nvPr/>
+        </p:nvSpPr>
+        <p:spPr>
+          <a:xfrm>
+            <a:off x="304799" y="1690687"/>
+            <a:ext cx="11647055" cy="1186585"/>
+          </a:xfrm>
+          <a:prstGeom prst="rect">
+            <a:avLst/>
+          </a:prstGeom>
+          <a:noFill/>
+          <a:ln>
+            <a:noFill/>
+          </a:ln>
+        </p:spPr>
+        <p:style>
+          <a:lnRef idx="2">
+            <a:schemeClr val="accent1">
+              <a:shade val="50000"/>
+            </a:schemeClr>
+          </a:lnRef>
+          <a:fillRef idx="1">
+            <a:schemeClr val="accent1"/>
+          </a:fillRef>
+          <a:effectRef idx="0">
+            <a:schemeClr val="accent1"/>
+          </a:effectRef>
+          <a:fontRef idx="minor">
+            <a:schemeClr val="lt1"/>
+          </a:fontRef>
+        </p:style>
+        <p:txBody>
+          <a:bodyPr rtlCol="0" anchor="ctr"/>
+          <a:lstStyle/>
+          <a:p>
+            <a:r>
+              <a:rPr lang="en-IN" dirty="0">
+                <a:solidFill>
+                  <a:schemeClr val="tx1"/>
+                </a:solidFill>
+              </a:rPr>
+              <a:t>The implementation of the relational operator replacement required for each relational operator to be replaced by every other one. </a:t>
+            </a:r>
+            <a:endParaRPr lang="en-US" dirty="0">
+              <a:solidFill>
+                <a:schemeClr val="tx1"/>
+              </a:solidFill>
+            </a:endParaRPr>
+          </a:p>
+        </p:txBody>
+      </p:sp>
+      <p:graphicFrame>
+        <p:nvGraphicFramePr>
+          <p:cNvPr id="6" name="Table 5"/>
+          <p:cNvGraphicFramePr>
+            <a:graphicFrameLocks noGrp="1"/>
+          </p:cNvGraphicFramePr>
+          <p:nvPr>
+            <p:extLst>
+              <p:ext uri="{D42A27DB-BD31-4B8C-83A1-F6EECF244321}">
+                <p14:modId xmlns:p14="http://schemas.microsoft.com/office/powerpoint/2010/main" val="1814194402"/>
+              </p:ext>
+            </p:extLst>
+          </p:nvPr>
+        </p:nvGraphicFramePr>
+        <p:xfrm>
+          <a:off x="602297" y="2714697"/>
+          <a:ext cx="5840176" cy="3665785"/>
+        </p:xfrm>
+        <a:graphic>
+          <a:graphicData uri="http://schemas.openxmlformats.org/drawingml/2006/table">
+            <a:tbl>
+              <a:tblPr firstRow="1" firstCol="1" bandRow="1">
+                <a:tableStyleId>{5C22544A-7EE6-4342-B048-85BDC9FD1C3A}</a:tableStyleId>
+              </a:tblPr>
+              <a:tblGrid>
+                <a:gridCol w="905751">
+                  <a:extLst>
+                    <a:ext uri="{9D8B030D-6E8A-4147-A177-3AD203B41FA5}">
+                      <a16:colId xmlns:a16="http://schemas.microsoft.com/office/drawing/2014/main" val="177858951"/>
+                    </a:ext>
+                  </a:extLst>
+                </a:gridCol>
+                <a:gridCol w="986885">
+                  <a:extLst>
+                    <a:ext uri="{9D8B030D-6E8A-4147-A177-3AD203B41FA5}">
+                      <a16:colId xmlns:a16="http://schemas.microsoft.com/office/drawing/2014/main" val="2734022107"/>
+                    </a:ext>
+                  </a:extLst>
+                </a:gridCol>
+                <a:gridCol w="986885">
+                  <a:extLst>
+                    <a:ext uri="{9D8B030D-6E8A-4147-A177-3AD203B41FA5}">
+                      <a16:colId xmlns:a16="http://schemas.microsoft.com/office/drawing/2014/main" val="1717685089"/>
+                    </a:ext>
+                  </a:extLst>
+                </a:gridCol>
+                <a:gridCol w="986885">
+                  <a:extLst>
+                    <a:ext uri="{9D8B030D-6E8A-4147-A177-3AD203B41FA5}">
+                      <a16:colId xmlns:a16="http://schemas.microsoft.com/office/drawing/2014/main" val="136178863"/>
+                    </a:ext>
+                  </a:extLst>
+                </a:gridCol>
+                <a:gridCol w="986885">
+                  <a:extLst>
+                    <a:ext uri="{9D8B030D-6E8A-4147-A177-3AD203B41FA5}">
+                      <a16:colId xmlns:a16="http://schemas.microsoft.com/office/drawing/2014/main" val="1526659126"/>
+                    </a:ext>
+                  </a:extLst>
+                </a:gridCol>
+                <a:gridCol w="986885">
+                  <a:extLst>
+                    <a:ext uri="{9D8B030D-6E8A-4147-A177-3AD203B41FA5}">
+                      <a16:colId xmlns:a16="http://schemas.microsoft.com/office/drawing/2014/main" val="4181345801"/>
+                    </a:ext>
+                  </a:extLst>
+                </a:gridCol>
+              </a:tblGrid>
+              <a:tr h="606293">
+                <a:tc>
+                  <a:txBody>
+                    <a:bodyPr/>
+                    <a:lstStyle/>
+                    <a:p>
+                      <a:pPr marL="0" marR="0" algn="ctr">
+                        <a:spcBef>
+                          <a:spcPts val="0"/>
+                        </a:spcBef>
+                        <a:spcAft>
+                          <a:spcPts val="0"/>
+                        </a:spcAft>
+                      </a:pPr>
+                      <a:r>
+                        <a:rPr lang="en-IN" sz="2800" dirty="0">
+                          <a:effectLst/>
+                        </a:rPr>
+                        <a:t>==</a:t>
+                      </a:r>
+                      <a:endParaRPr lang="en-US" sz="2600" dirty="0">
+                        <a:effectLst/>
+                        <a:latin typeface="Calibri" panose="020F0502020204030204" pitchFamily="34" charset="0"/>
+                        <a:ea typeface="Calibri" panose="020F0502020204030204" pitchFamily="34" charset="0"/>
+                        <a:cs typeface="Times New Roman" panose="02020603050405020304" pitchFamily="18" charset="0"/>
+                      </a:endParaRPr>
+                    </a:p>
+                  </a:txBody>
+                  <a:tcPr marL="159318" marR="159318" marT="0" marB="0"/>
+                </a:tc>
+                <a:tc>
+                  <a:txBody>
+                    <a:bodyPr/>
+                    <a:lstStyle/>
+                    <a:p>
+                      <a:pPr marL="0" marR="0" algn="ctr">
+                        <a:spcBef>
+                          <a:spcPts val="0"/>
+                        </a:spcBef>
+                        <a:spcAft>
+                          <a:spcPts val="0"/>
+                        </a:spcAft>
+                      </a:pPr>
+                      <a:r>
+                        <a:rPr lang="en-IN" sz="2800">
+                          <a:effectLst/>
+                        </a:rPr>
+                        <a:t>!=</a:t>
+                      </a:r>
+                      <a:endParaRPr lang="en-US" sz="2600">
+                        <a:effectLst/>
+                        <a:latin typeface="Calibri" panose="020F0502020204030204" pitchFamily="34" charset="0"/>
+                        <a:ea typeface="Calibri" panose="020F0502020204030204" pitchFamily="34" charset="0"/>
+                        <a:cs typeface="Times New Roman" panose="02020603050405020304" pitchFamily="18" charset="0"/>
+                      </a:endParaRPr>
+                    </a:p>
+                  </a:txBody>
+                  <a:tcPr marL="159318" marR="159318" marT="0" marB="0"/>
+                </a:tc>
+                <a:tc>
+                  <a:txBody>
+                    <a:bodyPr/>
+                    <a:lstStyle/>
+                    <a:p>
+                      <a:pPr marL="0" marR="0" algn="ctr">
+                        <a:spcBef>
+                          <a:spcPts val="0"/>
+                        </a:spcBef>
+                        <a:spcAft>
+                          <a:spcPts val="0"/>
+                        </a:spcAft>
+                      </a:pPr>
+                      <a:r>
+                        <a:rPr lang="en-IN" sz="2800">
+                          <a:effectLst/>
+                        </a:rPr>
+                        <a:t>&gt;=</a:t>
+                      </a:r>
+                      <a:endParaRPr lang="en-US" sz="2600">
+                        <a:effectLst/>
+                        <a:latin typeface="Calibri" panose="020F0502020204030204" pitchFamily="34" charset="0"/>
+                        <a:ea typeface="Calibri" panose="020F0502020204030204" pitchFamily="34" charset="0"/>
+                        <a:cs typeface="Times New Roman" panose="02020603050405020304" pitchFamily="18" charset="0"/>
+                      </a:endParaRPr>
+                    </a:p>
+                  </a:txBody>
+                  <a:tcPr marL="159318" marR="159318" marT="0" marB="0"/>
+                </a:tc>
+                <a:tc>
+                  <a:txBody>
+                    <a:bodyPr/>
+                    <a:lstStyle/>
+                    <a:p>
+                      <a:pPr marL="0" marR="0" algn="ctr">
+                        <a:spcBef>
+                          <a:spcPts val="0"/>
+                        </a:spcBef>
+                        <a:spcAft>
+                          <a:spcPts val="0"/>
+                        </a:spcAft>
+                      </a:pPr>
+                      <a:r>
+                        <a:rPr lang="en-IN" sz="2800">
+                          <a:effectLst/>
+                        </a:rPr>
+                        <a:t>&gt; </a:t>
+                      </a:r>
+                      <a:endParaRPr lang="en-US" sz="2600">
+                        <a:effectLst/>
+                        <a:latin typeface="Calibri" panose="020F0502020204030204" pitchFamily="34" charset="0"/>
+                        <a:ea typeface="Calibri" panose="020F0502020204030204" pitchFamily="34" charset="0"/>
+                        <a:cs typeface="Times New Roman" panose="02020603050405020304" pitchFamily="18" charset="0"/>
+                      </a:endParaRPr>
+                    </a:p>
+                  </a:txBody>
+                  <a:tcPr marL="159318" marR="159318" marT="0" marB="0"/>
+                </a:tc>
+                <a:tc>
+                  <a:txBody>
+                    <a:bodyPr/>
+                    <a:lstStyle/>
+                    <a:p>
+                      <a:pPr marL="0" marR="0" algn="ctr">
+                        <a:spcBef>
+                          <a:spcPts val="0"/>
+                        </a:spcBef>
+                        <a:spcAft>
+                          <a:spcPts val="0"/>
+                        </a:spcAft>
+                      </a:pPr>
+                      <a:r>
+                        <a:rPr lang="en-IN" sz="2800">
+                          <a:effectLst/>
+                        </a:rPr>
+                        <a:t>&lt;=</a:t>
+                      </a:r>
+                      <a:endParaRPr lang="en-US" sz="2600">
+                        <a:effectLst/>
+                        <a:latin typeface="Calibri" panose="020F0502020204030204" pitchFamily="34" charset="0"/>
+                        <a:ea typeface="Calibri" panose="020F0502020204030204" pitchFamily="34" charset="0"/>
+                        <a:cs typeface="Times New Roman" panose="02020603050405020304" pitchFamily="18" charset="0"/>
+                      </a:endParaRPr>
+                    </a:p>
+                  </a:txBody>
+                  <a:tcPr marL="159318" marR="159318" marT="0" marB="0"/>
+                </a:tc>
+                <a:tc>
+                  <a:txBody>
+                    <a:bodyPr/>
+                    <a:lstStyle/>
+                    <a:p>
+                      <a:pPr marL="0" marR="0" algn="ctr">
+                        <a:spcBef>
+                          <a:spcPts val="0"/>
+                        </a:spcBef>
+                        <a:spcAft>
+                          <a:spcPts val="0"/>
+                        </a:spcAft>
+                      </a:pPr>
+                      <a:r>
+                        <a:rPr lang="en-IN" sz="2800">
+                          <a:effectLst/>
+                        </a:rPr>
+                        <a:t>&lt; </a:t>
+                      </a:r>
+                      <a:endParaRPr lang="en-US" sz="2600">
+                        <a:effectLst/>
+                        <a:latin typeface="Calibri" panose="020F0502020204030204" pitchFamily="34" charset="0"/>
+                        <a:ea typeface="Calibri" panose="020F0502020204030204" pitchFamily="34" charset="0"/>
+                        <a:cs typeface="Times New Roman" panose="02020603050405020304" pitchFamily="18" charset="0"/>
+                      </a:endParaRPr>
+                    </a:p>
+                  </a:txBody>
+                  <a:tcPr marL="159318" marR="159318" marT="0" marB="0"/>
+                </a:tc>
+                <a:extLst>
+                  <a:ext uri="{0D108BD9-81ED-4DB2-BD59-A6C34878D82A}">
+                    <a16:rowId xmlns:a16="http://schemas.microsoft.com/office/drawing/2014/main" val="227357228"/>
+                  </a:ext>
+                </a:extLst>
+              </a:tr>
+              <a:tr h="606293">
+                <a:tc>
+                  <a:txBody>
+                    <a:bodyPr/>
+                    <a:lstStyle/>
+                    <a:p>
+                      <a:pPr marL="0" marR="0" algn="ctr">
+                        <a:spcBef>
+                          <a:spcPts val="0"/>
+                        </a:spcBef>
+                        <a:spcAft>
+                          <a:spcPts val="0"/>
+                        </a:spcAft>
+                      </a:pPr>
+                      <a:r>
+                        <a:rPr lang="en-IN" sz="2800">
+                          <a:effectLst/>
+                        </a:rPr>
+                        <a:t>!=</a:t>
+                      </a:r>
+                      <a:endParaRPr lang="en-US" sz="2600">
+                        <a:effectLst/>
+                        <a:latin typeface="Calibri" panose="020F0502020204030204" pitchFamily="34" charset="0"/>
+                        <a:ea typeface="Calibri" panose="020F0502020204030204" pitchFamily="34" charset="0"/>
+                        <a:cs typeface="Times New Roman" panose="02020603050405020304" pitchFamily="18" charset="0"/>
+                      </a:endParaRPr>
+                    </a:p>
+                  </a:txBody>
+                  <a:tcPr marL="159318" marR="159318" marT="0" marB="0"/>
+                </a:tc>
+                <a:tc>
+                  <a:txBody>
+                    <a:bodyPr/>
+                    <a:lstStyle/>
+                    <a:p>
+                      <a:pPr marL="0" marR="0" algn="ctr">
+                        <a:spcBef>
+                          <a:spcPts val="0"/>
+                        </a:spcBef>
+                        <a:spcAft>
+                          <a:spcPts val="0"/>
+                        </a:spcAft>
+                      </a:pPr>
+                      <a:r>
+                        <a:rPr lang="en-IN" sz="2800">
+                          <a:effectLst/>
+                        </a:rPr>
+                        <a:t>&gt;=</a:t>
+                      </a:r>
+                      <a:endParaRPr lang="en-US" sz="2600">
+                        <a:effectLst/>
+                        <a:latin typeface="Calibri" panose="020F0502020204030204" pitchFamily="34" charset="0"/>
+                        <a:ea typeface="Calibri" panose="020F0502020204030204" pitchFamily="34" charset="0"/>
+                        <a:cs typeface="Times New Roman" panose="02020603050405020304" pitchFamily="18" charset="0"/>
+                      </a:endParaRPr>
+                    </a:p>
+                  </a:txBody>
+                  <a:tcPr marL="159318" marR="159318" marT="0" marB="0"/>
+                </a:tc>
+                <a:tc>
+                  <a:txBody>
+                    <a:bodyPr/>
+                    <a:lstStyle/>
+                    <a:p>
+                      <a:pPr marL="0" marR="0" algn="ctr">
+                        <a:spcBef>
+                          <a:spcPts val="0"/>
+                        </a:spcBef>
+                        <a:spcAft>
+                          <a:spcPts val="0"/>
+                        </a:spcAft>
+                      </a:pPr>
+                      <a:r>
+                        <a:rPr lang="en-IN" sz="2800">
+                          <a:effectLst/>
+                        </a:rPr>
+                        <a:t>&gt; </a:t>
+                      </a:r>
+                      <a:endParaRPr lang="en-US" sz="2600">
+                        <a:effectLst/>
+                        <a:latin typeface="Calibri" panose="020F0502020204030204" pitchFamily="34" charset="0"/>
+                        <a:ea typeface="Calibri" panose="020F0502020204030204" pitchFamily="34" charset="0"/>
+                        <a:cs typeface="Times New Roman" panose="02020603050405020304" pitchFamily="18" charset="0"/>
+                      </a:endParaRPr>
+                    </a:p>
+                  </a:txBody>
+                  <a:tcPr marL="159318" marR="159318" marT="0" marB="0"/>
+                </a:tc>
+                <a:tc>
+                  <a:txBody>
+                    <a:bodyPr/>
+                    <a:lstStyle/>
+                    <a:p>
+                      <a:pPr marL="0" marR="0" algn="ctr">
+                        <a:spcBef>
+                          <a:spcPts val="0"/>
+                        </a:spcBef>
+                        <a:spcAft>
+                          <a:spcPts val="0"/>
+                        </a:spcAft>
+                      </a:pPr>
+                      <a:r>
+                        <a:rPr lang="en-IN" sz="2800">
+                          <a:effectLst/>
+                        </a:rPr>
+                        <a:t>&lt;=</a:t>
+                      </a:r>
+                      <a:endParaRPr lang="en-US" sz="2600">
+                        <a:effectLst/>
+                        <a:latin typeface="Calibri" panose="020F0502020204030204" pitchFamily="34" charset="0"/>
+                        <a:ea typeface="Calibri" panose="020F0502020204030204" pitchFamily="34" charset="0"/>
+                        <a:cs typeface="Times New Roman" panose="02020603050405020304" pitchFamily="18" charset="0"/>
+                      </a:endParaRPr>
+                    </a:p>
+                  </a:txBody>
+                  <a:tcPr marL="159318" marR="159318" marT="0" marB="0"/>
+                </a:tc>
+                <a:tc>
+                  <a:txBody>
+                    <a:bodyPr/>
+                    <a:lstStyle/>
+                    <a:p>
+                      <a:pPr marL="0" marR="0" algn="ctr">
+                        <a:spcBef>
+                          <a:spcPts val="0"/>
+                        </a:spcBef>
+                        <a:spcAft>
+                          <a:spcPts val="0"/>
+                        </a:spcAft>
+                      </a:pPr>
+                      <a:r>
+                        <a:rPr lang="en-IN" sz="2800">
+                          <a:effectLst/>
+                        </a:rPr>
+                        <a:t>&lt; </a:t>
+                      </a:r>
+                      <a:endParaRPr lang="en-US" sz="2600">
+                        <a:effectLst/>
+                        <a:latin typeface="Calibri" panose="020F0502020204030204" pitchFamily="34" charset="0"/>
+                        <a:ea typeface="Calibri" panose="020F0502020204030204" pitchFamily="34" charset="0"/>
+                        <a:cs typeface="Times New Roman" panose="02020603050405020304" pitchFamily="18" charset="0"/>
+                      </a:endParaRPr>
+                    </a:p>
+                  </a:txBody>
+                  <a:tcPr marL="159318" marR="159318" marT="0" marB="0"/>
+                </a:tc>
+                <a:tc>
+                  <a:txBody>
+                    <a:bodyPr/>
+                    <a:lstStyle/>
+                    <a:p>
+                      <a:pPr marL="0" marR="0" algn="ctr">
+                        <a:spcBef>
+                          <a:spcPts val="0"/>
+                        </a:spcBef>
+                        <a:spcAft>
+                          <a:spcPts val="0"/>
+                        </a:spcAft>
+                      </a:pPr>
+                      <a:r>
+                        <a:rPr lang="en-IN" sz="2800">
+                          <a:effectLst/>
+                        </a:rPr>
+                        <a:t>==</a:t>
+                      </a:r>
+                      <a:endParaRPr lang="en-US" sz="2600">
+                        <a:effectLst/>
+                        <a:latin typeface="Calibri" panose="020F0502020204030204" pitchFamily="34" charset="0"/>
+                        <a:ea typeface="Calibri" panose="020F0502020204030204" pitchFamily="34" charset="0"/>
+                        <a:cs typeface="Times New Roman" panose="02020603050405020304" pitchFamily="18" charset="0"/>
+                      </a:endParaRPr>
+                    </a:p>
+                  </a:txBody>
+                  <a:tcPr marL="159318" marR="159318" marT="0" marB="0"/>
+                </a:tc>
+                <a:extLst>
+                  <a:ext uri="{0D108BD9-81ED-4DB2-BD59-A6C34878D82A}">
+                    <a16:rowId xmlns:a16="http://schemas.microsoft.com/office/drawing/2014/main" val="2678164184"/>
+                  </a:ext>
+                </a:extLst>
+              </a:tr>
+              <a:tr h="634320">
+                <a:tc>
+                  <a:txBody>
+                    <a:bodyPr/>
+                    <a:lstStyle/>
+                    <a:p>
+                      <a:pPr marL="0" marR="0" algn="ctr">
+                        <a:spcBef>
+                          <a:spcPts val="0"/>
+                        </a:spcBef>
+                        <a:spcAft>
+                          <a:spcPts val="0"/>
+                        </a:spcAft>
+                      </a:pPr>
+                      <a:r>
+                        <a:rPr lang="en-IN" sz="2800">
+                          <a:effectLst/>
+                        </a:rPr>
+                        <a:t>&gt;=</a:t>
+                      </a:r>
+                      <a:endParaRPr lang="en-US" sz="2600">
+                        <a:effectLst/>
+                        <a:latin typeface="Calibri" panose="020F0502020204030204" pitchFamily="34" charset="0"/>
+                        <a:ea typeface="Calibri" panose="020F0502020204030204" pitchFamily="34" charset="0"/>
+                        <a:cs typeface="Times New Roman" panose="02020603050405020304" pitchFamily="18" charset="0"/>
+                      </a:endParaRPr>
+                    </a:p>
+                  </a:txBody>
+                  <a:tcPr marL="159318" marR="159318" marT="0" marB="0"/>
+                </a:tc>
+                <a:tc>
+                  <a:txBody>
+                    <a:bodyPr/>
+                    <a:lstStyle/>
+                    <a:p>
+                      <a:pPr marL="0" marR="0" algn="ctr">
+                        <a:spcBef>
+                          <a:spcPts val="0"/>
+                        </a:spcBef>
+                        <a:spcAft>
+                          <a:spcPts val="0"/>
+                        </a:spcAft>
+                      </a:pPr>
+                      <a:r>
+                        <a:rPr lang="en-IN" sz="2800">
+                          <a:effectLst/>
+                        </a:rPr>
+                        <a:t>&gt; </a:t>
+                      </a:r>
+                      <a:endParaRPr lang="en-US" sz="2600">
+                        <a:effectLst/>
+                        <a:latin typeface="Calibri" panose="020F0502020204030204" pitchFamily="34" charset="0"/>
+                        <a:ea typeface="Calibri" panose="020F0502020204030204" pitchFamily="34" charset="0"/>
+                        <a:cs typeface="Times New Roman" panose="02020603050405020304" pitchFamily="18" charset="0"/>
+                      </a:endParaRPr>
+                    </a:p>
+                  </a:txBody>
+                  <a:tcPr marL="159318" marR="159318" marT="0" marB="0"/>
+                </a:tc>
+                <a:tc>
+                  <a:txBody>
+                    <a:bodyPr/>
+                    <a:lstStyle/>
+                    <a:p>
+                      <a:pPr marL="0" marR="0" algn="ctr">
+                        <a:spcBef>
+                          <a:spcPts val="0"/>
+                        </a:spcBef>
+                        <a:spcAft>
+                          <a:spcPts val="0"/>
+                        </a:spcAft>
+                      </a:pPr>
+                      <a:r>
+                        <a:rPr lang="en-IN" sz="2800">
+                          <a:effectLst/>
+                        </a:rPr>
+                        <a:t>&lt;=</a:t>
+                      </a:r>
+                      <a:endParaRPr lang="en-US" sz="2600">
+                        <a:effectLst/>
+                        <a:latin typeface="Calibri" panose="020F0502020204030204" pitchFamily="34" charset="0"/>
+                        <a:ea typeface="Calibri" panose="020F0502020204030204" pitchFamily="34" charset="0"/>
+                        <a:cs typeface="Times New Roman" panose="02020603050405020304" pitchFamily="18" charset="0"/>
+                      </a:endParaRPr>
+                    </a:p>
+                  </a:txBody>
+                  <a:tcPr marL="159318" marR="159318" marT="0" marB="0"/>
+                </a:tc>
+                <a:tc>
+                  <a:txBody>
+                    <a:bodyPr/>
+                    <a:lstStyle/>
+                    <a:p>
+                      <a:pPr marL="0" marR="0" algn="ctr">
+                        <a:spcBef>
+                          <a:spcPts val="0"/>
+                        </a:spcBef>
+                        <a:spcAft>
+                          <a:spcPts val="0"/>
+                        </a:spcAft>
+                      </a:pPr>
+                      <a:r>
+                        <a:rPr lang="en-IN" sz="2800">
+                          <a:effectLst/>
+                        </a:rPr>
+                        <a:t>&lt; </a:t>
+                      </a:r>
+                      <a:endParaRPr lang="en-US" sz="2600">
+                        <a:effectLst/>
+                        <a:latin typeface="Calibri" panose="020F0502020204030204" pitchFamily="34" charset="0"/>
+                        <a:ea typeface="Calibri" panose="020F0502020204030204" pitchFamily="34" charset="0"/>
+                        <a:cs typeface="Times New Roman" panose="02020603050405020304" pitchFamily="18" charset="0"/>
+                      </a:endParaRPr>
+                    </a:p>
+                  </a:txBody>
+                  <a:tcPr marL="159318" marR="159318" marT="0" marB="0"/>
+                </a:tc>
+                <a:tc>
+                  <a:txBody>
+                    <a:bodyPr/>
+                    <a:lstStyle/>
+                    <a:p>
+                      <a:pPr marL="0" marR="0" algn="ctr">
+                        <a:spcBef>
+                          <a:spcPts val="0"/>
+                        </a:spcBef>
+                        <a:spcAft>
+                          <a:spcPts val="0"/>
+                        </a:spcAft>
+                      </a:pPr>
+                      <a:r>
+                        <a:rPr lang="en-IN" sz="2800">
+                          <a:effectLst/>
+                        </a:rPr>
+                        <a:t>==</a:t>
+                      </a:r>
+                      <a:endParaRPr lang="en-US" sz="2600">
+                        <a:effectLst/>
+                        <a:latin typeface="Calibri" panose="020F0502020204030204" pitchFamily="34" charset="0"/>
+                        <a:ea typeface="Calibri" panose="020F0502020204030204" pitchFamily="34" charset="0"/>
+                        <a:cs typeface="Times New Roman" panose="02020603050405020304" pitchFamily="18" charset="0"/>
+                      </a:endParaRPr>
+                    </a:p>
+                  </a:txBody>
+                  <a:tcPr marL="159318" marR="159318" marT="0" marB="0"/>
+                </a:tc>
+                <a:tc>
+                  <a:txBody>
+                    <a:bodyPr/>
+                    <a:lstStyle/>
+                    <a:p>
+                      <a:pPr marL="0" marR="0" algn="ctr">
+                        <a:spcBef>
+                          <a:spcPts val="0"/>
+                        </a:spcBef>
+                        <a:spcAft>
+                          <a:spcPts val="0"/>
+                        </a:spcAft>
+                      </a:pPr>
+                      <a:r>
+                        <a:rPr lang="en-IN" sz="2800">
+                          <a:effectLst/>
+                        </a:rPr>
+                        <a:t>!=</a:t>
+                      </a:r>
+                      <a:endParaRPr lang="en-US" sz="2600">
+                        <a:effectLst/>
+                        <a:latin typeface="Calibri" panose="020F0502020204030204" pitchFamily="34" charset="0"/>
+                        <a:ea typeface="Calibri" panose="020F0502020204030204" pitchFamily="34" charset="0"/>
+                        <a:cs typeface="Times New Roman" panose="02020603050405020304" pitchFamily="18" charset="0"/>
+                      </a:endParaRPr>
+                    </a:p>
+                  </a:txBody>
+                  <a:tcPr marL="159318" marR="159318" marT="0" marB="0"/>
+                </a:tc>
+                <a:extLst>
+                  <a:ext uri="{0D108BD9-81ED-4DB2-BD59-A6C34878D82A}">
+                    <a16:rowId xmlns:a16="http://schemas.microsoft.com/office/drawing/2014/main" val="1460930711"/>
+                  </a:ext>
+                </a:extLst>
+              </a:tr>
+              <a:tr h="606293">
+                <a:tc>
+                  <a:txBody>
+                    <a:bodyPr/>
+                    <a:lstStyle/>
+                    <a:p>
+                      <a:pPr marL="0" marR="0" algn="ctr">
+                        <a:spcBef>
+                          <a:spcPts val="0"/>
+                        </a:spcBef>
+                        <a:spcAft>
+                          <a:spcPts val="0"/>
+                        </a:spcAft>
+                      </a:pPr>
+                      <a:r>
+                        <a:rPr lang="en-IN" sz="2800">
+                          <a:effectLst/>
+                        </a:rPr>
+                        <a:t>&gt; </a:t>
+                      </a:r>
+                      <a:endParaRPr lang="en-US" sz="2600">
+                        <a:effectLst/>
+                        <a:latin typeface="Calibri" panose="020F0502020204030204" pitchFamily="34" charset="0"/>
+                        <a:ea typeface="Calibri" panose="020F0502020204030204" pitchFamily="34" charset="0"/>
+                        <a:cs typeface="Times New Roman" panose="02020603050405020304" pitchFamily="18" charset="0"/>
+                      </a:endParaRPr>
+                    </a:p>
+                  </a:txBody>
+                  <a:tcPr marL="159318" marR="159318" marT="0" marB="0"/>
+                </a:tc>
+                <a:tc>
+                  <a:txBody>
+                    <a:bodyPr/>
+                    <a:lstStyle/>
+                    <a:p>
+                      <a:pPr marL="0" marR="0" algn="ctr">
+                        <a:spcBef>
+                          <a:spcPts val="0"/>
+                        </a:spcBef>
+                        <a:spcAft>
+                          <a:spcPts val="0"/>
+                        </a:spcAft>
+                      </a:pPr>
+                      <a:r>
+                        <a:rPr lang="en-IN" sz="2800">
+                          <a:effectLst/>
+                        </a:rPr>
+                        <a:t>&lt;=</a:t>
+                      </a:r>
+                      <a:endParaRPr lang="en-US" sz="2600">
+                        <a:effectLst/>
+                        <a:latin typeface="Calibri" panose="020F0502020204030204" pitchFamily="34" charset="0"/>
+                        <a:ea typeface="Calibri" panose="020F0502020204030204" pitchFamily="34" charset="0"/>
+                        <a:cs typeface="Times New Roman" panose="02020603050405020304" pitchFamily="18" charset="0"/>
+                      </a:endParaRPr>
+                    </a:p>
+                  </a:txBody>
+                  <a:tcPr marL="159318" marR="159318" marT="0" marB="0"/>
+                </a:tc>
+                <a:tc>
+                  <a:txBody>
+                    <a:bodyPr/>
+                    <a:lstStyle/>
+                    <a:p>
+                      <a:pPr marL="0" marR="0" algn="ctr">
+                        <a:spcBef>
+                          <a:spcPts val="0"/>
+                        </a:spcBef>
+                        <a:spcAft>
+                          <a:spcPts val="0"/>
+                        </a:spcAft>
+                      </a:pPr>
+                      <a:r>
+                        <a:rPr lang="en-IN" sz="2800">
+                          <a:effectLst/>
+                        </a:rPr>
+                        <a:t>&lt; </a:t>
+                      </a:r>
+                      <a:endParaRPr lang="en-US" sz="2600">
+                        <a:effectLst/>
+                        <a:latin typeface="Calibri" panose="020F0502020204030204" pitchFamily="34" charset="0"/>
+                        <a:ea typeface="Calibri" panose="020F0502020204030204" pitchFamily="34" charset="0"/>
+                        <a:cs typeface="Times New Roman" panose="02020603050405020304" pitchFamily="18" charset="0"/>
+                      </a:endParaRPr>
+                    </a:p>
+                  </a:txBody>
+                  <a:tcPr marL="159318" marR="159318" marT="0" marB="0"/>
+                </a:tc>
+                <a:tc>
+                  <a:txBody>
+                    <a:bodyPr/>
+                    <a:lstStyle/>
+                    <a:p>
+                      <a:pPr marL="0" marR="0" algn="ctr">
+                        <a:spcBef>
+                          <a:spcPts val="0"/>
+                        </a:spcBef>
+                        <a:spcAft>
+                          <a:spcPts val="0"/>
+                        </a:spcAft>
+                      </a:pPr>
+                      <a:r>
+                        <a:rPr lang="en-IN" sz="2800">
+                          <a:effectLst/>
+                        </a:rPr>
+                        <a:t>==</a:t>
+                      </a:r>
+                      <a:endParaRPr lang="en-US" sz="2600">
+                        <a:effectLst/>
+                        <a:latin typeface="Calibri" panose="020F0502020204030204" pitchFamily="34" charset="0"/>
+                        <a:ea typeface="Calibri" panose="020F0502020204030204" pitchFamily="34" charset="0"/>
+                        <a:cs typeface="Times New Roman" panose="02020603050405020304" pitchFamily="18" charset="0"/>
+                      </a:endParaRPr>
+                    </a:p>
+                  </a:txBody>
+                  <a:tcPr marL="159318" marR="159318" marT="0" marB="0"/>
+                </a:tc>
+                <a:tc>
+                  <a:txBody>
+                    <a:bodyPr/>
+                    <a:lstStyle/>
+                    <a:p>
+                      <a:pPr marL="0" marR="0" algn="ctr">
+                        <a:spcBef>
+                          <a:spcPts val="0"/>
+                        </a:spcBef>
+                        <a:spcAft>
+                          <a:spcPts val="0"/>
+                        </a:spcAft>
+                      </a:pPr>
+                      <a:r>
+                        <a:rPr lang="en-IN" sz="2800">
+                          <a:effectLst/>
+                        </a:rPr>
+                        <a:t>!=</a:t>
+                      </a:r>
+                      <a:endParaRPr lang="en-US" sz="2600">
+                        <a:effectLst/>
+                        <a:latin typeface="Calibri" panose="020F0502020204030204" pitchFamily="34" charset="0"/>
+                        <a:ea typeface="Calibri" panose="020F0502020204030204" pitchFamily="34" charset="0"/>
+                        <a:cs typeface="Times New Roman" panose="02020603050405020304" pitchFamily="18" charset="0"/>
+                      </a:endParaRPr>
+                    </a:p>
+                  </a:txBody>
+                  <a:tcPr marL="159318" marR="159318" marT="0" marB="0"/>
+                </a:tc>
+                <a:tc>
+                  <a:txBody>
+                    <a:bodyPr/>
+                    <a:lstStyle/>
+                    <a:p>
+                      <a:pPr marL="0" marR="0" algn="ctr">
+                        <a:spcBef>
+                          <a:spcPts val="0"/>
+                        </a:spcBef>
+                        <a:spcAft>
+                          <a:spcPts val="0"/>
+                        </a:spcAft>
+                      </a:pPr>
+                      <a:r>
+                        <a:rPr lang="en-IN" sz="2800">
+                          <a:effectLst/>
+                        </a:rPr>
+                        <a:t>&gt;=</a:t>
+                      </a:r>
+                      <a:endParaRPr lang="en-US" sz="2600">
+                        <a:effectLst/>
+                        <a:latin typeface="Calibri" panose="020F0502020204030204" pitchFamily="34" charset="0"/>
+                        <a:ea typeface="Calibri" panose="020F0502020204030204" pitchFamily="34" charset="0"/>
+                        <a:cs typeface="Times New Roman" panose="02020603050405020304" pitchFamily="18" charset="0"/>
+                      </a:endParaRPr>
+                    </a:p>
+                  </a:txBody>
+                  <a:tcPr marL="159318" marR="159318" marT="0" marB="0"/>
+                </a:tc>
+                <a:extLst>
+                  <a:ext uri="{0D108BD9-81ED-4DB2-BD59-A6C34878D82A}">
+                    <a16:rowId xmlns:a16="http://schemas.microsoft.com/office/drawing/2014/main" val="1017929766"/>
+                  </a:ext>
+                </a:extLst>
+              </a:tr>
+              <a:tr h="606293">
+                <a:tc>
+                  <a:txBody>
+                    <a:bodyPr/>
+                    <a:lstStyle/>
+                    <a:p>
+                      <a:pPr marL="0" marR="0" algn="ctr">
+                        <a:spcBef>
+                          <a:spcPts val="0"/>
+                        </a:spcBef>
+                        <a:spcAft>
+                          <a:spcPts val="0"/>
+                        </a:spcAft>
+                      </a:pPr>
+                      <a:r>
+                        <a:rPr lang="en-IN" sz="2800">
+                          <a:effectLst/>
+                        </a:rPr>
+                        <a:t>&lt;=</a:t>
+                      </a:r>
+                      <a:endParaRPr lang="en-US" sz="2600">
+                        <a:effectLst/>
+                        <a:latin typeface="Calibri" panose="020F0502020204030204" pitchFamily="34" charset="0"/>
+                        <a:ea typeface="Calibri" panose="020F0502020204030204" pitchFamily="34" charset="0"/>
+                        <a:cs typeface="Times New Roman" panose="02020603050405020304" pitchFamily="18" charset="0"/>
+                      </a:endParaRPr>
+                    </a:p>
+                  </a:txBody>
+                  <a:tcPr marL="159318" marR="159318" marT="0" marB="0"/>
+                </a:tc>
+                <a:tc>
+                  <a:txBody>
+                    <a:bodyPr/>
+                    <a:lstStyle/>
+                    <a:p>
+                      <a:pPr marL="0" marR="0" algn="ctr">
+                        <a:spcBef>
+                          <a:spcPts val="0"/>
+                        </a:spcBef>
+                        <a:spcAft>
+                          <a:spcPts val="0"/>
+                        </a:spcAft>
+                      </a:pPr>
+                      <a:r>
+                        <a:rPr lang="en-IN" sz="2800">
+                          <a:effectLst/>
+                        </a:rPr>
+                        <a:t>&lt; </a:t>
+                      </a:r>
+                      <a:endParaRPr lang="en-US" sz="2600">
+                        <a:effectLst/>
+                        <a:latin typeface="Calibri" panose="020F0502020204030204" pitchFamily="34" charset="0"/>
+                        <a:ea typeface="Calibri" panose="020F0502020204030204" pitchFamily="34" charset="0"/>
+                        <a:cs typeface="Times New Roman" panose="02020603050405020304" pitchFamily="18" charset="0"/>
+                      </a:endParaRPr>
+                    </a:p>
+                  </a:txBody>
+                  <a:tcPr marL="159318" marR="159318" marT="0" marB="0"/>
+                </a:tc>
+                <a:tc>
+                  <a:txBody>
+                    <a:bodyPr/>
+                    <a:lstStyle/>
+                    <a:p>
+                      <a:pPr marL="0" marR="0" algn="ctr">
+                        <a:spcBef>
+                          <a:spcPts val="0"/>
+                        </a:spcBef>
+                        <a:spcAft>
+                          <a:spcPts val="0"/>
+                        </a:spcAft>
+                      </a:pPr>
+                      <a:r>
+                        <a:rPr lang="en-IN" sz="2800">
+                          <a:effectLst/>
+                        </a:rPr>
+                        <a:t>==</a:t>
+                      </a:r>
+                      <a:endParaRPr lang="en-US" sz="2600">
+                        <a:effectLst/>
+                        <a:latin typeface="Calibri" panose="020F0502020204030204" pitchFamily="34" charset="0"/>
+                        <a:ea typeface="Calibri" panose="020F0502020204030204" pitchFamily="34" charset="0"/>
+                        <a:cs typeface="Times New Roman" panose="02020603050405020304" pitchFamily="18" charset="0"/>
+                      </a:endParaRPr>
+                    </a:p>
+                  </a:txBody>
+                  <a:tcPr marL="159318" marR="159318" marT="0" marB="0"/>
+                </a:tc>
+                <a:tc>
+                  <a:txBody>
+                    <a:bodyPr/>
+                    <a:lstStyle/>
+                    <a:p>
+                      <a:pPr marL="0" marR="0" algn="ctr">
+                        <a:spcBef>
+                          <a:spcPts val="0"/>
+                        </a:spcBef>
+                        <a:spcAft>
+                          <a:spcPts val="0"/>
+                        </a:spcAft>
+                      </a:pPr>
+                      <a:r>
+                        <a:rPr lang="en-IN" sz="2800">
+                          <a:effectLst/>
+                        </a:rPr>
+                        <a:t>!=</a:t>
+                      </a:r>
+                      <a:endParaRPr lang="en-US" sz="2600">
+                        <a:effectLst/>
+                        <a:latin typeface="Calibri" panose="020F0502020204030204" pitchFamily="34" charset="0"/>
+                        <a:ea typeface="Calibri" panose="020F0502020204030204" pitchFamily="34" charset="0"/>
+                        <a:cs typeface="Times New Roman" panose="02020603050405020304" pitchFamily="18" charset="0"/>
+                      </a:endParaRPr>
+                    </a:p>
+                  </a:txBody>
+                  <a:tcPr marL="159318" marR="159318" marT="0" marB="0"/>
+                </a:tc>
+                <a:tc>
+                  <a:txBody>
+                    <a:bodyPr/>
+                    <a:lstStyle/>
+                    <a:p>
+                      <a:pPr marL="0" marR="0" algn="ctr">
+                        <a:spcBef>
+                          <a:spcPts val="0"/>
+                        </a:spcBef>
+                        <a:spcAft>
+                          <a:spcPts val="0"/>
+                        </a:spcAft>
+                      </a:pPr>
+                      <a:r>
+                        <a:rPr lang="en-IN" sz="2800">
+                          <a:effectLst/>
+                        </a:rPr>
+                        <a:t>&gt;=</a:t>
+                      </a:r>
+                      <a:endParaRPr lang="en-US" sz="2600">
+                        <a:effectLst/>
+                        <a:latin typeface="Calibri" panose="020F0502020204030204" pitchFamily="34" charset="0"/>
+                        <a:ea typeface="Calibri" panose="020F0502020204030204" pitchFamily="34" charset="0"/>
+                        <a:cs typeface="Times New Roman" panose="02020603050405020304" pitchFamily="18" charset="0"/>
+                      </a:endParaRPr>
+                    </a:p>
+                  </a:txBody>
+                  <a:tcPr marL="159318" marR="159318" marT="0" marB="0"/>
+                </a:tc>
+                <a:tc>
+                  <a:txBody>
+                    <a:bodyPr/>
+                    <a:lstStyle/>
+                    <a:p>
+                      <a:pPr marL="0" marR="0" algn="ctr">
+                        <a:spcBef>
+                          <a:spcPts val="0"/>
+                        </a:spcBef>
+                        <a:spcAft>
+                          <a:spcPts val="0"/>
+                        </a:spcAft>
+                      </a:pPr>
+                      <a:r>
+                        <a:rPr lang="en-IN" sz="2800">
+                          <a:effectLst/>
+                        </a:rPr>
+                        <a:t>&gt; </a:t>
+                      </a:r>
+                      <a:endParaRPr lang="en-US" sz="2600">
+                        <a:effectLst/>
+                        <a:latin typeface="Calibri" panose="020F0502020204030204" pitchFamily="34" charset="0"/>
+                        <a:ea typeface="Calibri" panose="020F0502020204030204" pitchFamily="34" charset="0"/>
+                        <a:cs typeface="Times New Roman" panose="02020603050405020304" pitchFamily="18" charset="0"/>
+                      </a:endParaRPr>
+                    </a:p>
+                  </a:txBody>
+                  <a:tcPr marL="159318" marR="159318" marT="0" marB="0"/>
+                </a:tc>
+                <a:extLst>
+                  <a:ext uri="{0D108BD9-81ED-4DB2-BD59-A6C34878D82A}">
+                    <a16:rowId xmlns:a16="http://schemas.microsoft.com/office/drawing/2014/main" val="4255675044"/>
+                  </a:ext>
+                </a:extLst>
+              </a:tr>
+              <a:tr h="606293">
+                <a:tc>
+                  <a:txBody>
+                    <a:bodyPr/>
+                    <a:lstStyle/>
+                    <a:p>
+                      <a:pPr marL="0" marR="0" algn="ctr">
+                        <a:spcBef>
+                          <a:spcPts val="0"/>
+                        </a:spcBef>
+                        <a:spcAft>
+                          <a:spcPts val="0"/>
+                        </a:spcAft>
+                      </a:pPr>
+                      <a:r>
+                        <a:rPr lang="en-IN" sz="2800">
+                          <a:effectLst/>
+                        </a:rPr>
+                        <a:t>&lt; </a:t>
+                      </a:r>
+                      <a:endParaRPr lang="en-US" sz="2600">
+                        <a:effectLst/>
+                        <a:latin typeface="Calibri" panose="020F0502020204030204" pitchFamily="34" charset="0"/>
+                        <a:ea typeface="Calibri" panose="020F0502020204030204" pitchFamily="34" charset="0"/>
+                        <a:cs typeface="Times New Roman" panose="02020603050405020304" pitchFamily="18" charset="0"/>
+                      </a:endParaRPr>
+                    </a:p>
+                  </a:txBody>
+                  <a:tcPr marL="159318" marR="159318" marT="0" marB="0"/>
+                </a:tc>
+                <a:tc>
+                  <a:txBody>
+                    <a:bodyPr/>
+                    <a:lstStyle/>
+                    <a:p>
+                      <a:pPr marL="0" marR="0" algn="ctr">
+                        <a:spcBef>
+                          <a:spcPts val="0"/>
+                        </a:spcBef>
+                        <a:spcAft>
+                          <a:spcPts val="0"/>
+                        </a:spcAft>
+                      </a:pPr>
+                      <a:r>
+                        <a:rPr lang="en-IN" sz="2800">
+                          <a:effectLst/>
+                        </a:rPr>
+                        <a:t>==</a:t>
+                      </a:r>
+                      <a:endParaRPr lang="en-US" sz="2600">
+                        <a:effectLst/>
+                        <a:latin typeface="Calibri" panose="020F0502020204030204" pitchFamily="34" charset="0"/>
+                        <a:ea typeface="Calibri" panose="020F0502020204030204" pitchFamily="34" charset="0"/>
+                        <a:cs typeface="Times New Roman" panose="02020603050405020304" pitchFamily="18" charset="0"/>
+                      </a:endParaRPr>
+                    </a:p>
+                  </a:txBody>
+                  <a:tcPr marL="159318" marR="159318" marT="0" marB="0"/>
+                </a:tc>
+                <a:tc>
+                  <a:txBody>
+                    <a:bodyPr/>
+                    <a:lstStyle/>
+                    <a:p>
+                      <a:pPr marL="0" marR="0" algn="ctr">
+                        <a:spcBef>
+                          <a:spcPts val="0"/>
+                        </a:spcBef>
+                        <a:spcAft>
+                          <a:spcPts val="0"/>
+                        </a:spcAft>
+                      </a:pPr>
+                      <a:r>
+                        <a:rPr lang="en-IN" sz="2800">
+                          <a:effectLst/>
+                        </a:rPr>
+                        <a:t>!=</a:t>
+                      </a:r>
+                      <a:endParaRPr lang="en-US" sz="2600">
+                        <a:effectLst/>
+                        <a:latin typeface="Calibri" panose="020F0502020204030204" pitchFamily="34" charset="0"/>
+                        <a:ea typeface="Calibri" panose="020F0502020204030204" pitchFamily="34" charset="0"/>
+                        <a:cs typeface="Times New Roman" panose="02020603050405020304" pitchFamily="18" charset="0"/>
+                      </a:endParaRPr>
+                    </a:p>
+                  </a:txBody>
+                  <a:tcPr marL="159318" marR="159318" marT="0" marB="0"/>
+                </a:tc>
+                <a:tc>
+                  <a:txBody>
+                    <a:bodyPr/>
+                    <a:lstStyle/>
+                    <a:p>
+                      <a:pPr marL="0" marR="0" algn="ctr">
+                        <a:spcBef>
+                          <a:spcPts val="0"/>
+                        </a:spcBef>
+                        <a:spcAft>
+                          <a:spcPts val="0"/>
+                        </a:spcAft>
+                      </a:pPr>
+                      <a:r>
+                        <a:rPr lang="en-IN" sz="2800">
+                          <a:effectLst/>
+                        </a:rPr>
+                        <a:t>&gt;=</a:t>
+                      </a:r>
+                      <a:endParaRPr lang="en-US" sz="2600">
+                        <a:effectLst/>
+                        <a:latin typeface="Calibri" panose="020F0502020204030204" pitchFamily="34" charset="0"/>
+                        <a:ea typeface="Calibri" panose="020F0502020204030204" pitchFamily="34" charset="0"/>
+                        <a:cs typeface="Times New Roman" panose="02020603050405020304" pitchFamily="18" charset="0"/>
+                      </a:endParaRPr>
+                    </a:p>
+                  </a:txBody>
+                  <a:tcPr marL="159318" marR="159318" marT="0" marB="0"/>
+                </a:tc>
+                <a:tc>
+                  <a:txBody>
+                    <a:bodyPr/>
+                    <a:lstStyle/>
+                    <a:p>
+                      <a:pPr marL="0" marR="0" algn="ctr">
+                        <a:spcBef>
+                          <a:spcPts val="0"/>
+                        </a:spcBef>
+                        <a:spcAft>
+                          <a:spcPts val="0"/>
+                        </a:spcAft>
+                      </a:pPr>
+                      <a:r>
+                        <a:rPr lang="en-IN" sz="2800">
+                          <a:effectLst/>
+                        </a:rPr>
+                        <a:t>&gt; </a:t>
+                      </a:r>
+                      <a:endParaRPr lang="en-US" sz="2600">
+                        <a:effectLst/>
+                        <a:latin typeface="Calibri" panose="020F0502020204030204" pitchFamily="34" charset="0"/>
+                        <a:ea typeface="Calibri" panose="020F0502020204030204" pitchFamily="34" charset="0"/>
+                        <a:cs typeface="Times New Roman" panose="02020603050405020304" pitchFamily="18" charset="0"/>
+                      </a:endParaRPr>
+                    </a:p>
+                  </a:txBody>
+                  <a:tcPr marL="159318" marR="159318" marT="0" marB="0"/>
+                </a:tc>
+                <a:tc>
+                  <a:txBody>
+                    <a:bodyPr/>
+                    <a:lstStyle/>
+                    <a:p>
+                      <a:pPr marL="0" marR="0" algn="ctr">
+                        <a:spcBef>
+                          <a:spcPts val="0"/>
+                        </a:spcBef>
+                        <a:spcAft>
+                          <a:spcPts val="0"/>
+                        </a:spcAft>
+                      </a:pPr>
+                      <a:r>
+                        <a:rPr lang="en-IN" sz="2800" dirty="0">
+                          <a:effectLst/>
+                        </a:rPr>
+                        <a:t>&lt;=</a:t>
+                      </a:r>
+                      <a:endParaRPr lang="en-US" sz="2600" dirty="0">
+                        <a:effectLst/>
+                        <a:latin typeface="Calibri" panose="020F0502020204030204" pitchFamily="34" charset="0"/>
+                        <a:ea typeface="Calibri" panose="020F0502020204030204" pitchFamily="34" charset="0"/>
+                        <a:cs typeface="Times New Roman" panose="02020603050405020304" pitchFamily="18" charset="0"/>
+                      </a:endParaRPr>
+                    </a:p>
+                  </a:txBody>
+                  <a:tcPr marL="159318" marR="159318" marT="0" marB="0"/>
+                </a:tc>
+                <a:extLst>
+                  <a:ext uri="{0D108BD9-81ED-4DB2-BD59-A6C34878D82A}">
+                    <a16:rowId xmlns:a16="http://schemas.microsoft.com/office/drawing/2014/main" val="798441980"/>
+                  </a:ext>
+                </a:extLst>
+              </a:tr>
+            </a:tbl>
+          </a:graphicData>
+        </a:graphic>
+      </p:graphicFrame>
+      <p:sp>
+        <p:nvSpPr>
+          <p:cNvPr id="7" name="Rectangle 6"/>
+          <p:cNvSpPr/>
+          <p:nvPr/>
+        </p:nvSpPr>
+        <p:spPr>
+          <a:xfrm>
+            <a:off x="6662299" y="2741611"/>
+            <a:ext cx="5401315" cy="3638871"/>
+          </a:xfrm>
+          <a:prstGeom prst="rect">
+            <a:avLst/>
+          </a:prstGeom>
+          <a:noFill/>
+          <a:ln>
+            <a:noFill/>
+          </a:ln>
+        </p:spPr>
+        <p:style>
+          <a:lnRef idx="2">
+            <a:schemeClr val="accent1">
+              <a:shade val="50000"/>
+            </a:schemeClr>
+          </a:lnRef>
+          <a:fillRef idx="1">
+            <a:schemeClr val="accent1"/>
+          </a:fillRef>
+          <a:effectRef idx="0">
+            <a:schemeClr val="accent1"/>
+          </a:effectRef>
+          <a:fontRef idx="minor">
+            <a:schemeClr val="lt1"/>
+          </a:fontRef>
+        </p:style>
+        <p:txBody>
+          <a:bodyPr rtlCol="0" anchor="ctr"/>
+          <a:lstStyle/>
+          <a:p>
+            <a:r>
+              <a:rPr lang="en-IN" dirty="0">
+                <a:solidFill>
+                  <a:schemeClr val="tx1"/>
+                </a:solidFill>
+              </a:rPr>
+              <a:t>We used the same approach as the </a:t>
+            </a:r>
+            <a:r>
+              <a:rPr lang="en-IN" dirty="0" err="1">
+                <a:solidFill>
+                  <a:schemeClr val="tx1"/>
+                </a:solidFill>
+              </a:rPr>
+              <a:t>mutators</a:t>
+            </a:r>
+            <a:r>
+              <a:rPr lang="en-IN" dirty="0">
+                <a:solidFill>
+                  <a:schemeClr val="tx1"/>
+                </a:solidFill>
+              </a:rPr>
+              <a:t> dealing with relational operators such as Conditional Boundary </a:t>
+            </a:r>
+            <a:r>
+              <a:rPr lang="en-IN" dirty="0" err="1">
+                <a:solidFill>
+                  <a:schemeClr val="tx1"/>
+                </a:solidFill>
+              </a:rPr>
+              <a:t>Mutator</a:t>
+            </a:r>
+            <a:r>
+              <a:rPr lang="en-IN" dirty="0">
+                <a:solidFill>
+                  <a:schemeClr val="tx1"/>
+                </a:solidFill>
+              </a:rPr>
+              <a:t>.</a:t>
+            </a:r>
+          </a:p>
+          <a:p>
+            <a:endParaRPr lang="en-US" dirty="0">
+              <a:solidFill>
+                <a:schemeClr val="tx1"/>
+              </a:solidFill>
+            </a:endParaRPr>
+          </a:p>
+        </p:txBody>
+      </p:sp>
+    </p:spTree>
+    <p:extLst>
+      <p:ext uri="{BB962C8B-B14F-4D97-AF65-F5344CB8AC3E}">
+        <p14:creationId xmlns:p14="http://schemas.microsoft.com/office/powerpoint/2010/main" val="834307621"/>
+      </p:ext>
+    </p:extLst>
+  </p:cSld>
+  <p:clrMapOvr>
+    <a:masterClrMapping/>
+  </p:clrMapOvr>
+</p:sld>
+</file>
+
+<file path=ppt/slides/slide9.xml><?xml version="1.0" encoding="utf-8"?>
+<p:sld xmlns:a="http://schemas.openxmlformats.org/drawingml/2006/main" xmlns:r="http://schemas.openxmlformats.org/officeDocument/2006/relationships" xmlns:p="http://schemas.openxmlformats.org/presentationml/2006/main">
+  <p:cSld>
+    <p:spTree>
+      <p:nvGrpSpPr>
+        <p:cNvPr id="1" name=""/>
+        <p:cNvGrpSpPr/>
+        <p:nvPr/>
+      </p:nvGrpSpPr>
+      <p:grpSpPr>
+        <a:xfrm>
+          <a:off x="0" y="0"/>
+          <a:ext cx="0" cy="0"/>
+          <a:chOff x="0" y="0"/>
+          <a:chExt cx="0" cy="0"/>
+        </a:xfrm>
+      </p:grpSpPr>
+      <p:sp>
+        <p:nvSpPr>
+          <p:cNvPr id="2" name="Title 1"/>
+          <p:cNvSpPr>
+            <a:spLocks noGrp="1"/>
+          </p:cNvSpPr>
+          <p:nvPr>
+            <p:ph type="title"/>
+          </p:nvPr>
+        </p:nvSpPr>
+        <p:spPr>
+          <a:xfrm>
+            <a:off x="838200" y="328179"/>
+            <a:ext cx="10515600" cy="1325563"/>
+          </a:xfrm>
+        </p:spPr>
+        <p:txBody>
+          <a:bodyPr/>
+          <a:lstStyle/>
+          <a:p>
+            <a:pPr algn="ctr"/>
+            <a:r>
+              <a:rPr lang="en-US" dirty="0"/>
+              <a:t>ROR Implementation</a:t>
+            </a:r>
+          </a:p>
+        </p:txBody>
+      </p:sp>
+      <p:sp>
+        <p:nvSpPr>
+          <p:cNvPr id="5" name="Rectangle 4"/>
+          <p:cNvSpPr/>
+          <p:nvPr/>
+        </p:nvSpPr>
+        <p:spPr>
+          <a:xfrm>
+            <a:off x="304799" y="1690687"/>
+            <a:ext cx="11647055" cy="1699058"/>
+          </a:xfrm>
+          <a:prstGeom prst="rect">
+            <a:avLst/>
+          </a:prstGeom>
+          <a:noFill/>
+          <a:ln>
+            <a:noFill/>
+          </a:ln>
+        </p:spPr>
+        <p:style>
+          <a:lnRef idx="2">
+            <a:schemeClr val="accent1">
+              <a:shade val="50000"/>
+            </a:schemeClr>
+          </a:lnRef>
+          <a:fillRef idx="1">
+            <a:schemeClr val="accent1"/>
+          </a:fillRef>
+          <a:effectRef idx="0">
+            <a:schemeClr val="accent1"/>
+          </a:effectRef>
+          <a:fontRef idx="minor">
+            <a:schemeClr val="lt1"/>
+          </a:fontRef>
+        </p:style>
+        <p:txBody>
+          <a:bodyPr rtlCol="0" anchor="ctr"/>
+          <a:lstStyle/>
+          <a:p>
+            <a:pPr marL="285750" indent="-285750">
+              <a:buFont typeface="Arial" panose="020B0604020202020204" pitchFamily="34" charset="0"/>
+              <a:buChar char="•"/>
+            </a:pPr>
+            <a:r>
+              <a:rPr lang="en-IN" dirty="0">
+                <a:solidFill>
+                  <a:schemeClr val="tx1"/>
+                </a:solidFill>
+              </a:rPr>
+              <a:t>Created a class containing six </a:t>
+            </a:r>
+            <a:r>
+              <a:rPr lang="en-IN" dirty="0" err="1">
+                <a:solidFill>
+                  <a:schemeClr val="tx1"/>
+                </a:solidFill>
+              </a:rPr>
+              <a:t>enum</a:t>
+            </a:r>
+            <a:r>
+              <a:rPr lang="en-IN" dirty="0">
+                <a:solidFill>
+                  <a:schemeClr val="tx1"/>
+                </a:solidFill>
+              </a:rPr>
+              <a:t> types, each implementing the </a:t>
+            </a:r>
+            <a:r>
+              <a:rPr lang="en-IN" dirty="0" err="1">
+                <a:solidFill>
+                  <a:schemeClr val="tx1"/>
+                </a:solidFill>
+              </a:rPr>
+              <a:t>MethodMutatorFactory</a:t>
+            </a:r>
+            <a:r>
+              <a:rPr lang="en-IN" dirty="0">
+                <a:solidFill>
+                  <a:schemeClr val="tx1"/>
+                </a:solidFill>
+              </a:rPr>
+              <a:t>.</a:t>
+            </a:r>
+          </a:p>
+          <a:p>
+            <a:pPr marL="285750" indent="-285750">
+              <a:buFont typeface="Arial" panose="020B0604020202020204" pitchFamily="34" charset="0"/>
+              <a:buChar char="•"/>
+            </a:pPr>
+            <a:r>
+              <a:rPr lang="en-IN" dirty="0">
+                <a:solidFill>
+                  <a:schemeClr val="tx1"/>
+                </a:solidFill>
+              </a:rPr>
+              <a:t>Each </a:t>
+            </a:r>
+            <a:r>
+              <a:rPr lang="en-IN" dirty="0" err="1">
+                <a:solidFill>
+                  <a:schemeClr val="tx1"/>
+                </a:solidFill>
+              </a:rPr>
+              <a:t>enum</a:t>
+            </a:r>
+            <a:r>
+              <a:rPr lang="en-IN" dirty="0">
+                <a:solidFill>
+                  <a:schemeClr val="tx1"/>
+                </a:solidFill>
+              </a:rPr>
+              <a:t> created a </a:t>
+            </a:r>
+            <a:r>
+              <a:rPr lang="en-IN" dirty="0" err="1">
+                <a:solidFill>
+                  <a:schemeClr val="tx1"/>
+                </a:solidFill>
+              </a:rPr>
+              <a:t>MethodVisitor</a:t>
+            </a:r>
+            <a:r>
+              <a:rPr lang="en-IN" dirty="0">
+                <a:solidFill>
+                  <a:schemeClr val="tx1"/>
+                </a:solidFill>
+              </a:rPr>
+              <a:t> that handled a certain case.</a:t>
+            </a:r>
+          </a:p>
+          <a:p>
+            <a:pPr marL="285750" indent="-285750">
+              <a:buFont typeface="Arial" panose="020B0604020202020204" pitchFamily="34" charset="0"/>
+              <a:buChar char="•"/>
+            </a:pPr>
+            <a:r>
+              <a:rPr lang="en-IN" dirty="0">
+                <a:solidFill>
+                  <a:schemeClr val="tx1"/>
+                </a:solidFill>
+              </a:rPr>
+              <a:t>Each method visitor extended </a:t>
+            </a:r>
+            <a:r>
+              <a:rPr lang="en-IN" dirty="0" err="1">
+                <a:solidFill>
+                  <a:schemeClr val="tx1"/>
+                </a:solidFill>
+              </a:rPr>
+              <a:t>AbstractJumpMutator</a:t>
+            </a:r>
+            <a:r>
+              <a:rPr lang="en-IN" dirty="0">
+                <a:solidFill>
+                  <a:schemeClr val="tx1"/>
+                </a:solidFill>
+              </a:rPr>
+              <a:t> which contain the Substitution class used for replacement.</a:t>
+            </a:r>
+          </a:p>
+          <a:p>
+            <a:pPr marL="285750" indent="-285750">
+              <a:buFont typeface="Arial" panose="020B0604020202020204" pitchFamily="34" charset="0"/>
+              <a:buChar char="•"/>
+            </a:pPr>
+            <a:r>
+              <a:rPr lang="en-IN" dirty="0">
+                <a:solidFill>
+                  <a:schemeClr val="tx1"/>
+                </a:solidFill>
+              </a:rPr>
+              <a:t>Snippet of the method visitor that handled the replacement of operators to ‘&gt;‘.</a:t>
+            </a:r>
+          </a:p>
+          <a:p>
+            <a:pPr marL="285750" indent="-285750">
+              <a:buFont typeface="Arial" panose="020B0604020202020204" pitchFamily="34" charset="0"/>
+              <a:buChar char="•"/>
+            </a:pPr>
+            <a:r>
+              <a:rPr lang="en-IN" dirty="0">
+                <a:solidFill>
+                  <a:schemeClr val="tx1"/>
+                </a:solidFill>
+              </a:rPr>
+              <a:t>Note operators are flipped.</a:t>
+            </a:r>
+          </a:p>
+          <a:p>
+            <a:pPr marL="285750" indent="-285750">
+              <a:buFont typeface="Arial" panose="020B0604020202020204" pitchFamily="34" charset="0"/>
+              <a:buChar char="•"/>
+            </a:pPr>
+            <a:endParaRPr lang="en-US" dirty="0">
+              <a:solidFill>
+                <a:schemeClr val="tx1"/>
+              </a:solidFill>
+            </a:endParaRPr>
+          </a:p>
+        </p:txBody>
+      </p:sp>
+      <p:pic>
+        <p:nvPicPr>
+          <p:cNvPr id="6" name="Picture 5"/>
+          <p:cNvPicPr>
+            <a:picLocks noChangeAspect="1"/>
+          </p:cNvPicPr>
+          <p:nvPr/>
+        </p:nvPicPr>
+        <p:blipFill>
+          <a:blip r:embed="rId2"/>
+          <a:stretch>
+            <a:fillRect/>
+          </a:stretch>
+        </p:blipFill>
+        <p:spPr>
+          <a:xfrm>
+            <a:off x="1810402" y="3756333"/>
+            <a:ext cx="8312577" cy="2546481"/>
+          </a:xfrm>
+          <a:prstGeom prst="rect">
+            <a:avLst/>
+          </a:prstGeom>
+          <a:solidFill>
+            <a:srgbClr val="FFFFFF">
+              <a:shade val="85000"/>
+            </a:srgbClr>
+          </a:solidFill>
+          <a:ln w="88900" cap="sq">
+            <a:solidFill>
+              <a:srgbClr val="FFFFFF"/>
+            </a:solidFill>
+            <a:miter lim="800000"/>
+          </a:ln>
+          <a:effectLst>
+            <a:outerShdw blurRad="55000" dist="18000" dir="5400000" algn="tl" rotWithShape="0">
+              <a:srgbClr val="000000">
+                <a:alpha val="40000"/>
+              </a:srgbClr>
+            </a:outerShdw>
+          </a:effectLst>
+          <a:scene3d>
+            <a:camera prst="orthographicFront"/>
+            <a:lightRig rig="twoPt" dir="t">
+              <a:rot lat="0" lon="0" rev="7200000"/>
+            </a:lightRig>
+          </a:scene3d>
+          <a:sp3d>
+            <a:bevelT w="25400" h="19050"/>
+            <a:contourClr>
+              <a:srgbClr val="FFFFFF"/>
+            </a:contourClr>
+          </a:sp3d>
+        </p:spPr>
+      </p:pic>
+    </p:spTree>
+    <p:extLst>
+      <p:ext uri="{BB962C8B-B14F-4D97-AF65-F5344CB8AC3E}">
+        <p14:creationId xmlns:p14="http://schemas.microsoft.com/office/powerpoint/2010/main" val="307246228"/>
       </p:ext>
     </p:extLst>
   </p:cSld>

--- a/Presentation.pptx
+++ b/Presentation.pptx
@@ -16,6 +16,11 @@
     <p:sldId id="262" r:id="rId10"/>
     <p:sldId id="263" r:id="rId11"/>
     <p:sldId id="264" r:id="rId12"/>
+    <p:sldId id="267" r:id="rId13"/>
+    <p:sldId id="268" r:id="rId14"/>
+    <p:sldId id="269" r:id="rId15"/>
+    <p:sldId id="270" r:id="rId16"/>
+    <p:sldId id="271" r:id="rId17"/>
   </p:sldIdLst>
   <p:sldSz cx="12192000" cy="6858000"/>
   <p:notesSz cx="6858000" cy="9144000"/>
@@ -271,7 +276,7 @@
           <a:p>
             <a:fld id="{F541EC29-EF67-6D48-B65A-09953E549CE3}" type="datetimeFigureOut">
               <a:rPr lang="ru-RU" smtClean="0"/>
-              <a:t>21.03.2018</a:t>
+              <a:t>19.04.2018</a:t>
             </a:fld>
             <a:endParaRPr lang="ru-RU"/>
           </a:p>
@@ -471,7 +476,7 @@
           <a:p>
             <a:fld id="{F541EC29-EF67-6D48-B65A-09953E549CE3}" type="datetimeFigureOut">
               <a:rPr lang="ru-RU" smtClean="0"/>
-              <a:t>21.03.2018</a:t>
+              <a:t>19.04.2018</a:t>
             </a:fld>
             <a:endParaRPr lang="ru-RU"/>
           </a:p>
@@ -681,7 +686,7 @@
           <a:p>
             <a:fld id="{F541EC29-EF67-6D48-B65A-09953E549CE3}" type="datetimeFigureOut">
               <a:rPr lang="ru-RU" smtClean="0"/>
-              <a:t>21.03.2018</a:t>
+              <a:t>19.04.2018</a:t>
             </a:fld>
             <a:endParaRPr lang="ru-RU"/>
           </a:p>
@@ -881,7 +886,7 @@
           <a:p>
             <a:fld id="{F541EC29-EF67-6D48-B65A-09953E549CE3}" type="datetimeFigureOut">
               <a:rPr lang="ru-RU" smtClean="0"/>
-              <a:t>21.03.2018</a:t>
+              <a:t>19.04.2018</a:t>
             </a:fld>
             <a:endParaRPr lang="ru-RU"/>
           </a:p>
@@ -1157,7 +1162,7 @@
           <a:p>
             <a:fld id="{F541EC29-EF67-6D48-B65A-09953E549CE3}" type="datetimeFigureOut">
               <a:rPr lang="ru-RU" smtClean="0"/>
-              <a:t>21.03.2018</a:t>
+              <a:t>19.04.2018</a:t>
             </a:fld>
             <a:endParaRPr lang="ru-RU"/>
           </a:p>
@@ -1425,7 +1430,7 @@
           <a:p>
             <a:fld id="{F541EC29-EF67-6D48-B65A-09953E549CE3}" type="datetimeFigureOut">
               <a:rPr lang="ru-RU" smtClean="0"/>
-              <a:t>21.03.2018</a:t>
+              <a:t>19.04.2018</a:t>
             </a:fld>
             <a:endParaRPr lang="ru-RU"/>
           </a:p>
@@ -1840,7 +1845,7 @@
           <a:p>
             <a:fld id="{F541EC29-EF67-6D48-B65A-09953E549CE3}" type="datetimeFigureOut">
               <a:rPr lang="ru-RU" smtClean="0"/>
-              <a:t>21.03.2018</a:t>
+              <a:t>19.04.2018</a:t>
             </a:fld>
             <a:endParaRPr lang="ru-RU"/>
           </a:p>
@@ -1982,7 +1987,7 @@
           <a:p>
             <a:fld id="{F541EC29-EF67-6D48-B65A-09953E549CE3}" type="datetimeFigureOut">
               <a:rPr lang="ru-RU" smtClean="0"/>
-              <a:t>21.03.2018</a:t>
+              <a:t>19.04.2018</a:t>
             </a:fld>
             <a:endParaRPr lang="ru-RU"/>
           </a:p>
@@ -2095,7 +2100,7 @@
           <a:p>
             <a:fld id="{F541EC29-EF67-6D48-B65A-09953E549CE3}" type="datetimeFigureOut">
               <a:rPr lang="ru-RU" smtClean="0"/>
-              <a:t>21.03.2018</a:t>
+              <a:t>19.04.2018</a:t>
             </a:fld>
             <a:endParaRPr lang="ru-RU"/>
           </a:p>
@@ -2408,7 +2413,7 @@
           <a:p>
             <a:fld id="{F541EC29-EF67-6D48-B65A-09953E549CE3}" type="datetimeFigureOut">
               <a:rPr lang="ru-RU" smtClean="0"/>
-              <a:t>21.03.2018</a:t>
+              <a:t>19.04.2018</a:t>
             </a:fld>
             <a:endParaRPr lang="ru-RU"/>
           </a:p>
@@ -2697,7 +2702,7 @@
           <a:p>
             <a:fld id="{F541EC29-EF67-6D48-B65A-09953E549CE3}" type="datetimeFigureOut">
               <a:rPr lang="ru-RU" smtClean="0"/>
-              <a:t>21.03.2018</a:t>
+              <a:t>19.04.2018</a:t>
             </a:fld>
             <a:endParaRPr lang="ru-RU"/>
           </a:p>
@@ -2940,7 +2945,7 @@
           <a:p>
             <a:fld id="{F541EC29-EF67-6D48-B65A-09953E549CE3}" type="datetimeFigureOut">
               <a:rPr lang="ru-RU" smtClean="0"/>
-              <a:t>21.03.2018</a:t>
+              <a:t>19.04.2018</a:t>
             </a:fld>
             <a:endParaRPr lang="ru-RU"/>
           </a:p>
@@ -3828,6 +3833,6339 @@
     <p:extLst>
       <p:ext uri="{BB962C8B-B14F-4D97-AF65-F5344CB8AC3E}">
         <p14:creationId xmlns:p14="http://schemas.microsoft.com/office/powerpoint/2010/main" val="4088658420"/>
+      </p:ext>
+    </p:extLst>
+  </p:cSld>
+  <p:clrMapOvr>
+    <a:masterClrMapping/>
+  </p:clrMapOvr>
+</p:sld>
+</file>
+
+<file path=ppt/slides/slide12.xml><?xml version="1.0" encoding="utf-8"?>
+<p:sld xmlns:a="http://schemas.openxmlformats.org/drawingml/2006/main" xmlns:r="http://schemas.openxmlformats.org/officeDocument/2006/relationships" xmlns:p="http://schemas.openxmlformats.org/presentationml/2006/main">
+  <p:cSld>
+    <p:spTree>
+      <p:nvGrpSpPr>
+        <p:cNvPr id="1" name=""/>
+        <p:cNvGrpSpPr/>
+        <p:nvPr/>
+      </p:nvGrpSpPr>
+      <p:grpSpPr>
+        <a:xfrm>
+          <a:off x="0" y="0"/>
+          <a:ext cx="0" cy="0"/>
+          <a:chOff x="0" y="0"/>
+          <a:chExt cx="0" cy="0"/>
+        </a:xfrm>
+      </p:grpSpPr>
+      <p:sp>
+        <p:nvSpPr>
+          <p:cNvPr id="2" name="Title 1">
+            <a:extLst>
+              <a:ext uri="{FF2B5EF4-FFF2-40B4-BE49-F238E27FC236}">
+                <a16:creationId xmlns:a16="http://schemas.microsoft.com/office/drawing/2014/main" id="{05125C28-4435-1248-94B4-6F4FE8C13C67}"/>
+              </a:ext>
+            </a:extLst>
+          </p:cNvPr>
+          <p:cNvSpPr>
+            <a:spLocks noGrp="1"/>
+          </p:cNvSpPr>
+          <p:nvPr>
+            <p:ph type="title"/>
+          </p:nvPr>
+        </p:nvSpPr>
+        <p:spPr/>
+        <p:txBody>
+          <a:bodyPr/>
+          <a:lstStyle/>
+          <a:p>
+            <a:pPr algn="ctr"/>
+            <a:r>
+              <a:rPr lang="en-US" b="1" dirty="0"/>
+              <a:t>Add to Final</a:t>
+            </a:r>
+          </a:p>
+        </p:txBody>
+      </p:sp>
+      <p:sp>
+        <p:nvSpPr>
+          <p:cNvPr id="3" name="Content Placeholder 2">
+            <a:extLst>
+              <a:ext uri="{FF2B5EF4-FFF2-40B4-BE49-F238E27FC236}">
+                <a16:creationId xmlns:a16="http://schemas.microsoft.com/office/drawing/2014/main" id="{2AD24889-BA41-D749-8D5A-C72A4799DB5F}"/>
+              </a:ext>
+            </a:extLst>
+          </p:cNvPr>
+          <p:cNvSpPr>
+            <a:spLocks noGrp="1"/>
+          </p:cNvSpPr>
+          <p:nvPr>
+            <p:ph idx="1"/>
+          </p:nvPr>
+        </p:nvSpPr>
+        <p:spPr/>
+        <p:txBody>
+          <a:bodyPr/>
+          <a:lstStyle/>
+          <a:p>
+            <a:endParaRPr lang="en-US" dirty="0"/>
+          </a:p>
+        </p:txBody>
+      </p:sp>
+    </p:spTree>
+    <p:extLst>
+      <p:ext uri="{BB962C8B-B14F-4D97-AF65-F5344CB8AC3E}">
+        <p14:creationId xmlns:p14="http://schemas.microsoft.com/office/powerpoint/2010/main" val="1161572363"/>
+      </p:ext>
+    </p:extLst>
+  </p:cSld>
+  <p:clrMapOvr>
+    <a:masterClrMapping/>
+  </p:clrMapOvr>
+</p:sld>
+</file>
+
+<file path=ppt/slides/slide13.xml><?xml version="1.0" encoding="utf-8"?>
+<p:sld xmlns:a="http://schemas.openxmlformats.org/drawingml/2006/main" xmlns:r="http://schemas.openxmlformats.org/officeDocument/2006/relationships" xmlns:p="http://schemas.openxmlformats.org/presentationml/2006/main">
+  <p:cSld>
+    <p:spTree>
+      <p:nvGrpSpPr>
+        <p:cNvPr id="1" name=""/>
+        <p:cNvGrpSpPr/>
+        <p:nvPr/>
+      </p:nvGrpSpPr>
+      <p:grpSpPr>
+        <a:xfrm>
+          <a:off x="0" y="0"/>
+          <a:ext cx="0" cy="0"/>
+          <a:chOff x="0" y="0"/>
+          <a:chExt cx="0" cy="0"/>
+        </a:xfrm>
+      </p:grpSpPr>
+      <p:sp>
+        <p:nvSpPr>
+          <p:cNvPr id="2" name="Title 1">
+            <a:extLst>
+              <a:ext uri="{FF2B5EF4-FFF2-40B4-BE49-F238E27FC236}">
+                <a16:creationId xmlns:a16="http://schemas.microsoft.com/office/drawing/2014/main" id="{F9ABD027-3383-1846-B6C5-43041309E9FF}"/>
+              </a:ext>
+            </a:extLst>
+          </p:cNvPr>
+          <p:cNvSpPr>
+            <a:spLocks noGrp="1"/>
+          </p:cNvSpPr>
+          <p:nvPr>
+            <p:ph type="title"/>
+          </p:nvPr>
+        </p:nvSpPr>
+        <p:spPr>
+          <a:xfrm>
+            <a:off x="681038" y="150812"/>
+            <a:ext cx="10515600" cy="549275"/>
+          </a:xfrm>
+        </p:spPr>
+        <p:txBody>
+          <a:bodyPr>
+            <a:normAutofit fontScale="90000"/>
+          </a:bodyPr>
+          <a:lstStyle/>
+          <a:p>
+            <a:pPr algn="ctr"/>
+            <a:r>
+              <a:rPr lang="en-US" b="1" dirty="0"/>
+              <a:t>Real world projects</a:t>
+            </a:r>
+          </a:p>
+        </p:txBody>
+      </p:sp>
+      <p:graphicFrame>
+        <p:nvGraphicFramePr>
+          <p:cNvPr id="5" name="Content Placeholder 4">
+            <a:extLst>
+              <a:ext uri="{FF2B5EF4-FFF2-40B4-BE49-F238E27FC236}">
+                <a16:creationId xmlns:a16="http://schemas.microsoft.com/office/drawing/2014/main" id="{C4F0C760-6C70-F847-A432-5CB99577C022}"/>
+              </a:ext>
+            </a:extLst>
+          </p:cNvPr>
+          <p:cNvGraphicFramePr>
+            <a:graphicFrameLocks noGrp="1"/>
+          </p:cNvGraphicFramePr>
+          <p:nvPr>
+            <p:ph idx="1"/>
+            <p:extLst>
+              <p:ext uri="{D42A27DB-BD31-4B8C-83A1-F6EECF244321}">
+                <p14:modId xmlns:p14="http://schemas.microsoft.com/office/powerpoint/2010/main" val="871193047"/>
+              </p:ext>
+            </p:extLst>
+          </p:nvPr>
+        </p:nvGraphicFramePr>
+        <p:xfrm>
+          <a:off x="257175" y="700087"/>
+          <a:ext cx="11934825" cy="5819859"/>
+        </p:xfrm>
+        <a:graphic>
+          <a:graphicData uri="http://schemas.openxmlformats.org/drawingml/2006/table">
+            <a:tbl>
+              <a:tblPr/>
+              <a:tblGrid>
+                <a:gridCol w="3850411">
+                  <a:extLst>
+                    <a:ext uri="{9D8B030D-6E8A-4147-A177-3AD203B41FA5}">
+                      <a16:colId xmlns:a16="http://schemas.microsoft.com/office/drawing/2014/main" val="3957848941"/>
+                    </a:ext>
+                  </a:extLst>
+                </a:gridCol>
+                <a:gridCol w="1324484">
+                  <a:extLst>
+                    <a:ext uri="{9D8B030D-6E8A-4147-A177-3AD203B41FA5}">
+                      <a16:colId xmlns:a16="http://schemas.microsoft.com/office/drawing/2014/main" val="2849847566"/>
+                    </a:ext>
+                  </a:extLst>
+                </a:gridCol>
+                <a:gridCol w="991553">
+                  <a:extLst>
+                    <a:ext uri="{9D8B030D-6E8A-4147-A177-3AD203B41FA5}">
+                      <a16:colId xmlns:a16="http://schemas.microsoft.com/office/drawing/2014/main" val="2776933515"/>
+                    </a:ext>
+                  </a:extLst>
+                </a:gridCol>
+                <a:gridCol w="1063929">
+                  <a:extLst>
+                    <a:ext uri="{9D8B030D-6E8A-4147-A177-3AD203B41FA5}">
+                      <a16:colId xmlns:a16="http://schemas.microsoft.com/office/drawing/2014/main" val="4166509840"/>
+                    </a:ext>
+                  </a:extLst>
+                </a:gridCol>
+                <a:gridCol w="933652">
+                  <a:extLst>
+                    <a:ext uri="{9D8B030D-6E8A-4147-A177-3AD203B41FA5}">
+                      <a16:colId xmlns:a16="http://schemas.microsoft.com/office/drawing/2014/main" val="3486729655"/>
+                    </a:ext>
+                  </a:extLst>
+                </a:gridCol>
+                <a:gridCol w="1729789">
+                  <a:extLst>
+                    <a:ext uri="{9D8B030D-6E8A-4147-A177-3AD203B41FA5}">
+                      <a16:colId xmlns:a16="http://schemas.microsoft.com/office/drawing/2014/main" val="1812497611"/>
+                    </a:ext>
+                  </a:extLst>
+                </a:gridCol>
+                <a:gridCol w="919176">
+                  <a:extLst>
+                    <a:ext uri="{9D8B030D-6E8A-4147-A177-3AD203B41FA5}">
+                      <a16:colId xmlns:a16="http://schemas.microsoft.com/office/drawing/2014/main" val="4098398032"/>
+                    </a:ext>
+                  </a:extLst>
+                </a:gridCol>
+                <a:gridCol w="1121831">
+                  <a:extLst>
+                    <a:ext uri="{9D8B030D-6E8A-4147-A177-3AD203B41FA5}">
+                      <a16:colId xmlns:a16="http://schemas.microsoft.com/office/drawing/2014/main" val="3011715075"/>
+                    </a:ext>
+                  </a:extLst>
+                </a:gridCol>
+              </a:tblGrid>
+              <a:tr h="220375">
+                <a:tc rowSpan="2">
+                  <a:txBody>
+                    <a:bodyPr/>
+                    <a:lstStyle/>
+                    <a:p>
+                      <a:pPr algn="ctr" fontAlgn="ctr"/>
+                      <a:r>
+                        <a:rPr lang="en-US" sz="900" b="0" i="0" u="none" strike="noStrike">
+                          <a:solidFill>
+                            <a:srgbClr val="000000"/>
+                          </a:solidFill>
+                          <a:effectLst/>
+                          <a:latin typeface="Arial" panose="020B0604020202020204" pitchFamily="34" charset="0"/>
+                        </a:rPr>
+                        <a:t>Project</a:t>
+                      </a:r>
+                    </a:p>
+                  </a:txBody>
+                  <a:tcPr marL="6381" marR="6381" marT="6381" marB="0" anchor="ctr">
+                    <a:lnL>
+                      <a:noFill/>
+                    </a:lnL>
+                    <a:lnR w="6350" cap="flat" cmpd="sng" algn="ctr">
+                      <a:solidFill>
+                        <a:srgbClr val="000000"/>
+                      </a:solidFill>
+                      <a:prstDash val="solid"/>
+                      <a:round/>
+                      <a:headEnd type="none" w="med" len="med"/>
+                      <a:tailEnd type="none" w="med" len="med"/>
+                    </a:lnR>
+                    <a:lnT>
+                      <a:noFill/>
+                    </a:lnT>
+                    <a:lnB w="6350" cap="flat" cmpd="sng" algn="ctr">
+                      <a:solidFill>
+                        <a:srgbClr val="000000"/>
+                      </a:solidFill>
+                      <a:prstDash val="solid"/>
+                      <a:round/>
+                      <a:headEnd type="none" w="med" len="med"/>
+                      <a:tailEnd type="none" w="med" len="med"/>
+                    </a:lnB>
+                    <a:solidFill>
+                      <a:srgbClr val="FCE4D6"/>
+                    </a:solidFill>
+                  </a:tcPr>
+                </a:tc>
+                <a:tc rowSpan="2">
+                  <a:txBody>
+                    <a:bodyPr/>
+                    <a:lstStyle/>
+                    <a:p>
+                      <a:pPr algn="ctr" fontAlgn="ctr"/>
+                      <a:r>
+                        <a:rPr lang="en-US" sz="900" b="0" i="0" u="none" strike="noStrike">
+                          <a:solidFill>
+                            <a:srgbClr val="000000"/>
+                          </a:solidFill>
+                          <a:effectLst/>
+                          <a:latin typeface="Arial" panose="020B0604020202020204" pitchFamily="34" charset="0"/>
+                        </a:rPr>
+                        <a:t>Number of Class</a:t>
+                      </a:r>
+                    </a:p>
+                  </a:txBody>
+                  <a:tcPr marL="6381" marR="6381" marT="6381" marB="0" anchor="ctr">
+                    <a:lnL w="6350" cap="flat" cmpd="sng" algn="ctr">
+                      <a:solidFill>
+                        <a:srgbClr val="000000"/>
+                      </a:solidFill>
+                      <a:prstDash val="solid"/>
+                      <a:round/>
+                      <a:headEnd type="none" w="med" len="med"/>
+                      <a:tailEnd type="none" w="med" len="med"/>
+                    </a:lnL>
+                    <a:lnR w="6350" cap="flat" cmpd="sng" algn="ctr">
+                      <a:solidFill>
+                        <a:srgbClr val="000000"/>
+                      </a:solidFill>
+                      <a:prstDash val="solid"/>
+                      <a:round/>
+                      <a:headEnd type="none" w="med" len="med"/>
+                      <a:tailEnd type="none" w="med" len="med"/>
+                    </a:lnR>
+                    <a:lnT>
+                      <a:noFill/>
+                    </a:lnT>
+                    <a:lnB w="6350" cap="flat" cmpd="sng" algn="ctr">
+                      <a:solidFill>
+                        <a:srgbClr val="000000"/>
+                      </a:solidFill>
+                      <a:prstDash val="solid"/>
+                      <a:round/>
+                      <a:headEnd type="none" w="med" len="med"/>
+                      <a:tailEnd type="none" w="med" len="med"/>
+                    </a:lnB>
+                    <a:solidFill>
+                      <a:srgbClr val="FCE4D6"/>
+                    </a:solidFill>
+                  </a:tcPr>
+                </a:tc>
+                <a:tc gridSpan="2">
+                  <a:txBody>
+                    <a:bodyPr/>
+                    <a:lstStyle/>
+                    <a:p>
+                      <a:pPr algn="ctr" fontAlgn="ctr"/>
+                      <a:r>
+                        <a:rPr lang="en-US" sz="900" b="0" i="0" u="none" strike="noStrike">
+                          <a:solidFill>
+                            <a:srgbClr val="000000"/>
+                          </a:solidFill>
+                          <a:effectLst/>
+                          <a:latin typeface="Arial" panose="020B0604020202020204" pitchFamily="34" charset="0"/>
+                        </a:rPr>
+                        <a:t>Line Coverage</a:t>
+                      </a:r>
+                    </a:p>
+                  </a:txBody>
+                  <a:tcPr marL="6381" marR="6381" marT="6381" marB="0" anchor="ctr">
+                    <a:lnL w="6350" cap="flat" cmpd="sng" algn="ctr">
+                      <a:solidFill>
+                        <a:srgbClr val="000000"/>
+                      </a:solidFill>
+                      <a:prstDash val="solid"/>
+                      <a:round/>
+                      <a:headEnd type="none" w="med" len="med"/>
+                      <a:tailEnd type="none" w="med" len="med"/>
+                    </a:lnL>
+                    <a:lnR w="6350" cap="flat" cmpd="sng" algn="ctr">
+                      <a:solidFill>
+                        <a:srgbClr val="000000"/>
+                      </a:solidFill>
+                      <a:prstDash val="solid"/>
+                      <a:round/>
+                      <a:headEnd type="none" w="med" len="med"/>
+                      <a:tailEnd type="none" w="med" len="med"/>
+                    </a:lnR>
+                    <a:lnT>
+                      <a:noFill/>
+                    </a:lnT>
+                    <a:lnB w="6350" cap="flat" cmpd="sng" algn="ctr">
+                      <a:solidFill>
+                        <a:srgbClr val="000000"/>
+                      </a:solidFill>
+                      <a:prstDash val="solid"/>
+                      <a:round/>
+                      <a:headEnd type="none" w="med" len="med"/>
+                      <a:tailEnd type="none" w="med" len="med"/>
+                    </a:lnB>
+                    <a:solidFill>
+                      <a:srgbClr val="FCE4D6"/>
+                    </a:solidFill>
+                  </a:tcPr>
+                </a:tc>
+                <a:tc hMerge="1">
+                  <a:txBody>
+                    <a:bodyPr/>
+                    <a:lstStyle/>
+                    <a:p>
+                      <a:endParaRPr lang="en-US"/>
+                    </a:p>
+                  </a:txBody>
+                  <a:tcPr/>
+                </a:tc>
+                <a:tc gridSpan="2">
+                  <a:txBody>
+                    <a:bodyPr/>
+                    <a:lstStyle/>
+                    <a:p>
+                      <a:pPr algn="ctr" fontAlgn="ctr"/>
+                      <a:r>
+                        <a:rPr lang="en-US" sz="900" b="0" i="0" u="none" strike="noStrike">
+                          <a:solidFill>
+                            <a:srgbClr val="000000"/>
+                          </a:solidFill>
+                          <a:effectLst/>
+                          <a:latin typeface="Arial" panose="020B0604020202020204" pitchFamily="34" charset="0"/>
+                        </a:rPr>
+                        <a:t>Mutation Coverage</a:t>
+                      </a:r>
+                    </a:p>
+                  </a:txBody>
+                  <a:tcPr marL="6381" marR="6381" marT="6381" marB="0" anchor="ctr">
+                    <a:lnL w="6350" cap="flat" cmpd="sng" algn="ctr">
+                      <a:solidFill>
+                        <a:srgbClr val="000000"/>
+                      </a:solidFill>
+                      <a:prstDash val="solid"/>
+                      <a:round/>
+                      <a:headEnd type="none" w="med" len="med"/>
+                      <a:tailEnd type="none" w="med" len="med"/>
+                    </a:lnL>
+                    <a:lnR w="6350" cap="flat" cmpd="sng" algn="ctr">
+                      <a:solidFill>
+                        <a:srgbClr val="000000"/>
+                      </a:solidFill>
+                      <a:prstDash val="solid"/>
+                      <a:round/>
+                      <a:headEnd type="none" w="med" len="med"/>
+                      <a:tailEnd type="none" w="med" len="med"/>
+                    </a:lnR>
+                    <a:lnT>
+                      <a:noFill/>
+                    </a:lnT>
+                    <a:lnB w="6350" cap="flat" cmpd="sng" algn="ctr">
+                      <a:solidFill>
+                        <a:srgbClr val="000000"/>
+                      </a:solidFill>
+                      <a:prstDash val="solid"/>
+                      <a:round/>
+                      <a:headEnd type="none" w="med" len="med"/>
+                      <a:tailEnd type="none" w="med" len="med"/>
+                    </a:lnB>
+                    <a:solidFill>
+                      <a:srgbClr val="FCE4D6"/>
+                    </a:solidFill>
+                  </a:tcPr>
+                </a:tc>
+                <a:tc hMerge="1">
+                  <a:txBody>
+                    <a:bodyPr/>
+                    <a:lstStyle/>
+                    <a:p>
+                      <a:endParaRPr lang="en-US"/>
+                    </a:p>
+                  </a:txBody>
+                  <a:tcPr/>
+                </a:tc>
+                <a:tc rowSpan="2">
+                  <a:txBody>
+                    <a:bodyPr/>
+                    <a:lstStyle/>
+                    <a:p>
+                      <a:pPr algn="ctr" fontAlgn="ctr"/>
+                      <a:r>
+                        <a:rPr lang="en-US" sz="900" b="0" i="0" u="none" strike="noStrike">
+                          <a:solidFill>
+                            <a:srgbClr val="000000"/>
+                          </a:solidFill>
+                          <a:effectLst/>
+                          <a:latin typeface="Arial" panose="020B0604020202020204" pitchFamily="34" charset="0"/>
+                        </a:rPr>
+                        <a:t>Running Time</a:t>
+                      </a:r>
+                    </a:p>
+                  </a:txBody>
+                  <a:tcPr marL="6381" marR="6381" marT="6381" marB="0" anchor="ctr">
+                    <a:lnL w="6350" cap="flat" cmpd="sng" algn="ctr">
+                      <a:solidFill>
+                        <a:srgbClr val="000000"/>
+                      </a:solidFill>
+                      <a:prstDash val="solid"/>
+                      <a:round/>
+                      <a:headEnd type="none" w="med" len="med"/>
+                      <a:tailEnd type="none" w="med" len="med"/>
+                    </a:lnL>
+                    <a:lnR w="6350" cap="flat" cmpd="sng" algn="ctr">
+                      <a:solidFill>
+                        <a:srgbClr val="000000"/>
+                      </a:solidFill>
+                      <a:prstDash val="solid"/>
+                      <a:round/>
+                      <a:headEnd type="none" w="med" len="med"/>
+                      <a:tailEnd type="none" w="med" len="med"/>
+                    </a:lnR>
+                    <a:lnT>
+                      <a:noFill/>
+                    </a:lnT>
+                    <a:lnB w="6350" cap="flat" cmpd="sng" algn="ctr">
+                      <a:solidFill>
+                        <a:srgbClr val="000000"/>
+                      </a:solidFill>
+                      <a:prstDash val="solid"/>
+                      <a:round/>
+                      <a:headEnd type="none" w="med" len="med"/>
+                      <a:tailEnd type="none" w="med" len="med"/>
+                    </a:lnB>
+                    <a:solidFill>
+                      <a:srgbClr val="FCE4D6"/>
+                    </a:solidFill>
+                  </a:tcPr>
+                </a:tc>
+                <a:tc rowSpan="2">
+                  <a:txBody>
+                    <a:bodyPr/>
+                    <a:lstStyle/>
+                    <a:p>
+                      <a:pPr algn="ctr" fontAlgn="ctr"/>
+                      <a:r>
+                        <a:rPr lang="en-US" sz="900" b="0" i="0" u="none" strike="noStrike">
+                          <a:solidFill>
+                            <a:srgbClr val="000000"/>
+                          </a:solidFill>
+                          <a:effectLst/>
+                          <a:latin typeface="Arial" panose="020B0604020202020204" pitchFamily="34" charset="0"/>
+                        </a:rPr>
+                        <a:t>Number of Threads</a:t>
+                      </a:r>
+                    </a:p>
+                  </a:txBody>
+                  <a:tcPr marL="6381" marR="6381" marT="6381" marB="0" anchor="ctr">
+                    <a:lnL w="6350" cap="flat" cmpd="sng" algn="ctr">
+                      <a:solidFill>
+                        <a:srgbClr val="000000"/>
+                      </a:solidFill>
+                      <a:prstDash val="solid"/>
+                      <a:round/>
+                      <a:headEnd type="none" w="med" len="med"/>
+                      <a:tailEnd type="none" w="med" len="med"/>
+                    </a:lnL>
+                    <a:lnR>
+                      <a:noFill/>
+                    </a:lnR>
+                    <a:lnT>
+                      <a:noFill/>
+                    </a:lnT>
+                    <a:lnB w="6350" cap="flat" cmpd="sng" algn="ctr">
+                      <a:solidFill>
+                        <a:srgbClr val="000000"/>
+                      </a:solidFill>
+                      <a:prstDash val="solid"/>
+                      <a:round/>
+                      <a:headEnd type="none" w="med" len="med"/>
+                      <a:tailEnd type="none" w="med" len="med"/>
+                    </a:lnB>
+                    <a:solidFill>
+                      <a:srgbClr val="FCE4D6"/>
+                    </a:solidFill>
+                  </a:tcPr>
+                </a:tc>
+                <a:extLst>
+                  <a:ext uri="{0D108BD9-81ED-4DB2-BD59-A6C34878D82A}">
+                    <a16:rowId xmlns:a16="http://schemas.microsoft.com/office/drawing/2014/main" val="3596813712"/>
+                  </a:ext>
+                </a:extLst>
+              </a:tr>
+              <a:tr h="181229">
+                <a:tc vMerge="1">
+                  <a:txBody>
+                    <a:bodyPr/>
+                    <a:lstStyle/>
+                    <a:p>
+                      <a:endParaRPr lang="en-US"/>
+                    </a:p>
+                  </a:txBody>
+                  <a:tcPr/>
+                </a:tc>
+                <a:tc vMerge="1">
+                  <a:txBody>
+                    <a:bodyPr/>
+                    <a:lstStyle/>
+                    <a:p>
+                      <a:endParaRPr lang="en-US"/>
+                    </a:p>
+                  </a:txBody>
+                  <a:tcPr/>
+                </a:tc>
+                <a:tc>
+                  <a:txBody>
+                    <a:bodyPr/>
+                    <a:lstStyle/>
+                    <a:p>
+                      <a:pPr algn="ctr" fontAlgn="ctr"/>
+                      <a:r>
+                        <a:rPr lang="en-US" sz="900" b="0" i="0" u="none" strike="noStrike">
+                          <a:solidFill>
+                            <a:srgbClr val="000000"/>
+                          </a:solidFill>
+                          <a:effectLst/>
+                          <a:latin typeface="Arial" panose="020B0604020202020204" pitchFamily="34" charset="0"/>
+                        </a:rPr>
+                        <a:t>percentage</a:t>
+                      </a:r>
+                    </a:p>
+                  </a:txBody>
+                  <a:tcPr marL="6381" marR="6381" marT="6381" marB="0" anchor="ctr">
+                    <a:lnL w="6350" cap="flat" cmpd="sng" algn="ctr">
+                      <a:solidFill>
+                        <a:srgbClr val="000000"/>
+                      </a:solidFill>
+                      <a:prstDash val="solid"/>
+                      <a:round/>
+                      <a:headEnd type="none" w="med" len="med"/>
+                      <a:tailEnd type="none" w="med" len="med"/>
+                    </a:lnL>
+                    <a:lnR w="6350" cap="flat" cmpd="sng" algn="ctr">
+                      <a:solidFill>
+                        <a:srgbClr val="000000"/>
+                      </a:solidFill>
+                      <a:prstDash val="solid"/>
+                      <a:round/>
+                      <a:headEnd type="none" w="med" len="med"/>
+                      <a:tailEnd type="none" w="med" len="med"/>
+                    </a:lnR>
+                    <a:lnT w="6350" cap="flat" cmpd="sng" algn="ctr">
+                      <a:solidFill>
+                        <a:srgbClr val="000000"/>
+                      </a:solidFill>
+                      <a:prstDash val="solid"/>
+                      <a:round/>
+                      <a:headEnd type="none" w="med" len="med"/>
+                      <a:tailEnd type="none" w="med" len="med"/>
+                    </a:lnT>
+                    <a:lnB w="6350" cap="flat" cmpd="sng" algn="ctr">
+                      <a:solidFill>
+                        <a:srgbClr val="000000"/>
+                      </a:solidFill>
+                      <a:prstDash val="solid"/>
+                      <a:round/>
+                      <a:headEnd type="none" w="med" len="med"/>
+                      <a:tailEnd type="none" w="med" len="med"/>
+                    </a:lnB>
+                    <a:solidFill>
+                      <a:srgbClr val="C6E0B4"/>
+                    </a:solidFill>
+                  </a:tcPr>
+                </a:tc>
+                <a:tc>
+                  <a:txBody>
+                    <a:bodyPr/>
+                    <a:lstStyle/>
+                    <a:p>
+                      <a:pPr algn="ctr" fontAlgn="ctr"/>
+                      <a:r>
+                        <a:rPr lang="en-US" sz="900" b="0" i="0" u="none" strike="noStrike">
+                          <a:solidFill>
+                            <a:srgbClr val="000000"/>
+                          </a:solidFill>
+                          <a:effectLst/>
+                          <a:latin typeface="Arial" panose="020B0604020202020204" pitchFamily="34" charset="0"/>
+                        </a:rPr>
+                        <a:t>coverage line</a:t>
+                      </a:r>
+                    </a:p>
+                  </a:txBody>
+                  <a:tcPr marL="6381" marR="6381" marT="6381" marB="0" anchor="ctr">
+                    <a:lnL w="6350" cap="flat" cmpd="sng" algn="ctr">
+                      <a:solidFill>
+                        <a:srgbClr val="000000"/>
+                      </a:solidFill>
+                      <a:prstDash val="solid"/>
+                      <a:round/>
+                      <a:headEnd type="none" w="med" len="med"/>
+                      <a:tailEnd type="none" w="med" len="med"/>
+                    </a:lnL>
+                    <a:lnR w="6350" cap="flat" cmpd="sng" algn="ctr">
+                      <a:solidFill>
+                        <a:srgbClr val="000000"/>
+                      </a:solidFill>
+                      <a:prstDash val="solid"/>
+                      <a:round/>
+                      <a:headEnd type="none" w="med" len="med"/>
+                      <a:tailEnd type="none" w="med" len="med"/>
+                    </a:lnR>
+                    <a:lnT w="6350" cap="flat" cmpd="sng" algn="ctr">
+                      <a:solidFill>
+                        <a:srgbClr val="000000"/>
+                      </a:solidFill>
+                      <a:prstDash val="solid"/>
+                      <a:round/>
+                      <a:headEnd type="none" w="med" len="med"/>
+                      <a:tailEnd type="none" w="med" len="med"/>
+                    </a:lnT>
+                    <a:lnB w="6350" cap="flat" cmpd="sng" algn="ctr">
+                      <a:solidFill>
+                        <a:srgbClr val="000000"/>
+                      </a:solidFill>
+                      <a:prstDash val="solid"/>
+                      <a:round/>
+                      <a:headEnd type="none" w="med" len="med"/>
+                      <a:tailEnd type="none" w="med" len="med"/>
+                    </a:lnB>
+                    <a:solidFill>
+                      <a:srgbClr val="C6E0B4"/>
+                    </a:solidFill>
+                  </a:tcPr>
+                </a:tc>
+                <a:tc>
+                  <a:txBody>
+                    <a:bodyPr/>
+                    <a:lstStyle/>
+                    <a:p>
+                      <a:pPr algn="ctr" fontAlgn="ctr"/>
+                      <a:r>
+                        <a:rPr lang="en-US" sz="900" b="0" i="0" u="none" strike="noStrike">
+                          <a:solidFill>
+                            <a:srgbClr val="000000"/>
+                          </a:solidFill>
+                          <a:effectLst/>
+                          <a:latin typeface="Arial" panose="020B0604020202020204" pitchFamily="34" charset="0"/>
+                        </a:rPr>
+                        <a:t>percentage</a:t>
+                      </a:r>
+                    </a:p>
+                  </a:txBody>
+                  <a:tcPr marL="6381" marR="6381" marT="6381" marB="0" anchor="ctr">
+                    <a:lnL w="6350" cap="flat" cmpd="sng" algn="ctr">
+                      <a:solidFill>
+                        <a:srgbClr val="000000"/>
+                      </a:solidFill>
+                      <a:prstDash val="solid"/>
+                      <a:round/>
+                      <a:headEnd type="none" w="med" len="med"/>
+                      <a:tailEnd type="none" w="med" len="med"/>
+                    </a:lnL>
+                    <a:lnR w="6350" cap="flat" cmpd="sng" algn="ctr">
+                      <a:solidFill>
+                        <a:srgbClr val="000000"/>
+                      </a:solidFill>
+                      <a:prstDash val="solid"/>
+                      <a:round/>
+                      <a:headEnd type="none" w="med" len="med"/>
+                      <a:tailEnd type="none" w="med" len="med"/>
+                    </a:lnR>
+                    <a:lnT w="6350" cap="flat" cmpd="sng" algn="ctr">
+                      <a:solidFill>
+                        <a:srgbClr val="000000"/>
+                      </a:solidFill>
+                      <a:prstDash val="solid"/>
+                      <a:round/>
+                      <a:headEnd type="none" w="med" len="med"/>
+                      <a:tailEnd type="none" w="med" len="med"/>
+                    </a:lnT>
+                    <a:lnB w="6350" cap="flat" cmpd="sng" algn="ctr">
+                      <a:solidFill>
+                        <a:srgbClr val="000000"/>
+                      </a:solidFill>
+                      <a:prstDash val="solid"/>
+                      <a:round/>
+                      <a:headEnd type="none" w="med" len="med"/>
+                      <a:tailEnd type="none" w="med" len="med"/>
+                    </a:lnB>
+                    <a:solidFill>
+                      <a:srgbClr val="C6E0B4"/>
+                    </a:solidFill>
+                  </a:tcPr>
+                </a:tc>
+                <a:tc>
+                  <a:txBody>
+                    <a:bodyPr/>
+                    <a:lstStyle/>
+                    <a:p>
+                      <a:pPr algn="ctr" fontAlgn="ctr"/>
+                      <a:r>
+                        <a:rPr lang="en-US" sz="900" b="0" i="0" u="none" strike="noStrike">
+                          <a:solidFill>
+                            <a:srgbClr val="000000"/>
+                          </a:solidFill>
+                          <a:effectLst/>
+                          <a:latin typeface="Arial" panose="020B0604020202020204" pitchFamily="34" charset="0"/>
+                        </a:rPr>
+                        <a:t>killed/numberOfMutation</a:t>
+                      </a:r>
+                    </a:p>
+                  </a:txBody>
+                  <a:tcPr marL="6381" marR="6381" marT="6381" marB="0" anchor="ctr">
+                    <a:lnL w="6350" cap="flat" cmpd="sng" algn="ctr">
+                      <a:solidFill>
+                        <a:srgbClr val="000000"/>
+                      </a:solidFill>
+                      <a:prstDash val="solid"/>
+                      <a:round/>
+                      <a:headEnd type="none" w="med" len="med"/>
+                      <a:tailEnd type="none" w="med" len="med"/>
+                    </a:lnL>
+                    <a:lnR w="6350" cap="flat" cmpd="sng" algn="ctr">
+                      <a:solidFill>
+                        <a:srgbClr val="000000"/>
+                      </a:solidFill>
+                      <a:prstDash val="solid"/>
+                      <a:round/>
+                      <a:headEnd type="none" w="med" len="med"/>
+                      <a:tailEnd type="none" w="med" len="med"/>
+                    </a:lnR>
+                    <a:lnT w="6350" cap="flat" cmpd="sng" algn="ctr">
+                      <a:solidFill>
+                        <a:srgbClr val="000000"/>
+                      </a:solidFill>
+                      <a:prstDash val="solid"/>
+                      <a:round/>
+                      <a:headEnd type="none" w="med" len="med"/>
+                      <a:tailEnd type="none" w="med" len="med"/>
+                    </a:lnT>
+                    <a:lnB w="6350" cap="flat" cmpd="sng" algn="ctr">
+                      <a:solidFill>
+                        <a:srgbClr val="000000"/>
+                      </a:solidFill>
+                      <a:prstDash val="solid"/>
+                      <a:round/>
+                      <a:headEnd type="none" w="med" len="med"/>
+                      <a:tailEnd type="none" w="med" len="med"/>
+                    </a:lnB>
+                    <a:solidFill>
+                      <a:srgbClr val="C6E0B4"/>
+                    </a:solidFill>
+                  </a:tcPr>
+                </a:tc>
+                <a:tc vMerge="1">
+                  <a:txBody>
+                    <a:bodyPr/>
+                    <a:lstStyle/>
+                    <a:p>
+                      <a:endParaRPr lang="en-US"/>
+                    </a:p>
+                  </a:txBody>
+                  <a:tcPr/>
+                </a:tc>
+                <a:tc vMerge="1">
+                  <a:txBody>
+                    <a:bodyPr/>
+                    <a:lstStyle/>
+                    <a:p>
+                      <a:endParaRPr lang="en-US"/>
+                    </a:p>
+                  </a:txBody>
+                  <a:tcPr/>
+                </a:tc>
+                <a:extLst>
+                  <a:ext uri="{0D108BD9-81ED-4DB2-BD59-A6C34878D82A}">
+                    <a16:rowId xmlns:a16="http://schemas.microsoft.com/office/drawing/2014/main" val="1240668621"/>
+                  </a:ext>
+                </a:extLst>
+              </a:tr>
+              <a:tr h="827122">
+                <a:tc>
+                  <a:txBody>
+                    <a:bodyPr/>
+                    <a:lstStyle/>
+                    <a:p>
+                      <a:pPr algn="ctr" fontAlgn="ctr"/>
+                      <a:r>
+                        <a:rPr lang="en-US" sz="900" b="0" i="0" u="none" strike="noStrike">
+                          <a:solidFill>
+                            <a:srgbClr val="000000"/>
+                          </a:solidFill>
+                          <a:effectLst/>
+                          <a:latin typeface="Arial" panose="020B0604020202020204" pitchFamily="34" charset="0"/>
+                        </a:rPr>
+                        <a:t>zt-exec,305172eaed27aa71a6f4de970d20c73cefe6291e,https://github.com/zeroturnaround/zt-exec </a:t>
+                      </a:r>
+                    </a:p>
+                  </a:txBody>
+                  <a:tcPr marL="6381" marR="6381" marT="6381" marB="0" anchor="ctr">
+                    <a:lnL>
+                      <a:noFill/>
+                    </a:lnL>
+                    <a:lnR w="6350" cap="flat" cmpd="sng" algn="ctr">
+                      <a:solidFill>
+                        <a:srgbClr val="000000"/>
+                      </a:solidFill>
+                      <a:prstDash val="solid"/>
+                      <a:round/>
+                      <a:headEnd type="none" w="med" len="med"/>
+                      <a:tailEnd type="none" w="med" len="med"/>
+                    </a:lnR>
+                    <a:lnT w="6350" cap="flat" cmpd="sng" algn="ctr">
+                      <a:solidFill>
+                        <a:srgbClr val="000000"/>
+                      </a:solidFill>
+                      <a:prstDash val="solid"/>
+                      <a:round/>
+                      <a:headEnd type="none" w="med" len="med"/>
+                      <a:tailEnd type="none" w="med" len="med"/>
+                    </a:lnT>
+                    <a:lnB w="6350" cap="flat" cmpd="sng" algn="ctr">
+                      <a:solidFill>
+                        <a:srgbClr val="000000"/>
+                      </a:solidFill>
+                      <a:prstDash val="solid"/>
+                      <a:round/>
+                      <a:headEnd type="none" w="med" len="med"/>
+                      <a:tailEnd type="none" w="med" len="med"/>
+                    </a:lnB>
+                  </a:tcPr>
+                </a:tc>
+                <a:tc>
+                  <a:txBody>
+                    <a:bodyPr/>
+                    <a:lstStyle/>
+                    <a:p>
+                      <a:pPr algn="ctr" fontAlgn="ctr"/>
+                      <a:r>
+                        <a:rPr lang="en-US" sz="900" b="0" i="0" u="none" strike="noStrike">
+                          <a:solidFill>
+                            <a:srgbClr val="000000"/>
+                          </a:solidFill>
+                          <a:effectLst/>
+                          <a:latin typeface="Arial" panose="020B0604020202020204" pitchFamily="34" charset="0"/>
+                        </a:rPr>
+                        <a:t>13</a:t>
+                      </a:r>
+                    </a:p>
+                  </a:txBody>
+                  <a:tcPr marL="6381" marR="6381" marT="6381" marB="0" anchor="ctr">
+                    <a:lnL w="6350" cap="flat" cmpd="sng" algn="ctr">
+                      <a:solidFill>
+                        <a:srgbClr val="000000"/>
+                      </a:solidFill>
+                      <a:prstDash val="solid"/>
+                      <a:round/>
+                      <a:headEnd type="none" w="med" len="med"/>
+                      <a:tailEnd type="none" w="med" len="med"/>
+                    </a:lnL>
+                    <a:lnR w="6350" cap="flat" cmpd="sng" algn="ctr">
+                      <a:solidFill>
+                        <a:srgbClr val="000000"/>
+                      </a:solidFill>
+                      <a:prstDash val="solid"/>
+                      <a:round/>
+                      <a:headEnd type="none" w="med" len="med"/>
+                      <a:tailEnd type="none" w="med" len="med"/>
+                    </a:lnR>
+                    <a:lnT w="6350" cap="flat" cmpd="sng" algn="ctr">
+                      <a:solidFill>
+                        <a:srgbClr val="000000"/>
+                      </a:solidFill>
+                      <a:prstDash val="solid"/>
+                      <a:round/>
+                      <a:headEnd type="none" w="med" len="med"/>
+                      <a:tailEnd type="none" w="med" len="med"/>
+                    </a:lnT>
+                    <a:lnB w="6350" cap="flat" cmpd="sng" algn="ctr">
+                      <a:solidFill>
+                        <a:srgbClr val="000000"/>
+                      </a:solidFill>
+                      <a:prstDash val="solid"/>
+                      <a:round/>
+                      <a:headEnd type="none" w="med" len="med"/>
+                      <a:tailEnd type="none" w="med" len="med"/>
+                    </a:lnB>
+                  </a:tcPr>
+                </a:tc>
+                <a:tc>
+                  <a:txBody>
+                    <a:bodyPr/>
+                    <a:lstStyle/>
+                    <a:p>
+                      <a:pPr algn="ctr" fontAlgn="ctr"/>
+                      <a:r>
+                        <a:rPr lang="en-US" sz="900" b="0" i="0" u="none" strike="noStrike">
+                          <a:solidFill>
+                            <a:srgbClr val="000000"/>
+                          </a:solidFill>
+                          <a:effectLst/>
+                          <a:latin typeface="Arial" panose="020B0604020202020204" pitchFamily="34" charset="0"/>
+                        </a:rPr>
+                        <a:t>59%</a:t>
+                      </a:r>
+                    </a:p>
+                  </a:txBody>
+                  <a:tcPr marL="6381" marR="6381" marT="6381" marB="0" anchor="ctr">
+                    <a:lnL w="6350" cap="flat" cmpd="sng" algn="ctr">
+                      <a:solidFill>
+                        <a:srgbClr val="000000"/>
+                      </a:solidFill>
+                      <a:prstDash val="solid"/>
+                      <a:round/>
+                      <a:headEnd type="none" w="med" len="med"/>
+                      <a:tailEnd type="none" w="med" len="med"/>
+                    </a:lnL>
+                    <a:lnR w="6350" cap="flat" cmpd="sng" algn="ctr">
+                      <a:solidFill>
+                        <a:srgbClr val="000000"/>
+                      </a:solidFill>
+                      <a:prstDash val="solid"/>
+                      <a:round/>
+                      <a:headEnd type="none" w="med" len="med"/>
+                      <a:tailEnd type="none" w="med" len="med"/>
+                    </a:lnR>
+                    <a:lnT w="6350" cap="flat" cmpd="sng" algn="ctr">
+                      <a:solidFill>
+                        <a:srgbClr val="000000"/>
+                      </a:solidFill>
+                      <a:prstDash val="solid"/>
+                      <a:round/>
+                      <a:headEnd type="none" w="med" len="med"/>
+                      <a:tailEnd type="none" w="med" len="med"/>
+                    </a:lnT>
+                    <a:lnB w="6350" cap="flat" cmpd="sng" algn="ctr">
+                      <a:solidFill>
+                        <a:srgbClr val="000000"/>
+                      </a:solidFill>
+                      <a:prstDash val="solid"/>
+                      <a:round/>
+                      <a:headEnd type="none" w="med" len="med"/>
+                      <a:tailEnd type="none" w="med" len="med"/>
+                    </a:lnB>
+                  </a:tcPr>
+                </a:tc>
+                <a:tc>
+                  <a:txBody>
+                    <a:bodyPr/>
+                    <a:lstStyle/>
+                    <a:p>
+                      <a:pPr algn="ctr" fontAlgn="ctr"/>
+                      <a:r>
+                        <a:rPr lang="en-US" sz="900" b="0" i="0" u="none" strike="noStrike">
+                          <a:solidFill>
+                            <a:srgbClr val="000000"/>
+                          </a:solidFill>
+                          <a:effectLst/>
+                          <a:latin typeface="Arial" panose="020B0604020202020204" pitchFamily="34" charset="0"/>
+                        </a:rPr>
+                        <a:t>404/689</a:t>
+                      </a:r>
+                    </a:p>
+                  </a:txBody>
+                  <a:tcPr marL="6381" marR="6381" marT="6381" marB="0" anchor="ctr">
+                    <a:lnL w="6350" cap="flat" cmpd="sng" algn="ctr">
+                      <a:solidFill>
+                        <a:srgbClr val="000000"/>
+                      </a:solidFill>
+                      <a:prstDash val="solid"/>
+                      <a:round/>
+                      <a:headEnd type="none" w="med" len="med"/>
+                      <a:tailEnd type="none" w="med" len="med"/>
+                    </a:lnL>
+                    <a:lnR w="6350" cap="flat" cmpd="sng" algn="ctr">
+                      <a:solidFill>
+                        <a:srgbClr val="000000"/>
+                      </a:solidFill>
+                      <a:prstDash val="solid"/>
+                      <a:round/>
+                      <a:headEnd type="none" w="med" len="med"/>
+                      <a:tailEnd type="none" w="med" len="med"/>
+                    </a:lnR>
+                    <a:lnT w="6350" cap="flat" cmpd="sng" algn="ctr">
+                      <a:solidFill>
+                        <a:srgbClr val="000000"/>
+                      </a:solidFill>
+                      <a:prstDash val="solid"/>
+                      <a:round/>
+                      <a:headEnd type="none" w="med" len="med"/>
+                      <a:tailEnd type="none" w="med" len="med"/>
+                    </a:lnT>
+                    <a:lnB w="6350" cap="flat" cmpd="sng" algn="ctr">
+                      <a:solidFill>
+                        <a:srgbClr val="000000"/>
+                      </a:solidFill>
+                      <a:prstDash val="solid"/>
+                      <a:round/>
+                      <a:headEnd type="none" w="med" len="med"/>
+                      <a:tailEnd type="none" w="med" len="med"/>
+                    </a:lnB>
+                  </a:tcPr>
+                </a:tc>
+                <a:tc>
+                  <a:txBody>
+                    <a:bodyPr/>
+                    <a:lstStyle/>
+                    <a:p>
+                      <a:pPr algn="ctr" fontAlgn="ctr"/>
+                      <a:r>
+                        <a:rPr lang="en-US" sz="900" b="1" i="0" u="none" strike="noStrike" dirty="0">
+                          <a:solidFill>
+                            <a:schemeClr val="accent6">
+                              <a:lumMod val="50000"/>
+                            </a:schemeClr>
+                          </a:solidFill>
+                          <a:effectLst/>
+                          <a:latin typeface="Arial" panose="020B0604020202020204" pitchFamily="34" charset="0"/>
+                        </a:rPr>
+                        <a:t>29%</a:t>
+                      </a:r>
+                    </a:p>
+                  </a:txBody>
+                  <a:tcPr marL="6381" marR="6381" marT="6381" marB="0" anchor="ctr">
+                    <a:lnL w="6350" cap="flat" cmpd="sng" algn="ctr">
+                      <a:solidFill>
+                        <a:srgbClr val="000000"/>
+                      </a:solidFill>
+                      <a:prstDash val="solid"/>
+                      <a:round/>
+                      <a:headEnd type="none" w="med" len="med"/>
+                      <a:tailEnd type="none" w="med" len="med"/>
+                    </a:lnL>
+                    <a:lnR w="6350" cap="flat" cmpd="sng" algn="ctr">
+                      <a:solidFill>
+                        <a:srgbClr val="000000"/>
+                      </a:solidFill>
+                      <a:prstDash val="solid"/>
+                      <a:round/>
+                      <a:headEnd type="none" w="med" len="med"/>
+                      <a:tailEnd type="none" w="med" len="med"/>
+                    </a:lnR>
+                    <a:lnT w="6350" cap="flat" cmpd="sng" algn="ctr">
+                      <a:solidFill>
+                        <a:srgbClr val="000000"/>
+                      </a:solidFill>
+                      <a:prstDash val="solid"/>
+                      <a:round/>
+                      <a:headEnd type="none" w="med" len="med"/>
+                      <a:tailEnd type="none" w="med" len="med"/>
+                    </a:lnT>
+                    <a:lnB w="6350" cap="flat" cmpd="sng" algn="ctr">
+                      <a:solidFill>
+                        <a:srgbClr val="000000"/>
+                      </a:solidFill>
+                      <a:prstDash val="solid"/>
+                      <a:round/>
+                      <a:headEnd type="none" w="med" len="med"/>
+                      <a:tailEnd type="none" w="med" len="med"/>
+                    </a:lnB>
+                    <a:solidFill>
+                      <a:schemeClr val="accent1">
+                        <a:alpha val="15000"/>
+                      </a:schemeClr>
+                    </a:solidFill>
+                  </a:tcPr>
+                </a:tc>
+                <a:tc>
+                  <a:txBody>
+                    <a:bodyPr/>
+                    <a:lstStyle/>
+                    <a:p>
+                      <a:pPr algn="ctr" fontAlgn="ctr"/>
+                      <a:r>
+                        <a:rPr lang="en-US" sz="900" b="0" i="0" u="none" strike="noStrike" dirty="0">
+                          <a:solidFill>
+                            <a:srgbClr val="000000"/>
+                          </a:solidFill>
+                          <a:effectLst/>
+                          <a:latin typeface="Arial" panose="020B0604020202020204" pitchFamily="34" charset="0"/>
+                        </a:rPr>
+                        <a:t> 202/699</a:t>
+                      </a:r>
+                    </a:p>
+                  </a:txBody>
+                  <a:tcPr marL="6381" marR="6381" marT="6381" marB="0" anchor="ctr">
+                    <a:lnL w="6350" cap="flat" cmpd="sng" algn="ctr">
+                      <a:solidFill>
+                        <a:srgbClr val="000000"/>
+                      </a:solidFill>
+                      <a:prstDash val="solid"/>
+                      <a:round/>
+                      <a:headEnd type="none" w="med" len="med"/>
+                      <a:tailEnd type="none" w="med" len="med"/>
+                    </a:lnL>
+                    <a:lnR w="6350" cap="flat" cmpd="sng" algn="ctr">
+                      <a:solidFill>
+                        <a:srgbClr val="000000"/>
+                      </a:solidFill>
+                      <a:prstDash val="solid"/>
+                      <a:round/>
+                      <a:headEnd type="none" w="med" len="med"/>
+                      <a:tailEnd type="none" w="med" len="med"/>
+                    </a:lnR>
+                    <a:lnT w="6350" cap="flat" cmpd="sng" algn="ctr">
+                      <a:solidFill>
+                        <a:srgbClr val="000000"/>
+                      </a:solidFill>
+                      <a:prstDash val="solid"/>
+                      <a:round/>
+                      <a:headEnd type="none" w="med" len="med"/>
+                      <a:tailEnd type="none" w="med" len="med"/>
+                    </a:lnT>
+                    <a:lnB w="6350" cap="flat" cmpd="sng" algn="ctr">
+                      <a:solidFill>
+                        <a:srgbClr val="000000"/>
+                      </a:solidFill>
+                      <a:prstDash val="solid"/>
+                      <a:round/>
+                      <a:headEnd type="none" w="med" len="med"/>
+                      <a:tailEnd type="none" w="med" len="med"/>
+                    </a:lnB>
+                  </a:tcPr>
+                </a:tc>
+                <a:tc>
+                  <a:txBody>
+                    <a:bodyPr/>
+                    <a:lstStyle/>
+                    <a:p>
+                      <a:pPr algn="ctr" fontAlgn="ctr"/>
+                      <a:r>
+                        <a:rPr lang="en-US" sz="900" b="0" i="0" u="none" strike="noStrike">
+                          <a:solidFill>
+                            <a:srgbClr val="000000"/>
+                          </a:solidFill>
+                          <a:effectLst/>
+                          <a:latin typeface="Arial" panose="020B0604020202020204" pitchFamily="34" charset="0"/>
+                        </a:rPr>
+                        <a:t>18:16 min</a:t>
+                      </a:r>
+                    </a:p>
+                  </a:txBody>
+                  <a:tcPr marL="6381" marR="6381" marT="6381" marB="0" anchor="ctr">
+                    <a:lnL w="6350" cap="flat" cmpd="sng" algn="ctr">
+                      <a:solidFill>
+                        <a:srgbClr val="000000"/>
+                      </a:solidFill>
+                      <a:prstDash val="solid"/>
+                      <a:round/>
+                      <a:headEnd type="none" w="med" len="med"/>
+                      <a:tailEnd type="none" w="med" len="med"/>
+                    </a:lnL>
+                    <a:lnR w="6350" cap="flat" cmpd="sng" algn="ctr">
+                      <a:solidFill>
+                        <a:srgbClr val="000000"/>
+                      </a:solidFill>
+                      <a:prstDash val="solid"/>
+                      <a:round/>
+                      <a:headEnd type="none" w="med" len="med"/>
+                      <a:tailEnd type="none" w="med" len="med"/>
+                    </a:lnR>
+                    <a:lnT w="6350" cap="flat" cmpd="sng" algn="ctr">
+                      <a:solidFill>
+                        <a:srgbClr val="000000"/>
+                      </a:solidFill>
+                      <a:prstDash val="solid"/>
+                      <a:round/>
+                      <a:headEnd type="none" w="med" len="med"/>
+                      <a:tailEnd type="none" w="med" len="med"/>
+                    </a:lnT>
+                    <a:lnB w="6350" cap="flat" cmpd="sng" algn="ctr">
+                      <a:solidFill>
+                        <a:srgbClr val="000000"/>
+                      </a:solidFill>
+                      <a:prstDash val="solid"/>
+                      <a:round/>
+                      <a:headEnd type="none" w="med" len="med"/>
+                      <a:tailEnd type="none" w="med" len="med"/>
+                    </a:lnB>
+                  </a:tcPr>
+                </a:tc>
+                <a:tc>
+                  <a:txBody>
+                    <a:bodyPr/>
+                    <a:lstStyle/>
+                    <a:p>
+                      <a:pPr algn="ctr" fontAlgn="ctr"/>
+                      <a:r>
+                        <a:rPr lang="en-US" sz="900" b="0" i="0" u="none" strike="noStrike">
+                          <a:solidFill>
+                            <a:srgbClr val="000000"/>
+                          </a:solidFill>
+                          <a:effectLst/>
+                          <a:latin typeface="Arial" panose="020B0604020202020204" pitchFamily="34" charset="0"/>
+                        </a:rPr>
+                        <a:t>4</a:t>
+                      </a:r>
+                    </a:p>
+                  </a:txBody>
+                  <a:tcPr marL="6381" marR="6381" marT="6381" marB="0" anchor="ctr">
+                    <a:lnL w="6350" cap="flat" cmpd="sng" algn="ctr">
+                      <a:solidFill>
+                        <a:srgbClr val="000000"/>
+                      </a:solidFill>
+                      <a:prstDash val="solid"/>
+                      <a:round/>
+                      <a:headEnd type="none" w="med" len="med"/>
+                      <a:tailEnd type="none" w="med" len="med"/>
+                    </a:lnL>
+                    <a:lnR>
+                      <a:noFill/>
+                    </a:lnR>
+                    <a:lnT w="6350" cap="flat" cmpd="sng" algn="ctr">
+                      <a:solidFill>
+                        <a:srgbClr val="000000"/>
+                      </a:solidFill>
+                      <a:prstDash val="solid"/>
+                      <a:round/>
+                      <a:headEnd type="none" w="med" len="med"/>
+                      <a:tailEnd type="none" w="med" len="med"/>
+                    </a:lnT>
+                    <a:lnB w="6350" cap="flat" cmpd="sng" algn="ctr">
+                      <a:solidFill>
+                        <a:srgbClr val="000000"/>
+                      </a:solidFill>
+                      <a:prstDash val="solid"/>
+                      <a:round/>
+                      <a:headEnd type="none" w="med" len="med"/>
+                      <a:tailEnd type="none" w="med" len="med"/>
+                    </a:lnB>
+                  </a:tcPr>
+                </a:tc>
+                <a:extLst>
+                  <a:ext uri="{0D108BD9-81ED-4DB2-BD59-A6C34878D82A}">
+                    <a16:rowId xmlns:a16="http://schemas.microsoft.com/office/drawing/2014/main" val="101003599"/>
+                  </a:ext>
+                </a:extLst>
+              </a:tr>
+              <a:tr h="832525">
+                <a:tc>
+                  <a:txBody>
+                    <a:bodyPr/>
+                    <a:lstStyle/>
+                    <a:p>
+                      <a:pPr algn="ctr" fontAlgn="ctr"/>
+                      <a:r>
+                        <a:rPr lang="en-US" sz="900" b="0" i="0" u="none" strike="noStrike">
+                          <a:solidFill>
+                            <a:srgbClr val="000000"/>
+                          </a:solidFill>
+                          <a:effectLst/>
+                          <a:latin typeface="Arial" panose="020B0604020202020204" pitchFamily="34" charset="0"/>
+                        </a:rPr>
+                        <a:t>aho-corasick,25eeef5168846d50dc343c1f224a24745f925f5b,https://github.com/robert-bor/aho-corasick </a:t>
+                      </a:r>
+                    </a:p>
+                  </a:txBody>
+                  <a:tcPr marL="6381" marR="6381" marT="6381" marB="0" anchor="ctr">
+                    <a:lnL>
+                      <a:noFill/>
+                    </a:lnL>
+                    <a:lnR w="6350" cap="flat" cmpd="sng" algn="ctr">
+                      <a:solidFill>
+                        <a:srgbClr val="000000"/>
+                      </a:solidFill>
+                      <a:prstDash val="solid"/>
+                      <a:round/>
+                      <a:headEnd type="none" w="med" len="med"/>
+                      <a:tailEnd type="none" w="med" len="med"/>
+                    </a:lnR>
+                    <a:lnT w="6350" cap="flat" cmpd="sng" algn="ctr">
+                      <a:solidFill>
+                        <a:srgbClr val="000000"/>
+                      </a:solidFill>
+                      <a:prstDash val="solid"/>
+                      <a:round/>
+                      <a:headEnd type="none" w="med" len="med"/>
+                      <a:tailEnd type="none" w="med" len="med"/>
+                    </a:lnT>
+                    <a:lnB w="6350" cap="flat" cmpd="sng" algn="ctr">
+                      <a:solidFill>
+                        <a:srgbClr val="000000"/>
+                      </a:solidFill>
+                      <a:prstDash val="solid"/>
+                      <a:round/>
+                      <a:headEnd type="none" w="med" len="med"/>
+                      <a:tailEnd type="none" w="med" len="med"/>
+                    </a:lnB>
+                  </a:tcPr>
+                </a:tc>
+                <a:tc>
+                  <a:txBody>
+                    <a:bodyPr/>
+                    <a:lstStyle/>
+                    <a:p>
+                      <a:pPr algn="ctr" fontAlgn="ctr"/>
+                      <a:r>
+                        <a:rPr lang="en-US" sz="900" b="0" i="0" u="none" strike="noStrike">
+                          <a:solidFill>
+                            <a:srgbClr val="000000"/>
+                          </a:solidFill>
+                          <a:effectLst/>
+                          <a:latin typeface="Arial" panose="020B0604020202020204" pitchFamily="34" charset="0"/>
+                        </a:rPr>
+                        <a:t>12</a:t>
+                      </a:r>
+                    </a:p>
+                  </a:txBody>
+                  <a:tcPr marL="6381" marR="6381" marT="6381" marB="0" anchor="ctr">
+                    <a:lnL w="6350" cap="flat" cmpd="sng" algn="ctr">
+                      <a:solidFill>
+                        <a:srgbClr val="000000"/>
+                      </a:solidFill>
+                      <a:prstDash val="solid"/>
+                      <a:round/>
+                      <a:headEnd type="none" w="med" len="med"/>
+                      <a:tailEnd type="none" w="med" len="med"/>
+                    </a:lnL>
+                    <a:lnR w="6350" cap="flat" cmpd="sng" algn="ctr">
+                      <a:solidFill>
+                        <a:srgbClr val="000000"/>
+                      </a:solidFill>
+                      <a:prstDash val="solid"/>
+                      <a:round/>
+                      <a:headEnd type="none" w="med" len="med"/>
+                      <a:tailEnd type="none" w="med" len="med"/>
+                    </a:lnR>
+                    <a:lnT w="6350" cap="flat" cmpd="sng" algn="ctr">
+                      <a:solidFill>
+                        <a:srgbClr val="000000"/>
+                      </a:solidFill>
+                      <a:prstDash val="solid"/>
+                      <a:round/>
+                      <a:headEnd type="none" w="med" len="med"/>
+                      <a:tailEnd type="none" w="med" len="med"/>
+                    </a:lnT>
+                    <a:lnB w="6350" cap="flat" cmpd="sng" algn="ctr">
+                      <a:solidFill>
+                        <a:srgbClr val="000000"/>
+                      </a:solidFill>
+                      <a:prstDash val="solid"/>
+                      <a:round/>
+                      <a:headEnd type="none" w="med" len="med"/>
+                      <a:tailEnd type="none" w="med" len="med"/>
+                    </a:lnB>
+                  </a:tcPr>
+                </a:tc>
+                <a:tc>
+                  <a:txBody>
+                    <a:bodyPr/>
+                    <a:lstStyle/>
+                    <a:p>
+                      <a:pPr algn="ctr" fontAlgn="ctr"/>
+                      <a:r>
+                        <a:rPr lang="en-US" sz="900" b="0" i="0" u="none" strike="noStrike">
+                          <a:solidFill>
+                            <a:srgbClr val="000000"/>
+                          </a:solidFill>
+                          <a:effectLst/>
+                          <a:latin typeface="Arial" panose="020B0604020202020204" pitchFamily="34" charset="0"/>
+                        </a:rPr>
+                        <a:t>94%</a:t>
+                      </a:r>
+                    </a:p>
+                  </a:txBody>
+                  <a:tcPr marL="6381" marR="6381" marT="6381" marB="0" anchor="ctr">
+                    <a:lnL w="6350" cap="flat" cmpd="sng" algn="ctr">
+                      <a:solidFill>
+                        <a:srgbClr val="000000"/>
+                      </a:solidFill>
+                      <a:prstDash val="solid"/>
+                      <a:round/>
+                      <a:headEnd type="none" w="med" len="med"/>
+                      <a:tailEnd type="none" w="med" len="med"/>
+                    </a:lnL>
+                    <a:lnR w="6350" cap="flat" cmpd="sng" algn="ctr">
+                      <a:solidFill>
+                        <a:srgbClr val="000000"/>
+                      </a:solidFill>
+                      <a:prstDash val="solid"/>
+                      <a:round/>
+                      <a:headEnd type="none" w="med" len="med"/>
+                      <a:tailEnd type="none" w="med" len="med"/>
+                    </a:lnR>
+                    <a:lnT w="6350" cap="flat" cmpd="sng" algn="ctr">
+                      <a:solidFill>
+                        <a:srgbClr val="000000"/>
+                      </a:solidFill>
+                      <a:prstDash val="solid"/>
+                      <a:round/>
+                      <a:headEnd type="none" w="med" len="med"/>
+                      <a:tailEnd type="none" w="med" len="med"/>
+                    </a:lnT>
+                    <a:lnB w="6350" cap="flat" cmpd="sng" algn="ctr">
+                      <a:solidFill>
+                        <a:srgbClr val="000000"/>
+                      </a:solidFill>
+                      <a:prstDash val="solid"/>
+                      <a:round/>
+                      <a:headEnd type="none" w="med" len="med"/>
+                      <a:tailEnd type="none" w="med" len="med"/>
+                    </a:lnB>
+                  </a:tcPr>
+                </a:tc>
+                <a:tc>
+                  <a:txBody>
+                    <a:bodyPr/>
+                    <a:lstStyle/>
+                    <a:p>
+                      <a:pPr algn="ctr" fontAlgn="ctr"/>
+                      <a:r>
+                        <a:rPr lang="en-US" sz="900" b="0" i="0" u="none" strike="noStrike">
+                          <a:solidFill>
+                            <a:srgbClr val="000000"/>
+                          </a:solidFill>
+                          <a:effectLst/>
+                          <a:latin typeface="Arial" panose="020B0604020202020204" pitchFamily="34" charset="0"/>
+                        </a:rPr>
+                        <a:t>322/341</a:t>
+                      </a:r>
+                    </a:p>
+                  </a:txBody>
+                  <a:tcPr marL="6381" marR="6381" marT="6381" marB="0" anchor="ctr">
+                    <a:lnL w="6350" cap="flat" cmpd="sng" algn="ctr">
+                      <a:solidFill>
+                        <a:srgbClr val="000000"/>
+                      </a:solidFill>
+                      <a:prstDash val="solid"/>
+                      <a:round/>
+                      <a:headEnd type="none" w="med" len="med"/>
+                      <a:tailEnd type="none" w="med" len="med"/>
+                    </a:lnL>
+                    <a:lnR w="6350" cap="flat" cmpd="sng" algn="ctr">
+                      <a:solidFill>
+                        <a:srgbClr val="000000"/>
+                      </a:solidFill>
+                      <a:prstDash val="solid"/>
+                      <a:round/>
+                      <a:headEnd type="none" w="med" len="med"/>
+                      <a:tailEnd type="none" w="med" len="med"/>
+                    </a:lnR>
+                    <a:lnT w="6350" cap="flat" cmpd="sng" algn="ctr">
+                      <a:solidFill>
+                        <a:srgbClr val="000000"/>
+                      </a:solidFill>
+                      <a:prstDash val="solid"/>
+                      <a:round/>
+                      <a:headEnd type="none" w="med" len="med"/>
+                      <a:tailEnd type="none" w="med" len="med"/>
+                    </a:lnT>
+                    <a:lnB w="6350" cap="flat" cmpd="sng" algn="ctr">
+                      <a:solidFill>
+                        <a:srgbClr val="000000"/>
+                      </a:solidFill>
+                      <a:prstDash val="solid"/>
+                      <a:round/>
+                      <a:headEnd type="none" w="med" len="med"/>
+                      <a:tailEnd type="none" w="med" len="med"/>
+                    </a:lnB>
+                  </a:tcPr>
+                </a:tc>
+                <a:tc>
+                  <a:txBody>
+                    <a:bodyPr/>
+                    <a:lstStyle/>
+                    <a:p>
+                      <a:pPr algn="ctr" fontAlgn="ctr"/>
+                      <a:r>
+                        <a:rPr lang="en-US" sz="900" b="1" i="0" u="none" strike="noStrike" dirty="0">
+                          <a:solidFill>
+                            <a:schemeClr val="accent6">
+                              <a:lumMod val="50000"/>
+                            </a:schemeClr>
+                          </a:solidFill>
+                          <a:effectLst/>
+                          <a:latin typeface="Arial" panose="020B0604020202020204" pitchFamily="34" charset="0"/>
+                        </a:rPr>
+                        <a:t>70%</a:t>
+                      </a:r>
+                    </a:p>
+                  </a:txBody>
+                  <a:tcPr marL="6381" marR="6381" marT="6381" marB="0" anchor="ctr">
+                    <a:lnL w="6350" cap="flat" cmpd="sng" algn="ctr">
+                      <a:solidFill>
+                        <a:srgbClr val="000000"/>
+                      </a:solidFill>
+                      <a:prstDash val="solid"/>
+                      <a:round/>
+                      <a:headEnd type="none" w="med" len="med"/>
+                      <a:tailEnd type="none" w="med" len="med"/>
+                    </a:lnL>
+                    <a:lnR w="6350" cap="flat" cmpd="sng" algn="ctr">
+                      <a:solidFill>
+                        <a:srgbClr val="000000"/>
+                      </a:solidFill>
+                      <a:prstDash val="solid"/>
+                      <a:round/>
+                      <a:headEnd type="none" w="med" len="med"/>
+                      <a:tailEnd type="none" w="med" len="med"/>
+                    </a:lnR>
+                    <a:lnT w="6350" cap="flat" cmpd="sng" algn="ctr">
+                      <a:solidFill>
+                        <a:srgbClr val="000000"/>
+                      </a:solidFill>
+                      <a:prstDash val="solid"/>
+                      <a:round/>
+                      <a:headEnd type="none" w="med" len="med"/>
+                      <a:tailEnd type="none" w="med" len="med"/>
+                    </a:lnT>
+                    <a:lnB w="6350" cap="flat" cmpd="sng" algn="ctr">
+                      <a:solidFill>
+                        <a:srgbClr val="000000"/>
+                      </a:solidFill>
+                      <a:prstDash val="solid"/>
+                      <a:round/>
+                      <a:headEnd type="none" w="med" len="med"/>
+                      <a:tailEnd type="none" w="med" len="med"/>
+                    </a:lnB>
+                    <a:solidFill>
+                      <a:schemeClr val="accent1">
+                        <a:alpha val="15000"/>
+                      </a:schemeClr>
+                    </a:solidFill>
+                  </a:tcPr>
+                </a:tc>
+                <a:tc>
+                  <a:txBody>
+                    <a:bodyPr/>
+                    <a:lstStyle/>
+                    <a:p>
+                      <a:pPr algn="ctr" fontAlgn="ctr"/>
+                      <a:r>
+                        <a:rPr lang="en-US" sz="900" b="0" i="0" u="none" strike="noStrike">
+                          <a:solidFill>
+                            <a:srgbClr val="000000"/>
+                          </a:solidFill>
+                          <a:effectLst/>
+                          <a:latin typeface="Arial" panose="020B0604020202020204" pitchFamily="34" charset="0"/>
+                        </a:rPr>
+                        <a:t>481/686</a:t>
+                      </a:r>
+                    </a:p>
+                  </a:txBody>
+                  <a:tcPr marL="6381" marR="6381" marT="6381" marB="0" anchor="ctr">
+                    <a:lnL w="6350" cap="flat" cmpd="sng" algn="ctr">
+                      <a:solidFill>
+                        <a:srgbClr val="000000"/>
+                      </a:solidFill>
+                      <a:prstDash val="solid"/>
+                      <a:round/>
+                      <a:headEnd type="none" w="med" len="med"/>
+                      <a:tailEnd type="none" w="med" len="med"/>
+                    </a:lnL>
+                    <a:lnR w="6350" cap="flat" cmpd="sng" algn="ctr">
+                      <a:solidFill>
+                        <a:srgbClr val="000000"/>
+                      </a:solidFill>
+                      <a:prstDash val="solid"/>
+                      <a:round/>
+                      <a:headEnd type="none" w="med" len="med"/>
+                      <a:tailEnd type="none" w="med" len="med"/>
+                    </a:lnR>
+                    <a:lnT w="6350" cap="flat" cmpd="sng" algn="ctr">
+                      <a:solidFill>
+                        <a:srgbClr val="000000"/>
+                      </a:solidFill>
+                      <a:prstDash val="solid"/>
+                      <a:round/>
+                      <a:headEnd type="none" w="med" len="med"/>
+                      <a:tailEnd type="none" w="med" len="med"/>
+                    </a:lnT>
+                    <a:lnB w="6350" cap="flat" cmpd="sng" algn="ctr">
+                      <a:solidFill>
+                        <a:srgbClr val="000000"/>
+                      </a:solidFill>
+                      <a:prstDash val="solid"/>
+                      <a:round/>
+                      <a:headEnd type="none" w="med" len="med"/>
+                      <a:tailEnd type="none" w="med" len="med"/>
+                    </a:lnB>
+                  </a:tcPr>
+                </a:tc>
+                <a:tc>
+                  <a:txBody>
+                    <a:bodyPr/>
+                    <a:lstStyle/>
+                    <a:p>
+                      <a:pPr algn="ctr" fontAlgn="ctr"/>
+                      <a:r>
+                        <a:rPr lang="en-US" sz="900" b="0" i="0" u="none" strike="noStrike">
+                          <a:solidFill>
+                            <a:srgbClr val="000000"/>
+                          </a:solidFill>
+                          <a:effectLst/>
+                          <a:latin typeface="Arial" panose="020B0604020202020204" pitchFamily="34" charset="0"/>
+                        </a:rPr>
+                        <a:t>0:46 min</a:t>
+                      </a:r>
+                    </a:p>
+                  </a:txBody>
+                  <a:tcPr marL="6381" marR="6381" marT="6381" marB="0" anchor="ctr">
+                    <a:lnL w="6350" cap="flat" cmpd="sng" algn="ctr">
+                      <a:solidFill>
+                        <a:srgbClr val="000000"/>
+                      </a:solidFill>
+                      <a:prstDash val="solid"/>
+                      <a:round/>
+                      <a:headEnd type="none" w="med" len="med"/>
+                      <a:tailEnd type="none" w="med" len="med"/>
+                    </a:lnL>
+                    <a:lnR w="6350" cap="flat" cmpd="sng" algn="ctr">
+                      <a:solidFill>
+                        <a:srgbClr val="000000"/>
+                      </a:solidFill>
+                      <a:prstDash val="solid"/>
+                      <a:round/>
+                      <a:headEnd type="none" w="med" len="med"/>
+                      <a:tailEnd type="none" w="med" len="med"/>
+                    </a:lnR>
+                    <a:lnT w="6350" cap="flat" cmpd="sng" algn="ctr">
+                      <a:solidFill>
+                        <a:srgbClr val="000000"/>
+                      </a:solidFill>
+                      <a:prstDash val="solid"/>
+                      <a:round/>
+                      <a:headEnd type="none" w="med" len="med"/>
+                      <a:tailEnd type="none" w="med" len="med"/>
+                    </a:lnT>
+                    <a:lnB w="6350" cap="flat" cmpd="sng" algn="ctr">
+                      <a:solidFill>
+                        <a:srgbClr val="000000"/>
+                      </a:solidFill>
+                      <a:prstDash val="solid"/>
+                      <a:round/>
+                      <a:headEnd type="none" w="med" len="med"/>
+                      <a:tailEnd type="none" w="med" len="med"/>
+                    </a:lnB>
+                  </a:tcPr>
+                </a:tc>
+                <a:tc>
+                  <a:txBody>
+                    <a:bodyPr/>
+                    <a:lstStyle/>
+                    <a:p>
+                      <a:pPr algn="ctr" fontAlgn="ctr"/>
+                      <a:r>
+                        <a:rPr lang="en-US" sz="900" b="0" i="0" u="none" strike="noStrike">
+                          <a:solidFill>
+                            <a:srgbClr val="000000"/>
+                          </a:solidFill>
+                          <a:effectLst/>
+                          <a:latin typeface="Arial" panose="020B0604020202020204" pitchFamily="34" charset="0"/>
+                        </a:rPr>
+                        <a:t>4</a:t>
+                      </a:r>
+                    </a:p>
+                  </a:txBody>
+                  <a:tcPr marL="6381" marR="6381" marT="6381" marB="0" anchor="ctr">
+                    <a:lnL w="6350" cap="flat" cmpd="sng" algn="ctr">
+                      <a:solidFill>
+                        <a:srgbClr val="000000"/>
+                      </a:solidFill>
+                      <a:prstDash val="solid"/>
+                      <a:round/>
+                      <a:headEnd type="none" w="med" len="med"/>
+                      <a:tailEnd type="none" w="med" len="med"/>
+                    </a:lnL>
+                    <a:lnR>
+                      <a:noFill/>
+                    </a:lnR>
+                    <a:lnT w="6350" cap="flat" cmpd="sng" algn="ctr">
+                      <a:solidFill>
+                        <a:srgbClr val="000000"/>
+                      </a:solidFill>
+                      <a:prstDash val="solid"/>
+                      <a:round/>
+                      <a:headEnd type="none" w="med" len="med"/>
+                      <a:tailEnd type="none" w="med" len="med"/>
+                    </a:lnT>
+                    <a:lnB w="6350" cap="flat" cmpd="sng" algn="ctr">
+                      <a:solidFill>
+                        <a:srgbClr val="000000"/>
+                      </a:solidFill>
+                      <a:prstDash val="solid"/>
+                      <a:round/>
+                      <a:headEnd type="none" w="med" len="med"/>
+                      <a:tailEnd type="none" w="med" len="med"/>
+                    </a:lnB>
+                  </a:tcPr>
+                </a:tc>
+                <a:extLst>
+                  <a:ext uri="{0D108BD9-81ED-4DB2-BD59-A6C34878D82A}">
+                    <a16:rowId xmlns:a16="http://schemas.microsoft.com/office/drawing/2014/main" val="1743592619"/>
+                  </a:ext>
+                </a:extLst>
+              </a:tr>
+              <a:tr h="575422">
+                <a:tc>
+                  <a:txBody>
+                    <a:bodyPr/>
+                    <a:lstStyle/>
+                    <a:p>
+                      <a:pPr algn="ctr" fontAlgn="ctr"/>
+                      <a:r>
+                        <a:rPr lang="en-US" sz="900" b="0" i="0" u="none" strike="noStrike">
+                          <a:solidFill>
+                            <a:srgbClr val="000000"/>
+                          </a:solidFill>
+                          <a:effectLst/>
+                          <a:latin typeface="Arial" panose="020B0604020202020204" pitchFamily="34" charset="0"/>
+                        </a:rPr>
+                        <a:t>GoogleAuth,7051a9a23913c9ef3808467b1c647cab7ada82cf,https://github.com/wstrange/GoogleAuth </a:t>
+                      </a:r>
+                    </a:p>
+                  </a:txBody>
+                  <a:tcPr marL="6381" marR="6381" marT="6381" marB="0" anchor="ctr">
+                    <a:lnL>
+                      <a:noFill/>
+                    </a:lnL>
+                    <a:lnR w="6350" cap="flat" cmpd="sng" algn="ctr">
+                      <a:solidFill>
+                        <a:srgbClr val="000000"/>
+                      </a:solidFill>
+                      <a:prstDash val="solid"/>
+                      <a:round/>
+                      <a:headEnd type="none" w="med" len="med"/>
+                      <a:tailEnd type="none" w="med" len="med"/>
+                    </a:lnR>
+                    <a:lnT w="6350" cap="flat" cmpd="sng" algn="ctr">
+                      <a:solidFill>
+                        <a:srgbClr val="000000"/>
+                      </a:solidFill>
+                      <a:prstDash val="solid"/>
+                      <a:round/>
+                      <a:headEnd type="none" w="med" len="med"/>
+                      <a:tailEnd type="none" w="med" len="med"/>
+                    </a:lnT>
+                    <a:lnB w="6350" cap="flat" cmpd="sng" algn="ctr">
+                      <a:solidFill>
+                        <a:srgbClr val="000000"/>
+                      </a:solidFill>
+                      <a:prstDash val="solid"/>
+                      <a:round/>
+                      <a:headEnd type="none" w="med" len="med"/>
+                      <a:tailEnd type="none" w="med" len="med"/>
+                    </a:lnB>
+                  </a:tcPr>
+                </a:tc>
+                <a:tc>
+                  <a:txBody>
+                    <a:bodyPr/>
+                    <a:lstStyle/>
+                    <a:p>
+                      <a:pPr algn="ctr" fontAlgn="ctr"/>
+                      <a:r>
+                        <a:rPr lang="en-US" sz="900" b="0" i="0" u="none" strike="noStrike">
+                          <a:solidFill>
+                            <a:srgbClr val="000000"/>
+                          </a:solidFill>
+                          <a:effectLst/>
+                          <a:latin typeface="Arial" panose="020B0604020202020204" pitchFamily="34" charset="0"/>
+                        </a:rPr>
+                        <a:t>4</a:t>
+                      </a:r>
+                    </a:p>
+                  </a:txBody>
+                  <a:tcPr marL="6381" marR="6381" marT="6381" marB="0" anchor="ctr">
+                    <a:lnL w="6350" cap="flat" cmpd="sng" algn="ctr">
+                      <a:solidFill>
+                        <a:srgbClr val="000000"/>
+                      </a:solidFill>
+                      <a:prstDash val="solid"/>
+                      <a:round/>
+                      <a:headEnd type="none" w="med" len="med"/>
+                      <a:tailEnd type="none" w="med" len="med"/>
+                    </a:lnL>
+                    <a:lnR w="6350" cap="flat" cmpd="sng" algn="ctr">
+                      <a:solidFill>
+                        <a:srgbClr val="000000"/>
+                      </a:solidFill>
+                      <a:prstDash val="solid"/>
+                      <a:round/>
+                      <a:headEnd type="none" w="med" len="med"/>
+                      <a:tailEnd type="none" w="med" len="med"/>
+                    </a:lnR>
+                    <a:lnT w="6350" cap="flat" cmpd="sng" algn="ctr">
+                      <a:solidFill>
+                        <a:srgbClr val="000000"/>
+                      </a:solidFill>
+                      <a:prstDash val="solid"/>
+                      <a:round/>
+                      <a:headEnd type="none" w="med" len="med"/>
+                      <a:tailEnd type="none" w="med" len="med"/>
+                    </a:lnT>
+                    <a:lnB w="6350" cap="flat" cmpd="sng" algn="ctr">
+                      <a:solidFill>
+                        <a:srgbClr val="000000"/>
+                      </a:solidFill>
+                      <a:prstDash val="solid"/>
+                      <a:round/>
+                      <a:headEnd type="none" w="med" len="med"/>
+                      <a:tailEnd type="none" w="med" len="med"/>
+                    </a:lnB>
+                  </a:tcPr>
+                </a:tc>
+                <a:tc>
+                  <a:txBody>
+                    <a:bodyPr/>
+                    <a:lstStyle/>
+                    <a:p>
+                      <a:pPr algn="ctr" fontAlgn="ctr"/>
+                      <a:r>
+                        <a:rPr lang="en-US" sz="900" b="0" i="0" u="none" strike="noStrike">
+                          <a:solidFill>
+                            <a:srgbClr val="000000"/>
+                          </a:solidFill>
+                          <a:effectLst/>
+                          <a:latin typeface="Arial" panose="020B0604020202020204" pitchFamily="34" charset="0"/>
+                        </a:rPr>
+                        <a:t>73%</a:t>
+                      </a:r>
+                    </a:p>
+                  </a:txBody>
+                  <a:tcPr marL="6381" marR="6381" marT="6381" marB="0" anchor="ctr">
+                    <a:lnL w="6350" cap="flat" cmpd="sng" algn="ctr">
+                      <a:solidFill>
+                        <a:srgbClr val="000000"/>
+                      </a:solidFill>
+                      <a:prstDash val="solid"/>
+                      <a:round/>
+                      <a:headEnd type="none" w="med" len="med"/>
+                      <a:tailEnd type="none" w="med" len="med"/>
+                    </a:lnL>
+                    <a:lnR w="6350" cap="flat" cmpd="sng" algn="ctr">
+                      <a:solidFill>
+                        <a:srgbClr val="000000"/>
+                      </a:solidFill>
+                      <a:prstDash val="solid"/>
+                      <a:round/>
+                      <a:headEnd type="none" w="med" len="med"/>
+                      <a:tailEnd type="none" w="med" len="med"/>
+                    </a:lnR>
+                    <a:lnT w="6350" cap="flat" cmpd="sng" algn="ctr">
+                      <a:solidFill>
+                        <a:srgbClr val="000000"/>
+                      </a:solidFill>
+                      <a:prstDash val="solid"/>
+                      <a:round/>
+                      <a:headEnd type="none" w="med" len="med"/>
+                      <a:tailEnd type="none" w="med" len="med"/>
+                    </a:lnT>
+                    <a:lnB w="6350" cap="flat" cmpd="sng" algn="ctr">
+                      <a:solidFill>
+                        <a:srgbClr val="000000"/>
+                      </a:solidFill>
+                      <a:prstDash val="solid"/>
+                      <a:round/>
+                      <a:headEnd type="none" w="med" len="med"/>
+                      <a:tailEnd type="none" w="med" len="med"/>
+                    </a:lnB>
+                  </a:tcPr>
+                </a:tc>
+                <a:tc>
+                  <a:txBody>
+                    <a:bodyPr/>
+                    <a:lstStyle/>
+                    <a:p>
+                      <a:pPr algn="ctr" fontAlgn="ctr"/>
+                      <a:r>
+                        <a:rPr lang="en-US" sz="900" b="0" i="0" u="none" strike="noStrike">
+                          <a:solidFill>
+                            <a:srgbClr val="000000"/>
+                          </a:solidFill>
+                          <a:effectLst/>
+                          <a:latin typeface="Arial" panose="020B0604020202020204" pitchFamily="34" charset="0"/>
+                        </a:rPr>
+                        <a:t>187/256</a:t>
+                      </a:r>
+                    </a:p>
+                  </a:txBody>
+                  <a:tcPr marL="6381" marR="6381" marT="6381" marB="0" anchor="ctr">
+                    <a:lnL w="6350" cap="flat" cmpd="sng" algn="ctr">
+                      <a:solidFill>
+                        <a:srgbClr val="000000"/>
+                      </a:solidFill>
+                      <a:prstDash val="solid"/>
+                      <a:round/>
+                      <a:headEnd type="none" w="med" len="med"/>
+                      <a:tailEnd type="none" w="med" len="med"/>
+                    </a:lnL>
+                    <a:lnR w="6350" cap="flat" cmpd="sng" algn="ctr">
+                      <a:solidFill>
+                        <a:srgbClr val="000000"/>
+                      </a:solidFill>
+                      <a:prstDash val="solid"/>
+                      <a:round/>
+                      <a:headEnd type="none" w="med" len="med"/>
+                      <a:tailEnd type="none" w="med" len="med"/>
+                    </a:lnR>
+                    <a:lnT w="6350" cap="flat" cmpd="sng" algn="ctr">
+                      <a:solidFill>
+                        <a:srgbClr val="000000"/>
+                      </a:solidFill>
+                      <a:prstDash val="solid"/>
+                      <a:round/>
+                      <a:headEnd type="none" w="med" len="med"/>
+                      <a:tailEnd type="none" w="med" len="med"/>
+                    </a:lnT>
+                    <a:lnB w="6350" cap="flat" cmpd="sng" algn="ctr">
+                      <a:solidFill>
+                        <a:srgbClr val="000000"/>
+                      </a:solidFill>
+                      <a:prstDash val="solid"/>
+                      <a:round/>
+                      <a:headEnd type="none" w="med" len="med"/>
+                      <a:tailEnd type="none" w="med" len="med"/>
+                    </a:lnB>
+                  </a:tcPr>
+                </a:tc>
+                <a:tc>
+                  <a:txBody>
+                    <a:bodyPr/>
+                    <a:lstStyle/>
+                    <a:p>
+                      <a:pPr algn="ctr" fontAlgn="ctr"/>
+                      <a:r>
+                        <a:rPr lang="en-US" sz="900" b="1" i="0" u="none" strike="noStrike" dirty="0">
+                          <a:solidFill>
+                            <a:schemeClr val="accent6">
+                              <a:lumMod val="50000"/>
+                            </a:schemeClr>
+                          </a:solidFill>
+                          <a:effectLst/>
+                          <a:latin typeface="Arial" panose="020B0604020202020204" pitchFamily="34" charset="0"/>
+                        </a:rPr>
+                        <a:t>50%</a:t>
+                      </a:r>
+                    </a:p>
+                  </a:txBody>
+                  <a:tcPr marL="6381" marR="6381" marT="6381" marB="0" anchor="ctr">
+                    <a:lnL w="6350" cap="flat" cmpd="sng" algn="ctr">
+                      <a:solidFill>
+                        <a:srgbClr val="000000"/>
+                      </a:solidFill>
+                      <a:prstDash val="solid"/>
+                      <a:round/>
+                      <a:headEnd type="none" w="med" len="med"/>
+                      <a:tailEnd type="none" w="med" len="med"/>
+                    </a:lnL>
+                    <a:lnR w="6350" cap="flat" cmpd="sng" algn="ctr">
+                      <a:solidFill>
+                        <a:srgbClr val="000000"/>
+                      </a:solidFill>
+                      <a:prstDash val="solid"/>
+                      <a:round/>
+                      <a:headEnd type="none" w="med" len="med"/>
+                      <a:tailEnd type="none" w="med" len="med"/>
+                    </a:lnR>
+                    <a:lnT w="6350" cap="flat" cmpd="sng" algn="ctr">
+                      <a:solidFill>
+                        <a:srgbClr val="000000"/>
+                      </a:solidFill>
+                      <a:prstDash val="solid"/>
+                      <a:round/>
+                      <a:headEnd type="none" w="med" len="med"/>
+                      <a:tailEnd type="none" w="med" len="med"/>
+                    </a:lnT>
+                    <a:lnB w="6350" cap="flat" cmpd="sng" algn="ctr">
+                      <a:solidFill>
+                        <a:srgbClr val="000000"/>
+                      </a:solidFill>
+                      <a:prstDash val="solid"/>
+                      <a:round/>
+                      <a:headEnd type="none" w="med" len="med"/>
+                      <a:tailEnd type="none" w="med" len="med"/>
+                    </a:lnB>
+                    <a:solidFill>
+                      <a:schemeClr val="accent1">
+                        <a:alpha val="15000"/>
+                      </a:schemeClr>
+                    </a:solidFill>
+                  </a:tcPr>
+                </a:tc>
+                <a:tc>
+                  <a:txBody>
+                    <a:bodyPr/>
+                    <a:lstStyle/>
+                    <a:p>
+                      <a:pPr algn="ctr" fontAlgn="ctr"/>
+                      <a:r>
+                        <a:rPr lang="en-US" sz="900" b="0" i="0" u="none" strike="noStrike">
+                          <a:solidFill>
+                            <a:srgbClr val="000000"/>
+                          </a:solidFill>
+                          <a:effectLst/>
+                          <a:latin typeface="Arial" panose="020B0604020202020204" pitchFamily="34" charset="0"/>
+                        </a:rPr>
+                        <a:t>286/576</a:t>
+                      </a:r>
+                    </a:p>
+                  </a:txBody>
+                  <a:tcPr marL="6381" marR="6381" marT="6381" marB="0" anchor="ctr">
+                    <a:lnL w="6350" cap="flat" cmpd="sng" algn="ctr">
+                      <a:solidFill>
+                        <a:srgbClr val="000000"/>
+                      </a:solidFill>
+                      <a:prstDash val="solid"/>
+                      <a:round/>
+                      <a:headEnd type="none" w="med" len="med"/>
+                      <a:tailEnd type="none" w="med" len="med"/>
+                    </a:lnL>
+                    <a:lnR w="6350" cap="flat" cmpd="sng" algn="ctr">
+                      <a:solidFill>
+                        <a:srgbClr val="000000"/>
+                      </a:solidFill>
+                      <a:prstDash val="solid"/>
+                      <a:round/>
+                      <a:headEnd type="none" w="med" len="med"/>
+                      <a:tailEnd type="none" w="med" len="med"/>
+                    </a:lnR>
+                    <a:lnT w="6350" cap="flat" cmpd="sng" algn="ctr">
+                      <a:solidFill>
+                        <a:srgbClr val="000000"/>
+                      </a:solidFill>
+                      <a:prstDash val="solid"/>
+                      <a:round/>
+                      <a:headEnd type="none" w="med" len="med"/>
+                      <a:tailEnd type="none" w="med" len="med"/>
+                    </a:lnT>
+                    <a:lnB w="6350" cap="flat" cmpd="sng" algn="ctr">
+                      <a:solidFill>
+                        <a:srgbClr val="000000"/>
+                      </a:solidFill>
+                      <a:prstDash val="solid"/>
+                      <a:round/>
+                      <a:headEnd type="none" w="med" len="med"/>
+                      <a:tailEnd type="none" w="med" len="med"/>
+                    </a:lnB>
+                  </a:tcPr>
+                </a:tc>
+                <a:tc>
+                  <a:txBody>
+                    <a:bodyPr/>
+                    <a:lstStyle/>
+                    <a:p>
+                      <a:pPr algn="ctr" fontAlgn="ctr"/>
+                      <a:r>
+                        <a:rPr lang="en-US" sz="900" b="0" i="0" u="none" strike="noStrike">
+                          <a:solidFill>
+                            <a:srgbClr val="000000"/>
+                          </a:solidFill>
+                          <a:effectLst/>
+                          <a:latin typeface="Arial" panose="020B0604020202020204" pitchFamily="34" charset="0"/>
+                        </a:rPr>
+                        <a:t>02:54 min</a:t>
+                      </a:r>
+                    </a:p>
+                  </a:txBody>
+                  <a:tcPr marL="6381" marR="6381" marT="6381" marB="0" anchor="ctr">
+                    <a:lnL w="6350" cap="flat" cmpd="sng" algn="ctr">
+                      <a:solidFill>
+                        <a:srgbClr val="000000"/>
+                      </a:solidFill>
+                      <a:prstDash val="solid"/>
+                      <a:round/>
+                      <a:headEnd type="none" w="med" len="med"/>
+                      <a:tailEnd type="none" w="med" len="med"/>
+                    </a:lnL>
+                    <a:lnR w="6350" cap="flat" cmpd="sng" algn="ctr">
+                      <a:solidFill>
+                        <a:srgbClr val="000000"/>
+                      </a:solidFill>
+                      <a:prstDash val="solid"/>
+                      <a:round/>
+                      <a:headEnd type="none" w="med" len="med"/>
+                      <a:tailEnd type="none" w="med" len="med"/>
+                    </a:lnR>
+                    <a:lnT w="6350" cap="flat" cmpd="sng" algn="ctr">
+                      <a:solidFill>
+                        <a:srgbClr val="000000"/>
+                      </a:solidFill>
+                      <a:prstDash val="solid"/>
+                      <a:round/>
+                      <a:headEnd type="none" w="med" len="med"/>
+                      <a:tailEnd type="none" w="med" len="med"/>
+                    </a:lnT>
+                    <a:lnB w="6350" cap="flat" cmpd="sng" algn="ctr">
+                      <a:solidFill>
+                        <a:srgbClr val="000000"/>
+                      </a:solidFill>
+                      <a:prstDash val="solid"/>
+                      <a:round/>
+                      <a:headEnd type="none" w="med" len="med"/>
+                      <a:tailEnd type="none" w="med" len="med"/>
+                    </a:lnB>
+                  </a:tcPr>
+                </a:tc>
+                <a:tc>
+                  <a:txBody>
+                    <a:bodyPr/>
+                    <a:lstStyle/>
+                    <a:p>
+                      <a:pPr algn="ctr" fontAlgn="ctr"/>
+                      <a:r>
+                        <a:rPr lang="en-US" sz="900" b="0" i="0" u="none" strike="noStrike">
+                          <a:solidFill>
+                            <a:srgbClr val="000000"/>
+                          </a:solidFill>
+                          <a:effectLst/>
+                          <a:latin typeface="Arial" panose="020B0604020202020204" pitchFamily="34" charset="0"/>
+                        </a:rPr>
+                        <a:t>4</a:t>
+                      </a:r>
+                    </a:p>
+                  </a:txBody>
+                  <a:tcPr marL="6381" marR="6381" marT="6381" marB="0" anchor="ctr">
+                    <a:lnL w="6350" cap="flat" cmpd="sng" algn="ctr">
+                      <a:solidFill>
+                        <a:srgbClr val="000000"/>
+                      </a:solidFill>
+                      <a:prstDash val="solid"/>
+                      <a:round/>
+                      <a:headEnd type="none" w="med" len="med"/>
+                      <a:tailEnd type="none" w="med" len="med"/>
+                    </a:lnL>
+                    <a:lnR>
+                      <a:noFill/>
+                    </a:lnR>
+                    <a:lnT w="6350" cap="flat" cmpd="sng" algn="ctr">
+                      <a:solidFill>
+                        <a:srgbClr val="000000"/>
+                      </a:solidFill>
+                      <a:prstDash val="solid"/>
+                      <a:round/>
+                      <a:headEnd type="none" w="med" len="med"/>
+                      <a:tailEnd type="none" w="med" len="med"/>
+                    </a:lnT>
+                    <a:lnB w="6350" cap="flat" cmpd="sng" algn="ctr">
+                      <a:solidFill>
+                        <a:srgbClr val="000000"/>
+                      </a:solidFill>
+                      <a:prstDash val="solid"/>
+                      <a:round/>
+                      <a:headEnd type="none" w="med" len="med"/>
+                      <a:tailEnd type="none" w="med" len="med"/>
+                    </a:lnB>
+                  </a:tcPr>
+                </a:tc>
+                <a:extLst>
+                  <a:ext uri="{0D108BD9-81ED-4DB2-BD59-A6C34878D82A}">
+                    <a16:rowId xmlns:a16="http://schemas.microsoft.com/office/drawing/2014/main" val="3605826590"/>
+                  </a:ext>
+                </a:extLst>
+              </a:tr>
+              <a:tr h="869253">
+                <a:tc>
+                  <a:txBody>
+                    <a:bodyPr/>
+                    <a:lstStyle/>
+                    <a:p>
+                      <a:pPr algn="ctr" fontAlgn="ctr"/>
+                      <a:r>
+                        <a:rPr lang="en-US" sz="900" b="0" i="0" u="none" strike="noStrike">
+                          <a:solidFill>
+                            <a:srgbClr val="000000"/>
+                          </a:solidFill>
+                          <a:effectLst/>
+                          <a:latin typeface="Arial" panose="020B0604020202020204" pitchFamily="34" charset="0"/>
+                        </a:rPr>
+                        <a:t>RestFixture,bb4c7071c4edfd9f4aac8c6dd3aee1b196ffa0f1,https://github.com/smartrics/RestFixture </a:t>
+                      </a:r>
+                    </a:p>
+                  </a:txBody>
+                  <a:tcPr marL="6381" marR="6381" marT="6381" marB="0" anchor="ctr">
+                    <a:lnL>
+                      <a:noFill/>
+                    </a:lnL>
+                    <a:lnR w="6350" cap="flat" cmpd="sng" algn="ctr">
+                      <a:solidFill>
+                        <a:srgbClr val="000000"/>
+                      </a:solidFill>
+                      <a:prstDash val="solid"/>
+                      <a:round/>
+                      <a:headEnd type="none" w="med" len="med"/>
+                      <a:tailEnd type="none" w="med" len="med"/>
+                    </a:lnR>
+                    <a:lnT w="6350" cap="flat" cmpd="sng" algn="ctr">
+                      <a:solidFill>
+                        <a:srgbClr val="000000"/>
+                      </a:solidFill>
+                      <a:prstDash val="solid"/>
+                      <a:round/>
+                      <a:headEnd type="none" w="med" len="med"/>
+                      <a:tailEnd type="none" w="med" len="med"/>
+                    </a:lnT>
+                    <a:lnB w="6350" cap="flat" cmpd="sng" algn="ctr">
+                      <a:solidFill>
+                        <a:srgbClr val="000000"/>
+                      </a:solidFill>
+                      <a:prstDash val="solid"/>
+                      <a:round/>
+                      <a:headEnd type="none" w="med" len="med"/>
+                      <a:tailEnd type="none" w="med" len="med"/>
+                    </a:lnB>
+                  </a:tcPr>
+                </a:tc>
+                <a:tc>
+                  <a:txBody>
+                    <a:bodyPr/>
+                    <a:lstStyle/>
+                    <a:p>
+                      <a:pPr algn="ctr" fontAlgn="ctr"/>
+                      <a:r>
+                        <a:rPr lang="en-US" sz="900" b="0" i="0" u="none" strike="noStrike">
+                          <a:solidFill>
+                            <a:srgbClr val="000000"/>
+                          </a:solidFill>
+                          <a:effectLst/>
+                          <a:latin typeface="Arial" panose="020B0604020202020204" pitchFamily="34" charset="0"/>
+                        </a:rPr>
+                        <a:t>28</a:t>
+                      </a:r>
+                    </a:p>
+                  </a:txBody>
+                  <a:tcPr marL="6381" marR="6381" marT="6381" marB="0" anchor="ctr">
+                    <a:lnL w="6350" cap="flat" cmpd="sng" algn="ctr">
+                      <a:solidFill>
+                        <a:srgbClr val="000000"/>
+                      </a:solidFill>
+                      <a:prstDash val="solid"/>
+                      <a:round/>
+                      <a:headEnd type="none" w="med" len="med"/>
+                      <a:tailEnd type="none" w="med" len="med"/>
+                    </a:lnL>
+                    <a:lnR w="6350" cap="flat" cmpd="sng" algn="ctr">
+                      <a:solidFill>
+                        <a:srgbClr val="000000"/>
+                      </a:solidFill>
+                      <a:prstDash val="solid"/>
+                      <a:round/>
+                      <a:headEnd type="none" w="med" len="med"/>
+                      <a:tailEnd type="none" w="med" len="med"/>
+                    </a:lnR>
+                    <a:lnT w="6350" cap="flat" cmpd="sng" algn="ctr">
+                      <a:solidFill>
+                        <a:srgbClr val="000000"/>
+                      </a:solidFill>
+                      <a:prstDash val="solid"/>
+                      <a:round/>
+                      <a:headEnd type="none" w="med" len="med"/>
+                      <a:tailEnd type="none" w="med" len="med"/>
+                    </a:lnT>
+                    <a:lnB w="6350" cap="flat" cmpd="sng" algn="ctr">
+                      <a:solidFill>
+                        <a:srgbClr val="000000"/>
+                      </a:solidFill>
+                      <a:prstDash val="solid"/>
+                      <a:round/>
+                      <a:headEnd type="none" w="med" len="med"/>
+                      <a:tailEnd type="none" w="med" len="med"/>
+                    </a:lnB>
+                  </a:tcPr>
+                </a:tc>
+                <a:tc>
+                  <a:txBody>
+                    <a:bodyPr/>
+                    <a:lstStyle/>
+                    <a:p>
+                      <a:pPr algn="ctr" fontAlgn="ctr"/>
+                      <a:r>
+                        <a:rPr lang="en-US" sz="900" b="0" i="0" u="none" strike="noStrike">
+                          <a:solidFill>
+                            <a:srgbClr val="000000"/>
+                          </a:solidFill>
+                          <a:effectLst/>
+                          <a:latin typeface="Arial" panose="020B0604020202020204" pitchFamily="34" charset="0"/>
+                        </a:rPr>
+                        <a:t>78%</a:t>
+                      </a:r>
+                    </a:p>
+                  </a:txBody>
+                  <a:tcPr marL="6381" marR="6381" marT="6381" marB="0" anchor="ctr">
+                    <a:lnL w="6350" cap="flat" cmpd="sng" algn="ctr">
+                      <a:solidFill>
+                        <a:srgbClr val="000000"/>
+                      </a:solidFill>
+                      <a:prstDash val="solid"/>
+                      <a:round/>
+                      <a:headEnd type="none" w="med" len="med"/>
+                      <a:tailEnd type="none" w="med" len="med"/>
+                    </a:lnL>
+                    <a:lnR w="6350" cap="flat" cmpd="sng" algn="ctr">
+                      <a:solidFill>
+                        <a:srgbClr val="000000"/>
+                      </a:solidFill>
+                      <a:prstDash val="solid"/>
+                      <a:round/>
+                      <a:headEnd type="none" w="med" len="med"/>
+                      <a:tailEnd type="none" w="med" len="med"/>
+                    </a:lnR>
+                    <a:lnT w="6350" cap="flat" cmpd="sng" algn="ctr">
+                      <a:solidFill>
+                        <a:srgbClr val="000000"/>
+                      </a:solidFill>
+                      <a:prstDash val="solid"/>
+                      <a:round/>
+                      <a:headEnd type="none" w="med" len="med"/>
+                      <a:tailEnd type="none" w="med" len="med"/>
+                    </a:lnT>
+                    <a:lnB w="6350" cap="flat" cmpd="sng" algn="ctr">
+                      <a:solidFill>
+                        <a:srgbClr val="000000"/>
+                      </a:solidFill>
+                      <a:prstDash val="solid"/>
+                      <a:round/>
+                      <a:headEnd type="none" w="med" len="med"/>
+                      <a:tailEnd type="none" w="med" len="med"/>
+                    </a:lnB>
+                  </a:tcPr>
+                </a:tc>
+                <a:tc>
+                  <a:txBody>
+                    <a:bodyPr/>
+                    <a:lstStyle/>
+                    <a:p>
+                      <a:pPr algn="ctr" fontAlgn="ctr"/>
+                      <a:r>
+                        <a:rPr lang="en-US" sz="900" b="0" i="0" u="none" strike="noStrike">
+                          <a:solidFill>
+                            <a:srgbClr val="000000"/>
+                          </a:solidFill>
+                          <a:effectLst/>
+                          <a:latin typeface="Arial" panose="020B0604020202020204" pitchFamily="34" charset="0"/>
+                        </a:rPr>
+                        <a:t>1290/1655</a:t>
+                      </a:r>
+                    </a:p>
+                  </a:txBody>
+                  <a:tcPr marL="6381" marR="6381" marT="6381" marB="0" anchor="ctr">
+                    <a:lnL w="6350" cap="flat" cmpd="sng" algn="ctr">
+                      <a:solidFill>
+                        <a:srgbClr val="000000"/>
+                      </a:solidFill>
+                      <a:prstDash val="solid"/>
+                      <a:round/>
+                      <a:headEnd type="none" w="med" len="med"/>
+                      <a:tailEnd type="none" w="med" len="med"/>
+                    </a:lnL>
+                    <a:lnR w="6350" cap="flat" cmpd="sng" algn="ctr">
+                      <a:solidFill>
+                        <a:srgbClr val="000000"/>
+                      </a:solidFill>
+                      <a:prstDash val="solid"/>
+                      <a:round/>
+                      <a:headEnd type="none" w="med" len="med"/>
+                      <a:tailEnd type="none" w="med" len="med"/>
+                    </a:lnR>
+                    <a:lnT w="6350" cap="flat" cmpd="sng" algn="ctr">
+                      <a:solidFill>
+                        <a:srgbClr val="000000"/>
+                      </a:solidFill>
+                      <a:prstDash val="solid"/>
+                      <a:round/>
+                      <a:headEnd type="none" w="med" len="med"/>
+                      <a:tailEnd type="none" w="med" len="med"/>
+                    </a:lnT>
+                    <a:lnB w="6350" cap="flat" cmpd="sng" algn="ctr">
+                      <a:solidFill>
+                        <a:srgbClr val="000000"/>
+                      </a:solidFill>
+                      <a:prstDash val="solid"/>
+                      <a:round/>
+                      <a:headEnd type="none" w="med" len="med"/>
+                      <a:tailEnd type="none" w="med" len="med"/>
+                    </a:lnB>
+                  </a:tcPr>
+                </a:tc>
+                <a:tc>
+                  <a:txBody>
+                    <a:bodyPr/>
+                    <a:lstStyle/>
+                    <a:p>
+                      <a:pPr algn="ctr" fontAlgn="ctr"/>
+                      <a:r>
+                        <a:rPr lang="en-US" sz="900" b="1" i="0" u="none" strike="noStrike" dirty="0">
+                          <a:solidFill>
+                            <a:schemeClr val="accent6">
+                              <a:lumMod val="50000"/>
+                            </a:schemeClr>
+                          </a:solidFill>
+                          <a:effectLst/>
+                          <a:latin typeface="Arial" panose="020B0604020202020204" pitchFamily="34" charset="0"/>
+                        </a:rPr>
+                        <a:t>53%</a:t>
+                      </a:r>
+                    </a:p>
+                  </a:txBody>
+                  <a:tcPr marL="6381" marR="6381" marT="6381" marB="0" anchor="ctr">
+                    <a:lnL w="6350" cap="flat" cmpd="sng" algn="ctr">
+                      <a:solidFill>
+                        <a:srgbClr val="000000"/>
+                      </a:solidFill>
+                      <a:prstDash val="solid"/>
+                      <a:round/>
+                      <a:headEnd type="none" w="med" len="med"/>
+                      <a:tailEnd type="none" w="med" len="med"/>
+                    </a:lnL>
+                    <a:lnR w="6350" cap="flat" cmpd="sng" algn="ctr">
+                      <a:solidFill>
+                        <a:srgbClr val="000000"/>
+                      </a:solidFill>
+                      <a:prstDash val="solid"/>
+                      <a:round/>
+                      <a:headEnd type="none" w="med" len="med"/>
+                      <a:tailEnd type="none" w="med" len="med"/>
+                    </a:lnR>
+                    <a:lnT w="6350" cap="flat" cmpd="sng" algn="ctr">
+                      <a:solidFill>
+                        <a:srgbClr val="000000"/>
+                      </a:solidFill>
+                      <a:prstDash val="solid"/>
+                      <a:round/>
+                      <a:headEnd type="none" w="med" len="med"/>
+                      <a:tailEnd type="none" w="med" len="med"/>
+                    </a:lnT>
+                    <a:lnB w="6350" cap="flat" cmpd="sng" algn="ctr">
+                      <a:solidFill>
+                        <a:srgbClr val="000000"/>
+                      </a:solidFill>
+                      <a:prstDash val="solid"/>
+                      <a:round/>
+                      <a:headEnd type="none" w="med" len="med"/>
+                      <a:tailEnd type="none" w="med" len="med"/>
+                    </a:lnB>
+                    <a:solidFill>
+                      <a:schemeClr val="accent1">
+                        <a:alpha val="15000"/>
+                      </a:schemeClr>
+                    </a:solidFill>
+                  </a:tcPr>
+                </a:tc>
+                <a:tc>
+                  <a:txBody>
+                    <a:bodyPr/>
+                    <a:lstStyle/>
+                    <a:p>
+                      <a:pPr algn="ctr" fontAlgn="ctr"/>
+                      <a:r>
+                        <a:rPr lang="en-US" sz="900" b="0" i="0" u="none" strike="noStrike" dirty="0">
+                          <a:solidFill>
+                            <a:srgbClr val="000000"/>
+                          </a:solidFill>
+                          <a:effectLst/>
+                          <a:latin typeface="Arial" panose="020B0604020202020204" pitchFamily="34" charset="0"/>
+                        </a:rPr>
+                        <a:t>806/1513</a:t>
+                      </a:r>
+                    </a:p>
+                  </a:txBody>
+                  <a:tcPr marL="6381" marR="6381" marT="6381" marB="0" anchor="ctr">
+                    <a:lnL w="6350" cap="flat" cmpd="sng" algn="ctr">
+                      <a:solidFill>
+                        <a:srgbClr val="000000"/>
+                      </a:solidFill>
+                      <a:prstDash val="solid"/>
+                      <a:round/>
+                      <a:headEnd type="none" w="med" len="med"/>
+                      <a:tailEnd type="none" w="med" len="med"/>
+                    </a:lnL>
+                    <a:lnR w="6350" cap="flat" cmpd="sng" algn="ctr">
+                      <a:solidFill>
+                        <a:srgbClr val="000000"/>
+                      </a:solidFill>
+                      <a:prstDash val="solid"/>
+                      <a:round/>
+                      <a:headEnd type="none" w="med" len="med"/>
+                      <a:tailEnd type="none" w="med" len="med"/>
+                    </a:lnR>
+                    <a:lnT w="6350" cap="flat" cmpd="sng" algn="ctr">
+                      <a:solidFill>
+                        <a:srgbClr val="000000"/>
+                      </a:solidFill>
+                      <a:prstDash val="solid"/>
+                      <a:round/>
+                      <a:headEnd type="none" w="med" len="med"/>
+                      <a:tailEnd type="none" w="med" len="med"/>
+                    </a:lnT>
+                    <a:lnB w="6350" cap="flat" cmpd="sng" algn="ctr">
+                      <a:solidFill>
+                        <a:srgbClr val="000000"/>
+                      </a:solidFill>
+                      <a:prstDash val="solid"/>
+                      <a:round/>
+                      <a:headEnd type="none" w="med" len="med"/>
+                      <a:tailEnd type="none" w="med" len="med"/>
+                    </a:lnB>
+                  </a:tcPr>
+                </a:tc>
+                <a:tc>
+                  <a:txBody>
+                    <a:bodyPr/>
+                    <a:lstStyle/>
+                    <a:p>
+                      <a:pPr algn="ctr" fontAlgn="ctr"/>
+                      <a:r>
+                        <a:rPr lang="en-US" sz="900" b="0" i="0" u="none" strike="noStrike">
+                          <a:solidFill>
+                            <a:srgbClr val="000000"/>
+                          </a:solidFill>
+                          <a:effectLst/>
+                          <a:latin typeface="Arial" panose="020B0604020202020204" pitchFamily="34" charset="0"/>
+                        </a:rPr>
+                        <a:t>02:08 min</a:t>
+                      </a:r>
+                    </a:p>
+                  </a:txBody>
+                  <a:tcPr marL="6381" marR="6381" marT="6381" marB="0" anchor="ctr">
+                    <a:lnL w="6350" cap="flat" cmpd="sng" algn="ctr">
+                      <a:solidFill>
+                        <a:srgbClr val="000000"/>
+                      </a:solidFill>
+                      <a:prstDash val="solid"/>
+                      <a:round/>
+                      <a:headEnd type="none" w="med" len="med"/>
+                      <a:tailEnd type="none" w="med" len="med"/>
+                    </a:lnL>
+                    <a:lnR w="6350" cap="flat" cmpd="sng" algn="ctr">
+                      <a:solidFill>
+                        <a:srgbClr val="000000"/>
+                      </a:solidFill>
+                      <a:prstDash val="solid"/>
+                      <a:round/>
+                      <a:headEnd type="none" w="med" len="med"/>
+                      <a:tailEnd type="none" w="med" len="med"/>
+                    </a:lnR>
+                    <a:lnT w="6350" cap="flat" cmpd="sng" algn="ctr">
+                      <a:solidFill>
+                        <a:srgbClr val="000000"/>
+                      </a:solidFill>
+                      <a:prstDash val="solid"/>
+                      <a:round/>
+                      <a:headEnd type="none" w="med" len="med"/>
+                      <a:tailEnd type="none" w="med" len="med"/>
+                    </a:lnT>
+                    <a:lnB w="6350" cap="flat" cmpd="sng" algn="ctr">
+                      <a:solidFill>
+                        <a:srgbClr val="000000"/>
+                      </a:solidFill>
+                      <a:prstDash val="solid"/>
+                      <a:round/>
+                      <a:headEnd type="none" w="med" len="med"/>
+                      <a:tailEnd type="none" w="med" len="med"/>
+                    </a:lnB>
+                  </a:tcPr>
+                </a:tc>
+                <a:tc>
+                  <a:txBody>
+                    <a:bodyPr/>
+                    <a:lstStyle/>
+                    <a:p>
+                      <a:pPr algn="ctr" fontAlgn="ctr"/>
+                      <a:r>
+                        <a:rPr lang="en-US" sz="900" b="0" i="0" u="none" strike="noStrike">
+                          <a:solidFill>
+                            <a:srgbClr val="000000"/>
+                          </a:solidFill>
+                          <a:effectLst/>
+                          <a:latin typeface="Arial" panose="020B0604020202020204" pitchFamily="34" charset="0"/>
+                        </a:rPr>
+                        <a:t>4</a:t>
+                      </a:r>
+                    </a:p>
+                  </a:txBody>
+                  <a:tcPr marL="6381" marR="6381" marT="6381" marB="0" anchor="ctr">
+                    <a:lnL w="6350" cap="flat" cmpd="sng" algn="ctr">
+                      <a:solidFill>
+                        <a:srgbClr val="000000"/>
+                      </a:solidFill>
+                      <a:prstDash val="solid"/>
+                      <a:round/>
+                      <a:headEnd type="none" w="med" len="med"/>
+                      <a:tailEnd type="none" w="med" len="med"/>
+                    </a:lnL>
+                    <a:lnR>
+                      <a:noFill/>
+                    </a:lnR>
+                    <a:lnT w="6350" cap="flat" cmpd="sng" algn="ctr">
+                      <a:solidFill>
+                        <a:srgbClr val="000000"/>
+                      </a:solidFill>
+                      <a:prstDash val="solid"/>
+                      <a:round/>
+                      <a:headEnd type="none" w="med" len="med"/>
+                      <a:tailEnd type="none" w="med" len="med"/>
+                    </a:lnT>
+                    <a:lnB w="6350" cap="flat" cmpd="sng" algn="ctr">
+                      <a:solidFill>
+                        <a:srgbClr val="000000"/>
+                      </a:solidFill>
+                      <a:prstDash val="solid"/>
+                      <a:round/>
+                      <a:headEnd type="none" w="med" len="med"/>
+                      <a:tailEnd type="none" w="med" len="med"/>
+                    </a:lnB>
+                  </a:tcPr>
+                </a:tc>
+                <a:extLst>
+                  <a:ext uri="{0D108BD9-81ED-4DB2-BD59-A6C34878D82A}">
+                    <a16:rowId xmlns:a16="http://schemas.microsoft.com/office/drawing/2014/main" val="1365224894"/>
+                  </a:ext>
+                </a:extLst>
+              </a:tr>
+              <a:tr h="550936">
+                <a:tc>
+                  <a:txBody>
+                    <a:bodyPr/>
+                    <a:lstStyle/>
+                    <a:p>
+                      <a:pPr algn="ctr" fontAlgn="ctr"/>
+                      <a:r>
+                        <a:rPr lang="en-US" sz="900" b="0" i="0" u="none" strike="noStrike">
+                          <a:solidFill>
+                            <a:srgbClr val="000000"/>
+                          </a:solidFill>
+                          <a:effectLst/>
+                          <a:latin typeface="Arial" panose="020B0604020202020204" pitchFamily="34" charset="0"/>
+                        </a:rPr>
+                        <a:t>pollexor,0255b9bbd0163dc2e3c86b3bfc9127ecf3a01cfc,https://github.com/square/pollexor </a:t>
+                      </a:r>
+                    </a:p>
+                  </a:txBody>
+                  <a:tcPr marL="6381" marR="6381" marT="6381" marB="0" anchor="ctr">
+                    <a:lnL>
+                      <a:noFill/>
+                    </a:lnL>
+                    <a:lnR w="6350" cap="flat" cmpd="sng" algn="ctr">
+                      <a:solidFill>
+                        <a:srgbClr val="000000"/>
+                      </a:solidFill>
+                      <a:prstDash val="solid"/>
+                      <a:round/>
+                      <a:headEnd type="none" w="med" len="med"/>
+                      <a:tailEnd type="none" w="med" len="med"/>
+                    </a:lnR>
+                    <a:lnT w="6350" cap="flat" cmpd="sng" algn="ctr">
+                      <a:solidFill>
+                        <a:srgbClr val="000000"/>
+                      </a:solidFill>
+                      <a:prstDash val="solid"/>
+                      <a:round/>
+                      <a:headEnd type="none" w="med" len="med"/>
+                      <a:tailEnd type="none" w="med" len="med"/>
+                    </a:lnT>
+                    <a:lnB w="6350" cap="flat" cmpd="sng" algn="ctr">
+                      <a:solidFill>
+                        <a:srgbClr val="000000"/>
+                      </a:solidFill>
+                      <a:prstDash val="solid"/>
+                      <a:round/>
+                      <a:headEnd type="none" w="med" len="med"/>
+                      <a:tailEnd type="none" w="med" len="med"/>
+                    </a:lnB>
+                  </a:tcPr>
+                </a:tc>
+                <a:tc>
+                  <a:txBody>
+                    <a:bodyPr/>
+                    <a:lstStyle/>
+                    <a:p>
+                      <a:pPr algn="ctr" fontAlgn="ctr"/>
+                      <a:r>
+                        <a:rPr lang="en-US" sz="900" b="0" i="0" u="none" strike="noStrike">
+                          <a:solidFill>
+                            <a:srgbClr val="000000"/>
+                          </a:solidFill>
+                          <a:effectLst/>
+                          <a:latin typeface="Arial" panose="020B0604020202020204" pitchFamily="34" charset="0"/>
+                        </a:rPr>
+                        <a:t>3</a:t>
+                      </a:r>
+                    </a:p>
+                  </a:txBody>
+                  <a:tcPr marL="6381" marR="6381" marT="6381" marB="0" anchor="ctr">
+                    <a:lnL w="6350" cap="flat" cmpd="sng" algn="ctr">
+                      <a:solidFill>
+                        <a:srgbClr val="000000"/>
+                      </a:solidFill>
+                      <a:prstDash val="solid"/>
+                      <a:round/>
+                      <a:headEnd type="none" w="med" len="med"/>
+                      <a:tailEnd type="none" w="med" len="med"/>
+                    </a:lnL>
+                    <a:lnR w="6350" cap="flat" cmpd="sng" algn="ctr">
+                      <a:solidFill>
+                        <a:srgbClr val="000000"/>
+                      </a:solidFill>
+                      <a:prstDash val="solid"/>
+                      <a:round/>
+                      <a:headEnd type="none" w="med" len="med"/>
+                      <a:tailEnd type="none" w="med" len="med"/>
+                    </a:lnR>
+                    <a:lnT w="6350" cap="flat" cmpd="sng" algn="ctr">
+                      <a:solidFill>
+                        <a:srgbClr val="000000"/>
+                      </a:solidFill>
+                      <a:prstDash val="solid"/>
+                      <a:round/>
+                      <a:headEnd type="none" w="med" len="med"/>
+                      <a:tailEnd type="none" w="med" len="med"/>
+                    </a:lnT>
+                    <a:lnB w="6350" cap="flat" cmpd="sng" algn="ctr">
+                      <a:solidFill>
+                        <a:srgbClr val="000000"/>
+                      </a:solidFill>
+                      <a:prstDash val="solid"/>
+                      <a:round/>
+                      <a:headEnd type="none" w="med" len="med"/>
+                      <a:tailEnd type="none" w="med" len="med"/>
+                    </a:lnB>
+                  </a:tcPr>
+                </a:tc>
+                <a:tc>
+                  <a:txBody>
+                    <a:bodyPr/>
+                    <a:lstStyle/>
+                    <a:p>
+                      <a:pPr algn="ctr" fontAlgn="ctr"/>
+                      <a:r>
+                        <a:rPr lang="en-US" sz="900" b="0" i="0" u="none" strike="noStrike">
+                          <a:solidFill>
+                            <a:srgbClr val="000000"/>
+                          </a:solidFill>
+                          <a:effectLst/>
+                          <a:latin typeface="Arial" panose="020B0604020202020204" pitchFamily="34" charset="0"/>
+                        </a:rPr>
+                        <a:t>90%</a:t>
+                      </a:r>
+                    </a:p>
+                  </a:txBody>
+                  <a:tcPr marL="6381" marR="6381" marT="6381" marB="0" anchor="ctr">
+                    <a:lnL w="6350" cap="flat" cmpd="sng" algn="ctr">
+                      <a:solidFill>
+                        <a:srgbClr val="000000"/>
+                      </a:solidFill>
+                      <a:prstDash val="solid"/>
+                      <a:round/>
+                      <a:headEnd type="none" w="med" len="med"/>
+                      <a:tailEnd type="none" w="med" len="med"/>
+                    </a:lnL>
+                    <a:lnR w="6350" cap="flat" cmpd="sng" algn="ctr">
+                      <a:solidFill>
+                        <a:srgbClr val="000000"/>
+                      </a:solidFill>
+                      <a:prstDash val="solid"/>
+                      <a:round/>
+                      <a:headEnd type="none" w="med" len="med"/>
+                      <a:tailEnd type="none" w="med" len="med"/>
+                    </a:lnR>
+                    <a:lnT w="6350" cap="flat" cmpd="sng" algn="ctr">
+                      <a:solidFill>
+                        <a:srgbClr val="000000"/>
+                      </a:solidFill>
+                      <a:prstDash val="solid"/>
+                      <a:round/>
+                      <a:headEnd type="none" w="med" len="med"/>
+                      <a:tailEnd type="none" w="med" len="med"/>
+                    </a:lnT>
+                    <a:lnB w="6350" cap="flat" cmpd="sng" algn="ctr">
+                      <a:solidFill>
+                        <a:srgbClr val="000000"/>
+                      </a:solidFill>
+                      <a:prstDash val="solid"/>
+                      <a:round/>
+                      <a:headEnd type="none" w="med" len="med"/>
+                      <a:tailEnd type="none" w="med" len="med"/>
+                    </a:lnB>
+                  </a:tcPr>
+                </a:tc>
+                <a:tc>
+                  <a:txBody>
+                    <a:bodyPr/>
+                    <a:lstStyle/>
+                    <a:p>
+                      <a:pPr algn="ctr" fontAlgn="ctr"/>
+                      <a:r>
+                        <a:rPr lang="en-US" sz="900" b="0" i="0" u="none" strike="noStrike">
+                          <a:solidFill>
+                            <a:srgbClr val="000000"/>
+                          </a:solidFill>
+                          <a:effectLst/>
+                          <a:latin typeface="Arial" panose="020B0604020202020204" pitchFamily="34" charset="0"/>
+                        </a:rPr>
+                        <a:t>262/292</a:t>
+                      </a:r>
+                    </a:p>
+                  </a:txBody>
+                  <a:tcPr marL="6381" marR="6381" marT="6381" marB="0" anchor="ctr">
+                    <a:lnL w="6350" cap="flat" cmpd="sng" algn="ctr">
+                      <a:solidFill>
+                        <a:srgbClr val="000000"/>
+                      </a:solidFill>
+                      <a:prstDash val="solid"/>
+                      <a:round/>
+                      <a:headEnd type="none" w="med" len="med"/>
+                      <a:tailEnd type="none" w="med" len="med"/>
+                    </a:lnL>
+                    <a:lnR w="6350" cap="flat" cmpd="sng" algn="ctr">
+                      <a:solidFill>
+                        <a:srgbClr val="000000"/>
+                      </a:solidFill>
+                      <a:prstDash val="solid"/>
+                      <a:round/>
+                      <a:headEnd type="none" w="med" len="med"/>
+                      <a:tailEnd type="none" w="med" len="med"/>
+                    </a:lnR>
+                    <a:lnT w="6350" cap="flat" cmpd="sng" algn="ctr">
+                      <a:solidFill>
+                        <a:srgbClr val="000000"/>
+                      </a:solidFill>
+                      <a:prstDash val="solid"/>
+                      <a:round/>
+                      <a:headEnd type="none" w="med" len="med"/>
+                      <a:tailEnd type="none" w="med" len="med"/>
+                    </a:lnT>
+                    <a:lnB w="6350" cap="flat" cmpd="sng" algn="ctr">
+                      <a:solidFill>
+                        <a:srgbClr val="000000"/>
+                      </a:solidFill>
+                      <a:prstDash val="solid"/>
+                      <a:round/>
+                      <a:headEnd type="none" w="med" len="med"/>
+                      <a:tailEnd type="none" w="med" len="med"/>
+                    </a:lnB>
+                  </a:tcPr>
+                </a:tc>
+                <a:tc>
+                  <a:txBody>
+                    <a:bodyPr/>
+                    <a:lstStyle/>
+                    <a:p>
+                      <a:pPr algn="ctr" fontAlgn="ctr"/>
+                      <a:r>
+                        <a:rPr lang="en-US" sz="900" b="1" i="0" u="none" strike="noStrike" dirty="0">
+                          <a:solidFill>
+                            <a:schemeClr val="accent6">
+                              <a:lumMod val="50000"/>
+                            </a:schemeClr>
+                          </a:solidFill>
+                          <a:effectLst/>
+                          <a:latin typeface="Arial" panose="020B0604020202020204" pitchFamily="34" charset="0"/>
+                        </a:rPr>
+                        <a:t>80%</a:t>
+                      </a:r>
+                    </a:p>
+                  </a:txBody>
+                  <a:tcPr marL="6381" marR="6381" marT="6381" marB="0" anchor="ctr">
+                    <a:lnL w="6350" cap="flat" cmpd="sng" algn="ctr">
+                      <a:solidFill>
+                        <a:srgbClr val="000000"/>
+                      </a:solidFill>
+                      <a:prstDash val="solid"/>
+                      <a:round/>
+                      <a:headEnd type="none" w="med" len="med"/>
+                      <a:tailEnd type="none" w="med" len="med"/>
+                    </a:lnL>
+                    <a:lnR w="6350" cap="flat" cmpd="sng" algn="ctr">
+                      <a:solidFill>
+                        <a:srgbClr val="000000"/>
+                      </a:solidFill>
+                      <a:prstDash val="solid"/>
+                      <a:round/>
+                      <a:headEnd type="none" w="med" len="med"/>
+                      <a:tailEnd type="none" w="med" len="med"/>
+                    </a:lnR>
+                    <a:lnT w="6350" cap="flat" cmpd="sng" algn="ctr">
+                      <a:solidFill>
+                        <a:srgbClr val="000000"/>
+                      </a:solidFill>
+                      <a:prstDash val="solid"/>
+                      <a:round/>
+                      <a:headEnd type="none" w="med" len="med"/>
+                      <a:tailEnd type="none" w="med" len="med"/>
+                    </a:lnT>
+                    <a:lnB w="6350" cap="flat" cmpd="sng" algn="ctr">
+                      <a:solidFill>
+                        <a:srgbClr val="000000"/>
+                      </a:solidFill>
+                      <a:prstDash val="solid"/>
+                      <a:round/>
+                      <a:headEnd type="none" w="med" len="med"/>
+                      <a:tailEnd type="none" w="med" len="med"/>
+                    </a:lnB>
+                    <a:solidFill>
+                      <a:schemeClr val="accent1">
+                        <a:alpha val="15000"/>
+                      </a:schemeClr>
+                    </a:solidFill>
+                  </a:tcPr>
+                </a:tc>
+                <a:tc>
+                  <a:txBody>
+                    <a:bodyPr/>
+                    <a:lstStyle/>
+                    <a:p>
+                      <a:pPr algn="ctr" fontAlgn="ctr"/>
+                      <a:r>
+                        <a:rPr lang="en-US" sz="900" b="0" i="0" u="none" strike="noStrike">
+                          <a:solidFill>
+                            <a:srgbClr val="000000"/>
+                          </a:solidFill>
+                          <a:effectLst/>
+                          <a:latin typeface="Arial" panose="020B0604020202020204" pitchFamily="34" charset="0"/>
+                        </a:rPr>
+                        <a:t>756/945</a:t>
+                      </a:r>
+                    </a:p>
+                  </a:txBody>
+                  <a:tcPr marL="6381" marR="6381" marT="6381" marB="0" anchor="ctr">
+                    <a:lnL w="6350" cap="flat" cmpd="sng" algn="ctr">
+                      <a:solidFill>
+                        <a:srgbClr val="000000"/>
+                      </a:solidFill>
+                      <a:prstDash val="solid"/>
+                      <a:round/>
+                      <a:headEnd type="none" w="med" len="med"/>
+                      <a:tailEnd type="none" w="med" len="med"/>
+                    </a:lnL>
+                    <a:lnR w="6350" cap="flat" cmpd="sng" algn="ctr">
+                      <a:solidFill>
+                        <a:srgbClr val="000000"/>
+                      </a:solidFill>
+                      <a:prstDash val="solid"/>
+                      <a:round/>
+                      <a:headEnd type="none" w="med" len="med"/>
+                      <a:tailEnd type="none" w="med" len="med"/>
+                    </a:lnR>
+                    <a:lnT w="6350" cap="flat" cmpd="sng" algn="ctr">
+                      <a:solidFill>
+                        <a:srgbClr val="000000"/>
+                      </a:solidFill>
+                      <a:prstDash val="solid"/>
+                      <a:round/>
+                      <a:headEnd type="none" w="med" len="med"/>
+                      <a:tailEnd type="none" w="med" len="med"/>
+                    </a:lnT>
+                    <a:lnB w="6350" cap="flat" cmpd="sng" algn="ctr">
+                      <a:solidFill>
+                        <a:srgbClr val="000000"/>
+                      </a:solidFill>
+                      <a:prstDash val="solid"/>
+                      <a:round/>
+                      <a:headEnd type="none" w="med" len="med"/>
+                      <a:tailEnd type="none" w="med" len="med"/>
+                    </a:lnB>
+                  </a:tcPr>
+                </a:tc>
+                <a:tc>
+                  <a:txBody>
+                    <a:bodyPr/>
+                    <a:lstStyle/>
+                    <a:p>
+                      <a:pPr algn="ctr" fontAlgn="ctr"/>
+                      <a:r>
+                        <a:rPr lang="en-US" sz="900" b="0" i="0" u="none" strike="noStrike">
+                          <a:solidFill>
+                            <a:srgbClr val="000000"/>
+                          </a:solidFill>
+                          <a:effectLst/>
+                          <a:latin typeface="Arial" panose="020B0604020202020204" pitchFamily="34" charset="0"/>
+                        </a:rPr>
+                        <a:t>0:38 min</a:t>
+                      </a:r>
+                    </a:p>
+                  </a:txBody>
+                  <a:tcPr marL="6381" marR="6381" marT="6381" marB="0" anchor="ctr">
+                    <a:lnL w="6350" cap="flat" cmpd="sng" algn="ctr">
+                      <a:solidFill>
+                        <a:srgbClr val="000000"/>
+                      </a:solidFill>
+                      <a:prstDash val="solid"/>
+                      <a:round/>
+                      <a:headEnd type="none" w="med" len="med"/>
+                      <a:tailEnd type="none" w="med" len="med"/>
+                    </a:lnL>
+                    <a:lnR w="6350" cap="flat" cmpd="sng" algn="ctr">
+                      <a:solidFill>
+                        <a:srgbClr val="000000"/>
+                      </a:solidFill>
+                      <a:prstDash val="solid"/>
+                      <a:round/>
+                      <a:headEnd type="none" w="med" len="med"/>
+                      <a:tailEnd type="none" w="med" len="med"/>
+                    </a:lnR>
+                    <a:lnT w="6350" cap="flat" cmpd="sng" algn="ctr">
+                      <a:solidFill>
+                        <a:srgbClr val="000000"/>
+                      </a:solidFill>
+                      <a:prstDash val="solid"/>
+                      <a:round/>
+                      <a:headEnd type="none" w="med" len="med"/>
+                      <a:tailEnd type="none" w="med" len="med"/>
+                    </a:lnT>
+                    <a:lnB w="6350" cap="flat" cmpd="sng" algn="ctr">
+                      <a:solidFill>
+                        <a:srgbClr val="000000"/>
+                      </a:solidFill>
+                      <a:prstDash val="solid"/>
+                      <a:round/>
+                      <a:headEnd type="none" w="med" len="med"/>
+                      <a:tailEnd type="none" w="med" len="med"/>
+                    </a:lnB>
+                  </a:tcPr>
+                </a:tc>
+                <a:tc>
+                  <a:txBody>
+                    <a:bodyPr/>
+                    <a:lstStyle/>
+                    <a:p>
+                      <a:pPr algn="ctr" fontAlgn="ctr"/>
+                      <a:r>
+                        <a:rPr lang="en-US" sz="900" b="0" i="0" u="none" strike="noStrike">
+                          <a:solidFill>
+                            <a:srgbClr val="000000"/>
+                          </a:solidFill>
+                          <a:effectLst/>
+                          <a:latin typeface="Arial" panose="020B0604020202020204" pitchFamily="34" charset="0"/>
+                        </a:rPr>
+                        <a:t>4</a:t>
+                      </a:r>
+                    </a:p>
+                  </a:txBody>
+                  <a:tcPr marL="6381" marR="6381" marT="6381" marB="0" anchor="ctr">
+                    <a:lnL w="6350" cap="flat" cmpd="sng" algn="ctr">
+                      <a:solidFill>
+                        <a:srgbClr val="000000"/>
+                      </a:solidFill>
+                      <a:prstDash val="solid"/>
+                      <a:round/>
+                      <a:headEnd type="none" w="med" len="med"/>
+                      <a:tailEnd type="none" w="med" len="med"/>
+                    </a:lnL>
+                    <a:lnR>
+                      <a:noFill/>
+                    </a:lnR>
+                    <a:lnT w="6350" cap="flat" cmpd="sng" algn="ctr">
+                      <a:solidFill>
+                        <a:srgbClr val="000000"/>
+                      </a:solidFill>
+                      <a:prstDash val="solid"/>
+                      <a:round/>
+                      <a:headEnd type="none" w="med" len="med"/>
+                      <a:tailEnd type="none" w="med" len="med"/>
+                    </a:lnT>
+                    <a:lnB w="6350" cap="flat" cmpd="sng" algn="ctr">
+                      <a:solidFill>
+                        <a:srgbClr val="000000"/>
+                      </a:solidFill>
+                      <a:prstDash val="solid"/>
+                      <a:round/>
+                      <a:headEnd type="none" w="med" len="med"/>
+                      <a:tailEnd type="none" w="med" len="med"/>
+                    </a:lnB>
+                  </a:tcPr>
+                </a:tc>
+                <a:extLst>
+                  <a:ext uri="{0D108BD9-81ED-4DB2-BD59-A6C34878D82A}">
+                    <a16:rowId xmlns:a16="http://schemas.microsoft.com/office/drawing/2014/main" val="2532353751"/>
+                  </a:ext>
+                </a:extLst>
+              </a:tr>
+              <a:tr h="661122">
+                <a:tc>
+                  <a:txBody>
+                    <a:bodyPr/>
+                    <a:lstStyle/>
+                    <a:p>
+                      <a:pPr algn="ctr" fontAlgn="ctr"/>
+                      <a:r>
+                        <a:rPr lang="en-US" sz="900" b="0" i="0" u="none" strike="noStrike">
+                          <a:solidFill>
+                            <a:srgbClr val="000000"/>
+                          </a:solidFill>
+                          <a:effectLst/>
+                          <a:latin typeface="Arial" panose="020B0604020202020204" pitchFamily="34" charset="0"/>
+                        </a:rPr>
+                        <a:t>rtree,e406cff766740b117898d6777c094ed494220fa5,https://github.com/davidmoten/rtree </a:t>
+                      </a:r>
+                    </a:p>
+                  </a:txBody>
+                  <a:tcPr marL="6381" marR="6381" marT="6381" marB="0" anchor="ctr">
+                    <a:lnL>
+                      <a:noFill/>
+                    </a:lnL>
+                    <a:lnR w="6350" cap="flat" cmpd="sng" algn="ctr">
+                      <a:solidFill>
+                        <a:srgbClr val="000000"/>
+                      </a:solidFill>
+                      <a:prstDash val="solid"/>
+                      <a:round/>
+                      <a:headEnd type="none" w="med" len="med"/>
+                      <a:tailEnd type="none" w="med" len="med"/>
+                    </a:lnR>
+                    <a:lnT w="6350" cap="flat" cmpd="sng" algn="ctr">
+                      <a:solidFill>
+                        <a:srgbClr val="000000"/>
+                      </a:solidFill>
+                      <a:prstDash val="solid"/>
+                      <a:round/>
+                      <a:headEnd type="none" w="med" len="med"/>
+                      <a:tailEnd type="none" w="med" len="med"/>
+                    </a:lnT>
+                    <a:lnB w="6350" cap="flat" cmpd="sng" algn="ctr">
+                      <a:solidFill>
+                        <a:srgbClr val="000000"/>
+                      </a:solidFill>
+                      <a:prstDash val="solid"/>
+                      <a:round/>
+                      <a:headEnd type="none" w="med" len="med"/>
+                      <a:tailEnd type="none" w="med" len="med"/>
+                    </a:lnB>
+                  </a:tcPr>
+                </a:tc>
+                <a:tc>
+                  <a:txBody>
+                    <a:bodyPr/>
+                    <a:lstStyle/>
+                    <a:p>
+                      <a:pPr algn="ctr" fontAlgn="ctr"/>
+                      <a:r>
+                        <a:rPr lang="en-US" sz="900" b="0" i="0" u="none" strike="noStrike">
+                          <a:solidFill>
+                            <a:srgbClr val="000000"/>
+                          </a:solidFill>
+                          <a:effectLst/>
+                          <a:latin typeface="Arial" panose="020B0604020202020204" pitchFamily="34" charset="0"/>
+                        </a:rPr>
+                        <a:t>71</a:t>
+                      </a:r>
+                    </a:p>
+                  </a:txBody>
+                  <a:tcPr marL="6381" marR="6381" marT="6381" marB="0" anchor="ctr">
+                    <a:lnL w="6350" cap="flat" cmpd="sng" algn="ctr">
+                      <a:solidFill>
+                        <a:srgbClr val="000000"/>
+                      </a:solidFill>
+                      <a:prstDash val="solid"/>
+                      <a:round/>
+                      <a:headEnd type="none" w="med" len="med"/>
+                      <a:tailEnd type="none" w="med" len="med"/>
+                    </a:lnL>
+                    <a:lnR w="6350" cap="flat" cmpd="sng" algn="ctr">
+                      <a:solidFill>
+                        <a:srgbClr val="000000"/>
+                      </a:solidFill>
+                      <a:prstDash val="solid"/>
+                      <a:round/>
+                      <a:headEnd type="none" w="med" len="med"/>
+                      <a:tailEnd type="none" w="med" len="med"/>
+                    </a:lnR>
+                    <a:lnT w="6350" cap="flat" cmpd="sng" algn="ctr">
+                      <a:solidFill>
+                        <a:srgbClr val="000000"/>
+                      </a:solidFill>
+                      <a:prstDash val="solid"/>
+                      <a:round/>
+                      <a:headEnd type="none" w="med" len="med"/>
+                      <a:tailEnd type="none" w="med" len="med"/>
+                    </a:lnT>
+                    <a:lnB w="6350" cap="flat" cmpd="sng" algn="ctr">
+                      <a:solidFill>
+                        <a:srgbClr val="000000"/>
+                      </a:solidFill>
+                      <a:prstDash val="solid"/>
+                      <a:round/>
+                      <a:headEnd type="none" w="med" len="med"/>
+                      <a:tailEnd type="none" w="med" len="med"/>
+                    </a:lnB>
+                  </a:tcPr>
+                </a:tc>
+                <a:tc>
+                  <a:txBody>
+                    <a:bodyPr/>
+                    <a:lstStyle/>
+                    <a:p>
+                      <a:pPr algn="ctr" fontAlgn="ctr"/>
+                      <a:r>
+                        <a:rPr lang="en-US" sz="900" b="0" i="0" u="none" strike="noStrike">
+                          <a:solidFill>
+                            <a:srgbClr val="000000"/>
+                          </a:solidFill>
+                          <a:effectLst/>
+                          <a:latin typeface="Arial" panose="020B0604020202020204" pitchFamily="34" charset="0"/>
+                        </a:rPr>
+                        <a:t>80%</a:t>
+                      </a:r>
+                    </a:p>
+                  </a:txBody>
+                  <a:tcPr marL="6381" marR="6381" marT="6381" marB="0" anchor="ctr">
+                    <a:lnL w="6350" cap="flat" cmpd="sng" algn="ctr">
+                      <a:solidFill>
+                        <a:srgbClr val="000000"/>
+                      </a:solidFill>
+                      <a:prstDash val="solid"/>
+                      <a:round/>
+                      <a:headEnd type="none" w="med" len="med"/>
+                      <a:tailEnd type="none" w="med" len="med"/>
+                    </a:lnL>
+                    <a:lnR w="6350" cap="flat" cmpd="sng" algn="ctr">
+                      <a:solidFill>
+                        <a:srgbClr val="000000"/>
+                      </a:solidFill>
+                      <a:prstDash val="solid"/>
+                      <a:round/>
+                      <a:headEnd type="none" w="med" len="med"/>
+                      <a:tailEnd type="none" w="med" len="med"/>
+                    </a:lnR>
+                    <a:lnT w="6350" cap="flat" cmpd="sng" algn="ctr">
+                      <a:solidFill>
+                        <a:srgbClr val="000000"/>
+                      </a:solidFill>
+                      <a:prstDash val="solid"/>
+                      <a:round/>
+                      <a:headEnd type="none" w="med" len="med"/>
+                      <a:tailEnd type="none" w="med" len="med"/>
+                    </a:lnT>
+                    <a:lnB w="6350" cap="flat" cmpd="sng" algn="ctr">
+                      <a:solidFill>
+                        <a:srgbClr val="000000"/>
+                      </a:solidFill>
+                      <a:prstDash val="solid"/>
+                      <a:round/>
+                      <a:headEnd type="none" w="med" len="med"/>
+                      <a:tailEnd type="none" w="med" len="med"/>
+                    </a:lnB>
+                  </a:tcPr>
+                </a:tc>
+                <a:tc>
+                  <a:txBody>
+                    <a:bodyPr/>
+                    <a:lstStyle/>
+                    <a:p>
+                      <a:pPr algn="ctr" fontAlgn="ctr"/>
+                      <a:r>
+                        <a:rPr lang="en-US" sz="900" b="0" i="0" u="none" strike="noStrike">
+                          <a:solidFill>
+                            <a:srgbClr val="000000"/>
+                          </a:solidFill>
+                          <a:effectLst/>
+                          <a:latin typeface="Arial" panose="020B0604020202020204" pitchFamily="34" charset="0"/>
+                        </a:rPr>
+                        <a:t>1868/2349</a:t>
+                      </a:r>
+                    </a:p>
+                  </a:txBody>
+                  <a:tcPr marL="6381" marR="6381" marT="6381" marB="0" anchor="ctr">
+                    <a:lnL w="6350" cap="flat" cmpd="sng" algn="ctr">
+                      <a:solidFill>
+                        <a:srgbClr val="000000"/>
+                      </a:solidFill>
+                      <a:prstDash val="solid"/>
+                      <a:round/>
+                      <a:headEnd type="none" w="med" len="med"/>
+                      <a:tailEnd type="none" w="med" len="med"/>
+                    </a:lnL>
+                    <a:lnR w="6350" cap="flat" cmpd="sng" algn="ctr">
+                      <a:solidFill>
+                        <a:srgbClr val="000000"/>
+                      </a:solidFill>
+                      <a:prstDash val="solid"/>
+                      <a:round/>
+                      <a:headEnd type="none" w="med" len="med"/>
+                      <a:tailEnd type="none" w="med" len="med"/>
+                    </a:lnR>
+                    <a:lnT w="6350" cap="flat" cmpd="sng" algn="ctr">
+                      <a:solidFill>
+                        <a:srgbClr val="000000"/>
+                      </a:solidFill>
+                      <a:prstDash val="solid"/>
+                      <a:round/>
+                      <a:headEnd type="none" w="med" len="med"/>
+                      <a:tailEnd type="none" w="med" len="med"/>
+                    </a:lnT>
+                    <a:lnB w="6350" cap="flat" cmpd="sng" algn="ctr">
+                      <a:solidFill>
+                        <a:srgbClr val="000000"/>
+                      </a:solidFill>
+                      <a:prstDash val="solid"/>
+                      <a:round/>
+                      <a:headEnd type="none" w="med" len="med"/>
+                      <a:tailEnd type="none" w="med" len="med"/>
+                    </a:lnB>
+                  </a:tcPr>
+                </a:tc>
+                <a:tc>
+                  <a:txBody>
+                    <a:bodyPr/>
+                    <a:lstStyle/>
+                    <a:p>
+                      <a:pPr algn="ctr" fontAlgn="ctr"/>
+                      <a:r>
+                        <a:rPr lang="en-US" sz="900" b="1" i="0" u="none" strike="noStrike" dirty="0">
+                          <a:solidFill>
+                            <a:schemeClr val="accent6">
+                              <a:lumMod val="50000"/>
+                            </a:schemeClr>
+                          </a:solidFill>
+                          <a:effectLst/>
+                          <a:latin typeface="Arial" panose="020B0604020202020204" pitchFamily="34" charset="0"/>
+                        </a:rPr>
+                        <a:t>66%</a:t>
+                      </a:r>
+                    </a:p>
+                  </a:txBody>
+                  <a:tcPr marL="6381" marR="6381" marT="6381" marB="0" anchor="ctr">
+                    <a:lnL w="6350" cap="flat" cmpd="sng" algn="ctr">
+                      <a:solidFill>
+                        <a:srgbClr val="000000"/>
+                      </a:solidFill>
+                      <a:prstDash val="solid"/>
+                      <a:round/>
+                      <a:headEnd type="none" w="med" len="med"/>
+                      <a:tailEnd type="none" w="med" len="med"/>
+                    </a:lnL>
+                    <a:lnR w="6350" cap="flat" cmpd="sng" algn="ctr">
+                      <a:solidFill>
+                        <a:srgbClr val="000000"/>
+                      </a:solidFill>
+                      <a:prstDash val="solid"/>
+                      <a:round/>
+                      <a:headEnd type="none" w="med" len="med"/>
+                      <a:tailEnd type="none" w="med" len="med"/>
+                    </a:lnR>
+                    <a:lnT w="6350" cap="flat" cmpd="sng" algn="ctr">
+                      <a:solidFill>
+                        <a:srgbClr val="000000"/>
+                      </a:solidFill>
+                      <a:prstDash val="solid"/>
+                      <a:round/>
+                      <a:headEnd type="none" w="med" len="med"/>
+                      <a:tailEnd type="none" w="med" len="med"/>
+                    </a:lnT>
+                    <a:lnB w="6350" cap="flat" cmpd="sng" algn="ctr">
+                      <a:solidFill>
+                        <a:srgbClr val="000000"/>
+                      </a:solidFill>
+                      <a:prstDash val="solid"/>
+                      <a:round/>
+                      <a:headEnd type="none" w="med" len="med"/>
+                      <a:tailEnd type="none" w="med" len="med"/>
+                    </a:lnB>
+                    <a:solidFill>
+                      <a:schemeClr val="accent1">
+                        <a:alpha val="15000"/>
+                      </a:schemeClr>
+                    </a:solidFill>
+                  </a:tcPr>
+                </a:tc>
+                <a:tc>
+                  <a:txBody>
+                    <a:bodyPr/>
+                    <a:lstStyle/>
+                    <a:p>
+                      <a:pPr algn="ctr" fontAlgn="ctr"/>
+                      <a:r>
+                        <a:rPr lang="en-US" sz="900" b="0" i="0" u="none" strike="noStrike">
+                          <a:solidFill>
+                            <a:srgbClr val="000000"/>
+                          </a:solidFill>
+                          <a:effectLst/>
+                          <a:latin typeface="Arial" panose="020B0604020202020204" pitchFamily="34" charset="0"/>
+                        </a:rPr>
+                        <a:t>1243/1874</a:t>
+                      </a:r>
+                    </a:p>
+                  </a:txBody>
+                  <a:tcPr marL="6381" marR="6381" marT="6381" marB="0" anchor="ctr">
+                    <a:lnL w="6350" cap="flat" cmpd="sng" algn="ctr">
+                      <a:solidFill>
+                        <a:srgbClr val="000000"/>
+                      </a:solidFill>
+                      <a:prstDash val="solid"/>
+                      <a:round/>
+                      <a:headEnd type="none" w="med" len="med"/>
+                      <a:tailEnd type="none" w="med" len="med"/>
+                    </a:lnL>
+                    <a:lnR w="6350" cap="flat" cmpd="sng" algn="ctr">
+                      <a:solidFill>
+                        <a:srgbClr val="000000"/>
+                      </a:solidFill>
+                      <a:prstDash val="solid"/>
+                      <a:round/>
+                      <a:headEnd type="none" w="med" len="med"/>
+                      <a:tailEnd type="none" w="med" len="med"/>
+                    </a:lnR>
+                    <a:lnT w="6350" cap="flat" cmpd="sng" algn="ctr">
+                      <a:solidFill>
+                        <a:srgbClr val="000000"/>
+                      </a:solidFill>
+                      <a:prstDash val="solid"/>
+                      <a:round/>
+                      <a:headEnd type="none" w="med" len="med"/>
+                      <a:tailEnd type="none" w="med" len="med"/>
+                    </a:lnT>
+                    <a:lnB w="6350" cap="flat" cmpd="sng" algn="ctr">
+                      <a:solidFill>
+                        <a:srgbClr val="000000"/>
+                      </a:solidFill>
+                      <a:prstDash val="solid"/>
+                      <a:round/>
+                      <a:headEnd type="none" w="med" len="med"/>
+                      <a:tailEnd type="none" w="med" len="med"/>
+                    </a:lnB>
+                  </a:tcPr>
+                </a:tc>
+                <a:tc>
+                  <a:txBody>
+                    <a:bodyPr/>
+                    <a:lstStyle/>
+                    <a:p>
+                      <a:pPr algn="ctr" fontAlgn="ctr"/>
+                      <a:r>
+                        <a:rPr lang="en-US" sz="900" b="0" i="0" u="none" strike="noStrike">
+                          <a:solidFill>
+                            <a:srgbClr val="000000"/>
+                          </a:solidFill>
+                          <a:effectLst/>
+                          <a:latin typeface="Arial" panose="020B0604020202020204" pitchFamily="34" charset="0"/>
+                        </a:rPr>
+                        <a:t>36:16 min</a:t>
+                      </a:r>
+                    </a:p>
+                  </a:txBody>
+                  <a:tcPr marL="6381" marR="6381" marT="6381" marB="0" anchor="ctr">
+                    <a:lnL w="6350" cap="flat" cmpd="sng" algn="ctr">
+                      <a:solidFill>
+                        <a:srgbClr val="000000"/>
+                      </a:solidFill>
+                      <a:prstDash val="solid"/>
+                      <a:round/>
+                      <a:headEnd type="none" w="med" len="med"/>
+                      <a:tailEnd type="none" w="med" len="med"/>
+                    </a:lnL>
+                    <a:lnR w="6350" cap="flat" cmpd="sng" algn="ctr">
+                      <a:solidFill>
+                        <a:srgbClr val="000000"/>
+                      </a:solidFill>
+                      <a:prstDash val="solid"/>
+                      <a:round/>
+                      <a:headEnd type="none" w="med" len="med"/>
+                      <a:tailEnd type="none" w="med" len="med"/>
+                    </a:lnR>
+                    <a:lnT w="6350" cap="flat" cmpd="sng" algn="ctr">
+                      <a:solidFill>
+                        <a:srgbClr val="000000"/>
+                      </a:solidFill>
+                      <a:prstDash val="solid"/>
+                      <a:round/>
+                      <a:headEnd type="none" w="med" len="med"/>
+                      <a:tailEnd type="none" w="med" len="med"/>
+                    </a:lnT>
+                    <a:lnB w="6350" cap="flat" cmpd="sng" algn="ctr">
+                      <a:solidFill>
+                        <a:srgbClr val="000000"/>
+                      </a:solidFill>
+                      <a:prstDash val="solid"/>
+                      <a:round/>
+                      <a:headEnd type="none" w="med" len="med"/>
+                      <a:tailEnd type="none" w="med" len="med"/>
+                    </a:lnB>
+                  </a:tcPr>
+                </a:tc>
+                <a:tc>
+                  <a:txBody>
+                    <a:bodyPr/>
+                    <a:lstStyle/>
+                    <a:p>
+                      <a:pPr algn="ctr" fontAlgn="ctr"/>
+                      <a:r>
+                        <a:rPr lang="en-US" sz="900" b="0" i="0" u="none" strike="noStrike">
+                          <a:solidFill>
+                            <a:srgbClr val="000000"/>
+                          </a:solidFill>
+                          <a:effectLst/>
+                          <a:latin typeface="Arial" panose="020B0604020202020204" pitchFamily="34" charset="0"/>
+                        </a:rPr>
+                        <a:t>4</a:t>
+                      </a:r>
+                    </a:p>
+                  </a:txBody>
+                  <a:tcPr marL="6381" marR="6381" marT="6381" marB="0" anchor="ctr">
+                    <a:lnL w="6350" cap="flat" cmpd="sng" algn="ctr">
+                      <a:solidFill>
+                        <a:srgbClr val="000000"/>
+                      </a:solidFill>
+                      <a:prstDash val="solid"/>
+                      <a:round/>
+                      <a:headEnd type="none" w="med" len="med"/>
+                      <a:tailEnd type="none" w="med" len="med"/>
+                    </a:lnL>
+                    <a:lnR>
+                      <a:noFill/>
+                    </a:lnR>
+                    <a:lnT w="6350" cap="flat" cmpd="sng" algn="ctr">
+                      <a:solidFill>
+                        <a:srgbClr val="000000"/>
+                      </a:solidFill>
+                      <a:prstDash val="solid"/>
+                      <a:round/>
+                      <a:headEnd type="none" w="med" len="med"/>
+                      <a:tailEnd type="none" w="med" len="med"/>
+                    </a:lnT>
+                    <a:lnB w="6350" cap="flat" cmpd="sng" algn="ctr">
+                      <a:solidFill>
+                        <a:srgbClr val="000000"/>
+                      </a:solidFill>
+                      <a:prstDash val="solid"/>
+                      <a:round/>
+                      <a:headEnd type="none" w="med" len="med"/>
+                      <a:tailEnd type="none" w="med" len="med"/>
+                    </a:lnB>
+                  </a:tcPr>
+                </a:tc>
+                <a:extLst>
+                  <a:ext uri="{0D108BD9-81ED-4DB2-BD59-A6C34878D82A}">
+                    <a16:rowId xmlns:a16="http://schemas.microsoft.com/office/drawing/2014/main" val="911277122"/>
+                  </a:ext>
+                </a:extLst>
+              </a:tr>
+              <a:tr h="220375">
+                <a:tc gridSpan="8">
+                  <a:txBody>
+                    <a:bodyPr/>
+                    <a:lstStyle/>
+                    <a:p>
+                      <a:pPr algn="ctr" fontAlgn="ctr"/>
+                      <a:r>
+                        <a:rPr lang="en-US" sz="900" b="1" i="0" u="none" strike="noStrike" dirty="0">
+                          <a:solidFill>
+                            <a:schemeClr val="accent6">
+                              <a:lumMod val="50000"/>
+                            </a:schemeClr>
+                          </a:solidFill>
+                          <a:effectLst/>
+                          <a:latin typeface="Arial" panose="020B0604020202020204" pitchFamily="34" charset="0"/>
+                        </a:rPr>
+                        <a:t>Project given by TA</a:t>
+                      </a:r>
+                    </a:p>
+                  </a:txBody>
+                  <a:tcPr marL="6381" marR="6381" marT="6381" marB="0" anchor="ctr">
+                    <a:lnL>
+                      <a:noFill/>
+                    </a:lnL>
+                    <a:lnR w="6350" cap="flat" cmpd="sng" algn="ctr">
+                      <a:solidFill>
+                        <a:srgbClr val="000000"/>
+                      </a:solidFill>
+                      <a:prstDash val="solid"/>
+                      <a:round/>
+                      <a:headEnd type="none" w="med" len="med"/>
+                      <a:tailEnd type="none" w="med" len="med"/>
+                    </a:lnR>
+                    <a:lnT w="6350" cap="flat" cmpd="sng" algn="ctr">
+                      <a:solidFill>
+                        <a:srgbClr val="000000"/>
+                      </a:solidFill>
+                      <a:prstDash val="solid"/>
+                      <a:round/>
+                      <a:headEnd type="none" w="med" len="med"/>
+                      <a:tailEnd type="none" w="med" len="med"/>
+                    </a:lnT>
+                    <a:lnB w="6350" cap="flat" cmpd="sng" algn="ctr">
+                      <a:solidFill>
+                        <a:srgbClr val="000000"/>
+                      </a:solidFill>
+                      <a:prstDash val="solid"/>
+                      <a:round/>
+                      <a:headEnd type="none" w="med" len="med"/>
+                      <a:tailEnd type="none" w="med" len="med"/>
+                    </a:lnB>
+                    <a:solidFill>
+                      <a:schemeClr val="accent1">
+                        <a:alpha val="15000"/>
+                      </a:schemeClr>
+                    </a:solidFill>
+                  </a:tcPr>
+                </a:tc>
+                <a:tc hMerge="1">
+                  <a:txBody>
+                    <a:bodyPr/>
+                    <a:lstStyle/>
+                    <a:p>
+                      <a:endParaRPr lang="en-US"/>
+                    </a:p>
+                  </a:txBody>
+                  <a:tcPr/>
+                </a:tc>
+                <a:tc hMerge="1">
+                  <a:txBody>
+                    <a:bodyPr/>
+                    <a:lstStyle/>
+                    <a:p>
+                      <a:endParaRPr lang="en-US"/>
+                    </a:p>
+                  </a:txBody>
+                  <a:tcPr/>
+                </a:tc>
+                <a:tc hMerge="1">
+                  <a:txBody>
+                    <a:bodyPr/>
+                    <a:lstStyle/>
+                    <a:p>
+                      <a:endParaRPr lang="en-US"/>
+                    </a:p>
+                  </a:txBody>
+                  <a:tcPr/>
+                </a:tc>
+                <a:tc hMerge="1">
+                  <a:txBody>
+                    <a:bodyPr/>
+                    <a:lstStyle/>
+                    <a:p>
+                      <a:endParaRPr lang="en-US"/>
+                    </a:p>
+                  </a:txBody>
+                  <a:tcPr/>
+                </a:tc>
+                <a:tc hMerge="1">
+                  <a:txBody>
+                    <a:bodyPr/>
+                    <a:lstStyle/>
+                    <a:p>
+                      <a:endParaRPr lang="en-US"/>
+                    </a:p>
+                  </a:txBody>
+                  <a:tcPr/>
+                </a:tc>
+                <a:tc hMerge="1">
+                  <a:txBody>
+                    <a:bodyPr/>
+                    <a:lstStyle/>
+                    <a:p>
+                      <a:endParaRPr lang="en-US"/>
+                    </a:p>
+                  </a:txBody>
+                  <a:tcPr/>
+                </a:tc>
+                <a:tc hMerge="1">
+                  <a:txBody>
+                    <a:bodyPr/>
+                    <a:lstStyle/>
+                    <a:p>
+                      <a:endParaRPr lang="en-US"/>
+                    </a:p>
+                  </a:txBody>
+                  <a:tcPr/>
+                </a:tc>
+                <a:extLst>
+                  <a:ext uri="{0D108BD9-81ED-4DB2-BD59-A6C34878D82A}">
+                    <a16:rowId xmlns:a16="http://schemas.microsoft.com/office/drawing/2014/main" val="3934697911"/>
+                  </a:ext>
+                </a:extLst>
+              </a:tr>
+              <a:tr h="220375">
+                <a:tc>
+                  <a:txBody>
+                    <a:bodyPr/>
+                    <a:lstStyle/>
+                    <a:p>
+                      <a:pPr algn="ctr" fontAlgn="ctr"/>
+                      <a:r>
+                        <a:rPr lang="en-US" sz="900" b="0" i="0" u="none" strike="noStrike">
+                          <a:solidFill>
+                            <a:srgbClr val="000000"/>
+                          </a:solidFill>
+                          <a:effectLst/>
+                          <a:latin typeface="Arial" panose="020B0604020202020204" pitchFamily="34" charset="0"/>
+                        </a:rPr>
+                        <a:t>commons-codec</a:t>
+                      </a:r>
+                    </a:p>
+                  </a:txBody>
+                  <a:tcPr marL="6381" marR="6381" marT="6381" marB="0" anchor="ctr">
+                    <a:lnL>
+                      <a:noFill/>
+                    </a:lnL>
+                    <a:lnR w="6350" cap="flat" cmpd="sng" algn="ctr">
+                      <a:solidFill>
+                        <a:srgbClr val="000000"/>
+                      </a:solidFill>
+                      <a:prstDash val="solid"/>
+                      <a:round/>
+                      <a:headEnd type="none" w="med" len="med"/>
+                      <a:tailEnd type="none" w="med" len="med"/>
+                    </a:lnR>
+                    <a:lnT w="6350" cap="flat" cmpd="sng" algn="ctr">
+                      <a:solidFill>
+                        <a:srgbClr val="000000"/>
+                      </a:solidFill>
+                      <a:prstDash val="solid"/>
+                      <a:round/>
+                      <a:headEnd type="none" w="med" len="med"/>
+                      <a:tailEnd type="none" w="med" len="med"/>
+                    </a:lnT>
+                    <a:lnB w="6350" cap="flat" cmpd="sng" algn="ctr">
+                      <a:solidFill>
+                        <a:srgbClr val="000000"/>
+                      </a:solidFill>
+                      <a:prstDash val="solid"/>
+                      <a:round/>
+                      <a:headEnd type="none" w="med" len="med"/>
+                      <a:tailEnd type="none" w="med" len="med"/>
+                    </a:lnB>
+                  </a:tcPr>
+                </a:tc>
+                <a:tc>
+                  <a:txBody>
+                    <a:bodyPr/>
+                    <a:lstStyle/>
+                    <a:p>
+                      <a:pPr algn="ctr" fontAlgn="ctr"/>
+                      <a:r>
+                        <a:rPr lang="en-US" sz="900" b="0" i="0" u="none" strike="noStrike">
+                          <a:solidFill>
+                            <a:srgbClr val="000000"/>
+                          </a:solidFill>
+                          <a:effectLst/>
+                          <a:latin typeface="Arial" panose="020B0604020202020204" pitchFamily="34" charset="0"/>
+                        </a:rPr>
+                        <a:t>51</a:t>
+                      </a:r>
+                    </a:p>
+                  </a:txBody>
+                  <a:tcPr marL="6381" marR="6381" marT="6381" marB="0" anchor="ctr">
+                    <a:lnL w="6350" cap="flat" cmpd="sng" algn="ctr">
+                      <a:solidFill>
+                        <a:srgbClr val="000000"/>
+                      </a:solidFill>
+                      <a:prstDash val="solid"/>
+                      <a:round/>
+                      <a:headEnd type="none" w="med" len="med"/>
+                      <a:tailEnd type="none" w="med" len="med"/>
+                    </a:lnL>
+                    <a:lnR w="6350" cap="flat" cmpd="sng" algn="ctr">
+                      <a:solidFill>
+                        <a:srgbClr val="000000"/>
+                      </a:solidFill>
+                      <a:prstDash val="solid"/>
+                      <a:round/>
+                      <a:headEnd type="none" w="med" len="med"/>
+                      <a:tailEnd type="none" w="med" len="med"/>
+                    </a:lnR>
+                    <a:lnT w="6350" cap="flat" cmpd="sng" algn="ctr">
+                      <a:solidFill>
+                        <a:srgbClr val="000000"/>
+                      </a:solidFill>
+                      <a:prstDash val="solid"/>
+                      <a:round/>
+                      <a:headEnd type="none" w="med" len="med"/>
+                      <a:tailEnd type="none" w="med" len="med"/>
+                    </a:lnT>
+                    <a:lnB w="6350" cap="flat" cmpd="sng" algn="ctr">
+                      <a:solidFill>
+                        <a:srgbClr val="000000"/>
+                      </a:solidFill>
+                      <a:prstDash val="solid"/>
+                      <a:round/>
+                      <a:headEnd type="none" w="med" len="med"/>
+                      <a:tailEnd type="none" w="med" len="med"/>
+                    </a:lnB>
+                  </a:tcPr>
+                </a:tc>
+                <a:tc>
+                  <a:txBody>
+                    <a:bodyPr/>
+                    <a:lstStyle/>
+                    <a:p>
+                      <a:pPr algn="ctr" fontAlgn="ctr"/>
+                      <a:r>
+                        <a:rPr lang="en-US" sz="900" b="0" i="0" u="none" strike="noStrike">
+                          <a:solidFill>
+                            <a:srgbClr val="000000"/>
+                          </a:solidFill>
+                          <a:effectLst/>
+                          <a:latin typeface="Arial" panose="020B0604020202020204" pitchFamily="34" charset="0"/>
+                        </a:rPr>
+                        <a:t>92%</a:t>
+                      </a:r>
+                    </a:p>
+                  </a:txBody>
+                  <a:tcPr marL="6381" marR="6381" marT="6381" marB="0" anchor="ctr">
+                    <a:lnL w="6350" cap="flat" cmpd="sng" algn="ctr">
+                      <a:solidFill>
+                        <a:srgbClr val="000000"/>
+                      </a:solidFill>
+                      <a:prstDash val="solid"/>
+                      <a:round/>
+                      <a:headEnd type="none" w="med" len="med"/>
+                      <a:tailEnd type="none" w="med" len="med"/>
+                    </a:lnL>
+                    <a:lnR w="6350" cap="flat" cmpd="sng" algn="ctr">
+                      <a:solidFill>
+                        <a:srgbClr val="000000"/>
+                      </a:solidFill>
+                      <a:prstDash val="solid"/>
+                      <a:round/>
+                      <a:headEnd type="none" w="med" len="med"/>
+                      <a:tailEnd type="none" w="med" len="med"/>
+                    </a:lnR>
+                    <a:lnT w="6350" cap="flat" cmpd="sng" algn="ctr">
+                      <a:solidFill>
+                        <a:srgbClr val="000000"/>
+                      </a:solidFill>
+                      <a:prstDash val="solid"/>
+                      <a:round/>
+                      <a:headEnd type="none" w="med" len="med"/>
+                      <a:tailEnd type="none" w="med" len="med"/>
+                    </a:lnT>
+                    <a:lnB w="6350" cap="flat" cmpd="sng" algn="ctr">
+                      <a:solidFill>
+                        <a:srgbClr val="000000"/>
+                      </a:solidFill>
+                      <a:prstDash val="solid"/>
+                      <a:round/>
+                      <a:headEnd type="none" w="med" len="med"/>
+                      <a:tailEnd type="none" w="med" len="med"/>
+                    </a:lnB>
+                  </a:tcPr>
+                </a:tc>
+                <a:tc>
+                  <a:txBody>
+                    <a:bodyPr/>
+                    <a:lstStyle/>
+                    <a:p>
+                      <a:pPr algn="ctr" fontAlgn="ctr"/>
+                      <a:r>
+                        <a:rPr lang="en-US" sz="900" b="0" i="0" u="none" strike="noStrike">
+                          <a:solidFill>
+                            <a:srgbClr val="000000"/>
+                          </a:solidFill>
+                          <a:effectLst/>
+                          <a:latin typeface="Arial" panose="020B0604020202020204" pitchFamily="34" charset="0"/>
+                        </a:rPr>
+                        <a:t>3592/3906</a:t>
+                      </a:r>
+                    </a:p>
+                  </a:txBody>
+                  <a:tcPr marL="6381" marR="6381" marT="6381" marB="0" anchor="ctr">
+                    <a:lnL w="6350" cap="flat" cmpd="sng" algn="ctr">
+                      <a:solidFill>
+                        <a:srgbClr val="000000"/>
+                      </a:solidFill>
+                      <a:prstDash val="solid"/>
+                      <a:round/>
+                      <a:headEnd type="none" w="med" len="med"/>
+                      <a:tailEnd type="none" w="med" len="med"/>
+                    </a:lnL>
+                    <a:lnR w="6350" cap="flat" cmpd="sng" algn="ctr">
+                      <a:solidFill>
+                        <a:srgbClr val="000000"/>
+                      </a:solidFill>
+                      <a:prstDash val="solid"/>
+                      <a:round/>
+                      <a:headEnd type="none" w="med" len="med"/>
+                      <a:tailEnd type="none" w="med" len="med"/>
+                    </a:lnR>
+                    <a:lnT w="6350" cap="flat" cmpd="sng" algn="ctr">
+                      <a:solidFill>
+                        <a:srgbClr val="000000"/>
+                      </a:solidFill>
+                      <a:prstDash val="solid"/>
+                      <a:round/>
+                      <a:headEnd type="none" w="med" len="med"/>
+                      <a:tailEnd type="none" w="med" len="med"/>
+                    </a:lnT>
+                    <a:lnB w="6350" cap="flat" cmpd="sng" algn="ctr">
+                      <a:solidFill>
+                        <a:srgbClr val="000000"/>
+                      </a:solidFill>
+                      <a:prstDash val="solid"/>
+                      <a:round/>
+                      <a:headEnd type="none" w="med" len="med"/>
+                      <a:tailEnd type="none" w="med" len="med"/>
+                    </a:lnB>
+                  </a:tcPr>
+                </a:tc>
+                <a:tc>
+                  <a:txBody>
+                    <a:bodyPr/>
+                    <a:lstStyle/>
+                    <a:p>
+                      <a:pPr algn="ctr" fontAlgn="ctr"/>
+                      <a:r>
+                        <a:rPr lang="en-US" sz="900" b="1" i="0" u="none" strike="noStrike" dirty="0">
+                          <a:solidFill>
+                            <a:schemeClr val="accent6">
+                              <a:lumMod val="50000"/>
+                            </a:schemeClr>
+                          </a:solidFill>
+                          <a:effectLst/>
+                          <a:latin typeface="Arial" panose="020B0604020202020204" pitchFamily="34" charset="0"/>
+                        </a:rPr>
+                        <a:t>78%</a:t>
+                      </a:r>
+                    </a:p>
+                  </a:txBody>
+                  <a:tcPr marL="6381" marR="6381" marT="6381" marB="0" anchor="ctr">
+                    <a:lnL w="6350" cap="flat" cmpd="sng" algn="ctr">
+                      <a:solidFill>
+                        <a:srgbClr val="000000"/>
+                      </a:solidFill>
+                      <a:prstDash val="solid"/>
+                      <a:round/>
+                      <a:headEnd type="none" w="med" len="med"/>
+                      <a:tailEnd type="none" w="med" len="med"/>
+                    </a:lnL>
+                    <a:lnR w="6350" cap="flat" cmpd="sng" algn="ctr">
+                      <a:solidFill>
+                        <a:srgbClr val="000000"/>
+                      </a:solidFill>
+                      <a:prstDash val="solid"/>
+                      <a:round/>
+                      <a:headEnd type="none" w="med" len="med"/>
+                      <a:tailEnd type="none" w="med" len="med"/>
+                    </a:lnR>
+                    <a:lnT w="6350" cap="flat" cmpd="sng" algn="ctr">
+                      <a:solidFill>
+                        <a:srgbClr val="000000"/>
+                      </a:solidFill>
+                      <a:prstDash val="solid"/>
+                      <a:round/>
+                      <a:headEnd type="none" w="med" len="med"/>
+                      <a:tailEnd type="none" w="med" len="med"/>
+                    </a:lnT>
+                    <a:lnB w="6350" cap="flat" cmpd="sng" algn="ctr">
+                      <a:solidFill>
+                        <a:srgbClr val="000000"/>
+                      </a:solidFill>
+                      <a:prstDash val="solid"/>
+                      <a:round/>
+                      <a:headEnd type="none" w="med" len="med"/>
+                      <a:tailEnd type="none" w="med" len="med"/>
+                    </a:lnB>
+                    <a:solidFill>
+                      <a:schemeClr val="accent1">
+                        <a:alpha val="15000"/>
+                      </a:schemeClr>
+                    </a:solidFill>
+                  </a:tcPr>
+                </a:tc>
+                <a:tc>
+                  <a:txBody>
+                    <a:bodyPr/>
+                    <a:lstStyle/>
+                    <a:p>
+                      <a:pPr algn="ctr" fontAlgn="ctr"/>
+                      <a:r>
+                        <a:rPr lang="en-US" sz="900" b="0" i="0" u="none" strike="noStrike">
+                          <a:solidFill>
+                            <a:srgbClr val="000000"/>
+                          </a:solidFill>
+                          <a:effectLst/>
+                          <a:latin typeface="Arial" panose="020B0604020202020204" pitchFamily="34" charset="0"/>
+                        </a:rPr>
+                        <a:t>14955/19122</a:t>
+                      </a:r>
+                    </a:p>
+                  </a:txBody>
+                  <a:tcPr marL="6381" marR="6381" marT="6381" marB="0" anchor="ctr">
+                    <a:lnL w="6350" cap="flat" cmpd="sng" algn="ctr">
+                      <a:solidFill>
+                        <a:srgbClr val="000000"/>
+                      </a:solidFill>
+                      <a:prstDash val="solid"/>
+                      <a:round/>
+                      <a:headEnd type="none" w="med" len="med"/>
+                      <a:tailEnd type="none" w="med" len="med"/>
+                    </a:lnL>
+                    <a:lnR w="6350" cap="flat" cmpd="sng" algn="ctr">
+                      <a:solidFill>
+                        <a:srgbClr val="000000"/>
+                      </a:solidFill>
+                      <a:prstDash val="solid"/>
+                      <a:round/>
+                      <a:headEnd type="none" w="med" len="med"/>
+                      <a:tailEnd type="none" w="med" len="med"/>
+                    </a:lnR>
+                    <a:lnT w="6350" cap="flat" cmpd="sng" algn="ctr">
+                      <a:solidFill>
+                        <a:srgbClr val="000000"/>
+                      </a:solidFill>
+                      <a:prstDash val="solid"/>
+                      <a:round/>
+                      <a:headEnd type="none" w="med" len="med"/>
+                      <a:tailEnd type="none" w="med" len="med"/>
+                    </a:lnT>
+                    <a:lnB w="6350" cap="flat" cmpd="sng" algn="ctr">
+                      <a:solidFill>
+                        <a:srgbClr val="000000"/>
+                      </a:solidFill>
+                      <a:prstDash val="solid"/>
+                      <a:round/>
+                      <a:headEnd type="none" w="med" len="med"/>
+                      <a:tailEnd type="none" w="med" len="med"/>
+                    </a:lnB>
+                  </a:tcPr>
+                </a:tc>
+                <a:tc>
+                  <a:txBody>
+                    <a:bodyPr/>
+                    <a:lstStyle/>
+                    <a:p>
+                      <a:pPr algn="ctr" fontAlgn="ctr"/>
+                      <a:r>
+                        <a:rPr lang="en-US" sz="900" b="0" i="0" u="none" strike="noStrike">
+                          <a:solidFill>
+                            <a:srgbClr val="000000"/>
+                          </a:solidFill>
+                          <a:effectLst/>
+                          <a:latin typeface="Arial" panose="020B0604020202020204" pitchFamily="34" charset="0"/>
+                        </a:rPr>
+                        <a:t>18:24 min</a:t>
+                      </a:r>
+                    </a:p>
+                  </a:txBody>
+                  <a:tcPr marL="6381" marR="6381" marT="6381" marB="0" anchor="ctr">
+                    <a:lnL w="6350" cap="flat" cmpd="sng" algn="ctr">
+                      <a:solidFill>
+                        <a:srgbClr val="000000"/>
+                      </a:solidFill>
+                      <a:prstDash val="solid"/>
+                      <a:round/>
+                      <a:headEnd type="none" w="med" len="med"/>
+                      <a:tailEnd type="none" w="med" len="med"/>
+                    </a:lnL>
+                    <a:lnR w="6350" cap="flat" cmpd="sng" algn="ctr">
+                      <a:solidFill>
+                        <a:srgbClr val="000000"/>
+                      </a:solidFill>
+                      <a:prstDash val="solid"/>
+                      <a:round/>
+                      <a:headEnd type="none" w="med" len="med"/>
+                      <a:tailEnd type="none" w="med" len="med"/>
+                    </a:lnR>
+                    <a:lnT w="6350" cap="flat" cmpd="sng" algn="ctr">
+                      <a:solidFill>
+                        <a:srgbClr val="000000"/>
+                      </a:solidFill>
+                      <a:prstDash val="solid"/>
+                      <a:round/>
+                      <a:headEnd type="none" w="med" len="med"/>
+                      <a:tailEnd type="none" w="med" len="med"/>
+                    </a:lnT>
+                    <a:lnB w="6350" cap="flat" cmpd="sng" algn="ctr">
+                      <a:solidFill>
+                        <a:srgbClr val="000000"/>
+                      </a:solidFill>
+                      <a:prstDash val="solid"/>
+                      <a:round/>
+                      <a:headEnd type="none" w="med" len="med"/>
+                      <a:tailEnd type="none" w="med" len="med"/>
+                    </a:lnB>
+                  </a:tcPr>
+                </a:tc>
+                <a:tc>
+                  <a:txBody>
+                    <a:bodyPr/>
+                    <a:lstStyle/>
+                    <a:p>
+                      <a:pPr algn="ctr" fontAlgn="ctr"/>
+                      <a:r>
+                        <a:rPr lang="en-US" sz="900" b="0" i="0" u="none" strike="noStrike">
+                          <a:solidFill>
+                            <a:srgbClr val="000000"/>
+                          </a:solidFill>
+                          <a:effectLst/>
+                          <a:latin typeface="Arial" panose="020B0604020202020204" pitchFamily="34" charset="0"/>
+                        </a:rPr>
+                        <a:t>4</a:t>
+                      </a:r>
+                    </a:p>
+                  </a:txBody>
+                  <a:tcPr marL="6381" marR="6381" marT="6381" marB="0" anchor="ctr">
+                    <a:lnL w="6350" cap="flat" cmpd="sng" algn="ctr">
+                      <a:solidFill>
+                        <a:srgbClr val="000000"/>
+                      </a:solidFill>
+                      <a:prstDash val="solid"/>
+                      <a:round/>
+                      <a:headEnd type="none" w="med" len="med"/>
+                      <a:tailEnd type="none" w="med" len="med"/>
+                    </a:lnL>
+                    <a:lnR>
+                      <a:noFill/>
+                    </a:lnR>
+                    <a:lnT w="6350" cap="flat" cmpd="sng" algn="ctr">
+                      <a:solidFill>
+                        <a:srgbClr val="000000"/>
+                      </a:solidFill>
+                      <a:prstDash val="solid"/>
+                      <a:round/>
+                      <a:headEnd type="none" w="med" len="med"/>
+                      <a:tailEnd type="none" w="med" len="med"/>
+                    </a:lnT>
+                    <a:lnB w="6350" cap="flat" cmpd="sng" algn="ctr">
+                      <a:solidFill>
+                        <a:srgbClr val="000000"/>
+                      </a:solidFill>
+                      <a:prstDash val="solid"/>
+                      <a:round/>
+                      <a:headEnd type="none" w="med" len="med"/>
+                      <a:tailEnd type="none" w="med" len="med"/>
+                    </a:lnB>
+                  </a:tcPr>
+                </a:tc>
+                <a:extLst>
+                  <a:ext uri="{0D108BD9-81ED-4DB2-BD59-A6C34878D82A}">
+                    <a16:rowId xmlns:a16="http://schemas.microsoft.com/office/drawing/2014/main" val="2581775928"/>
+                  </a:ext>
+                </a:extLst>
+              </a:tr>
+              <a:tr h="220375">
+                <a:tc>
+                  <a:txBody>
+                    <a:bodyPr/>
+                    <a:lstStyle/>
+                    <a:p>
+                      <a:pPr algn="ctr" fontAlgn="ctr"/>
+                      <a:r>
+                        <a:rPr lang="en-US" sz="900" b="0" i="0" u="none" strike="noStrike">
+                          <a:solidFill>
+                            <a:srgbClr val="000000"/>
+                          </a:solidFill>
+                          <a:effectLst/>
+                          <a:latin typeface="Arial" panose="020B0604020202020204" pitchFamily="34" charset="0"/>
+                        </a:rPr>
+                        <a:t>commons-lang</a:t>
+                      </a:r>
+                    </a:p>
+                  </a:txBody>
+                  <a:tcPr marL="6381" marR="6381" marT="6381" marB="0" anchor="ctr">
+                    <a:lnL>
+                      <a:noFill/>
+                    </a:lnL>
+                    <a:lnR w="6350" cap="flat" cmpd="sng" algn="ctr">
+                      <a:solidFill>
+                        <a:srgbClr val="000000"/>
+                      </a:solidFill>
+                      <a:prstDash val="solid"/>
+                      <a:round/>
+                      <a:headEnd type="none" w="med" len="med"/>
+                      <a:tailEnd type="none" w="med" len="med"/>
+                    </a:lnR>
+                    <a:lnT w="6350" cap="flat" cmpd="sng" algn="ctr">
+                      <a:solidFill>
+                        <a:srgbClr val="000000"/>
+                      </a:solidFill>
+                      <a:prstDash val="solid"/>
+                      <a:round/>
+                      <a:headEnd type="none" w="med" len="med"/>
+                      <a:tailEnd type="none" w="med" len="med"/>
+                    </a:lnT>
+                    <a:lnB w="6350" cap="flat" cmpd="sng" algn="ctr">
+                      <a:solidFill>
+                        <a:srgbClr val="000000"/>
+                      </a:solidFill>
+                      <a:prstDash val="solid"/>
+                      <a:round/>
+                      <a:headEnd type="none" w="med" len="med"/>
+                      <a:tailEnd type="none" w="med" len="med"/>
+                    </a:lnB>
+                  </a:tcPr>
+                </a:tc>
+                <a:tc>
+                  <a:txBody>
+                    <a:bodyPr/>
+                    <a:lstStyle/>
+                    <a:p>
+                      <a:pPr algn="ctr" fontAlgn="ctr"/>
+                      <a:r>
+                        <a:rPr lang="en-US" sz="900" b="0" i="0" u="none" strike="noStrike">
+                          <a:solidFill>
+                            <a:srgbClr val="000000"/>
+                          </a:solidFill>
+                          <a:effectLst/>
+                          <a:latin typeface="Arial" panose="020B0604020202020204" pitchFamily="34" charset="0"/>
+                        </a:rPr>
+                        <a:t>106</a:t>
+                      </a:r>
+                    </a:p>
+                  </a:txBody>
+                  <a:tcPr marL="6381" marR="6381" marT="6381" marB="0" anchor="ctr">
+                    <a:lnL w="6350" cap="flat" cmpd="sng" algn="ctr">
+                      <a:solidFill>
+                        <a:srgbClr val="000000"/>
+                      </a:solidFill>
+                      <a:prstDash val="solid"/>
+                      <a:round/>
+                      <a:headEnd type="none" w="med" len="med"/>
+                      <a:tailEnd type="none" w="med" len="med"/>
+                    </a:lnL>
+                    <a:lnR w="6350" cap="flat" cmpd="sng" algn="ctr">
+                      <a:solidFill>
+                        <a:srgbClr val="000000"/>
+                      </a:solidFill>
+                      <a:prstDash val="solid"/>
+                      <a:round/>
+                      <a:headEnd type="none" w="med" len="med"/>
+                      <a:tailEnd type="none" w="med" len="med"/>
+                    </a:lnR>
+                    <a:lnT w="6350" cap="flat" cmpd="sng" algn="ctr">
+                      <a:solidFill>
+                        <a:srgbClr val="000000"/>
+                      </a:solidFill>
+                      <a:prstDash val="solid"/>
+                      <a:round/>
+                      <a:headEnd type="none" w="med" len="med"/>
+                      <a:tailEnd type="none" w="med" len="med"/>
+                    </a:lnT>
+                    <a:lnB w="6350" cap="flat" cmpd="sng" algn="ctr">
+                      <a:solidFill>
+                        <a:srgbClr val="000000"/>
+                      </a:solidFill>
+                      <a:prstDash val="solid"/>
+                      <a:round/>
+                      <a:headEnd type="none" w="med" len="med"/>
+                      <a:tailEnd type="none" w="med" len="med"/>
+                    </a:lnB>
+                  </a:tcPr>
+                </a:tc>
+                <a:tc>
+                  <a:txBody>
+                    <a:bodyPr/>
+                    <a:lstStyle/>
+                    <a:p>
+                      <a:pPr algn="ctr" fontAlgn="ctr"/>
+                      <a:r>
+                        <a:rPr lang="en-US" sz="900" b="0" i="0" u="none" strike="noStrike">
+                          <a:solidFill>
+                            <a:srgbClr val="000000"/>
+                          </a:solidFill>
+                          <a:effectLst/>
+                          <a:latin typeface="Arial" panose="020B0604020202020204" pitchFamily="34" charset="0"/>
+                        </a:rPr>
+                        <a:t>95%</a:t>
+                      </a:r>
+                    </a:p>
+                  </a:txBody>
+                  <a:tcPr marL="6381" marR="6381" marT="6381" marB="0" anchor="ctr">
+                    <a:lnL w="6350" cap="flat" cmpd="sng" algn="ctr">
+                      <a:solidFill>
+                        <a:srgbClr val="000000"/>
+                      </a:solidFill>
+                      <a:prstDash val="solid"/>
+                      <a:round/>
+                      <a:headEnd type="none" w="med" len="med"/>
+                      <a:tailEnd type="none" w="med" len="med"/>
+                    </a:lnL>
+                    <a:lnR w="6350" cap="flat" cmpd="sng" algn="ctr">
+                      <a:solidFill>
+                        <a:srgbClr val="000000"/>
+                      </a:solidFill>
+                      <a:prstDash val="solid"/>
+                      <a:round/>
+                      <a:headEnd type="none" w="med" len="med"/>
+                      <a:tailEnd type="none" w="med" len="med"/>
+                    </a:lnR>
+                    <a:lnT w="6350" cap="flat" cmpd="sng" algn="ctr">
+                      <a:solidFill>
+                        <a:srgbClr val="000000"/>
+                      </a:solidFill>
+                      <a:prstDash val="solid"/>
+                      <a:round/>
+                      <a:headEnd type="none" w="med" len="med"/>
+                      <a:tailEnd type="none" w="med" len="med"/>
+                    </a:lnT>
+                    <a:lnB w="6350" cap="flat" cmpd="sng" algn="ctr">
+                      <a:solidFill>
+                        <a:srgbClr val="000000"/>
+                      </a:solidFill>
+                      <a:prstDash val="solid"/>
+                      <a:round/>
+                      <a:headEnd type="none" w="med" len="med"/>
+                      <a:tailEnd type="none" w="med" len="med"/>
+                    </a:lnB>
+                  </a:tcPr>
+                </a:tc>
+                <a:tc>
+                  <a:txBody>
+                    <a:bodyPr/>
+                    <a:lstStyle/>
+                    <a:p>
+                      <a:pPr algn="ctr" fontAlgn="ctr"/>
+                      <a:r>
+                        <a:rPr lang="en-US" sz="900" b="0" i="0" u="none" strike="noStrike">
+                          <a:solidFill>
+                            <a:srgbClr val="000000"/>
+                          </a:solidFill>
+                          <a:effectLst/>
+                          <a:latin typeface="Arial" panose="020B0604020202020204" pitchFamily="34" charset="0"/>
+                        </a:rPr>
+                        <a:t>13894/14563</a:t>
+                      </a:r>
+                    </a:p>
+                  </a:txBody>
+                  <a:tcPr marL="6381" marR="6381" marT="6381" marB="0" anchor="ctr">
+                    <a:lnL w="6350" cap="flat" cmpd="sng" algn="ctr">
+                      <a:solidFill>
+                        <a:srgbClr val="000000"/>
+                      </a:solidFill>
+                      <a:prstDash val="solid"/>
+                      <a:round/>
+                      <a:headEnd type="none" w="med" len="med"/>
+                      <a:tailEnd type="none" w="med" len="med"/>
+                    </a:lnL>
+                    <a:lnR w="6350" cap="flat" cmpd="sng" algn="ctr">
+                      <a:solidFill>
+                        <a:srgbClr val="000000"/>
+                      </a:solidFill>
+                      <a:prstDash val="solid"/>
+                      <a:round/>
+                      <a:headEnd type="none" w="med" len="med"/>
+                      <a:tailEnd type="none" w="med" len="med"/>
+                    </a:lnR>
+                    <a:lnT w="6350" cap="flat" cmpd="sng" algn="ctr">
+                      <a:solidFill>
+                        <a:srgbClr val="000000"/>
+                      </a:solidFill>
+                      <a:prstDash val="solid"/>
+                      <a:round/>
+                      <a:headEnd type="none" w="med" len="med"/>
+                      <a:tailEnd type="none" w="med" len="med"/>
+                    </a:lnT>
+                    <a:lnB w="6350" cap="flat" cmpd="sng" algn="ctr">
+                      <a:solidFill>
+                        <a:srgbClr val="000000"/>
+                      </a:solidFill>
+                      <a:prstDash val="solid"/>
+                      <a:round/>
+                      <a:headEnd type="none" w="med" len="med"/>
+                      <a:tailEnd type="none" w="med" len="med"/>
+                    </a:lnB>
+                  </a:tcPr>
+                </a:tc>
+                <a:tc>
+                  <a:txBody>
+                    <a:bodyPr/>
+                    <a:lstStyle/>
+                    <a:p>
+                      <a:pPr algn="ctr" fontAlgn="ctr"/>
+                      <a:r>
+                        <a:rPr lang="en-US" sz="900" b="1" i="0" u="none" strike="noStrike" dirty="0">
+                          <a:solidFill>
+                            <a:schemeClr val="accent6">
+                              <a:lumMod val="50000"/>
+                            </a:schemeClr>
+                          </a:solidFill>
+                          <a:effectLst/>
+                          <a:latin typeface="Arial" panose="020B0604020202020204" pitchFamily="34" charset="0"/>
+                        </a:rPr>
+                        <a:t>73%</a:t>
+                      </a:r>
+                    </a:p>
+                  </a:txBody>
+                  <a:tcPr marL="6381" marR="6381" marT="6381" marB="0" anchor="ctr">
+                    <a:lnL w="6350" cap="flat" cmpd="sng" algn="ctr">
+                      <a:solidFill>
+                        <a:srgbClr val="000000"/>
+                      </a:solidFill>
+                      <a:prstDash val="solid"/>
+                      <a:round/>
+                      <a:headEnd type="none" w="med" len="med"/>
+                      <a:tailEnd type="none" w="med" len="med"/>
+                    </a:lnL>
+                    <a:lnR w="6350" cap="flat" cmpd="sng" algn="ctr">
+                      <a:solidFill>
+                        <a:srgbClr val="000000"/>
+                      </a:solidFill>
+                      <a:prstDash val="solid"/>
+                      <a:round/>
+                      <a:headEnd type="none" w="med" len="med"/>
+                      <a:tailEnd type="none" w="med" len="med"/>
+                    </a:lnR>
+                    <a:lnT w="6350" cap="flat" cmpd="sng" algn="ctr">
+                      <a:solidFill>
+                        <a:srgbClr val="000000"/>
+                      </a:solidFill>
+                      <a:prstDash val="solid"/>
+                      <a:round/>
+                      <a:headEnd type="none" w="med" len="med"/>
+                      <a:tailEnd type="none" w="med" len="med"/>
+                    </a:lnT>
+                    <a:lnB w="6350" cap="flat" cmpd="sng" algn="ctr">
+                      <a:solidFill>
+                        <a:srgbClr val="000000"/>
+                      </a:solidFill>
+                      <a:prstDash val="solid"/>
+                      <a:round/>
+                      <a:headEnd type="none" w="med" len="med"/>
+                      <a:tailEnd type="none" w="med" len="med"/>
+                    </a:lnB>
+                    <a:solidFill>
+                      <a:schemeClr val="accent1">
+                        <a:alpha val="15000"/>
+                      </a:schemeClr>
+                    </a:solidFill>
+                  </a:tcPr>
+                </a:tc>
+                <a:tc>
+                  <a:txBody>
+                    <a:bodyPr/>
+                    <a:lstStyle/>
+                    <a:p>
+                      <a:pPr algn="ctr" fontAlgn="ctr"/>
+                      <a:r>
+                        <a:rPr lang="en-US" sz="900" b="0" i="0" u="none" strike="noStrike">
+                          <a:solidFill>
+                            <a:srgbClr val="000000"/>
+                          </a:solidFill>
+                          <a:effectLst/>
+                          <a:latin typeface="Arial" panose="020B0604020202020204" pitchFamily="34" charset="0"/>
+                        </a:rPr>
+                        <a:t>35563/48766</a:t>
+                      </a:r>
+                    </a:p>
+                  </a:txBody>
+                  <a:tcPr marL="6381" marR="6381" marT="6381" marB="0" anchor="ctr">
+                    <a:lnL w="6350" cap="flat" cmpd="sng" algn="ctr">
+                      <a:solidFill>
+                        <a:srgbClr val="000000"/>
+                      </a:solidFill>
+                      <a:prstDash val="solid"/>
+                      <a:round/>
+                      <a:headEnd type="none" w="med" len="med"/>
+                      <a:tailEnd type="none" w="med" len="med"/>
+                    </a:lnL>
+                    <a:lnR w="6350" cap="flat" cmpd="sng" algn="ctr">
+                      <a:solidFill>
+                        <a:srgbClr val="000000"/>
+                      </a:solidFill>
+                      <a:prstDash val="solid"/>
+                      <a:round/>
+                      <a:headEnd type="none" w="med" len="med"/>
+                      <a:tailEnd type="none" w="med" len="med"/>
+                    </a:lnR>
+                    <a:lnT w="6350" cap="flat" cmpd="sng" algn="ctr">
+                      <a:solidFill>
+                        <a:srgbClr val="000000"/>
+                      </a:solidFill>
+                      <a:prstDash val="solid"/>
+                      <a:round/>
+                      <a:headEnd type="none" w="med" len="med"/>
+                      <a:tailEnd type="none" w="med" len="med"/>
+                    </a:lnT>
+                    <a:lnB w="6350" cap="flat" cmpd="sng" algn="ctr">
+                      <a:solidFill>
+                        <a:srgbClr val="000000"/>
+                      </a:solidFill>
+                      <a:prstDash val="solid"/>
+                      <a:round/>
+                      <a:headEnd type="none" w="med" len="med"/>
+                      <a:tailEnd type="none" w="med" len="med"/>
+                    </a:lnB>
+                  </a:tcPr>
+                </a:tc>
+                <a:tc>
+                  <a:txBody>
+                    <a:bodyPr/>
+                    <a:lstStyle/>
+                    <a:p>
+                      <a:pPr algn="ctr" fontAlgn="ctr"/>
+                      <a:r>
+                        <a:rPr lang="en-US" sz="900" b="0" i="0" u="none" strike="noStrike">
+                          <a:solidFill>
+                            <a:srgbClr val="000000"/>
+                          </a:solidFill>
+                          <a:effectLst/>
+                          <a:latin typeface="Arial" panose="020B0604020202020204" pitchFamily="34" charset="0"/>
+                        </a:rPr>
+                        <a:t>02:23 h</a:t>
+                      </a:r>
+                    </a:p>
+                  </a:txBody>
+                  <a:tcPr marL="6381" marR="6381" marT="6381" marB="0" anchor="ctr">
+                    <a:lnL w="6350" cap="flat" cmpd="sng" algn="ctr">
+                      <a:solidFill>
+                        <a:srgbClr val="000000"/>
+                      </a:solidFill>
+                      <a:prstDash val="solid"/>
+                      <a:round/>
+                      <a:headEnd type="none" w="med" len="med"/>
+                      <a:tailEnd type="none" w="med" len="med"/>
+                    </a:lnL>
+                    <a:lnR w="6350" cap="flat" cmpd="sng" algn="ctr">
+                      <a:solidFill>
+                        <a:srgbClr val="000000"/>
+                      </a:solidFill>
+                      <a:prstDash val="solid"/>
+                      <a:round/>
+                      <a:headEnd type="none" w="med" len="med"/>
+                      <a:tailEnd type="none" w="med" len="med"/>
+                    </a:lnR>
+                    <a:lnT w="6350" cap="flat" cmpd="sng" algn="ctr">
+                      <a:solidFill>
+                        <a:srgbClr val="000000"/>
+                      </a:solidFill>
+                      <a:prstDash val="solid"/>
+                      <a:round/>
+                      <a:headEnd type="none" w="med" len="med"/>
+                      <a:tailEnd type="none" w="med" len="med"/>
+                    </a:lnT>
+                    <a:lnB w="6350" cap="flat" cmpd="sng" algn="ctr">
+                      <a:solidFill>
+                        <a:srgbClr val="000000"/>
+                      </a:solidFill>
+                      <a:prstDash val="solid"/>
+                      <a:round/>
+                      <a:headEnd type="none" w="med" len="med"/>
+                      <a:tailEnd type="none" w="med" len="med"/>
+                    </a:lnB>
+                  </a:tcPr>
+                </a:tc>
+                <a:tc>
+                  <a:txBody>
+                    <a:bodyPr/>
+                    <a:lstStyle/>
+                    <a:p>
+                      <a:pPr algn="ctr" fontAlgn="ctr"/>
+                      <a:r>
+                        <a:rPr lang="en-US" sz="900" b="0" i="0" u="none" strike="noStrike">
+                          <a:solidFill>
+                            <a:srgbClr val="000000"/>
+                          </a:solidFill>
+                          <a:effectLst/>
+                          <a:latin typeface="Arial" panose="020B0604020202020204" pitchFamily="34" charset="0"/>
+                        </a:rPr>
+                        <a:t>4</a:t>
+                      </a:r>
+                    </a:p>
+                  </a:txBody>
+                  <a:tcPr marL="6381" marR="6381" marT="6381" marB="0" anchor="ctr">
+                    <a:lnL w="6350" cap="flat" cmpd="sng" algn="ctr">
+                      <a:solidFill>
+                        <a:srgbClr val="000000"/>
+                      </a:solidFill>
+                      <a:prstDash val="solid"/>
+                      <a:round/>
+                      <a:headEnd type="none" w="med" len="med"/>
+                      <a:tailEnd type="none" w="med" len="med"/>
+                    </a:lnL>
+                    <a:lnR>
+                      <a:noFill/>
+                    </a:lnR>
+                    <a:lnT w="6350" cap="flat" cmpd="sng" algn="ctr">
+                      <a:solidFill>
+                        <a:srgbClr val="000000"/>
+                      </a:solidFill>
+                      <a:prstDash val="solid"/>
+                      <a:round/>
+                      <a:headEnd type="none" w="med" len="med"/>
+                      <a:tailEnd type="none" w="med" len="med"/>
+                    </a:lnT>
+                    <a:lnB w="6350" cap="flat" cmpd="sng" algn="ctr">
+                      <a:solidFill>
+                        <a:srgbClr val="000000"/>
+                      </a:solidFill>
+                      <a:prstDash val="solid"/>
+                      <a:round/>
+                      <a:headEnd type="none" w="med" len="med"/>
+                      <a:tailEnd type="none" w="med" len="med"/>
+                    </a:lnB>
+                  </a:tcPr>
+                </a:tc>
+                <a:extLst>
+                  <a:ext uri="{0D108BD9-81ED-4DB2-BD59-A6C34878D82A}">
+                    <a16:rowId xmlns:a16="http://schemas.microsoft.com/office/drawing/2014/main" val="3296319732"/>
+                  </a:ext>
+                </a:extLst>
+              </a:tr>
+              <a:tr h="220375">
+                <a:tc>
+                  <a:txBody>
+                    <a:bodyPr/>
+                    <a:lstStyle/>
+                    <a:p>
+                      <a:pPr algn="ctr" fontAlgn="ctr"/>
+                      <a:r>
+                        <a:rPr lang="en-US" sz="900" b="0" i="0" u="none" strike="noStrike">
+                          <a:solidFill>
+                            <a:srgbClr val="000000"/>
+                          </a:solidFill>
+                          <a:effectLst/>
+                          <a:latin typeface="Arial" panose="020B0604020202020204" pitchFamily="34" charset="0"/>
+                        </a:rPr>
+                        <a:t>jfreechart</a:t>
+                      </a:r>
+                    </a:p>
+                  </a:txBody>
+                  <a:tcPr marL="6381" marR="6381" marT="6381" marB="0" anchor="ctr">
+                    <a:lnL>
+                      <a:noFill/>
+                    </a:lnL>
+                    <a:lnR w="6350" cap="flat" cmpd="sng" algn="ctr">
+                      <a:solidFill>
+                        <a:srgbClr val="000000"/>
+                      </a:solidFill>
+                      <a:prstDash val="solid"/>
+                      <a:round/>
+                      <a:headEnd type="none" w="med" len="med"/>
+                      <a:tailEnd type="none" w="med" len="med"/>
+                    </a:lnR>
+                    <a:lnT w="6350" cap="flat" cmpd="sng" algn="ctr">
+                      <a:solidFill>
+                        <a:srgbClr val="000000"/>
+                      </a:solidFill>
+                      <a:prstDash val="solid"/>
+                      <a:round/>
+                      <a:headEnd type="none" w="med" len="med"/>
+                      <a:tailEnd type="none" w="med" len="med"/>
+                    </a:lnT>
+                    <a:lnB w="6350" cap="flat" cmpd="sng" algn="ctr">
+                      <a:solidFill>
+                        <a:srgbClr val="000000"/>
+                      </a:solidFill>
+                      <a:prstDash val="solid"/>
+                      <a:round/>
+                      <a:headEnd type="none" w="med" len="med"/>
+                      <a:tailEnd type="none" w="med" len="med"/>
+                    </a:lnB>
+                    <a:solidFill>
+                      <a:srgbClr val="FCE4D6"/>
+                    </a:solidFill>
+                  </a:tcPr>
+                </a:tc>
+                <a:tc rowSpan="2" gridSpan="6">
+                  <a:txBody>
+                    <a:bodyPr/>
+                    <a:lstStyle/>
+                    <a:p>
+                      <a:pPr algn="ctr" fontAlgn="ctr"/>
+                      <a:r>
+                        <a:rPr lang="en-US" sz="900" b="0" i="0" u="none" strike="noStrike">
+                          <a:solidFill>
+                            <a:srgbClr val="000000"/>
+                          </a:solidFill>
+                          <a:effectLst/>
+                          <a:latin typeface="Arial" panose="020B0604020202020204" pitchFamily="34" charset="0"/>
+                        </a:rPr>
+                        <a:t>Got crash after running more than 2 hours</a:t>
+                      </a:r>
+                    </a:p>
+                  </a:txBody>
+                  <a:tcPr marL="6381" marR="6381" marT="6381" marB="0" anchor="ctr">
+                    <a:lnL w="6350" cap="flat" cmpd="sng" algn="ctr">
+                      <a:solidFill>
+                        <a:srgbClr val="000000"/>
+                      </a:solidFill>
+                      <a:prstDash val="solid"/>
+                      <a:round/>
+                      <a:headEnd type="none" w="med" len="med"/>
+                      <a:tailEnd type="none" w="med" len="med"/>
+                    </a:lnL>
+                    <a:lnR w="6350" cap="flat" cmpd="sng" algn="ctr">
+                      <a:solidFill>
+                        <a:srgbClr val="000000"/>
+                      </a:solidFill>
+                      <a:prstDash val="solid"/>
+                      <a:round/>
+                      <a:headEnd type="none" w="med" len="med"/>
+                      <a:tailEnd type="none" w="med" len="med"/>
+                    </a:lnR>
+                    <a:lnT w="6350" cap="flat" cmpd="sng" algn="ctr">
+                      <a:solidFill>
+                        <a:srgbClr val="000000"/>
+                      </a:solidFill>
+                      <a:prstDash val="solid"/>
+                      <a:round/>
+                      <a:headEnd type="none" w="med" len="med"/>
+                      <a:tailEnd type="none" w="med" len="med"/>
+                    </a:lnT>
+                    <a:lnB>
+                      <a:noFill/>
+                    </a:lnB>
+                    <a:solidFill>
+                      <a:srgbClr val="FCE4D6"/>
+                    </a:solidFill>
+                  </a:tcPr>
+                </a:tc>
+                <a:tc rowSpan="2" hMerge="1">
+                  <a:txBody>
+                    <a:bodyPr/>
+                    <a:lstStyle/>
+                    <a:p>
+                      <a:endParaRPr lang="en-US"/>
+                    </a:p>
+                  </a:txBody>
+                  <a:tcPr/>
+                </a:tc>
+                <a:tc rowSpan="2" hMerge="1">
+                  <a:txBody>
+                    <a:bodyPr/>
+                    <a:lstStyle/>
+                    <a:p>
+                      <a:endParaRPr lang="en-US"/>
+                    </a:p>
+                  </a:txBody>
+                  <a:tcPr/>
+                </a:tc>
+                <a:tc rowSpan="2" hMerge="1">
+                  <a:txBody>
+                    <a:bodyPr/>
+                    <a:lstStyle/>
+                    <a:p>
+                      <a:endParaRPr lang="en-US"/>
+                    </a:p>
+                  </a:txBody>
+                  <a:tcPr/>
+                </a:tc>
+                <a:tc rowSpan="2" hMerge="1">
+                  <a:txBody>
+                    <a:bodyPr/>
+                    <a:lstStyle/>
+                    <a:p>
+                      <a:endParaRPr lang="en-US"/>
+                    </a:p>
+                  </a:txBody>
+                  <a:tcPr/>
+                </a:tc>
+                <a:tc rowSpan="2" hMerge="1">
+                  <a:txBody>
+                    <a:bodyPr/>
+                    <a:lstStyle/>
+                    <a:p>
+                      <a:endParaRPr lang="en-US"/>
+                    </a:p>
+                  </a:txBody>
+                  <a:tcPr/>
+                </a:tc>
+                <a:tc>
+                  <a:txBody>
+                    <a:bodyPr/>
+                    <a:lstStyle/>
+                    <a:p>
+                      <a:pPr algn="ctr" fontAlgn="ctr"/>
+                      <a:r>
+                        <a:rPr lang="en-US" sz="900" b="0" i="0" u="none" strike="noStrike">
+                          <a:solidFill>
+                            <a:srgbClr val="000000"/>
+                          </a:solidFill>
+                          <a:effectLst/>
+                          <a:latin typeface="Arial" panose="020B0604020202020204" pitchFamily="34" charset="0"/>
+                        </a:rPr>
+                        <a:t>4</a:t>
+                      </a:r>
+                    </a:p>
+                  </a:txBody>
+                  <a:tcPr marL="6381" marR="6381" marT="6381" marB="0" anchor="ctr">
+                    <a:lnL w="6350" cap="flat" cmpd="sng" algn="ctr">
+                      <a:solidFill>
+                        <a:srgbClr val="000000"/>
+                      </a:solidFill>
+                      <a:prstDash val="solid"/>
+                      <a:round/>
+                      <a:headEnd type="none" w="med" len="med"/>
+                      <a:tailEnd type="none" w="med" len="med"/>
+                    </a:lnL>
+                    <a:lnR>
+                      <a:noFill/>
+                    </a:lnR>
+                    <a:lnT w="6350" cap="flat" cmpd="sng" algn="ctr">
+                      <a:solidFill>
+                        <a:srgbClr val="000000"/>
+                      </a:solidFill>
+                      <a:prstDash val="solid"/>
+                      <a:round/>
+                      <a:headEnd type="none" w="med" len="med"/>
+                      <a:tailEnd type="none" w="med" len="med"/>
+                    </a:lnT>
+                    <a:lnB w="6350" cap="flat" cmpd="sng" algn="ctr">
+                      <a:solidFill>
+                        <a:srgbClr val="000000"/>
+                      </a:solidFill>
+                      <a:prstDash val="solid"/>
+                      <a:round/>
+                      <a:headEnd type="none" w="med" len="med"/>
+                      <a:tailEnd type="none" w="med" len="med"/>
+                    </a:lnB>
+                    <a:solidFill>
+                      <a:srgbClr val="FCE4D6"/>
+                    </a:solidFill>
+                  </a:tcPr>
+                </a:tc>
+                <a:extLst>
+                  <a:ext uri="{0D108BD9-81ED-4DB2-BD59-A6C34878D82A}">
+                    <a16:rowId xmlns:a16="http://schemas.microsoft.com/office/drawing/2014/main" val="2262274273"/>
+                  </a:ext>
+                </a:extLst>
+              </a:tr>
+              <a:tr h="220375">
+                <a:tc>
+                  <a:txBody>
+                    <a:bodyPr/>
+                    <a:lstStyle/>
+                    <a:p>
+                      <a:pPr algn="ctr" fontAlgn="ctr"/>
+                      <a:r>
+                        <a:rPr lang="en-US" sz="900" b="0" i="0" u="none" strike="noStrike">
+                          <a:solidFill>
+                            <a:srgbClr val="000000"/>
+                          </a:solidFill>
+                          <a:effectLst/>
+                          <a:latin typeface="Arial" panose="020B0604020202020204" pitchFamily="34" charset="0"/>
+                        </a:rPr>
+                        <a:t>joda-time</a:t>
+                      </a:r>
+                    </a:p>
+                  </a:txBody>
+                  <a:tcPr marL="6381" marR="6381" marT="6381" marB="0" anchor="ctr">
+                    <a:lnL>
+                      <a:noFill/>
+                    </a:lnL>
+                    <a:lnR w="6350" cap="flat" cmpd="sng" algn="ctr">
+                      <a:solidFill>
+                        <a:srgbClr val="000000"/>
+                      </a:solidFill>
+                      <a:prstDash val="solid"/>
+                      <a:round/>
+                      <a:headEnd type="none" w="med" len="med"/>
+                      <a:tailEnd type="none" w="med" len="med"/>
+                    </a:lnR>
+                    <a:lnT w="6350" cap="flat" cmpd="sng" algn="ctr">
+                      <a:solidFill>
+                        <a:srgbClr val="000000"/>
+                      </a:solidFill>
+                      <a:prstDash val="solid"/>
+                      <a:round/>
+                      <a:headEnd type="none" w="med" len="med"/>
+                      <a:tailEnd type="none" w="med" len="med"/>
+                    </a:lnT>
+                    <a:lnB>
+                      <a:noFill/>
+                    </a:lnB>
+                    <a:solidFill>
+                      <a:srgbClr val="FCE4D6"/>
+                    </a:solidFill>
+                  </a:tcPr>
+                </a:tc>
+                <a:tc gridSpan="6" vMerge="1">
+                  <a:txBody>
+                    <a:bodyPr/>
+                    <a:lstStyle/>
+                    <a:p>
+                      <a:endParaRPr lang="en-US"/>
+                    </a:p>
+                  </a:txBody>
+                  <a:tcPr/>
+                </a:tc>
+                <a:tc hMerge="1" vMerge="1">
+                  <a:txBody>
+                    <a:bodyPr/>
+                    <a:lstStyle/>
+                    <a:p>
+                      <a:endParaRPr lang="en-US"/>
+                    </a:p>
+                  </a:txBody>
+                  <a:tcPr/>
+                </a:tc>
+                <a:tc hMerge="1" vMerge="1">
+                  <a:txBody>
+                    <a:bodyPr/>
+                    <a:lstStyle/>
+                    <a:p>
+                      <a:endParaRPr lang="en-US"/>
+                    </a:p>
+                  </a:txBody>
+                  <a:tcPr/>
+                </a:tc>
+                <a:tc hMerge="1" vMerge="1">
+                  <a:txBody>
+                    <a:bodyPr/>
+                    <a:lstStyle/>
+                    <a:p>
+                      <a:endParaRPr lang="en-US"/>
+                    </a:p>
+                  </a:txBody>
+                  <a:tcPr/>
+                </a:tc>
+                <a:tc hMerge="1" vMerge="1">
+                  <a:txBody>
+                    <a:bodyPr/>
+                    <a:lstStyle/>
+                    <a:p>
+                      <a:endParaRPr lang="en-US"/>
+                    </a:p>
+                  </a:txBody>
+                  <a:tcPr/>
+                </a:tc>
+                <a:tc hMerge="1" vMerge="1">
+                  <a:txBody>
+                    <a:bodyPr/>
+                    <a:lstStyle/>
+                    <a:p>
+                      <a:endParaRPr lang="en-US"/>
+                    </a:p>
+                  </a:txBody>
+                  <a:tcPr/>
+                </a:tc>
+                <a:tc>
+                  <a:txBody>
+                    <a:bodyPr/>
+                    <a:lstStyle/>
+                    <a:p>
+                      <a:pPr algn="ctr" fontAlgn="ctr"/>
+                      <a:r>
+                        <a:rPr lang="en-US" sz="900" b="0" i="0" u="none" strike="noStrike" dirty="0">
+                          <a:solidFill>
+                            <a:srgbClr val="000000"/>
+                          </a:solidFill>
+                          <a:effectLst/>
+                          <a:latin typeface="Arial" panose="020B0604020202020204" pitchFamily="34" charset="0"/>
+                        </a:rPr>
+                        <a:t>4</a:t>
+                      </a:r>
+                    </a:p>
+                  </a:txBody>
+                  <a:tcPr marL="6381" marR="6381" marT="6381" marB="0" anchor="ctr">
+                    <a:lnL w="6350" cap="flat" cmpd="sng" algn="ctr">
+                      <a:solidFill>
+                        <a:srgbClr val="000000"/>
+                      </a:solidFill>
+                      <a:prstDash val="solid"/>
+                      <a:round/>
+                      <a:headEnd type="none" w="med" len="med"/>
+                      <a:tailEnd type="none" w="med" len="med"/>
+                    </a:lnL>
+                    <a:lnR>
+                      <a:noFill/>
+                    </a:lnR>
+                    <a:lnT w="6350" cap="flat" cmpd="sng" algn="ctr">
+                      <a:solidFill>
+                        <a:srgbClr val="000000"/>
+                      </a:solidFill>
+                      <a:prstDash val="solid"/>
+                      <a:round/>
+                      <a:headEnd type="none" w="med" len="med"/>
+                      <a:tailEnd type="none" w="med" len="med"/>
+                    </a:lnT>
+                    <a:lnB>
+                      <a:noFill/>
+                    </a:lnB>
+                    <a:solidFill>
+                      <a:srgbClr val="FCE4D6"/>
+                    </a:solidFill>
+                  </a:tcPr>
+                </a:tc>
+                <a:extLst>
+                  <a:ext uri="{0D108BD9-81ED-4DB2-BD59-A6C34878D82A}">
+                    <a16:rowId xmlns:a16="http://schemas.microsoft.com/office/drawing/2014/main" val="4097957914"/>
+                  </a:ext>
+                </a:extLst>
+              </a:tr>
+            </a:tbl>
+          </a:graphicData>
+        </a:graphic>
+      </p:graphicFrame>
+    </p:spTree>
+    <p:extLst>
+      <p:ext uri="{BB962C8B-B14F-4D97-AF65-F5344CB8AC3E}">
+        <p14:creationId xmlns:p14="http://schemas.microsoft.com/office/powerpoint/2010/main" val="3709804803"/>
+      </p:ext>
+    </p:extLst>
+  </p:cSld>
+  <p:clrMapOvr>
+    <a:masterClrMapping/>
+  </p:clrMapOvr>
+</p:sld>
+</file>
+
+<file path=ppt/slides/slide14.xml><?xml version="1.0" encoding="utf-8"?>
+<p:sld xmlns:a="http://schemas.openxmlformats.org/drawingml/2006/main" xmlns:r="http://schemas.openxmlformats.org/officeDocument/2006/relationships" xmlns:p="http://schemas.openxmlformats.org/presentationml/2006/main">
+  <p:cSld>
+    <p:spTree>
+      <p:nvGrpSpPr>
+        <p:cNvPr id="1" name=""/>
+        <p:cNvGrpSpPr/>
+        <p:nvPr/>
+      </p:nvGrpSpPr>
+      <p:grpSpPr>
+        <a:xfrm>
+          <a:off x="0" y="0"/>
+          <a:ext cx="0" cy="0"/>
+          <a:chOff x="0" y="0"/>
+          <a:chExt cx="0" cy="0"/>
+        </a:xfrm>
+      </p:grpSpPr>
+      <p:sp>
+        <p:nvSpPr>
+          <p:cNvPr id="2" name="Title 1">
+            <a:extLst>
+              <a:ext uri="{FF2B5EF4-FFF2-40B4-BE49-F238E27FC236}">
+                <a16:creationId xmlns:a16="http://schemas.microsoft.com/office/drawing/2014/main" id="{154C2E16-3DFC-C443-9D0F-1CC30518F820}"/>
+              </a:ext>
+            </a:extLst>
+          </p:cNvPr>
+          <p:cNvSpPr>
+            <a:spLocks noGrp="1"/>
+          </p:cNvSpPr>
+          <p:nvPr>
+            <p:ph type="title"/>
+          </p:nvPr>
+        </p:nvSpPr>
+        <p:spPr/>
+        <p:txBody>
+          <a:bodyPr/>
+          <a:lstStyle/>
+          <a:p>
+            <a:r>
+              <a:rPr lang="en-US" dirty="0"/>
+              <a:t>Running in </a:t>
+            </a:r>
+            <a:r>
+              <a:rPr lang="en-US" dirty="0" err="1"/>
+              <a:t>MultiThreads</a:t>
+            </a:r>
+            <a:endParaRPr lang="en-US" dirty="0"/>
+          </a:p>
+        </p:txBody>
+      </p:sp>
+      <p:sp>
+        <p:nvSpPr>
+          <p:cNvPr id="3" name="Content Placeholder 2">
+            <a:extLst>
+              <a:ext uri="{FF2B5EF4-FFF2-40B4-BE49-F238E27FC236}">
+                <a16:creationId xmlns:a16="http://schemas.microsoft.com/office/drawing/2014/main" id="{7E5ED9BC-2089-C94D-A052-969E032906FE}"/>
+              </a:ext>
+            </a:extLst>
+          </p:cNvPr>
+          <p:cNvSpPr>
+            <a:spLocks noGrp="1"/>
+          </p:cNvSpPr>
+          <p:nvPr>
+            <p:ph idx="1"/>
+          </p:nvPr>
+        </p:nvSpPr>
+        <p:spPr/>
+        <p:txBody>
+          <a:bodyPr/>
+          <a:lstStyle/>
+          <a:p>
+            <a:r>
+              <a:rPr lang="en-US" dirty="0"/>
+              <a:t>By </a:t>
+            </a:r>
+            <a:r>
+              <a:rPr lang="en-US" dirty="0" err="1"/>
+              <a:t>defult</a:t>
+            </a:r>
+            <a:r>
+              <a:rPr lang="en-US" dirty="0"/>
+              <a:t> (1 thread):</a:t>
+            </a:r>
+          </a:p>
+          <a:p>
+            <a:pPr lvl="1"/>
+            <a:r>
+              <a:rPr lang="en-US" dirty="0" err="1"/>
+              <a:t>mvn</a:t>
+            </a:r>
+            <a:r>
+              <a:rPr lang="en-US" dirty="0"/>
+              <a:t> </a:t>
+            </a:r>
+            <a:r>
+              <a:rPr lang="en-US" dirty="0" err="1"/>
+              <a:t>org.pitest:pitest-maven:mutationCoverage</a:t>
+            </a:r>
+            <a:endParaRPr lang="en-US" dirty="0"/>
+          </a:p>
+          <a:p>
+            <a:r>
+              <a:rPr lang="en-US" dirty="0"/>
+              <a:t>By n-Threads:</a:t>
+            </a:r>
+          </a:p>
+          <a:p>
+            <a:pPr lvl="1"/>
+            <a:r>
+              <a:rPr lang="en-US" dirty="0" err="1"/>
+              <a:t>mvn</a:t>
+            </a:r>
+            <a:r>
+              <a:rPr lang="en-US" dirty="0"/>
+              <a:t> –T n </a:t>
+            </a:r>
+            <a:r>
+              <a:rPr lang="en-US" dirty="0" err="1"/>
+              <a:t>org.pitest:pitest-maven:mutationCoverage</a:t>
+            </a:r>
+            <a:endParaRPr lang="en-US" dirty="0"/>
+          </a:p>
+          <a:p>
+            <a:pPr lvl="1"/>
+            <a:r>
+              <a:rPr lang="en-US" dirty="0"/>
+              <a:t>Where, n denotes number of the thread</a:t>
+            </a:r>
+          </a:p>
+          <a:p>
+            <a:pPr lvl="1"/>
+            <a:r>
+              <a:rPr lang="en-US" dirty="0"/>
+              <a:t>Example for 4 threads:</a:t>
+            </a:r>
+          </a:p>
+        </p:txBody>
+      </p:sp>
+      <p:sp>
+        <p:nvSpPr>
+          <p:cNvPr id="6" name="Rectangle 5">
+            <a:extLst>
+              <a:ext uri="{FF2B5EF4-FFF2-40B4-BE49-F238E27FC236}">
+                <a16:creationId xmlns:a16="http://schemas.microsoft.com/office/drawing/2014/main" id="{667ED8F2-E013-AA4B-8CD1-3B6FCDDB4F79}"/>
+              </a:ext>
+            </a:extLst>
+          </p:cNvPr>
+          <p:cNvSpPr/>
+          <p:nvPr/>
+        </p:nvSpPr>
+        <p:spPr>
+          <a:xfrm>
+            <a:off x="1543049" y="4425950"/>
+            <a:ext cx="7186614" cy="603250"/>
+          </a:xfrm>
+          <a:prstGeom prst="rect">
+            <a:avLst/>
+          </a:prstGeom>
+        </p:spPr>
+        <p:style>
+          <a:lnRef idx="2">
+            <a:schemeClr val="accent1">
+              <a:shade val="50000"/>
+            </a:schemeClr>
+          </a:lnRef>
+          <a:fillRef idx="1">
+            <a:schemeClr val="accent1"/>
+          </a:fillRef>
+          <a:effectRef idx="0">
+            <a:schemeClr val="accent1"/>
+          </a:effectRef>
+          <a:fontRef idx="minor">
+            <a:schemeClr val="lt1"/>
+          </a:fontRef>
+        </p:style>
+        <p:txBody>
+          <a:bodyPr rtlCol="0" anchor="ctr"/>
+          <a:lstStyle/>
+          <a:p>
+            <a:pPr algn="ctr"/>
+            <a:r>
+              <a:rPr lang="en-US" sz="2400" dirty="0"/>
+              <a:t> </a:t>
+            </a:r>
+            <a:r>
+              <a:rPr lang="en-US" sz="2400" dirty="0" err="1"/>
+              <a:t>mvn</a:t>
+            </a:r>
+            <a:r>
+              <a:rPr lang="en-US" sz="2400" dirty="0"/>
+              <a:t> -T 4 </a:t>
+            </a:r>
+            <a:r>
+              <a:rPr lang="en-US" sz="2400" dirty="0" err="1"/>
+              <a:t>org.pitest:pitest-maven:mutationCoverage</a:t>
+            </a:r>
+            <a:endParaRPr lang="en-US" sz="2400" dirty="0"/>
+          </a:p>
+        </p:txBody>
+      </p:sp>
+    </p:spTree>
+    <p:extLst>
+      <p:ext uri="{BB962C8B-B14F-4D97-AF65-F5344CB8AC3E}">
+        <p14:creationId xmlns:p14="http://schemas.microsoft.com/office/powerpoint/2010/main" val="4275139638"/>
+      </p:ext>
+    </p:extLst>
+  </p:cSld>
+  <p:clrMapOvr>
+    <a:masterClrMapping/>
+  </p:clrMapOvr>
+</p:sld>
+</file>
+
+<file path=ppt/slides/slide15.xml><?xml version="1.0" encoding="utf-8"?>
+<p:sld xmlns:a="http://schemas.openxmlformats.org/drawingml/2006/main" xmlns:r="http://schemas.openxmlformats.org/officeDocument/2006/relationships" xmlns:p="http://schemas.openxmlformats.org/presentationml/2006/main">
+  <p:cSld>
+    <p:spTree>
+      <p:nvGrpSpPr>
+        <p:cNvPr id="1" name=""/>
+        <p:cNvGrpSpPr/>
+        <p:nvPr/>
+      </p:nvGrpSpPr>
+      <p:grpSpPr>
+        <a:xfrm>
+          <a:off x="0" y="0"/>
+          <a:ext cx="0" cy="0"/>
+          <a:chOff x="0" y="0"/>
+          <a:chExt cx="0" cy="0"/>
+        </a:xfrm>
+      </p:grpSpPr>
+      <p:sp>
+        <p:nvSpPr>
+          <p:cNvPr id="2" name="Title 1">
+            <a:extLst>
+              <a:ext uri="{FF2B5EF4-FFF2-40B4-BE49-F238E27FC236}">
+                <a16:creationId xmlns:a16="http://schemas.microsoft.com/office/drawing/2014/main" id="{2941D474-7157-ED45-B54A-CD83D39DD1AE}"/>
+              </a:ext>
+            </a:extLst>
+          </p:cNvPr>
+          <p:cNvSpPr>
+            <a:spLocks noGrp="1"/>
+          </p:cNvSpPr>
+          <p:nvPr>
+            <p:ph type="title"/>
+          </p:nvPr>
+        </p:nvSpPr>
+        <p:spPr>
+          <a:xfrm>
+            <a:off x="838200" y="0"/>
+            <a:ext cx="10515600" cy="706438"/>
+          </a:xfrm>
+        </p:spPr>
+        <p:txBody>
+          <a:bodyPr/>
+          <a:lstStyle/>
+          <a:p>
+            <a:pPr algn="ctr"/>
+            <a:r>
+              <a:rPr lang="en-US" b="1" dirty="0" err="1"/>
+              <a:t>Mutators</a:t>
+            </a:r>
+            <a:endParaRPr lang="en-US" b="1" dirty="0"/>
+          </a:p>
+        </p:txBody>
+      </p:sp>
+      <p:sp>
+        <p:nvSpPr>
+          <p:cNvPr id="3" name="Content Placeholder 2">
+            <a:extLst>
+              <a:ext uri="{FF2B5EF4-FFF2-40B4-BE49-F238E27FC236}">
+                <a16:creationId xmlns:a16="http://schemas.microsoft.com/office/drawing/2014/main" id="{288CD337-1BE5-894C-A79E-610DFA5A7802}"/>
+              </a:ext>
+            </a:extLst>
+          </p:cNvPr>
+          <p:cNvSpPr>
+            <a:spLocks noGrp="1"/>
+          </p:cNvSpPr>
+          <p:nvPr>
+            <p:ph idx="1"/>
+          </p:nvPr>
+        </p:nvSpPr>
+        <p:spPr>
+          <a:xfrm>
+            <a:off x="285750" y="706438"/>
+            <a:ext cx="11258550" cy="6151561"/>
+          </a:xfrm>
+        </p:spPr>
+        <p:txBody>
+          <a:bodyPr>
+            <a:normAutofit fontScale="55000" lnSpcReduction="20000"/>
+          </a:bodyPr>
+          <a:lstStyle/>
+          <a:p>
+            <a:r>
+              <a:rPr lang="en-US" dirty="0" err="1">
+                <a:latin typeface="Monaco" pitchFamily="2" charset="77"/>
+              </a:rPr>
+              <a:t>RMutator.MutantType.</a:t>
+            </a:r>
+            <a:r>
+              <a:rPr lang="en-US" dirty="0" err="1">
+                <a:solidFill>
+                  <a:srgbClr val="0326CC"/>
+                </a:solidFill>
+                <a:latin typeface="Monaco" pitchFamily="2" charset="77"/>
+              </a:rPr>
+              <a:t>ADD</a:t>
+            </a:r>
+            <a:r>
+              <a:rPr lang="en-US" dirty="0">
+                <a:solidFill>
+                  <a:srgbClr val="0326CC"/>
+                </a:solidFill>
+                <a:latin typeface="Monaco" pitchFamily="2" charset="77"/>
+              </a:rPr>
+              <a:t> (</a:t>
+            </a:r>
+            <a:r>
+              <a:rPr lang="en-US" dirty="0"/>
+              <a:t>x by x + 1)</a:t>
+            </a:r>
+            <a:endParaRPr lang="en-US" dirty="0">
+              <a:latin typeface="Monaco" pitchFamily="2" charset="77"/>
+            </a:endParaRPr>
+          </a:p>
+          <a:p>
+            <a:r>
+              <a:rPr lang="en-US" dirty="0" err="1">
+                <a:latin typeface="Monaco" pitchFamily="2" charset="77"/>
+              </a:rPr>
+              <a:t>RMutator.MutantType.</a:t>
+            </a:r>
+            <a:r>
+              <a:rPr lang="en-US" dirty="0" err="1">
+                <a:solidFill>
+                  <a:srgbClr val="0326CC"/>
+                </a:solidFill>
+                <a:latin typeface="Monaco" pitchFamily="2" charset="77"/>
+              </a:rPr>
+              <a:t>SUB</a:t>
+            </a:r>
+            <a:r>
+              <a:rPr lang="en-US" dirty="0">
+                <a:solidFill>
+                  <a:srgbClr val="0326CC"/>
+                </a:solidFill>
+                <a:latin typeface="Monaco" pitchFamily="2" charset="77"/>
+              </a:rPr>
+              <a:t> (</a:t>
+            </a:r>
+            <a:r>
+              <a:rPr lang="en-US" dirty="0"/>
+              <a:t>x by x-1)</a:t>
+            </a:r>
+            <a:endParaRPr lang="en-US" dirty="0">
+              <a:latin typeface="Monaco" pitchFamily="2" charset="77"/>
+            </a:endParaRPr>
+          </a:p>
+          <a:p>
+            <a:r>
+              <a:rPr lang="en-US" dirty="0" err="1">
+                <a:latin typeface="Monaco" pitchFamily="2" charset="77"/>
+              </a:rPr>
+              <a:t>RMutator.MutantType.</a:t>
+            </a:r>
+            <a:r>
+              <a:rPr lang="en-US" dirty="0" err="1">
+                <a:solidFill>
+                  <a:srgbClr val="0326CC"/>
+                </a:solidFill>
+                <a:latin typeface="Monaco" pitchFamily="2" charset="77"/>
+              </a:rPr>
+              <a:t>NEGATE</a:t>
+            </a:r>
+            <a:r>
+              <a:rPr lang="en-US" dirty="0">
+                <a:solidFill>
+                  <a:srgbClr val="0326CC"/>
+                </a:solidFill>
+                <a:latin typeface="Monaco" pitchFamily="2" charset="77"/>
+              </a:rPr>
+              <a:t> (</a:t>
+            </a:r>
+            <a:r>
+              <a:rPr lang="en-US" dirty="0"/>
+              <a:t>x by -x</a:t>
+            </a:r>
+            <a:r>
+              <a:rPr lang="en-US" dirty="0">
+                <a:latin typeface="Monaco" pitchFamily="2" charset="77"/>
+              </a:rPr>
+              <a:t>)</a:t>
+            </a:r>
+          </a:p>
+          <a:p>
+            <a:r>
+              <a:rPr lang="en-US" dirty="0" err="1">
+                <a:latin typeface="Monaco" pitchFamily="2" charset="77"/>
+              </a:rPr>
+              <a:t>RMutator.MutantType.</a:t>
+            </a:r>
+            <a:r>
+              <a:rPr lang="en-US" dirty="0" err="1">
+                <a:solidFill>
+                  <a:srgbClr val="0326CC"/>
+                </a:solidFill>
+                <a:latin typeface="Monaco" pitchFamily="2" charset="77"/>
+              </a:rPr>
+              <a:t>REPLACE_ONE</a:t>
+            </a:r>
+            <a:r>
+              <a:rPr lang="en-US" dirty="0">
+                <a:solidFill>
+                  <a:srgbClr val="0326CC"/>
+                </a:solidFill>
+                <a:latin typeface="Monaco" pitchFamily="2" charset="77"/>
+              </a:rPr>
+              <a:t> (</a:t>
+            </a:r>
+            <a:r>
+              <a:rPr lang="en-US" dirty="0"/>
+              <a:t>x by 1</a:t>
+            </a:r>
+            <a:r>
+              <a:rPr lang="en-US" dirty="0">
+                <a:solidFill>
+                  <a:srgbClr val="0326CC"/>
+                </a:solidFill>
+                <a:latin typeface="Monaco" pitchFamily="2" charset="77"/>
+              </a:rPr>
+              <a:t>)</a:t>
+            </a:r>
+            <a:endParaRPr lang="en-US" dirty="0">
+              <a:latin typeface="Monaco" pitchFamily="2" charset="77"/>
+            </a:endParaRPr>
+          </a:p>
+          <a:p>
+            <a:r>
+              <a:rPr lang="en-US" dirty="0" err="1">
+                <a:latin typeface="Monaco" pitchFamily="2" charset="77"/>
+              </a:rPr>
+              <a:t>RMutator.MutantType.</a:t>
+            </a:r>
+            <a:r>
+              <a:rPr lang="en-US" dirty="0" err="1">
+                <a:solidFill>
+                  <a:srgbClr val="0326CC"/>
+                </a:solidFill>
+                <a:latin typeface="Monaco" pitchFamily="2" charset="77"/>
+              </a:rPr>
+              <a:t>REPLACE_ZERO</a:t>
+            </a:r>
+            <a:r>
+              <a:rPr lang="en-US" dirty="0">
+                <a:solidFill>
+                  <a:srgbClr val="0326CC"/>
+                </a:solidFill>
+                <a:latin typeface="Monaco" pitchFamily="2" charset="77"/>
+              </a:rPr>
+              <a:t> (</a:t>
+            </a:r>
+            <a:r>
+              <a:rPr lang="en-US" dirty="0"/>
+              <a:t>x by 0</a:t>
+            </a:r>
+            <a:r>
+              <a:rPr lang="en-US" dirty="0">
+                <a:latin typeface="Monaco" pitchFamily="2" charset="77"/>
+              </a:rPr>
+              <a:t>)</a:t>
+            </a:r>
+          </a:p>
+          <a:p>
+            <a:r>
+              <a:rPr lang="en-US" dirty="0">
+                <a:latin typeface="Monaco" pitchFamily="2" charset="77"/>
+              </a:rPr>
+              <a:t>AODMutator.AODMutator1.</a:t>
+            </a:r>
+            <a:r>
+              <a:rPr lang="en-US" dirty="0">
+                <a:solidFill>
+                  <a:srgbClr val="0326CC"/>
+                </a:solidFill>
+                <a:latin typeface="Monaco" pitchFamily="2" charset="77"/>
+              </a:rPr>
+              <a:t>AOD_MUTATOR</a:t>
+            </a:r>
+            <a:endParaRPr lang="en-US" dirty="0">
+              <a:latin typeface="Monaco" pitchFamily="2" charset="77"/>
+            </a:endParaRPr>
+          </a:p>
+          <a:p>
+            <a:r>
+              <a:rPr lang="en-US" dirty="0">
+                <a:latin typeface="Monaco" pitchFamily="2" charset="77"/>
+              </a:rPr>
+              <a:t>AODMutator.AODMutator2.</a:t>
+            </a:r>
+            <a:r>
+              <a:rPr lang="en-US" dirty="0">
+                <a:solidFill>
+                  <a:srgbClr val="0326CC"/>
+                </a:solidFill>
+                <a:latin typeface="Monaco" pitchFamily="2" charset="77"/>
+              </a:rPr>
+              <a:t>AOD_MUTATOR</a:t>
+            </a:r>
+            <a:endParaRPr lang="en-US" dirty="0">
+              <a:latin typeface="Monaco" pitchFamily="2" charset="77"/>
+            </a:endParaRPr>
+          </a:p>
+          <a:p>
+            <a:r>
+              <a:rPr lang="en-US" dirty="0" err="1">
+                <a:latin typeface="Monaco" pitchFamily="2" charset="77"/>
+              </a:rPr>
+              <a:t>RORMutator.Type.</a:t>
+            </a:r>
+            <a:r>
+              <a:rPr lang="en-US" dirty="0" err="1">
+                <a:solidFill>
+                  <a:srgbClr val="0326CC"/>
+                </a:solidFill>
+                <a:latin typeface="Monaco" pitchFamily="2" charset="77"/>
+              </a:rPr>
+              <a:t>NE</a:t>
+            </a:r>
+            <a:endParaRPr lang="en-US" dirty="0">
+              <a:latin typeface="Monaco" pitchFamily="2" charset="77"/>
+            </a:endParaRPr>
+          </a:p>
+          <a:p>
+            <a:r>
+              <a:rPr lang="en-US" dirty="0" err="1">
+                <a:latin typeface="Monaco" pitchFamily="2" charset="77"/>
+              </a:rPr>
+              <a:t>RORMutator.Type.</a:t>
+            </a:r>
+            <a:r>
+              <a:rPr lang="en-US" dirty="0" err="1">
+                <a:solidFill>
+                  <a:srgbClr val="0326CC"/>
+                </a:solidFill>
+                <a:latin typeface="Monaco" pitchFamily="2" charset="77"/>
+              </a:rPr>
+              <a:t>EQ</a:t>
+            </a:r>
+            <a:endParaRPr lang="en-US" dirty="0">
+              <a:latin typeface="Monaco" pitchFamily="2" charset="77"/>
+            </a:endParaRPr>
+          </a:p>
+          <a:p>
+            <a:r>
+              <a:rPr lang="en-US" dirty="0" err="1">
+                <a:latin typeface="Monaco" pitchFamily="2" charset="77"/>
+              </a:rPr>
+              <a:t>RORMutator.Type.</a:t>
+            </a:r>
+            <a:r>
+              <a:rPr lang="en-US" dirty="0" err="1">
+                <a:solidFill>
+                  <a:srgbClr val="0326CC"/>
+                </a:solidFill>
+                <a:latin typeface="Monaco" pitchFamily="2" charset="77"/>
+              </a:rPr>
+              <a:t>GE</a:t>
+            </a:r>
+            <a:endParaRPr lang="en-US" dirty="0">
+              <a:latin typeface="Monaco" pitchFamily="2" charset="77"/>
+            </a:endParaRPr>
+          </a:p>
+          <a:p>
+            <a:r>
+              <a:rPr lang="en-US" dirty="0" err="1">
+                <a:latin typeface="Monaco" pitchFamily="2" charset="77"/>
+              </a:rPr>
+              <a:t>RORMutator.Type.</a:t>
+            </a:r>
+            <a:r>
+              <a:rPr lang="en-US" dirty="0" err="1">
+                <a:solidFill>
+                  <a:srgbClr val="0326CC"/>
+                </a:solidFill>
+                <a:latin typeface="Monaco" pitchFamily="2" charset="77"/>
+              </a:rPr>
+              <a:t>GT</a:t>
+            </a:r>
+            <a:endParaRPr lang="en-US" dirty="0">
+              <a:latin typeface="Monaco" pitchFamily="2" charset="77"/>
+            </a:endParaRPr>
+          </a:p>
+          <a:p>
+            <a:r>
+              <a:rPr lang="en-US" dirty="0" err="1">
+                <a:latin typeface="Monaco" pitchFamily="2" charset="77"/>
+              </a:rPr>
+              <a:t>RORMutator.Type.</a:t>
+            </a:r>
+            <a:r>
+              <a:rPr lang="en-US" dirty="0" err="1">
+                <a:solidFill>
+                  <a:srgbClr val="0326CC"/>
+                </a:solidFill>
+                <a:latin typeface="Monaco" pitchFamily="2" charset="77"/>
+              </a:rPr>
+              <a:t>LE</a:t>
+            </a:r>
+            <a:endParaRPr lang="en-US" dirty="0">
+              <a:latin typeface="Monaco" pitchFamily="2" charset="77"/>
+            </a:endParaRPr>
+          </a:p>
+          <a:p>
+            <a:r>
+              <a:rPr lang="en-US" dirty="0" err="1">
+                <a:latin typeface="Monaco" pitchFamily="2" charset="77"/>
+              </a:rPr>
+              <a:t>RORMutator.Type.</a:t>
+            </a:r>
+            <a:r>
+              <a:rPr lang="en-US" dirty="0" err="1">
+                <a:solidFill>
+                  <a:srgbClr val="0326CC"/>
+                </a:solidFill>
+                <a:latin typeface="Monaco" pitchFamily="2" charset="77"/>
+              </a:rPr>
+              <a:t>LT</a:t>
+            </a:r>
+            <a:endParaRPr lang="en-US" dirty="0">
+              <a:latin typeface="Monaco" pitchFamily="2" charset="77"/>
+            </a:endParaRPr>
+          </a:p>
+          <a:p>
+            <a:r>
+              <a:rPr lang="en-US" dirty="0">
+                <a:latin typeface="Monaco" pitchFamily="2" charset="77"/>
+              </a:rPr>
+              <a:t>AORMutator.MathMutator1.</a:t>
+            </a:r>
+            <a:r>
+              <a:rPr lang="en-US" dirty="0">
+                <a:solidFill>
+                  <a:srgbClr val="0326CC"/>
+                </a:solidFill>
+                <a:latin typeface="Monaco" pitchFamily="2" charset="77"/>
+              </a:rPr>
+              <a:t>AOR_MUTATOR</a:t>
+            </a:r>
+            <a:endParaRPr lang="en-US" dirty="0">
+              <a:latin typeface="Monaco" pitchFamily="2" charset="77"/>
+            </a:endParaRPr>
+          </a:p>
+          <a:p>
+            <a:r>
+              <a:rPr lang="en-US" dirty="0">
+                <a:latin typeface="Monaco" pitchFamily="2" charset="77"/>
+              </a:rPr>
+              <a:t>AORMutator.MathMutator2.</a:t>
+            </a:r>
+            <a:r>
+              <a:rPr lang="en-US" dirty="0">
+                <a:solidFill>
+                  <a:srgbClr val="0326CC"/>
+                </a:solidFill>
+                <a:latin typeface="Monaco" pitchFamily="2" charset="77"/>
+              </a:rPr>
+              <a:t>AOR_MUTATOR</a:t>
+            </a:r>
+            <a:endParaRPr lang="en-US" dirty="0">
+              <a:latin typeface="Monaco" pitchFamily="2" charset="77"/>
+            </a:endParaRPr>
+          </a:p>
+          <a:p>
+            <a:r>
+              <a:rPr lang="en-US" dirty="0">
+                <a:latin typeface="Monaco" pitchFamily="2" charset="77"/>
+              </a:rPr>
+              <a:t>AORMutator.MathMutator3.</a:t>
+            </a:r>
+            <a:r>
+              <a:rPr lang="en-US" dirty="0">
+                <a:solidFill>
+                  <a:srgbClr val="0326CC"/>
+                </a:solidFill>
+                <a:latin typeface="Monaco" pitchFamily="2" charset="77"/>
+              </a:rPr>
+              <a:t>AOR_MUTATOR</a:t>
+            </a:r>
+            <a:endParaRPr lang="en-US" dirty="0">
+              <a:latin typeface="Monaco" pitchFamily="2" charset="77"/>
+            </a:endParaRPr>
+          </a:p>
+          <a:p>
+            <a:r>
+              <a:rPr lang="en-US" dirty="0">
+                <a:latin typeface="Monaco" pitchFamily="2" charset="77"/>
+              </a:rPr>
+              <a:t>AORMutator.MathMutator4.</a:t>
+            </a:r>
+            <a:r>
+              <a:rPr lang="en-US" dirty="0">
+                <a:solidFill>
+                  <a:srgbClr val="0326CC"/>
+                </a:solidFill>
+                <a:latin typeface="Monaco" pitchFamily="2" charset="77"/>
+              </a:rPr>
+              <a:t>AOR_MUTATOR</a:t>
+            </a:r>
+            <a:endParaRPr lang="en-US" dirty="0">
+              <a:latin typeface="Monaco" pitchFamily="2" charset="77"/>
+            </a:endParaRPr>
+          </a:p>
+          <a:p>
+            <a:r>
+              <a:rPr lang="en-US" dirty="0" err="1">
+                <a:latin typeface="Monaco" pitchFamily="2" charset="77"/>
+              </a:rPr>
+              <a:t>UORMutator.Type.</a:t>
+            </a:r>
+            <a:r>
+              <a:rPr lang="en-US" dirty="0" err="1">
+                <a:solidFill>
+                  <a:srgbClr val="0326CC"/>
+                </a:solidFill>
+                <a:latin typeface="Monaco" pitchFamily="2" charset="77"/>
+              </a:rPr>
+              <a:t>DECREMENT</a:t>
+            </a:r>
+            <a:endParaRPr lang="en-US" dirty="0">
+              <a:latin typeface="Monaco" pitchFamily="2" charset="77"/>
+            </a:endParaRPr>
+          </a:p>
+          <a:p>
+            <a:r>
+              <a:rPr lang="en-US" dirty="0" err="1">
+                <a:latin typeface="Monaco" pitchFamily="2" charset="77"/>
+              </a:rPr>
+              <a:t>UORMutator.Type.</a:t>
+            </a:r>
+            <a:r>
+              <a:rPr lang="en-US" dirty="0" err="1">
+                <a:solidFill>
+                  <a:srgbClr val="0326CC"/>
+                </a:solidFill>
+                <a:latin typeface="Monaco" pitchFamily="2" charset="77"/>
+              </a:rPr>
+              <a:t>INCREMENT</a:t>
+            </a:r>
+            <a:endParaRPr lang="en-US" dirty="0">
+              <a:latin typeface="Monaco" pitchFamily="2" charset="77"/>
+            </a:endParaRPr>
+          </a:p>
+          <a:p>
+            <a:r>
+              <a:rPr lang="en-US" dirty="0" err="1">
+                <a:latin typeface="Monaco" pitchFamily="2" charset="77"/>
+              </a:rPr>
+              <a:t>UORMutator.Type.</a:t>
+            </a:r>
+            <a:r>
+              <a:rPr lang="en-US" dirty="0" err="1">
+                <a:solidFill>
+                  <a:srgbClr val="0326CC"/>
+                </a:solidFill>
+                <a:latin typeface="Monaco" pitchFamily="2" charset="77"/>
+              </a:rPr>
+              <a:t>REMOVE</a:t>
+            </a:r>
+            <a:endParaRPr lang="en-US" dirty="0">
+              <a:latin typeface="Monaco" pitchFamily="2" charset="77"/>
+            </a:endParaRPr>
+          </a:p>
+          <a:p>
+            <a:r>
+              <a:rPr lang="en-US" dirty="0" err="1">
+                <a:latin typeface="Monaco" pitchFamily="2" charset="77"/>
+              </a:rPr>
+              <a:t>UORMutator.Type.</a:t>
+            </a:r>
+            <a:r>
+              <a:rPr lang="en-US" dirty="0" err="1">
+                <a:solidFill>
+                  <a:srgbClr val="0326CC"/>
+                </a:solidFill>
+                <a:latin typeface="Monaco" pitchFamily="2" charset="77"/>
+              </a:rPr>
+              <a:t>REVERSE</a:t>
+            </a:r>
+            <a:endParaRPr lang="en-US" dirty="0">
+              <a:latin typeface="Monaco" pitchFamily="2" charset="77"/>
+            </a:endParaRPr>
+          </a:p>
+          <a:p>
+            <a:endParaRPr lang="en-US" dirty="0"/>
+          </a:p>
+        </p:txBody>
+      </p:sp>
+    </p:spTree>
+    <p:extLst>
+      <p:ext uri="{BB962C8B-B14F-4D97-AF65-F5344CB8AC3E}">
+        <p14:creationId xmlns:p14="http://schemas.microsoft.com/office/powerpoint/2010/main" val="3897458896"/>
+      </p:ext>
+    </p:extLst>
+  </p:cSld>
+  <p:clrMapOvr>
+    <a:masterClrMapping/>
+  </p:clrMapOvr>
+</p:sld>
+</file>
+
+<file path=ppt/slides/slide16.xml><?xml version="1.0" encoding="utf-8"?>
+<p:sld xmlns:a="http://schemas.openxmlformats.org/drawingml/2006/main" xmlns:r="http://schemas.openxmlformats.org/officeDocument/2006/relationships" xmlns:p="http://schemas.openxmlformats.org/presentationml/2006/main">
+  <p:cSld>
+    <p:spTree>
+      <p:nvGrpSpPr>
+        <p:cNvPr id="1" name=""/>
+        <p:cNvGrpSpPr/>
+        <p:nvPr/>
+      </p:nvGrpSpPr>
+      <p:grpSpPr>
+        <a:xfrm>
+          <a:off x="0" y="0"/>
+          <a:ext cx="0" cy="0"/>
+          <a:chOff x="0" y="0"/>
+          <a:chExt cx="0" cy="0"/>
+        </a:xfrm>
+      </p:grpSpPr>
+      <p:sp>
+        <p:nvSpPr>
+          <p:cNvPr id="2" name="Title 1">
+            <a:extLst>
+              <a:ext uri="{FF2B5EF4-FFF2-40B4-BE49-F238E27FC236}">
+                <a16:creationId xmlns:a16="http://schemas.microsoft.com/office/drawing/2014/main" id="{97B9D2B3-2624-8343-AF94-176EB07F0E8D}"/>
+              </a:ext>
+            </a:extLst>
+          </p:cNvPr>
+          <p:cNvSpPr>
+            <a:spLocks noGrp="1"/>
+          </p:cNvSpPr>
+          <p:nvPr>
+            <p:ph type="title"/>
+          </p:nvPr>
+        </p:nvSpPr>
+        <p:spPr/>
+        <p:txBody>
+          <a:bodyPr/>
+          <a:lstStyle/>
+          <a:p>
+            <a:r>
+              <a:rPr lang="en-US" dirty="0"/>
+              <a:t>CR </a:t>
+            </a:r>
+            <a:r>
+              <a:rPr lang="en-US" dirty="0" err="1"/>
+              <a:t>Mutator</a:t>
+            </a:r>
+            <a:endParaRPr lang="en-US" dirty="0"/>
+          </a:p>
+        </p:txBody>
+      </p:sp>
+      <p:graphicFrame>
+        <p:nvGraphicFramePr>
+          <p:cNvPr id="4" name="Content Placeholder 3">
+            <a:extLst>
+              <a:ext uri="{FF2B5EF4-FFF2-40B4-BE49-F238E27FC236}">
+                <a16:creationId xmlns:a16="http://schemas.microsoft.com/office/drawing/2014/main" id="{FA9AD24A-F0A3-3845-B3A9-E61CB4F95792}"/>
+              </a:ext>
+            </a:extLst>
+          </p:cNvPr>
+          <p:cNvGraphicFramePr>
+            <a:graphicFrameLocks noGrp="1"/>
+          </p:cNvGraphicFramePr>
+          <p:nvPr>
+            <p:ph idx="1"/>
+            <p:extLst>
+              <p:ext uri="{D42A27DB-BD31-4B8C-83A1-F6EECF244321}">
+                <p14:modId xmlns:p14="http://schemas.microsoft.com/office/powerpoint/2010/main" val="23946621"/>
+              </p:ext>
+            </p:extLst>
+          </p:nvPr>
+        </p:nvGraphicFramePr>
+        <p:xfrm>
+          <a:off x="838200" y="1825625"/>
+          <a:ext cx="10515600" cy="2225040"/>
+        </p:xfrm>
+        <a:graphic>
+          <a:graphicData uri="http://schemas.openxmlformats.org/drawingml/2006/table">
+            <a:tbl>
+              <a:tblPr firstRow="1" bandRow="1">
+                <a:tableStyleId>{5C22544A-7EE6-4342-B048-85BDC9FD1C3A}</a:tableStyleId>
+              </a:tblPr>
+              <a:tblGrid>
+                <a:gridCol w="4819650">
+                  <a:extLst>
+                    <a:ext uri="{9D8B030D-6E8A-4147-A177-3AD203B41FA5}">
+                      <a16:colId xmlns:a16="http://schemas.microsoft.com/office/drawing/2014/main" val="1210486022"/>
+                    </a:ext>
+                  </a:extLst>
+                </a:gridCol>
+                <a:gridCol w="2190750">
+                  <a:extLst>
+                    <a:ext uri="{9D8B030D-6E8A-4147-A177-3AD203B41FA5}">
+                      <a16:colId xmlns:a16="http://schemas.microsoft.com/office/drawing/2014/main" val="3546746158"/>
+                    </a:ext>
+                  </a:extLst>
+                </a:gridCol>
+                <a:gridCol w="3505200">
+                  <a:extLst>
+                    <a:ext uri="{9D8B030D-6E8A-4147-A177-3AD203B41FA5}">
+                      <a16:colId xmlns:a16="http://schemas.microsoft.com/office/drawing/2014/main" val="310837002"/>
+                    </a:ext>
+                  </a:extLst>
+                </a:gridCol>
+              </a:tblGrid>
+              <a:tr h="370840">
+                <a:tc>
+                  <a:txBody>
+                    <a:bodyPr/>
+                    <a:lstStyle/>
+                    <a:p>
+                      <a:r>
+                        <a:rPr lang="en-US" dirty="0"/>
+                        <a:t>Mutation operator</a:t>
+                      </a:r>
+                    </a:p>
+                  </a:txBody>
+                  <a:tcPr/>
+                </a:tc>
+                <a:tc>
+                  <a:txBody>
+                    <a:bodyPr/>
+                    <a:lstStyle/>
+                    <a:p>
+                      <a:r>
+                        <a:rPr lang="en-US" dirty="0"/>
+                        <a:t>Expression</a:t>
+                      </a:r>
+                    </a:p>
+                  </a:txBody>
+                  <a:tcPr/>
+                </a:tc>
+                <a:tc>
+                  <a:txBody>
+                    <a:bodyPr/>
+                    <a:lstStyle/>
+                    <a:p>
+                      <a:r>
+                        <a:rPr lang="en-US" dirty="0"/>
+                        <a:t>Mutant</a:t>
+                      </a:r>
+                    </a:p>
+                  </a:txBody>
+                  <a:tcPr/>
+                </a:tc>
+                <a:extLst>
+                  <a:ext uri="{0D108BD9-81ED-4DB2-BD59-A6C34878D82A}">
+                    <a16:rowId xmlns:a16="http://schemas.microsoft.com/office/drawing/2014/main" val="3631419647"/>
+                  </a:ext>
+                </a:extLst>
+              </a:tr>
+              <a:tr h="370840">
+                <a:tc>
+                  <a:txBody>
+                    <a:bodyPr/>
+                    <a:lstStyle/>
+                    <a:p>
+                      <a:r>
+                        <a:rPr lang="en-US" dirty="0" err="1">
+                          <a:latin typeface="Monaco" pitchFamily="2" charset="77"/>
+                        </a:rPr>
+                        <a:t>CRMutator.MutantType.</a:t>
+                      </a:r>
+                      <a:r>
+                        <a:rPr lang="en-US" dirty="0" err="1">
+                          <a:solidFill>
+                            <a:srgbClr val="0326CC"/>
+                          </a:solidFill>
+                          <a:latin typeface="Monaco" pitchFamily="2" charset="77"/>
+                        </a:rPr>
+                        <a:t>ADD</a:t>
+                      </a:r>
+                      <a:r>
+                        <a:rPr lang="en-US" dirty="0">
+                          <a:solidFill>
+                            <a:srgbClr val="0326CC"/>
+                          </a:solidFill>
+                          <a:latin typeface="Monaco" pitchFamily="2" charset="77"/>
+                        </a:rPr>
+                        <a:t> </a:t>
+                      </a:r>
+                      <a:endParaRPr lang="en-US" dirty="0"/>
+                    </a:p>
+                  </a:txBody>
+                  <a:tcPr/>
+                </a:tc>
+                <a:tc>
+                  <a:txBody>
+                    <a:bodyPr/>
+                    <a:lstStyle/>
+                    <a:p>
+                      <a:r>
+                        <a:rPr lang="en-US" dirty="0"/>
+                        <a:t>X</a:t>
+                      </a:r>
+                    </a:p>
+                  </a:txBody>
+                  <a:tcPr/>
+                </a:tc>
+                <a:tc>
+                  <a:txBody>
+                    <a:bodyPr/>
+                    <a:lstStyle/>
+                    <a:p>
+                      <a:r>
+                        <a:rPr lang="en-US" dirty="0"/>
+                        <a:t>X + 1</a:t>
+                      </a:r>
+                    </a:p>
+                  </a:txBody>
+                  <a:tcPr/>
+                </a:tc>
+                <a:extLst>
+                  <a:ext uri="{0D108BD9-81ED-4DB2-BD59-A6C34878D82A}">
+                    <a16:rowId xmlns:a16="http://schemas.microsoft.com/office/drawing/2014/main" val="2889317176"/>
+                  </a:ext>
+                </a:extLst>
+              </a:tr>
+              <a:tr h="370840">
+                <a:tc>
+                  <a:txBody>
+                    <a:bodyPr/>
+                    <a:lstStyle/>
+                    <a:p>
+                      <a:r>
+                        <a:rPr lang="en-US" dirty="0" err="1">
+                          <a:latin typeface="Monaco" pitchFamily="2" charset="77"/>
+                        </a:rPr>
+                        <a:t>CRMutator.MutantType.</a:t>
+                      </a:r>
+                      <a:r>
+                        <a:rPr lang="en-US" dirty="0" err="1">
+                          <a:solidFill>
+                            <a:srgbClr val="0326CC"/>
+                          </a:solidFill>
+                          <a:latin typeface="Monaco" pitchFamily="2" charset="77"/>
+                        </a:rPr>
+                        <a:t>SUB</a:t>
+                      </a:r>
+                      <a:endParaRPr lang="en-US" dirty="0"/>
+                    </a:p>
+                  </a:txBody>
+                  <a:tcPr/>
+                </a:tc>
+                <a:tc>
+                  <a:txBody>
+                    <a:bodyPr/>
+                    <a:lstStyle/>
+                    <a:p>
+                      <a:r>
+                        <a:rPr lang="en-US" dirty="0"/>
+                        <a:t>X</a:t>
+                      </a:r>
+                    </a:p>
+                  </a:txBody>
+                  <a:tcPr/>
+                </a:tc>
+                <a:tc>
+                  <a:txBody>
+                    <a:bodyPr/>
+                    <a:lstStyle/>
+                    <a:p>
+                      <a:r>
+                        <a:rPr lang="en-US" dirty="0"/>
+                        <a:t>X - 1</a:t>
+                      </a:r>
+                    </a:p>
+                  </a:txBody>
+                  <a:tcPr/>
+                </a:tc>
+                <a:extLst>
+                  <a:ext uri="{0D108BD9-81ED-4DB2-BD59-A6C34878D82A}">
+                    <a16:rowId xmlns:a16="http://schemas.microsoft.com/office/drawing/2014/main" val="3559572534"/>
+                  </a:ext>
+                </a:extLst>
+              </a:tr>
+              <a:tr h="370840">
+                <a:tc>
+                  <a:txBody>
+                    <a:bodyPr/>
+                    <a:lstStyle/>
+                    <a:p>
+                      <a:r>
+                        <a:rPr lang="en-US" dirty="0" err="1">
+                          <a:latin typeface="Monaco" pitchFamily="2" charset="77"/>
+                        </a:rPr>
+                        <a:t>CRMutator.MutantType.</a:t>
+                      </a:r>
+                      <a:r>
+                        <a:rPr lang="en-US" dirty="0" err="1">
+                          <a:solidFill>
+                            <a:srgbClr val="0326CC"/>
+                          </a:solidFill>
+                          <a:latin typeface="Monaco" pitchFamily="2" charset="77"/>
+                        </a:rPr>
+                        <a:t>NEGATE</a:t>
+                      </a:r>
+                      <a:endParaRPr lang="en-US" dirty="0"/>
+                    </a:p>
+                  </a:txBody>
+                  <a:tcPr/>
+                </a:tc>
+                <a:tc>
+                  <a:txBody>
+                    <a:bodyPr/>
+                    <a:lstStyle/>
+                    <a:p>
+                      <a:r>
+                        <a:rPr lang="en-US" dirty="0"/>
+                        <a:t>X</a:t>
+                      </a:r>
+                    </a:p>
+                  </a:txBody>
+                  <a:tcPr/>
+                </a:tc>
+                <a:tc>
+                  <a:txBody>
+                    <a:bodyPr/>
+                    <a:lstStyle/>
+                    <a:p>
+                      <a:r>
+                        <a:rPr lang="en-US" dirty="0"/>
+                        <a:t>-X</a:t>
+                      </a:r>
+                    </a:p>
+                  </a:txBody>
+                  <a:tcPr/>
+                </a:tc>
+                <a:extLst>
+                  <a:ext uri="{0D108BD9-81ED-4DB2-BD59-A6C34878D82A}">
+                    <a16:rowId xmlns:a16="http://schemas.microsoft.com/office/drawing/2014/main" val="3861900310"/>
+                  </a:ext>
+                </a:extLst>
+              </a:tr>
+              <a:tr h="370840">
+                <a:tc>
+                  <a:txBody>
+                    <a:bodyPr/>
+                    <a:lstStyle/>
+                    <a:p>
+                      <a:r>
+                        <a:rPr lang="en-US" dirty="0" err="1">
+                          <a:latin typeface="Monaco" pitchFamily="2" charset="77"/>
+                        </a:rPr>
+                        <a:t>CRMutator.MutantType.</a:t>
+                      </a:r>
+                      <a:r>
+                        <a:rPr lang="en-US" dirty="0" err="1">
+                          <a:solidFill>
+                            <a:srgbClr val="0326CC"/>
+                          </a:solidFill>
+                          <a:latin typeface="Monaco" pitchFamily="2" charset="77"/>
+                        </a:rPr>
+                        <a:t>REPLACE_ONE</a:t>
+                      </a:r>
+                      <a:r>
+                        <a:rPr lang="en-US" dirty="0">
+                          <a:solidFill>
+                            <a:srgbClr val="0326CC"/>
+                          </a:solidFill>
+                          <a:latin typeface="Monaco" pitchFamily="2" charset="77"/>
+                        </a:rPr>
+                        <a:t> </a:t>
+                      </a:r>
+                      <a:endParaRPr lang="en-US" dirty="0"/>
+                    </a:p>
+                  </a:txBody>
+                  <a:tcPr/>
+                </a:tc>
+                <a:tc>
+                  <a:txBody>
+                    <a:bodyPr/>
+                    <a:lstStyle/>
+                    <a:p>
+                      <a:r>
+                        <a:rPr lang="en-US" dirty="0"/>
+                        <a:t>X</a:t>
+                      </a:r>
+                    </a:p>
+                  </a:txBody>
+                  <a:tcPr/>
+                </a:tc>
+                <a:tc>
+                  <a:txBody>
+                    <a:bodyPr/>
+                    <a:lstStyle/>
+                    <a:p>
+                      <a:r>
+                        <a:rPr lang="en-US" dirty="0"/>
+                        <a:t>1</a:t>
+                      </a:r>
+                    </a:p>
+                  </a:txBody>
+                  <a:tcPr/>
+                </a:tc>
+                <a:extLst>
+                  <a:ext uri="{0D108BD9-81ED-4DB2-BD59-A6C34878D82A}">
+                    <a16:rowId xmlns:a16="http://schemas.microsoft.com/office/drawing/2014/main" val="4086853186"/>
+                  </a:ext>
+                </a:extLst>
+              </a:tr>
+              <a:tr h="370840">
+                <a:tc>
+                  <a:txBody>
+                    <a:bodyPr/>
+                    <a:lstStyle/>
+                    <a:p>
+                      <a:r>
+                        <a:rPr lang="en-US" dirty="0" err="1">
+                          <a:latin typeface="Monaco" pitchFamily="2" charset="77"/>
+                        </a:rPr>
+                        <a:t>CRMutator.MutantType.</a:t>
+                      </a:r>
+                      <a:r>
+                        <a:rPr lang="en-US" dirty="0" err="1">
+                          <a:solidFill>
+                            <a:srgbClr val="0326CC"/>
+                          </a:solidFill>
+                          <a:latin typeface="Monaco" pitchFamily="2" charset="77"/>
+                        </a:rPr>
+                        <a:t>REPLACE_ZERO</a:t>
+                      </a:r>
+                      <a:endParaRPr lang="en-US" dirty="0"/>
+                    </a:p>
+                  </a:txBody>
+                  <a:tcPr/>
+                </a:tc>
+                <a:tc>
+                  <a:txBody>
+                    <a:bodyPr/>
+                    <a:lstStyle/>
+                    <a:p>
+                      <a:r>
+                        <a:rPr lang="en-US" dirty="0"/>
+                        <a:t>X</a:t>
+                      </a:r>
+                    </a:p>
+                  </a:txBody>
+                  <a:tcPr/>
+                </a:tc>
+                <a:tc>
+                  <a:txBody>
+                    <a:bodyPr/>
+                    <a:lstStyle/>
+                    <a:p>
+                      <a:r>
+                        <a:rPr lang="en-US" dirty="0"/>
+                        <a:t>0</a:t>
+                      </a:r>
+                    </a:p>
+                  </a:txBody>
+                  <a:tcPr/>
+                </a:tc>
+                <a:extLst>
+                  <a:ext uri="{0D108BD9-81ED-4DB2-BD59-A6C34878D82A}">
+                    <a16:rowId xmlns:a16="http://schemas.microsoft.com/office/drawing/2014/main" val="3720999041"/>
+                  </a:ext>
+                </a:extLst>
+              </a:tr>
+            </a:tbl>
+          </a:graphicData>
+        </a:graphic>
+      </p:graphicFrame>
+    </p:spTree>
+    <p:extLst>
+      <p:ext uri="{BB962C8B-B14F-4D97-AF65-F5344CB8AC3E}">
+        <p14:creationId xmlns:p14="http://schemas.microsoft.com/office/powerpoint/2010/main" val="2949058807"/>
       </p:ext>
     </p:extLst>
   </p:cSld>

--- a/Presentation.pptx
+++ b/Presentation.pptx
@@ -21,6 +21,8 @@
     <p:sldId id="269" r:id="rId15"/>
     <p:sldId id="270" r:id="rId16"/>
     <p:sldId id="271" r:id="rId17"/>
+    <p:sldId id="272" r:id="rId18"/>
+    <p:sldId id="273" r:id="rId19"/>
   </p:sldIdLst>
   <p:sldSz cx="12192000" cy="6858000"/>
   <p:notesSz cx="6858000" cy="9144000"/>
@@ -10166,6 +10168,500 @@
     <p:extLst>
       <p:ext uri="{BB962C8B-B14F-4D97-AF65-F5344CB8AC3E}">
         <p14:creationId xmlns:p14="http://schemas.microsoft.com/office/powerpoint/2010/main" val="2949058807"/>
+      </p:ext>
+    </p:extLst>
+  </p:cSld>
+  <p:clrMapOvr>
+    <a:masterClrMapping/>
+  </p:clrMapOvr>
+</p:sld>
+</file>
+
+<file path=ppt/slides/slide17.xml><?xml version="1.0" encoding="utf-8"?>
+<p:sld xmlns:a="http://schemas.openxmlformats.org/drawingml/2006/main" xmlns:r="http://schemas.openxmlformats.org/officeDocument/2006/relationships" xmlns:p="http://schemas.openxmlformats.org/presentationml/2006/main">
+  <p:cSld>
+    <p:spTree>
+      <p:nvGrpSpPr>
+        <p:cNvPr id="1" name=""/>
+        <p:cNvGrpSpPr/>
+        <p:nvPr/>
+      </p:nvGrpSpPr>
+      <p:grpSpPr>
+        <a:xfrm>
+          <a:off x="0" y="0"/>
+          <a:ext cx="0" cy="0"/>
+          <a:chOff x="0" y="0"/>
+          <a:chExt cx="0" cy="0"/>
+        </a:xfrm>
+      </p:grpSpPr>
+      <p:sp>
+        <p:nvSpPr>
+          <p:cNvPr id="2" name="Title 1">
+            <a:extLst>
+              <a:ext uri="{FF2B5EF4-FFF2-40B4-BE49-F238E27FC236}">
+                <a16:creationId xmlns:a16="http://schemas.microsoft.com/office/drawing/2014/main" id="{97B9D2B3-2624-8343-AF94-176EB07F0E8D}"/>
+              </a:ext>
+            </a:extLst>
+          </p:cNvPr>
+          <p:cNvSpPr>
+            <a:spLocks noGrp="1"/>
+          </p:cNvSpPr>
+          <p:nvPr>
+            <p:ph type="title"/>
+          </p:nvPr>
+        </p:nvSpPr>
+        <p:spPr>
+          <a:xfrm>
+            <a:off x="4442691" y="157594"/>
+            <a:ext cx="3463637" cy="660111"/>
+          </a:xfrm>
+        </p:spPr>
+        <p:txBody>
+          <a:bodyPr>
+            <a:normAutofit fontScale="90000"/>
+          </a:bodyPr>
+          <a:lstStyle/>
+          <a:p>
+            <a:r>
+              <a:rPr lang="en-US" dirty="0"/>
+              <a:t>UOR </a:t>
+            </a:r>
+            <a:r>
+              <a:rPr lang="en-US" dirty="0" err="1"/>
+              <a:t>Mutator</a:t>
+            </a:r>
+            <a:endParaRPr lang="en-US" dirty="0"/>
+          </a:p>
+        </p:txBody>
+      </p:sp>
+      <p:sp>
+        <p:nvSpPr>
+          <p:cNvPr id="5" name="Rectangle 4"/>
+          <p:cNvSpPr/>
+          <p:nvPr/>
+        </p:nvSpPr>
+        <p:spPr>
+          <a:xfrm>
+            <a:off x="403815" y="1560892"/>
+            <a:ext cx="5273964" cy="2188585"/>
+          </a:xfrm>
+          <a:prstGeom prst="rect">
+            <a:avLst/>
+          </a:prstGeom>
+        </p:spPr>
+        <p:style>
+          <a:lnRef idx="2">
+            <a:schemeClr val="accent6"/>
+          </a:lnRef>
+          <a:fillRef idx="1">
+            <a:schemeClr val="lt1"/>
+          </a:fillRef>
+          <a:effectRef idx="0">
+            <a:schemeClr val="accent6"/>
+          </a:effectRef>
+          <a:fontRef idx="minor">
+            <a:schemeClr val="dk1"/>
+          </a:fontRef>
+        </p:style>
+        <p:txBody>
+          <a:bodyPr rtlCol="0" anchor="ctr"/>
+          <a:lstStyle/>
+          <a:p>
+            <a:r>
+              <a:rPr lang="en-US" sz="2800" dirty="0">
+                <a:latin typeface="Garamond" panose="02020404030301010803" pitchFamily="18" charset="0"/>
+              </a:rPr>
+              <a:t>Unary Operator Replacement:</a:t>
+            </a:r>
+          </a:p>
+          <a:p>
+            <a:pPr marL="285750" indent="-285750">
+              <a:buFont typeface="Arial" panose="020B0604020202020204" pitchFamily="34" charset="0"/>
+              <a:buChar char="•"/>
+            </a:pPr>
+            <a:r>
+              <a:rPr lang="en-US" sz="2800" dirty="0">
+                <a:latin typeface="Garamond" panose="02020404030301010803" pitchFamily="18" charset="0"/>
+              </a:rPr>
+              <a:t>Decrement</a:t>
+            </a:r>
+          </a:p>
+          <a:p>
+            <a:pPr marL="285750" indent="-285750">
+              <a:buFont typeface="Arial" panose="020B0604020202020204" pitchFamily="34" charset="0"/>
+              <a:buChar char="•"/>
+            </a:pPr>
+            <a:r>
+              <a:rPr lang="en-US" sz="2800" dirty="0">
+                <a:latin typeface="Garamond" panose="02020404030301010803" pitchFamily="18" charset="0"/>
+              </a:rPr>
+              <a:t>Increment</a:t>
+            </a:r>
+          </a:p>
+          <a:p>
+            <a:pPr marL="285750" indent="-285750">
+              <a:buFont typeface="Arial" panose="020B0604020202020204" pitchFamily="34" charset="0"/>
+              <a:buChar char="•"/>
+            </a:pPr>
+            <a:r>
+              <a:rPr lang="en-US" sz="2800" dirty="0">
+                <a:latin typeface="Garamond" panose="02020404030301010803" pitchFamily="18" charset="0"/>
+              </a:rPr>
+              <a:t>Remove</a:t>
+            </a:r>
+          </a:p>
+          <a:p>
+            <a:pPr marL="285750" indent="-285750">
+              <a:buFont typeface="Arial" panose="020B0604020202020204" pitchFamily="34" charset="0"/>
+              <a:buChar char="•"/>
+            </a:pPr>
+            <a:r>
+              <a:rPr lang="en-US" sz="2800" dirty="0">
+                <a:latin typeface="Garamond" panose="02020404030301010803" pitchFamily="18" charset="0"/>
+              </a:rPr>
+              <a:t>Reverse</a:t>
+            </a:r>
+          </a:p>
+        </p:txBody>
+      </p:sp>
+      <p:pic>
+        <p:nvPicPr>
+          <p:cNvPr id="6" name="Picture 5"/>
+          <p:cNvPicPr>
+            <a:picLocks noChangeAspect="1"/>
+          </p:cNvPicPr>
+          <p:nvPr/>
+        </p:nvPicPr>
+        <p:blipFill>
+          <a:blip r:embed="rId2"/>
+          <a:stretch>
+            <a:fillRect/>
+          </a:stretch>
+        </p:blipFill>
+        <p:spPr>
+          <a:xfrm>
+            <a:off x="99874" y="4252518"/>
+            <a:ext cx="5753396" cy="2394073"/>
+          </a:xfrm>
+          <a:prstGeom prst="rect">
+            <a:avLst/>
+          </a:prstGeom>
+          <a:solidFill>
+            <a:srgbClr val="FFFFFF">
+              <a:shade val="85000"/>
+            </a:srgbClr>
+          </a:solidFill>
+          <a:ln w="88900" cap="sq">
+            <a:solidFill>
+              <a:srgbClr val="FFFFFF"/>
+            </a:solidFill>
+            <a:miter lim="800000"/>
+          </a:ln>
+          <a:effectLst>
+            <a:outerShdw blurRad="55000" dist="18000" dir="5400000" algn="tl" rotWithShape="0">
+              <a:srgbClr val="000000">
+                <a:alpha val="40000"/>
+              </a:srgbClr>
+            </a:outerShdw>
+          </a:effectLst>
+          <a:scene3d>
+            <a:camera prst="orthographicFront"/>
+            <a:lightRig rig="twoPt" dir="t">
+              <a:rot lat="0" lon="0" rev="7200000"/>
+            </a:lightRig>
+          </a:scene3d>
+          <a:sp3d>
+            <a:bevelT w="25400" h="19050"/>
+            <a:contourClr>
+              <a:srgbClr val="FFFFFF"/>
+            </a:contourClr>
+          </a:sp3d>
+        </p:spPr>
+      </p:pic>
+      <p:pic>
+        <p:nvPicPr>
+          <p:cNvPr id="8" name="Picture 7"/>
+          <p:cNvPicPr>
+            <a:picLocks noChangeAspect="1"/>
+          </p:cNvPicPr>
+          <p:nvPr/>
+        </p:nvPicPr>
+        <p:blipFill>
+          <a:blip r:embed="rId3"/>
+          <a:stretch>
+            <a:fillRect/>
+          </a:stretch>
+        </p:blipFill>
+        <p:spPr>
+          <a:xfrm>
+            <a:off x="6035653" y="3619230"/>
+            <a:ext cx="6045511" cy="3143412"/>
+          </a:xfrm>
+          <a:prstGeom prst="rect">
+            <a:avLst/>
+          </a:prstGeom>
+          <a:solidFill>
+            <a:srgbClr val="FFFFFF">
+              <a:shade val="85000"/>
+            </a:srgbClr>
+          </a:solidFill>
+          <a:ln w="88900" cap="sq">
+            <a:solidFill>
+              <a:srgbClr val="FFFFFF"/>
+            </a:solidFill>
+            <a:miter lim="800000"/>
+          </a:ln>
+          <a:effectLst>
+            <a:outerShdw blurRad="55000" dist="18000" dir="5400000" algn="tl" rotWithShape="0">
+              <a:srgbClr val="000000">
+                <a:alpha val="40000"/>
+              </a:srgbClr>
+            </a:outerShdw>
+          </a:effectLst>
+          <a:scene3d>
+            <a:camera prst="orthographicFront"/>
+            <a:lightRig rig="twoPt" dir="t">
+              <a:rot lat="0" lon="0" rev="7200000"/>
+            </a:lightRig>
+          </a:scene3d>
+          <a:sp3d>
+            <a:bevelT w="25400" h="19050"/>
+            <a:contourClr>
+              <a:srgbClr val="FFFFFF"/>
+            </a:contourClr>
+          </a:sp3d>
+        </p:spPr>
+      </p:pic>
+      <p:pic>
+        <p:nvPicPr>
+          <p:cNvPr id="9" name="Picture 8"/>
+          <p:cNvPicPr>
+            <a:picLocks noChangeAspect="1"/>
+          </p:cNvPicPr>
+          <p:nvPr/>
+        </p:nvPicPr>
+        <p:blipFill>
+          <a:blip r:embed="rId4"/>
+          <a:stretch>
+            <a:fillRect/>
+          </a:stretch>
+        </p:blipFill>
+        <p:spPr>
+          <a:xfrm>
+            <a:off x="6781406" y="1205632"/>
+            <a:ext cx="4134062" cy="2260716"/>
+          </a:xfrm>
+          <a:prstGeom prst="rect">
+            <a:avLst/>
+          </a:prstGeom>
+        </p:spPr>
+      </p:pic>
+    </p:spTree>
+    <p:extLst>
+      <p:ext uri="{BB962C8B-B14F-4D97-AF65-F5344CB8AC3E}">
+        <p14:creationId xmlns:p14="http://schemas.microsoft.com/office/powerpoint/2010/main" val="3597991138"/>
+      </p:ext>
+    </p:extLst>
+  </p:cSld>
+  <p:clrMapOvr>
+    <a:masterClrMapping/>
+  </p:clrMapOvr>
+</p:sld>
+</file>
+
+<file path=ppt/slides/slide18.xml><?xml version="1.0" encoding="utf-8"?>
+<p:sld xmlns:a="http://schemas.openxmlformats.org/drawingml/2006/main" xmlns:r="http://schemas.openxmlformats.org/officeDocument/2006/relationships" xmlns:p="http://schemas.openxmlformats.org/presentationml/2006/main">
+  <p:cSld>
+    <p:spTree>
+      <p:nvGrpSpPr>
+        <p:cNvPr id="1" name=""/>
+        <p:cNvGrpSpPr/>
+        <p:nvPr/>
+      </p:nvGrpSpPr>
+      <p:grpSpPr>
+        <a:xfrm>
+          <a:off x="0" y="0"/>
+          <a:ext cx="0" cy="0"/>
+          <a:chOff x="0" y="0"/>
+          <a:chExt cx="0" cy="0"/>
+        </a:xfrm>
+      </p:grpSpPr>
+      <p:sp>
+        <p:nvSpPr>
+          <p:cNvPr id="2" name="Title 1">
+            <a:extLst>
+              <a:ext uri="{FF2B5EF4-FFF2-40B4-BE49-F238E27FC236}">
+                <a16:creationId xmlns:a16="http://schemas.microsoft.com/office/drawing/2014/main" id="{97B9D2B3-2624-8343-AF94-176EB07F0E8D}"/>
+              </a:ext>
+            </a:extLst>
+          </p:cNvPr>
+          <p:cNvSpPr>
+            <a:spLocks noGrp="1"/>
+          </p:cNvSpPr>
+          <p:nvPr>
+            <p:ph type="title"/>
+          </p:nvPr>
+        </p:nvSpPr>
+        <p:spPr>
+          <a:xfrm>
+            <a:off x="4442691" y="157594"/>
+            <a:ext cx="3463637" cy="660111"/>
+          </a:xfrm>
+        </p:spPr>
+        <p:txBody>
+          <a:bodyPr>
+            <a:normAutofit fontScale="90000"/>
+          </a:bodyPr>
+          <a:lstStyle/>
+          <a:p>
+            <a:r>
+              <a:rPr lang="en-US" dirty="0"/>
+              <a:t>UOR </a:t>
+            </a:r>
+            <a:r>
+              <a:rPr lang="en-US" dirty="0" err="1"/>
+              <a:t>Mutator</a:t>
+            </a:r>
+            <a:endParaRPr lang="en-US" dirty="0"/>
+          </a:p>
+        </p:txBody>
+      </p:sp>
+      <p:pic>
+        <p:nvPicPr>
+          <p:cNvPr id="3" name="Picture 2"/>
+          <p:cNvPicPr>
+            <a:picLocks noChangeAspect="1"/>
+          </p:cNvPicPr>
+          <p:nvPr/>
+        </p:nvPicPr>
+        <p:blipFill>
+          <a:blip r:embed="rId2"/>
+          <a:stretch>
+            <a:fillRect/>
+          </a:stretch>
+        </p:blipFill>
+        <p:spPr>
+          <a:xfrm>
+            <a:off x="806654" y="1500008"/>
+            <a:ext cx="3245017" cy="1327218"/>
+          </a:xfrm>
+          <a:prstGeom prst="rect">
+            <a:avLst/>
+          </a:prstGeom>
+          <a:solidFill>
+            <a:srgbClr val="FFFFFF">
+              <a:shade val="85000"/>
+            </a:srgbClr>
+          </a:solidFill>
+          <a:ln w="88900" cap="sq">
+            <a:solidFill>
+              <a:srgbClr val="FFFFFF"/>
+            </a:solidFill>
+            <a:miter lim="800000"/>
+          </a:ln>
+          <a:effectLst>
+            <a:outerShdw blurRad="55000" dist="18000" dir="5400000" algn="tl" rotWithShape="0">
+              <a:srgbClr val="000000">
+                <a:alpha val="40000"/>
+              </a:srgbClr>
+            </a:outerShdw>
+          </a:effectLst>
+          <a:scene3d>
+            <a:camera prst="orthographicFront"/>
+            <a:lightRig rig="twoPt" dir="t">
+              <a:rot lat="0" lon="0" rev="7200000"/>
+            </a:lightRig>
+          </a:scene3d>
+          <a:sp3d>
+            <a:bevelT w="25400" h="19050"/>
+            <a:contourClr>
+              <a:srgbClr val="FFFFFF"/>
+            </a:contourClr>
+          </a:sp3d>
+        </p:spPr>
+      </p:pic>
+      <p:pic>
+        <p:nvPicPr>
+          <p:cNvPr id="7" name="Picture 6"/>
+          <p:cNvPicPr>
+            <a:picLocks noChangeAspect="1"/>
+          </p:cNvPicPr>
+          <p:nvPr/>
+        </p:nvPicPr>
+        <p:blipFill>
+          <a:blip r:embed="rId3"/>
+          <a:stretch>
+            <a:fillRect/>
+          </a:stretch>
+        </p:blipFill>
+        <p:spPr>
+          <a:xfrm>
+            <a:off x="581217" y="3342913"/>
+            <a:ext cx="3695890" cy="2832246"/>
+          </a:xfrm>
+          <a:prstGeom prst="rect">
+            <a:avLst/>
+          </a:prstGeom>
+          <a:solidFill>
+            <a:srgbClr val="FFFFFF">
+              <a:shade val="85000"/>
+            </a:srgbClr>
+          </a:solidFill>
+          <a:ln w="88900" cap="sq">
+            <a:solidFill>
+              <a:srgbClr val="FFFFFF"/>
+            </a:solidFill>
+            <a:miter lim="800000"/>
+          </a:ln>
+          <a:effectLst>
+            <a:outerShdw blurRad="55000" dist="18000" dir="5400000" algn="tl" rotWithShape="0">
+              <a:srgbClr val="000000">
+                <a:alpha val="40000"/>
+              </a:srgbClr>
+            </a:outerShdw>
+          </a:effectLst>
+          <a:scene3d>
+            <a:camera prst="orthographicFront"/>
+            <a:lightRig rig="twoPt" dir="t">
+              <a:rot lat="0" lon="0" rev="7200000"/>
+            </a:lightRig>
+          </a:scene3d>
+          <a:sp3d>
+            <a:bevelT w="25400" h="19050"/>
+            <a:contourClr>
+              <a:srgbClr val="FFFFFF"/>
+            </a:contourClr>
+          </a:sp3d>
+        </p:spPr>
+      </p:pic>
+      <p:pic>
+        <p:nvPicPr>
+          <p:cNvPr id="9" name="Picture 8"/>
+          <p:cNvPicPr>
+            <a:picLocks noChangeAspect="1"/>
+          </p:cNvPicPr>
+          <p:nvPr/>
+        </p:nvPicPr>
+        <p:blipFill>
+          <a:blip r:embed="rId4"/>
+          <a:stretch>
+            <a:fillRect/>
+          </a:stretch>
+        </p:blipFill>
+        <p:spPr>
+          <a:xfrm>
+            <a:off x="5722657" y="1180917"/>
+            <a:ext cx="5327924" cy="4985006"/>
+          </a:xfrm>
+          <a:prstGeom prst="rect">
+            <a:avLst/>
+          </a:prstGeom>
+        </p:spPr>
+      </p:pic>
+    </p:spTree>
+    <p:extLst>
+      <p:ext uri="{BB962C8B-B14F-4D97-AF65-F5344CB8AC3E}">
+        <p14:creationId xmlns:p14="http://schemas.microsoft.com/office/powerpoint/2010/main" val="3625064495"/>
       </p:ext>
     </p:extLst>
   </p:cSld>
